--- a/UIUX/[feature]_png_to_spr.pptx
+++ b/UIUX/[feature]_png_to_spr.pptx
@@ -6,7 +6,12 @@
   </p:sldMasterIdLst>
   <p:sldIdLst>
     <p:sldId id="256" r:id="rId2"/>
-    <p:sldId id="257" r:id="rId3"/>
+    <p:sldId id="258" r:id="rId3"/>
+    <p:sldId id="261" r:id="rId4"/>
+    <p:sldId id="262" r:id="rId5"/>
+    <p:sldId id="263" r:id="rId6"/>
+    <p:sldId id="264" r:id="rId7"/>
+    <p:sldId id="265" r:id="rId8"/>
   </p:sldIdLst>
   <p:sldSz cx="12192000" cy="6858000"/>
   <p:notesSz cx="6858000" cy="9144000"/>
@@ -106,6 +111,33 @@
     </a:lvl9pPr>
   </p:defaultTextStyle>
   <p:extLst>
+    <p:ext uri="{521415D9-36F7-43E2-AB2F-B90AF26B5E84}">
+      <p14:sectionLst xmlns:p14="http://schemas.microsoft.com/office/powerpoint/2010/main">
+        <p14:section name="Display png, jpg" id="{96E406EA-F78D-483C-A72E-B63B758066CC}">
+          <p14:sldIdLst>
+            <p14:sldId id="256"/>
+          </p14:sldIdLst>
+        </p14:section>
+        <p14:section name="Import png to spr edit mode" id="{B8E63740-6E25-453B-91FF-CEB6E0FFACA4}">
+          <p14:sldIdLst>
+            <p14:sldId id="258"/>
+          </p14:sldIdLst>
+        </p14:section>
+        <p14:section name="edit global size" id="{DF241E84-06FD-4E32-BDF9-81719BC9011F}">
+          <p14:sldIdLst>
+            <p14:sldId id="261"/>
+            <p14:sldId id="262"/>
+          </p14:sldIdLst>
+        </p14:section>
+        <p14:section name="Edit global offset" id="{790A1C3E-731E-4F31-9658-32DA5E4EA6C6}">
+          <p14:sldIdLst>
+            <p14:sldId id="263"/>
+            <p14:sldId id="264"/>
+            <p14:sldId id="265"/>
+          </p14:sldIdLst>
+        </p14:section>
+      </p14:sectionLst>
+    </p:ext>
     <p:ext uri="{EFAFB233-063F-42B5-8137-9DF3F51BA10A}">
       <p15:sldGuideLst xmlns:p15="http://schemas.microsoft.com/office/powerpoint/2012/main"/>
     </p:ext>
@@ -260,7 +292,7 @@
           <a:p>
             <a:fld id="{F8D16698-19B9-4DD0-AC84-4B4460A3B13B}" type="datetimeFigureOut">
               <a:rPr lang="en-US" smtClean="0"/>
-              <a:t>9/30/2023</a:t>
+              <a:t>10/1/2023</a:t>
             </a:fld>
             <a:endParaRPr lang="en-US"/>
           </a:p>
@@ -324,412 +356,6 @@
     <p:extLst>
       <p:ext uri="{BB962C8B-B14F-4D97-AF65-F5344CB8AC3E}">
         <p14:creationId xmlns:p14="http://schemas.microsoft.com/office/powerpoint/2010/main" val="4110167099"/>
-      </p:ext>
-    </p:extLst>
-  </p:cSld>
-  <p:clrMapOvr>
-    <a:masterClrMapping/>
-  </p:clrMapOvr>
-</p:sldLayout>
-</file>
-
-<file path=ppt/slideLayouts/slideLayout10.xml><?xml version="1.0" encoding="utf-8"?>
-<p:sldLayout xmlns:a="http://schemas.openxmlformats.org/drawingml/2006/main" xmlns:r="http://schemas.openxmlformats.org/officeDocument/2006/relationships" xmlns:p="http://schemas.openxmlformats.org/presentationml/2006/main" type="vertTx" preserve="1">
-  <p:cSld name="Title and Vertical Text">
-    <p:spTree>
-      <p:nvGrpSpPr>
-        <p:cNvPr id="1" name=""/>
-        <p:cNvGrpSpPr/>
-        <p:nvPr/>
-      </p:nvGrpSpPr>
-      <p:grpSpPr>
-        <a:xfrm>
-          <a:off x="0" y="0"/>
-          <a:ext cx="0" cy="0"/>
-          <a:chOff x="0" y="0"/>
-          <a:chExt cx="0" cy="0"/>
-        </a:xfrm>
-      </p:grpSpPr>
-      <p:sp>
-        <p:nvSpPr>
-          <p:cNvPr id="2" name="Title 1">
-            <a:extLst>
-              <a:ext uri="{FF2B5EF4-FFF2-40B4-BE49-F238E27FC236}">
-                <a16:creationId xmlns:a16="http://schemas.microsoft.com/office/drawing/2014/main" id="{9A3B3F94-062E-422C-9722-D1A1B5A951E2}"/>
-              </a:ext>
-            </a:extLst>
-          </p:cNvPr>
-          <p:cNvSpPr>
-            <a:spLocks noGrp="1"/>
-          </p:cNvSpPr>
-          <p:nvPr>
-            <p:ph type="title"/>
-          </p:nvPr>
-        </p:nvSpPr>
-        <p:spPr/>
-        <p:txBody>
-          <a:bodyPr/>
-          <a:lstStyle/>
-          <a:p>
-            <a:r>
-              <a:rPr lang="en-US"/>
-              <a:t>Click to edit Master title style</a:t>
-            </a:r>
-          </a:p>
-        </p:txBody>
-      </p:sp>
-      <p:sp>
-        <p:nvSpPr>
-          <p:cNvPr id="3" name="Vertical Text Placeholder 2">
-            <a:extLst>
-              <a:ext uri="{FF2B5EF4-FFF2-40B4-BE49-F238E27FC236}">
-                <a16:creationId xmlns:a16="http://schemas.microsoft.com/office/drawing/2014/main" id="{C77874A2-23AA-49D7-AB91-2483E4735C84}"/>
-              </a:ext>
-            </a:extLst>
-          </p:cNvPr>
-          <p:cNvSpPr>
-            <a:spLocks noGrp="1"/>
-          </p:cNvSpPr>
-          <p:nvPr>
-            <p:ph type="body" orient="vert" idx="1"/>
-          </p:nvPr>
-        </p:nvSpPr>
-        <p:spPr/>
-        <p:txBody>
-          <a:bodyPr vert="eaVert"/>
-          <a:lstStyle/>
-          <a:p>
-            <a:pPr lvl="0"/>
-            <a:r>
-              <a:rPr lang="en-US"/>
-              <a:t>Click to edit Master text styles</a:t>
-            </a:r>
-          </a:p>
-          <a:p>
-            <a:pPr lvl="1"/>
-            <a:r>
-              <a:rPr lang="en-US"/>
-              <a:t>Second level</a:t>
-            </a:r>
-          </a:p>
-          <a:p>
-            <a:pPr lvl="2"/>
-            <a:r>
-              <a:rPr lang="en-US"/>
-              <a:t>Third level</a:t>
-            </a:r>
-          </a:p>
-          <a:p>
-            <a:pPr lvl="3"/>
-            <a:r>
-              <a:rPr lang="en-US"/>
-              <a:t>Fourth level</a:t>
-            </a:r>
-          </a:p>
-          <a:p>
-            <a:pPr lvl="4"/>
-            <a:r>
-              <a:rPr lang="en-US"/>
-              <a:t>Fifth level</a:t>
-            </a:r>
-          </a:p>
-        </p:txBody>
-      </p:sp>
-      <p:sp>
-        <p:nvSpPr>
-          <p:cNvPr id="4" name="Date Placeholder 3">
-            <a:extLst>
-              <a:ext uri="{FF2B5EF4-FFF2-40B4-BE49-F238E27FC236}">
-                <a16:creationId xmlns:a16="http://schemas.microsoft.com/office/drawing/2014/main" id="{F8973CAF-14FC-4C69-AD89-851DC836F0C6}"/>
-              </a:ext>
-            </a:extLst>
-          </p:cNvPr>
-          <p:cNvSpPr>
-            <a:spLocks noGrp="1"/>
-          </p:cNvSpPr>
-          <p:nvPr>
-            <p:ph type="dt" sz="half" idx="10"/>
-          </p:nvPr>
-        </p:nvSpPr>
-        <p:spPr/>
-        <p:txBody>
-          <a:bodyPr/>
-          <a:lstStyle/>
-          <a:p>
-            <a:fld id="{F8D16698-19B9-4DD0-AC84-4B4460A3B13B}" type="datetimeFigureOut">
-              <a:rPr lang="en-US" smtClean="0"/>
-              <a:t>9/30/2023</a:t>
-            </a:fld>
-            <a:endParaRPr lang="en-US"/>
-          </a:p>
-        </p:txBody>
-      </p:sp>
-      <p:sp>
-        <p:nvSpPr>
-          <p:cNvPr id="5" name="Footer Placeholder 4">
-            <a:extLst>
-              <a:ext uri="{FF2B5EF4-FFF2-40B4-BE49-F238E27FC236}">
-                <a16:creationId xmlns:a16="http://schemas.microsoft.com/office/drawing/2014/main" id="{65EC1CF3-E67D-4D7B-B19E-358ABEDB915D}"/>
-              </a:ext>
-            </a:extLst>
-          </p:cNvPr>
-          <p:cNvSpPr>
-            <a:spLocks noGrp="1"/>
-          </p:cNvSpPr>
-          <p:nvPr>
-            <p:ph type="ftr" sz="quarter" idx="11"/>
-          </p:nvPr>
-        </p:nvSpPr>
-        <p:spPr/>
-        <p:txBody>
-          <a:bodyPr/>
-          <a:lstStyle/>
-          <a:p>
-            <a:endParaRPr lang="en-US"/>
-          </a:p>
-        </p:txBody>
-      </p:sp>
-      <p:sp>
-        <p:nvSpPr>
-          <p:cNvPr id="6" name="Slide Number Placeholder 5">
-            <a:extLst>
-              <a:ext uri="{FF2B5EF4-FFF2-40B4-BE49-F238E27FC236}">
-                <a16:creationId xmlns:a16="http://schemas.microsoft.com/office/drawing/2014/main" id="{C85D8324-FDE2-4CF2-9A38-86663EC2115D}"/>
-              </a:ext>
-            </a:extLst>
-          </p:cNvPr>
-          <p:cNvSpPr>
-            <a:spLocks noGrp="1"/>
-          </p:cNvSpPr>
-          <p:nvPr>
-            <p:ph type="sldNum" sz="quarter" idx="12"/>
-          </p:nvPr>
-        </p:nvSpPr>
-        <p:spPr/>
-        <p:txBody>
-          <a:bodyPr/>
-          <a:lstStyle/>
-          <a:p>
-            <a:fld id="{DA9B6C06-BD7A-44E8-B822-A9BE07FFE123}" type="slidenum">
-              <a:rPr lang="en-US" smtClean="0"/>
-              <a:t>‹#›</a:t>
-            </a:fld>
-            <a:endParaRPr lang="en-US"/>
-          </a:p>
-        </p:txBody>
-      </p:sp>
-    </p:spTree>
-    <p:extLst>
-      <p:ext uri="{BB962C8B-B14F-4D97-AF65-F5344CB8AC3E}">
-        <p14:creationId xmlns:p14="http://schemas.microsoft.com/office/powerpoint/2010/main" val="3752101239"/>
-      </p:ext>
-    </p:extLst>
-  </p:cSld>
-  <p:clrMapOvr>
-    <a:masterClrMapping/>
-  </p:clrMapOvr>
-</p:sldLayout>
-</file>
-
-<file path=ppt/slideLayouts/slideLayout11.xml><?xml version="1.0" encoding="utf-8"?>
-<p:sldLayout xmlns:a="http://schemas.openxmlformats.org/drawingml/2006/main" xmlns:r="http://schemas.openxmlformats.org/officeDocument/2006/relationships" xmlns:p="http://schemas.openxmlformats.org/presentationml/2006/main" type="vertTitleAndTx" preserve="1">
-  <p:cSld name="Vertical Title and Text">
-    <p:spTree>
-      <p:nvGrpSpPr>
-        <p:cNvPr id="1" name=""/>
-        <p:cNvGrpSpPr/>
-        <p:nvPr/>
-      </p:nvGrpSpPr>
-      <p:grpSpPr>
-        <a:xfrm>
-          <a:off x="0" y="0"/>
-          <a:ext cx="0" cy="0"/>
-          <a:chOff x="0" y="0"/>
-          <a:chExt cx="0" cy="0"/>
-        </a:xfrm>
-      </p:grpSpPr>
-      <p:sp>
-        <p:nvSpPr>
-          <p:cNvPr id="2" name="Vertical Title 1">
-            <a:extLst>
-              <a:ext uri="{FF2B5EF4-FFF2-40B4-BE49-F238E27FC236}">
-                <a16:creationId xmlns:a16="http://schemas.microsoft.com/office/drawing/2014/main" id="{42681A10-28F3-47E8-82B6-008A15052CFB}"/>
-              </a:ext>
-            </a:extLst>
-          </p:cNvPr>
-          <p:cNvSpPr>
-            <a:spLocks noGrp="1"/>
-          </p:cNvSpPr>
-          <p:nvPr>
-            <p:ph type="title" orient="vert"/>
-          </p:nvPr>
-        </p:nvSpPr>
-        <p:spPr>
-          <a:xfrm>
-            <a:off x="8724900" y="365125"/>
-            <a:ext cx="2628900" cy="5811838"/>
-          </a:xfrm>
-        </p:spPr>
-        <p:txBody>
-          <a:bodyPr vert="eaVert"/>
-          <a:lstStyle/>
-          <a:p>
-            <a:r>
-              <a:rPr lang="en-US"/>
-              <a:t>Click to edit Master title style</a:t>
-            </a:r>
-          </a:p>
-        </p:txBody>
-      </p:sp>
-      <p:sp>
-        <p:nvSpPr>
-          <p:cNvPr id="3" name="Vertical Text Placeholder 2">
-            <a:extLst>
-              <a:ext uri="{FF2B5EF4-FFF2-40B4-BE49-F238E27FC236}">
-                <a16:creationId xmlns:a16="http://schemas.microsoft.com/office/drawing/2014/main" id="{C0B58199-DFEB-4CD8-A927-CB9BD8D32C8D}"/>
-              </a:ext>
-            </a:extLst>
-          </p:cNvPr>
-          <p:cNvSpPr>
-            <a:spLocks noGrp="1"/>
-          </p:cNvSpPr>
-          <p:nvPr>
-            <p:ph type="body" orient="vert" idx="1"/>
-          </p:nvPr>
-        </p:nvSpPr>
-        <p:spPr>
-          <a:xfrm>
-            <a:off x="838200" y="365125"/>
-            <a:ext cx="7734300" cy="5811838"/>
-          </a:xfrm>
-        </p:spPr>
-        <p:txBody>
-          <a:bodyPr vert="eaVert"/>
-          <a:lstStyle/>
-          <a:p>
-            <a:pPr lvl="0"/>
-            <a:r>
-              <a:rPr lang="en-US"/>
-              <a:t>Click to edit Master text styles</a:t>
-            </a:r>
-          </a:p>
-          <a:p>
-            <a:pPr lvl="1"/>
-            <a:r>
-              <a:rPr lang="en-US"/>
-              <a:t>Second level</a:t>
-            </a:r>
-          </a:p>
-          <a:p>
-            <a:pPr lvl="2"/>
-            <a:r>
-              <a:rPr lang="en-US"/>
-              <a:t>Third level</a:t>
-            </a:r>
-          </a:p>
-          <a:p>
-            <a:pPr lvl="3"/>
-            <a:r>
-              <a:rPr lang="en-US"/>
-              <a:t>Fourth level</a:t>
-            </a:r>
-          </a:p>
-          <a:p>
-            <a:pPr lvl="4"/>
-            <a:r>
-              <a:rPr lang="en-US"/>
-              <a:t>Fifth level</a:t>
-            </a:r>
-          </a:p>
-        </p:txBody>
-      </p:sp>
-      <p:sp>
-        <p:nvSpPr>
-          <p:cNvPr id="4" name="Date Placeholder 3">
-            <a:extLst>
-              <a:ext uri="{FF2B5EF4-FFF2-40B4-BE49-F238E27FC236}">
-                <a16:creationId xmlns:a16="http://schemas.microsoft.com/office/drawing/2014/main" id="{4EAA720C-75E7-48ED-B2A7-75013EB2B573}"/>
-              </a:ext>
-            </a:extLst>
-          </p:cNvPr>
-          <p:cNvSpPr>
-            <a:spLocks noGrp="1"/>
-          </p:cNvSpPr>
-          <p:nvPr>
-            <p:ph type="dt" sz="half" idx="10"/>
-          </p:nvPr>
-        </p:nvSpPr>
-        <p:spPr/>
-        <p:txBody>
-          <a:bodyPr/>
-          <a:lstStyle/>
-          <a:p>
-            <a:fld id="{F8D16698-19B9-4DD0-AC84-4B4460A3B13B}" type="datetimeFigureOut">
-              <a:rPr lang="en-US" smtClean="0"/>
-              <a:t>9/30/2023</a:t>
-            </a:fld>
-            <a:endParaRPr lang="en-US"/>
-          </a:p>
-        </p:txBody>
-      </p:sp>
-      <p:sp>
-        <p:nvSpPr>
-          <p:cNvPr id="5" name="Footer Placeholder 4">
-            <a:extLst>
-              <a:ext uri="{FF2B5EF4-FFF2-40B4-BE49-F238E27FC236}">
-                <a16:creationId xmlns:a16="http://schemas.microsoft.com/office/drawing/2014/main" id="{AC66743B-35C2-4ED9-B47D-5797EE357BFB}"/>
-              </a:ext>
-            </a:extLst>
-          </p:cNvPr>
-          <p:cNvSpPr>
-            <a:spLocks noGrp="1"/>
-          </p:cNvSpPr>
-          <p:nvPr>
-            <p:ph type="ftr" sz="quarter" idx="11"/>
-          </p:nvPr>
-        </p:nvSpPr>
-        <p:spPr/>
-        <p:txBody>
-          <a:bodyPr/>
-          <a:lstStyle/>
-          <a:p>
-            <a:endParaRPr lang="en-US"/>
-          </a:p>
-        </p:txBody>
-      </p:sp>
-      <p:sp>
-        <p:nvSpPr>
-          <p:cNvPr id="6" name="Slide Number Placeholder 5">
-            <a:extLst>
-              <a:ext uri="{FF2B5EF4-FFF2-40B4-BE49-F238E27FC236}">
-                <a16:creationId xmlns:a16="http://schemas.microsoft.com/office/drawing/2014/main" id="{55165CE9-9F6D-4212-BA6B-350E2BB29D2C}"/>
-              </a:ext>
-            </a:extLst>
-          </p:cNvPr>
-          <p:cNvSpPr>
-            <a:spLocks noGrp="1"/>
-          </p:cNvSpPr>
-          <p:nvPr>
-            <p:ph type="sldNum" sz="quarter" idx="12"/>
-          </p:nvPr>
-        </p:nvSpPr>
-        <p:spPr/>
-        <p:txBody>
-          <a:bodyPr/>
-          <a:lstStyle/>
-          <a:p>
-            <a:fld id="{DA9B6C06-BD7A-44E8-B822-A9BE07FFE123}" type="slidenum">
-              <a:rPr lang="en-US" smtClean="0"/>
-              <a:t>‹#›</a:t>
-            </a:fld>
-            <a:endParaRPr lang="en-US"/>
-          </a:p>
-        </p:txBody>
-      </p:sp>
-    </p:spTree>
-    <p:extLst>
-      <p:ext uri="{BB962C8B-B14F-4D97-AF65-F5344CB8AC3E}">
-        <p14:creationId xmlns:p14="http://schemas.microsoft.com/office/powerpoint/2010/main" val="2199021142"/>
       </p:ext>
     </p:extLst>
   </p:cSld>
@@ -864,7 +490,7 @@
           <a:p>
             <a:fld id="{F8D16698-19B9-4DD0-AC84-4B4460A3B13B}" type="datetimeFigureOut">
               <a:rPr lang="en-US" smtClean="0"/>
-              <a:t>9/30/2023</a:t>
+              <a:t>10/1/2023</a:t>
             </a:fld>
             <a:endParaRPr lang="en-US"/>
           </a:p>
@@ -1139,7 +765,7 @@
           <a:p>
             <a:fld id="{F8D16698-19B9-4DD0-AC84-4B4460A3B13B}" type="datetimeFigureOut">
               <a:rPr lang="en-US" smtClean="0"/>
-              <a:t>9/30/2023</a:t>
+              <a:t>10/1/2023</a:t>
             </a:fld>
             <a:endParaRPr lang="en-US"/>
           </a:p>
@@ -1404,7 +1030,7 @@
           <a:p>
             <a:fld id="{F8D16698-19B9-4DD0-AC84-4B4460A3B13B}" type="datetimeFigureOut">
               <a:rPr lang="en-US" smtClean="0"/>
-              <a:t>9/30/2023</a:t>
+              <a:t>10/1/2023</a:t>
             </a:fld>
             <a:endParaRPr lang="en-US"/>
           </a:p>
@@ -1478,8 +1104,8 @@
 </file>
 
 <file path=ppt/slideLayouts/slideLayout5.xml><?xml version="1.0" encoding="utf-8"?>
-<p:sldLayout xmlns:a="http://schemas.openxmlformats.org/drawingml/2006/main" xmlns:r="http://schemas.openxmlformats.org/officeDocument/2006/relationships" xmlns:p="http://schemas.openxmlformats.org/presentationml/2006/main" type="twoTxTwoObj" preserve="1">
-  <p:cSld name="Comparison">
+<p:sldLayout xmlns:a="http://schemas.openxmlformats.org/drawingml/2006/main" xmlns:r="http://schemas.openxmlformats.org/officeDocument/2006/relationships" xmlns:p="http://schemas.openxmlformats.org/presentationml/2006/main" preserve="1" userDrawn="1">
+  <p:cSld name="Custom Layout">
     <p:spTree>
       <p:nvGrpSpPr>
         <p:cNvPr id="1" name=""/>
@@ -1496,382 +1122,46 @@
       </p:grpSpPr>
       <p:sp>
         <p:nvSpPr>
-          <p:cNvPr id="2" name="Title 1">
-            <a:extLst>
-              <a:ext uri="{FF2B5EF4-FFF2-40B4-BE49-F238E27FC236}">
-                <a16:creationId xmlns:a16="http://schemas.microsoft.com/office/drawing/2014/main" id="{8B14B033-BC83-44B5-9AD8-789129100D4C}"/>
-              </a:ext>
-            </a:extLst>
-          </p:cNvPr>
-          <p:cNvSpPr>
-            <a:spLocks noGrp="1"/>
-          </p:cNvSpPr>
-          <p:nvPr>
-            <p:ph type="title"/>
-          </p:nvPr>
+          <p:cNvPr id="6" name="Rectangle 5">
+            <a:extLst>
+              <a:ext uri="{FF2B5EF4-FFF2-40B4-BE49-F238E27FC236}">
+                <a16:creationId xmlns:a16="http://schemas.microsoft.com/office/drawing/2014/main" id="{AE3D5004-0D08-4F23-B0AF-5200A1B61C0C}"/>
+              </a:ext>
+            </a:extLst>
+          </p:cNvPr>
+          <p:cNvSpPr/>
+          <p:nvPr userDrawn="1"/>
         </p:nvSpPr>
         <p:spPr>
           <a:xfrm>
-            <a:off x="839788" y="365125"/>
-            <a:ext cx="10515600" cy="1325563"/>
-          </a:xfrm>
-        </p:spPr>
+            <a:off x="1679510" y="942392"/>
+            <a:ext cx="5439747" cy="3498979"/>
+          </a:xfrm>
+          <a:prstGeom prst="rect">
+            <a:avLst/>
+          </a:prstGeom>
+        </p:spPr>
+        <p:style>
+          <a:lnRef idx="2">
+            <a:schemeClr val="accent1">
+              <a:shade val="50000"/>
+            </a:schemeClr>
+          </a:lnRef>
+          <a:fillRef idx="1">
+            <a:schemeClr val="accent1"/>
+          </a:fillRef>
+          <a:effectRef idx="0">
+            <a:schemeClr val="accent1"/>
+          </a:effectRef>
+          <a:fontRef idx="minor">
+            <a:schemeClr val="lt1"/>
+          </a:fontRef>
+        </p:style>
         <p:txBody>
-          <a:bodyPr/>
+          <a:bodyPr rtlCol="0" anchor="ctr"/>
           <a:lstStyle/>
           <a:p>
-            <a:r>
-              <a:rPr lang="en-US"/>
-              <a:t>Click to edit Master title style</a:t>
-            </a:r>
-          </a:p>
-        </p:txBody>
-      </p:sp>
-      <p:sp>
-        <p:nvSpPr>
-          <p:cNvPr id="3" name="Text Placeholder 2">
-            <a:extLst>
-              <a:ext uri="{FF2B5EF4-FFF2-40B4-BE49-F238E27FC236}">
-                <a16:creationId xmlns:a16="http://schemas.microsoft.com/office/drawing/2014/main" id="{9E155BFD-7209-4B46-AD71-C01E1EDB224B}"/>
-              </a:ext>
-            </a:extLst>
-          </p:cNvPr>
-          <p:cNvSpPr>
-            <a:spLocks noGrp="1"/>
-          </p:cNvSpPr>
-          <p:nvPr>
-            <p:ph type="body" idx="1"/>
-          </p:nvPr>
-        </p:nvSpPr>
-        <p:spPr>
-          <a:xfrm>
-            <a:off x="839788" y="1681163"/>
-            <a:ext cx="5157787" cy="823912"/>
-          </a:xfrm>
-        </p:spPr>
-        <p:txBody>
-          <a:bodyPr anchor="b"/>
-          <a:lstStyle>
-            <a:lvl1pPr marL="0" indent="0">
-              <a:buNone/>
-              <a:defRPr sz="2400" b="1"/>
-            </a:lvl1pPr>
-            <a:lvl2pPr marL="457200" indent="0">
-              <a:buNone/>
-              <a:defRPr sz="2000" b="1"/>
-            </a:lvl2pPr>
-            <a:lvl3pPr marL="914400" indent="0">
-              <a:buNone/>
-              <a:defRPr sz="1800" b="1"/>
-            </a:lvl3pPr>
-            <a:lvl4pPr marL="1371600" indent="0">
-              <a:buNone/>
-              <a:defRPr sz="1600" b="1"/>
-            </a:lvl4pPr>
-            <a:lvl5pPr marL="1828800" indent="0">
-              <a:buNone/>
-              <a:defRPr sz="1600" b="1"/>
-            </a:lvl5pPr>
-            <a:lvl6pPr marL="2286000" indent="0">
-              <a:buNone/>
-              <a:defRPr sz="1600" b="1"/>
-            </a:lvl6pPr>
-            <a:lvl7pPr marL="2743200" indent="0">
-              <a:buNone/>
-              <a:defRPr sz="1600" b="1"/>
-            </a:lvl7pPr>
-            <a:lvl8pPr marL="3200400" indent="0">
-              <a:buNone/>
-              <a:defRPr sz="1600" b="1"/>
-            </a:lvl8pPr>
-            <a:lvl9pPr marL="3657600" indent="0">
-              <a:buNone/>
-              <a:defRPr sz="1600" b="1"/>
-            </a:lvl9pPr>
-          </a:lstStyle>
-          <a:p>
-            <a:pPr lvl="0"/>
-            <a:r>
-              <a:rPr lang="en-US"/>
-              <a:t>Click to edit Master text styles</a:t>
-            </a:r>
-          </a:p>
-        </p:txBody>
-      </p:sp>
-      <p:sp>
-        <p:nvSpPr>
-          <p:cNvPr id="4" name="Content Placeholder 3">
-            <a:extLst>
-              <a:ext uri="{FF2B5EF4-FFF2-40B4-BE49-F238E27FC236}">
-                <a16:creationId xmlns:a16="http://schemas.microsoft.com/office/drawing/2014/main" id="{15A8ED74-679E-43C5-93F0-9F0B4D8D624C}"/>
-              </a:ext>
-            </a:extLst>
-          </p:cNvPr>
-          <p:cNvSpPr>
-            <a:spLocks noGrp="1"/>
-          </p:cNvSpPr>
-          <p:nvPr>
-            <p:ph sz="half" idx="2"/>
-          </p:nvPr>
-        </p:nvSpPr>
-        <p:spPr>
-          <a:xfrm>
-            <a:off x="839788" y="2505075"/>
-            <a:ext cx="5157787" cy="3684588"/>
-          </a:xfrm>
-        </p:spPr>
-        <p:txBody>
-          <a:bodyPr/>
-          <a:lstStyle/>
-          <a:p>
-            <a:pPr lvl="0"/>
-            <a:r>
-              <a:rPr lang="en-US"/>
-              <a:t>Click to edit Master text styles</a:t>
-            </a:r>
-          </a:p>
-          <a:p>
-            <a:pPr lvl="1"/>
-            <a:r>
-              <a:rPr lang="en-US"/>
-              <a:t>Second level</a:t>
-            </a:r>
-          </a:p>
-          <a:p>
-            <a:pPr lvl="2"/>
-            <a:r>
-              <a:rPr lang="en-US"/>
-              <a:t>Third level</a:t>
-            </a:r>
-          </a:p>
-          <a:p>
-            <a:pPr lvl="3"/>
-            <a:r>
-              <a:rPr lang="en-US"/>
-              <a:t>Fourth level</a:t>
-            </a:r>
-          </a:p>
-          <a:p>
-            <a:pPr lvl="4"/>
-            <a:r>
-              <a:rPr lang="en-US"/>
-              <a:t>Fifth level</a:t>
-            </a:r>
-          </a:p>
-        </p:txBody>
-      </p:sp>
-      <p:sp>
-        <p:nvSpPr>
-          <p:cNvPr id="5" name="Text Placeholder 4">
-            <a:extLst>
-              <a:ext uri="{FF2B5EF4-FFF2-40B4-BE49-F238E27FC236}">
-                <a16:creationId xmlns:a16="http://schemas.microsoft.com/office/drawing/2014/main" id="{087309CC-58A3-4C55-9637-791DA00142AA}"/>
-              </a:ext>
-            </a:extLst>
-          </p:cNvPr>
-          <p:cNvSpPr>
-            <a:spLocks noGrp="1"/>
-          </p:cNvSpPr>
-          <p:nvPr>
-            <p:ph type="body" sz="quarter" idx="3"/>
-          </p:nvPr>
-        </p:nvSpPr>
-        <p:spPr>
-          <a:xfrm>
-            <a:off x="6172200" y="1681163"/>
-            <a:ext cx="5183188" cy="823912"/>
-          </a:xfrm>
-        </p:spPr>
-        <p:txBody>
-          <a:bodyPr anchor="b"/>
-          <a:lstStyle>
-            <a:lvl1pPr marL="0" indent="0">
-              <a:buNone/>
-              <a:defRPr sz="2400" b="1"/>
-            </a:lvl1pPr>
-            <a:lvl2pPr marL="457200" indent="0">
-              <a:buNone/>
-              <a:defRPr sz="2000" b="1"/>
-            </a:lvl2pPr>
-            <a:lvl3pPr marL="914400" indent="0">
-              <a:buNone/>
-              <a:defRPr sz="1800" b="1"/>
-            </a:lvl3pPr>
-            <a:lvl4pPr marL="1371600" indent="0">
-              <a:buNone/>
-              <a:defRPr sz="1600" b="1"/>
-            </a:lvl4pPr>
-            <a:lvl5pPr marL="1828800" indent="0">
-              <a:buNone/>
-              <a:defRPr sz="1600" b="1"/>
-            </a:lvl5pPr>
-            <a:lvl6pPr marL="2286000" indent="0">
-              <a:buNone/>
-              <a:defRPr sz="1600" b="1"/>
-            </a:lvl6pPr>
-            <a:lvl7pPr marL="2743200" indent="0">
-              <a:buNone/>
-              <a:defRPr sz="1600" b="1"/>
-            </a:lvl7pPr>
-            <a:lvl8pPr marL="3200400" indent="0">
-              <a:buNone/>
-              <a:defRPr sz="1600" b="1"/>
-            </a:lvl8pPr>
-            <a:lvl9pPr marL="3657600" indent="0">
-              <a:buNone/>
-              <a:defRPr sz="1600" b="1"/>
-            </a:lvl9pPr>
-          </a:lstStyle>
-          <a:p>
-            <a:pPr lvl="0"/>
-            <a:r>
-              <a:rPr lang="en-US"/>
-              <a:t>Click to edit Master text styles</a:t>
-            </a:r>
-          </a:p>
-        </p:txBody>
-      </p:sp>
-      <p:sp>
-        <p:nvSpPr>
-          <p:cNvPr id="6" name="Content Placeholder 5">
-            <a:extLst>
-              <a:ext uri="{FF2B5EF4-FFF2-40B4-BE49-F238E27FC236}">
-                <a16:creationId xmlns:a16="http://schemas.microsoft.com/office/drawing/2014/main" id="{FDCDD112-B580-432D-9F9B-88928CE6170C}"/>
-              </a:ext>
-            </a:extLst>
-          </p:cNvPr>
-          <p:cNvSpPr>
-            <a:spLocks noGrp="1"/>
-          </p:cNvSpPr>
-          <p:nvPr>
-            <p:ph sz="quarter" idx="4"/>
-          </p:nvPr>
-        </p:nvSpPr>
-        <p:spPr>
-          <a:xfrm>
-            <a:off x="6172200" y="2505075"/>
-            <a:ext cx="5183188" cy="3684588"/>
-          </a:xfrm>
-        </p:spPr>
-        <p:txBody>
-          <a:bodyPr/>
-          <a:lstStyle/>
-          <a:p>
-            <a:pPr lvl="0"/>
-            <a:r>
-              <a:rPr lang="en-US"/>
-              <a:t>Click to edit Master text styles</a:t>
-            </a:r>
-          </a:p>
-          <a:p>
-            <a:pPr lvl="1"/>
-            <a:r>
-              <a:rPr lang="en-US"/>
-              <a:t>Second level</a:t>
-            </a:r>
-          </a:p>
-          <a:p>
-            <a:pPr lvl="2"/>
-            <a:r>
-              <a:rPr lang="en-US"/>
-              <a:t>Third level</a:t>
-            </a:r>
-          </a:p>
-          <a:p>
-            <a:pPr lvl="3"/>
-            <a:r>
-              <a:rPr lang="en-US"/>
-              <a:t>Fourth level</a:t>
-            </a:r>
-          </a:p>
-          <a:p>
-            <a:pPr lvl="4"/>
-            <a:r>
-              <a:rPr lang="en-US"/>
-              <a:t>Fifth level</a:t>
-            </a:r>
-          </a:p>
-        </p:txBody>
-      </p:sp>
-      <p:sp>
-        <p:nvSpPr>
-          <p:cNvPr id="7" name="Date Placeholder 6">
-            <a:extLst>
-              <a:ext uri="{FF2B5EF4-FFF2-40B4-BE49-F238E27FC236}">
-                <a16:creationId xmlns:a16="http://schemas.microsoft.com/office/drawing/2014/main" id="{DC219184-4C0C-4FA5-AFA0-E6CEB1ECFB37}"/>
-              </a:ext>
-            </a:extLst>
-          </p:cNvPr>
-          <p:cNvSpPr>
-            <a:spLocks noGrp="1"/>
-          </p:cNvSpPr>
-          <p:nvPr>
-            <p:ph type="dt" sz="half" idx="10"/>
-          </p:nvPr>
-        </p:nvSpPr>
-        <p:spPr/>
-        <p:txBody>
-          <a:bodyPr/>
-          <a:lstStyle/>
-          <a:p>
-            <a:fld id="{F8D16698-19B9-4DD0-AC84-4B4460A3B13B}" type="datetimeFigureOut">
-              <a:rPr lang="en-US" smtClean="0"/>
-              <a:t>9/30/2023</a:t>
-            </a:fld>
-            <a:endParaRPr lang="en-US"/>
-          </a:p>
-        </p:txBody>
-      </p:sp>
-      <p:sp>
-        <p:nvSpPr>
-          <p:cNvPr id="8" name="Footer Placeholder 7">
-            <a:extLst>
-              <a:ext uri="{FF2B5EF4-FFF2-40B4-BE49-F238E27FC236}">
-                <a16:creationId xmlns:a16="http://schemas.microsoft.com/office/drawing/2014/main" id="{ED846B6B-9531-417E-930A-9D5087C1B9B9}"/>
-              </a:ext>
-            </a:extLst>
-          </p:cNvPr>
-          <p:cNvSpPr>
-            <a:spLocks noGrp="1"/>
-          </p:cNvSpPr>
-          <p:nvPr>
-            <p:ph type="ftr" sz="quarter" idx="11"/>
-          </p:nvPr>
-        </p:nvSpPr>
-        <p:spPr/>
-        <p:txBody>
-          <a:bodyPr/>
-          <a:lstStyle/>
-          <a:p>
-            <a:endParaRPr lang="en-US"/>
-          </a:p>
-        </p:txBody>
-      </p:sp>
-      <p:sp>
-        <p:nvSpPr>
-          <p:cNvPr id="9" name="Slide Number Placeholder 8">
-            <a:extLst>
-              <a:ext uri="{FF2B5EF4-FFF2-40B4-BE49-F238E27FC236}">
-                <a16:creationId xmlns:a16="http://schemas.microsoft.com/office/drawing/2014/main" id="{9FB4451D-E150-436D-8682-52F9A4907A51}"/>
-              </a:ext>
-            </a:extLst>
-          </p:cNvPr>
-          <p:cNvSpPr>
-            <a:spLocks noGrp="1"/>
-          </p:cNvSpPr>
-          <p:nvPr>
-            <p:ph type="sldNum" sz="quarter" idx="12"/>
-          </p:nvPr>
-        </p:nvSpPr>
-        <p:spPr/>
-        <p:txBody>
-          <a:bodyPr/>
-          <a:lstStyle/>
-          <a:p>
-            <a:fld id="{DA9B6C06-BD7A-44E8-B822-A9BE07FFE123}" type="slidenum">
-              <a:rPr lang="en-US" smtClean="0"/>
-              <a:t>‹#›</a:t>
-            </a:fld>
+            <a:pPr algn="ctr"/>
             <a:endParaRPr lang="en-US"/>
           </a:p>
         </p:txBody>
@@ -1879,860 +1169,7 @@
     </p:spTree>
     <p:extLst>
       <p:ext uri="{BB962C8B-B14F-4D97-AF65-F5344CB8AC3E}">
-        <p14:creationId xmlns:p14="http://schemas.microsoft.com/office/powerpoint/2010/main" val="2781332243"/>
-      </p:ext>
-    </p:extLst>
-  </p:cSld>
-  <p:clrMapOvr>
-    <a:masterClrMapping/>
-  </p:clrMapOvr>
-</p:sldLayout>
-</file>
-
-<file path=ppt/slideLayouts/slideLayout6.xml><?xml version="1.0" encoding="utf-8"?>
-<p:sldLayout xmlns:a="http://schemas.openxmlformats.org/drawingml/2006/main" xmlns:r="http://schemas.openxmlformats.org/officeDocument/2006/relationships" xmlns:p="http://schemas.openxmlformats.org/presentationml/2006/main" type="titleOnly" preserve="1">
-  <p:cSld name="Title Only">
-    <p:spTree>
-      <p:nvGrpSpPr>
-        <p:cNvPr id="1" name=""/>
-        <p:cNvGrpSpPr/>
-        <p:nvPr/>
-      </p:nvGrpSpPr>
-      <p:grpSpPr>
-        <a:xfrm>
-          <a:off x="0" y="0"/>
-          <a:ext cx="0" cy="0"/>
-          <a:chOff x="0" y="0"/>
-          <a:chExt cx="0" cy="0"/>
-        </a:xfrm>
-      </p:grpSpPr>
-      <p:sp>
-        <p:nvSpPr>
-          <p:cNvPr id="2" name="Title 1">
-            <a:extLst>
-              <a:ext uri="{FF2B5EF4-FFF2-40B4-BE49-F238E27FC236}">
-                <a16:creationId xmlns:a16="http://schemas.microsoft.com/office/drawing/2014/main" id="{F3BBD565-7FBB-402D-BA67-045195C5C866}"/>
-              </a:ext>
-            </a:extLst>
-          </p:cNvPr>
-          <p:cNvSpPr>
-            <a:spLocks noGrp="1"/>
-          </p:cNvSpPr>
-          <p:nvPr>
-            <p:ph type="title"/>
-          </p:nvPr>
-        </p:nvSpPr>
-        <p:spPr/>
-        <p:txBody>
-          <a:bodyPr/>
-          <a:lstStyle/>
-          <a:p>
-            <a:r>
-              <a:rPr lang="en-US"/>
-              <a:t>Click to edit Master title style</a:t>
-            </a:r>
-          </a:p>
-        </p:txBody>
-      </p:sp>
-      <p:sp>
-        <p:nvSpPr>
-          <p:cNvPr id="3" name="Date Placeholder 2">
-            <a:extLst>
-              <a:ext uri="{FF2B5EF4-FFF2-40B4-BE49-F238E27FC236}">
-                <a16:creationId xmlns:a16="http://schemas.microsoft.com/office/drawing/2014/main" id="{00BBE908-C271-405F-92BB-73B8B11A9B27}"/>
-              </a:ext>
-            </a:extLst>
-          </p:cNvPr>
-          <p:cNvSpPr>
-            <a:spLocks noGrp="1"/>
-          </p:cNvSpPr>
-          <p:nvPr>
-            <p:ph type="dt" sz="half" idx="10"/>
-          </p:nvPr>
-        </p:nvSpPr>
-        <p:spPr/>
-        <p:txBody>
-          <a:bodyPr/>
-          <a:lstStyle/>
-          <a:p>
-            <a:fld id="{F8D16698-19B9-4DD0-AC84-4B4460A3B13B}" type="datetimeFigureOut">
-              <a:rPr lang="en-US" smtClean="0"/>
-              <a:t>9/30/2023</a:t>
-            </a:fld>
-            <a:endParaRPr lang="en-US"/>
-          </a:p>
-        </p:txBody>
-      </p:sp>
-      <p:sp>
-        <p:nvSpPr>
-          <p:cNvPr id="4" name="Footer Placeholder 3">
-            <a:extLst>
-              <a:ext uri="{FF2B5EF4-FFF2-40B4-BE49-F238E27FC236}">
-                <a16:creationId xmlns:a16="http://schemas.microsoft.com/office/drawing/2014/main" id="{96F1A1D8-9279-4C40-BFFC-C24000E56A7C}"/>
-              </a:ext>
-            </a:extLst>
-          </p:cNvPr>
-          <p:cNvSpPr>
-            <a:spLocks noGrp="1"/>
-          </p:cNvSpPr>
-          <p:nvPr>
-            <p:ph type="ftr" sz="quarter" idx="11"/>
-          </p:nvPr>
-        </p:nvSpPr>
-        <p:spPr/>
-        <p:txBody>
-          <a:bodyPr/>
-          <a:lstStyle/>
-          <a:p>
-            <a:endParaRPr lang="en-US"/>
-          </a:p>
-        </p:txBody>
-      </p:sp>
-      <p:sp>
-        <p:nvSpPr>
-          <p:cNvPr id="5" name="Slide Number Placeholder 4">
-            <a:extLst>
-              <a:ext uri="{FF2B5EF4-FFF2-40B4-BE49-F238E27FC236}">
-                <a16:creationId xmlns:a16="http://schemas.microsoft.com/office/drawing/2014/main" id="{824A7FE9-85A8-4F02-92E4-9644300F084F}"/>
-              </a:ext>
-            </a:extLst>
-          </p:cNvPr>
-          <p:cNvSpPr>
-            <a:spLocks noGrp="1"/>
-          </p:cNvSpPr>
-          <p:nvPr>
-            <p:ph type="sldNum" sz="quarter" idx="12"/>
-          </p:nvPr>
-        </p:nvSpPr>
-        <p:spPr/>
-        <p:txBody>
-          <a:bodyPr/>
-          <a:lstStyle/>
-          <a:p>
-            <a:fld id="{DA9B6C06-BD7A-44E8-B822-A9BE07FFE123}" type="slidenum">
-              <a:rPr lang="en-US" smtClean="0"/>
-              <a:t>‹#›</a:t>
-            </a:fld>
-            <a:endParaRPr lang="en-US"/>
-          </a:p>
-        </p:txBody>
-      </p:sp>
-    </p:spTree>
-    <p:extLst>
-      <p:ext uri="{BB962C8B-B14F-4D97-AF65-F5344CB8AC3E}">
-        <p14:creationId xmlns:p14="http://schemas.microsoft.com/office/powerpoint/2010/main" val="2328084567"/>
-      </p:ext>
-    </p:extLst>
-  </p:cSld>
-  <p:clrMapOvr>
-    <a:masterClrMapping/>
-  </p:clrMapOvr>
-</p:sldLayout>
-</file>
-
-<file path=ppt/slideLayouts/slideLayout7.xml><?xml version="1.0" encoding="utf-8"?>
-<p:sldLayout xmlns:a="http://schemas.openxmlformats.org/drawingml/2006/main" xmlns:r="http://schemas.openxmlformats.org/officeDocument/2006/relationships" xmlns:p="http://schemas.openxmlformats.org/presentationml/2006/main" type="blank" preserve="1">
-  <p:cSld name="Blank">
-    <p:spTree>
-      <p:nvGrpSpPr>
-        <p:cNvPr id="1" name=""/>
-        <p:cNvGrpSpPr/>
-        <p:nvPr/>
-      </p:nvGrpSpPr>
-      <p:grpSpPr>
-        <a:xfrm>
-          <a:off x="0" y="0"/>
-          <a:ext cx="0" cy="0"/>
-          <a:chOff x="0" y="0"/>
-          <a:chExt cx="0" cy="0"/>
-        </a:xfrm>
-      </p:grpSpPr>
-      <p:sp>
-        <p:nvSpPr>
-          <p:cNvPr id="2" name="Date Placeholder 1">
-            <a:extLst>
-              <a:ext uri="{FF2B5EF4-FFF2-40B4-BE49-F238E27FC236}">
-                <a16:creationId xmlns:a16="http://schemas.microsoft.com/office/drawing/2014/main" id="{7DB724FA-D8F5-4DA9-B2F2-DC75EBDB7293}"/>
-              </a:ext>
-            </a:extLst>
-          </p:cNvPr>
-          <p:cNvSpPr>
-            <a:spLocks noGrp="1"/>
-          </p:cNvSpPr>
-          <p:nvPr>
-            <p:ph type="dt" sz="half" idx="10"/>
-          </p:nvPr>
-        </p:nvSpPr>
-        <p:spPr/>
-        <p:txBody>
-          <a:bodyPr/>
-          <a:lstStyle/>
-          <a:p>
-            <a:fld id="{F8D16698-19B9-4DD0-AC84-4B4460A3B13B}" type="datetimeFigureOut">
-              <a:rPr lang="en-US" smtClean="0"/>
-              <a:t>9/30/2023</a:t>
-            </a:fld>
-            <a:endParaRPr lang="en-US"/>
-          </a:p>
-        </p:txBody>
-      </p:sp>
-      <p:sp>
-        <p:nvSpPr>
-          <p:cNvPr id="3" name="Footer Placeholder 2">
-            <a:extLst>
-              <a:ext uri="{FF2B5EF4-FFF2-40B4-BE49-F238E27FC236}">
-                <a16:creationId xmlns:a16="http://schemas.microsoft.com/office/drawing/2014/main" id="{69275C93-C457-4FD7-9922-83710D9BCD07}"/>
-              </a:ext>
-            </a:extLst>
-          </p:cNvPr>
-          <p:cNvSpPr>
-            <a:spLocks noGrp="1"/>
-          </p:cNvSpPr>
-          <p:nvPr>
-            <p:ph type="ftr" sz="quarter" idx="11"/>
-          </p:nvPr>
-        </p:nvSpPr>
-        <p:spPr/>
-        <p:txBody>
-          <a:bodyPr/>
-          <a:lstStyle/>
-          <a:p>
-            <a:endParaRPr lang="en-US"/>
-          </a:p>
-        </p:txBody>
-      </p:sp>
-      <p:sp>
-        <p:nvSpPr>
-          <p:cNvPr id="4" name="Slide Number Placeholder 3">
-            <a:extLst>
-              <a:ext uri="{FF2B5EF4-FFF2-40B4-BE49-F238E27FC236}">
-                <a16:creationId xmlns:a16="http://schemas.microsoft.com/office/drawing/2014/main" id="{61187D41-C43E-4498-92DD-6E95E13D31E0}"/>
-              </a:ext>
-            </a:extLst>
-          </p:cNvPr>
-          <p:cNvSpPr>
-            <a:spLocks noGrp="1"/>
-          </p:cNvSpPr>
-          <p:nvPr>
-            <p:ph type="sldNum" sz="quarter" idx="12"/>
-          </p:nvPr>
-        </p:nvSpPr>
-        <p:spPr/>
-        <p:txBody>
-          <a:bodyPr/>
-          <a:lstStyle/>
-          <a:p>
-            <a:fld id="{DA9B6C06-BD7A-44E8-B822-A9BE07FFE123}" type="slidenum">
-              <a:rPr lang="en-US" smtClean="0"/>
-              <a:t>‹#›</a:t>
-            </a:fld>
-            <a:endParaRPr lang="en-US"/>
-          </a:p>
-        </p:txBody>
-      </p:sp>
-    </p:spTree>
-    <p:extLst>
-      <p:ext uri="{BB962C8B-B14F-4D97-AF65-F5344CB8AC3E}">
-        <p14:creationId xmlns:p14="http://schemas.microsoft.com/office/powerpoint/2010/main" val="2790426830"/>
-      </p:ext>
-    </p:extLst>
-  </p:cSld>
-  <p:clrMapOvr>
-    <a:masterClrMapping/>
-  </p:clrMapOvr>
-</p:sldLayout>
-</file>
-
-<file path=ppt/slideLayouts/slideLayout8.xml><?xml version="1.0" encoding="utf-8"?>
-<p:sldLayout xmlns:a="http://schemas.openxmlformats.org/drawingml/2006/main" xmlns:r="http://schemas.openxmlformats.org/officeDocument/2006/relationships" xmlns:p="http://schemas.openxmlformats.org/presentationml/2006/main" type="objTx" preserve="1">
-  <p:cSld name="Content with Caption">
-    <p:spTree>
-      <p:nvGrpSpPr>
-        <p:cNvPr id="1" name=""/>
-        <p:cNvGrpSpPr/>
-        <p:nvPr/>
-      </p:nvGrpSpPr>
-      <p:grpSpPr>
-        <a:xfrm>
-          <a:off x="0" y="0"/>
-          <a:ext cx="0" cy="0"/>
-          <a:chOff x="0" y="0"/>
-          <a:chExt cx="0" cy="0"/>
-        </a:xfrm>
-      </p:grpSpPr>
-      <p:sp>
-        <p:nvSpPr>
-          <p:cNvPr id="2" name="Title 1">
-            <a:extLst>
-              <a:ext uri="{FF2B5EF4-FFF2-40B4-BE49-F238E27FC236}">
-                <a16:creationId xmlns:a16="http://schemas.microsoft.com/office/drawing/2014/main" id="{F1807B8D-C27D-4ED2-B83F-4C6AE932E538}"/>
-              </a:ext>
-            </a:extLst>
-          </p:cNvPr>
-          <p:cNvSpPr>
-            <a:spLocks noGrp="1"/>
-          </p:cNvSpPr>
-          <p:nvPr>
-            <p:ph type="title"/>
-          </p:nvPr>
-        </p:nvSpPr>
-        <p:spPr>
-          <a:xfrm>
-            <a:off x="839788" y="457200"/>
-            <a:ext cx="3932237" cy="1600200"/>
-          </a:xfrm>
-        </p:spPr>
-        <p:txBody>
-          <a:bodyPr anchor="b"/>
-          <a:lstStyle>
-            <a:lvl1pPr>
-              <a:defRPr sz="3200"/>
-            </a:lvl1pPr>
-          </a:lstStyle>
-          <a:p>
-            <a:r>
-              <a:rPr lang="en-US"/>
-              <a:t>Click to edit Master title style</a:t>
-            </a:r>
-          </a:p>
-        </p:txBody>
-      </p:sp>
-      <p:sp>
-        <p:nvSpPr>
-          <p:cNvPr id="3" name="Content Placeholder 2">
-            <a:extLst>
-              <a:ext uri="{FF2B5EF4-FFF2-40B4-BE49-F238E27FC236}">
-                <a16:creationId xmlns:a16="http://schemas.microsoft.com/office/drawing/2014/main" id="{8B3AC69D-17D6-4183-A810-79FC3FCF0648}"/>
-              </a:ext>
-            </a:extLst>
-          </p:cNvPr>
-          <p:cNvSpPr>
-            <a:spLocks noGrp="1"/>
-          </p:cNvSpPr>
-          <p:nvPr>
-            <p:ph idx="1"/>
-          </p:nvPr>
-        </p:nvSpPr>
-        <p:spPr>
-          <a:xfrm>
-            <a:off x="5183188" y="987425"/>
-            <a:ext cx="6172200" cy="4873625"/>
-          </a:xfrm>
-        </p:spPr>
-        <p:txBody>
-          <a:bodyPr/>
-          <a:lstStyle>
-            <a:lvl1pPr>
-              <a:defRPr sz="3200"/>
-            </a:lvl1pPr>
-            <a:lvl2pPr>
-              <a:defRPr sz="2800"/>
-            </a:lvl2pPr>
-            <a:lvl3pPr>
-              <a:defRPr sz="2400"/>
-            </a:lvl3pPr>
-            <a:lvl4pPr>
-              <a:defRPr sz="2000"/>
-            </a:lvl4pPr>
-            <a:lvl5pPr>
-              <a:defRPr sz="2000"/>
-            </a:lvl5pPr>
-            <a:lvl6pPr>
-              <a:defRPr sz="2000"/>
-            </a:lvl6pPr>
-            <a:lvl7pPr>
-              <a:defRPr sz="2000"/>
-            </a:lvl7pPr>
-            <a:lvl8pPr>
-              <a:defRPr sz="2000"/>
-            </a:lvl8pPr>
-            <a:lvl9pPr>
-              <a:defRPr sz="2000"/>
-            </a:lvl9pPr>
-          </a:lstStyle>
-          <a:p>
-            <a:pPr lvl="0"/>
-            <a:r>
-              <a:rPr lang="en-US"/>
-              <a:t>Click to edit Master text styles</a:t>
-            </a:r>
-          </a:p>
-          <a:p>
-            <a:pPr lvl="1"/>
-            <a:r>
-              <a:rPr lang="en-US"/>
-              <a:t>Second level</a:t>
-            </a:r>
-          </a:p>
-          <a:p>
-            <a:pPr lvl="2"/>
-            <a:r>
-              <a:rPr lang="en-US"/>
-              <a:t>Third level</a:t>
-            </a:r>
-          </a:p>
-          <a:p>
-            <a:pPr lvl="3"/>
-            <a:r>
-              <a:rPr lang="en-US"/>
-              <a:t>Fourth level</a:t>
-            </a:r>
-          </a:p>
-          <a:p>
-            <a:pPr lvl="4"/>
-            <a:r>
-              <a:rPr lang="en-US"/>
-              <a:t>Fifth level</a:t>
-            </a:r>
-          </a:p>
-        </p:txBody>
-      </p:sp>
-      <p:sp>
-        <p:nvSpPr>
-          <p:cNvPr id="4" name="Text Placeholder 3">
-            <a:extLst>
-              <a:ext uri="{FF2B5EF4-FFF2-40B4-BE49-F238E27FC236}">
-                <a16:creationId xmlns:a16="http://schemas.microsoft.com/office/drawing/2014/main" id="{9901AFE7-0E39-463F-8180-B2C3D914B78F}"/>
-              </a:ext>
-            </a:extLst>
-          </p:cNvPr>
-          <p:cNvSpPr>
-            <a:spLocks noGrp="1"/>
-          </p:cNvSpPr>
-          <p:nvPr>
-            <p:ph type="body" sz="half" idx="2"/>
-          </p:nvPr>
-        </p:nvSpPr>
-        <p:spPr>
-          <a:xfrm>
-            <a:off x="839788" y="2057400"/>
-            <a:ext cx="3932237" cy="3811588"/>
-          </a:xfrm>
-        </p:spPr>
-        <p:txBody>
-          <a:bodyPr/>
-          <a:lstStyle>
-            <a:lvl1pPr marL="0" indent="0">
-              <a:buNone/>
-              <a:defRPr sz="1600"/>
-            </a:lvl1pPr>
-            <a:lvl2pPr marL="457200" indent="0">
-              <a:buNone/>
-              <a:defRPr sz="1400"/>
-            </a:lvl2pPr>
-            <a:lvl3pPr marL="914400" indent="0">
-              <a:buNone/>
-              <a:defRPr sz="1200"/>
-            </a:lvl3pPr>
-            <a:lvl4pPr marL="1371600" indent="0">
-              <a:buNone/>
-              <a:defRPr sz="1000"/>
-            </a:lvl4pPr>
-            <a:lvl5pPr marL="1828800" indent="0">
-              <a:buNone/>
-              <a:defRPr sz="1000"/>
-            </a:lvl5pPr>
-            <a:lvl6pPr marL="2286000" indent="0">
-              <a:buNone/>
-              <a:defRPr sz="1000"/>
-            </a:lvl6pPr>
-            <a:lvl7pPr marL="2743200" indent="0">
-              <a:buNone/>
-              <a:defRPr sz="1000"/>
-            </a:lvl7pPr>
-            <a:lvl8pPr marL="3200400" indent="0">
-              <a:buNone/>
-              <a:defRPr sz="1000"/>
-            </a:lvl8pPr>
-            <a:lvl9pPr marL="3657600" indent="0">
-              <a:buNone/>
-              <a:defRPr sz="1000"/>
-            </a:lvl9pPr>
-          </a:lstStyle>
-          <a:p>
-            <a:pPr lvl="0"/>
-            <a:r>
-              <a:rPr lang="en-US"/>
-              <a:t>Click to edit Master text styles</a:t>
-            </a:r>
-          </a:p>
-        </p:txBody>
-      </p:sp>
-      <p:sp>
-        <p:nvSpPr>
-          <p:cNvPr id="5" name="Date Placeholder 4">
-            <a:extLst>
-              <a:ext uri="{FF2B5EF4-FFF2-40B4-BE49-F238E27FC236}">
-                <a16:creationId xmlns:a16="http://schemas.microsoft.com/office/drawing/2014/main" id="{EED31FE1-6860-475B-BC7C-0B12AB39D13D}"/>
-              </a:ext>
-            </a:extLst>
-          </p:cNvPr>
-          <p:cNvSpPr>
-            <a:spLocks noGrp="1"/>
-          </p:cNvSpPr>
-          <p:nvPr>
-            <p:ph type="dt" sz="half" idx="10"/>
-          </p:nvPr>
-        </p:nvSpPr>
-        <p:spPr/>
-        <p:txBody>
-          <a:bodyPr/>
-          <a:lstStyle/>
-          <a:p>
-            <a:fld id="{F8D16698-19B9-4DD0-AC84-4B4460A3B13B}" type="datetimeFigureOut">
-              <a:rPr lang="en-US" smtClean="0"/>
-              <a:t>9/30/2023</a:t>
-            </a:fld>
-            <a:endParaRPr lang="en-US"/>
-          </a:p>
-        </p:txBody>
-      </p:sp>
-      <p:sp>
-        <p:nvSpPr>
-          <p:cNvPr id="6" name="Footer Placeholder 5">
-            <a:extLst>
-              <a:ext uri="{FF2B5EF4-FFF2-40B4-BE49-F238E27FC236}">
-                <a16:creationId xmlns:a16="http://schemas.microsoft.com/office/drawing/2014/main" id="{61A00AB7-C719-4BEC-81FF-0FD5934AC507}"/>
-              </a:ext>
-            </a:extLst>
-          </p:cNvPr>
-          <p:cNvSpPr>
-            <a:spLocks noGrp="1"/>
-          </p:cNvSpPr>
-          <p:nvPr>
-            <p:ph type="ftr" sz="quarter" idx="11"/>
-          </p:nvPr>
-        </p:nvSpPr>
-        <p:spPr/>
-        <p:txBody>
-          <a:bodyPr/>
-          <a:lstStyle/>
-          <a:p>
-            <a:endParaRPr lang="en-US"/>
-          </a:p>
-        </p:txBody>
-      </p:sp>
-      <p:sp>
-        <p:nvSpPr>
-          <p:cNvPr id="7" name="Slide Number Placeholder 6">
-            <a:extLst>
-              <a:ext uri="{FF2B5EF4-FFF2-40B4-BE49-F238E27FC236}">
-                <a16:creationId xmlns:a16="http://schemas.microsoft.com/office/drawing/2014/main" id="{C3CC4617-D934-489F-9BDD-0A9E9809A343}"/>
-              </a:ext>
-            </a:extLst>
-          </p:cNvPr>
-          <p:cNvSpPr>
-            <a:spLocks noGrp="1"/>
-          </p:cNvSpPr>
-          <p:nvPr>
-            <p:ph type="sldNum" sz="quarter" idx="12"/>
-          </p:nvPr>
-        </p:nvSpPr>
-        <p:spPr/>
-        <p:txBody>
-          <a:bodyPr/>
-          <a:lstStyle/>
-          <a:p>
-            <a:fld id="{DA9B6C06-BD7A-44E8-B822-A9BE07FFE123}" type="slidenum">
-              <a:rPr lang="en-US" smtClean="0"/>
-              <a:t>‹#›</a:t>
-            </a:fld>
-            <a:endParaRPr lang="en-US"/>
-          </a:p>
-        </p:txBody>
-      </p:sp>
-    </p:spTree>
-    <p:extLst>
-      <p:ext uri="{BB962C8B-B14F-4D97-AF65-F5344CB8AC3E}">
-        <p14:creationId xmlns:p14="http://schemas.microsoft.com/office/powerpoint/2010/main" val="1293321934"/>
-      </p:ext>
-    </p:extLst>
-  </p:cSld>
-  <p:clrMapOvr>
-    <a:masterClrMapping/>
-  </p:clrMapOvr>
-</p:sldLayout>
-</file>
-
-<file path=ppt/slideLayouts/slideLayout9.xml><?xml version="1.0" encoding="utf-8"?>
-<p:sldLayout xmlns:a="http://schemas.openxmlformats.org/drawingml/2006/main" xmlns:r="http://schemas.openxmlformats.org/officeDocument/2006/relationships" xmlns:p="http://schemas.openxmlformats.org/presentationml/2006/main" type="picTx" preserve="1">
-  <p:cSld name="Picture with Caption">
-    <p:spTree>
-      <p:nvGrpSpPr>
-        <p:cNvPr id="1" name=""/>
-        <p:cNvGrpSpPr/>
-        <p:nvPr/>
-      </p:nvGrpSpPr>
-      <p:grpSpPr>
-        <a:xfrm>
-          <a:off x="0" y="0"/>
-          <a:ext cx="0" cy="0"/>
-          <a:chOff x="0" y="0"/>
-          <a:chExt cx="0" cy="0"/>
-        </a:xfrm>
-      </p:grpSpPr>
-      <p:sp>
-        <p:nvSpPr>
-          <p:cNvPr id="2" name="Title 1">
-            <a:extLst>
-              <a:ext uri="{FF2B5EF4-FFF2-40B4-BE49-F238E27FC236}">
-                <a16:creationId xmlns:a16="http://schemas.microsoft.com/office/drawing/2014/main" id="{77A69134-25AE-487D-95DF-343444F4E625}"/>
-              </a:ext>
-            </a:extLst>
-          </p:cNvPr>
-          <p:cNvSpPr>
-            <a:spLocks noGrp="1"/>
-          </p:cNvSpPr>
-          <p:nvPr>
-            <p:ph type="title"/>
-          </p:nvPr>
-        </p:nvSpPr>
-        <p:spPr>
-          <a:xfrm>
-            <a:off x="839788" y="457200"/>
-            <a:ext cx="3932237" cy="1600200"/>
-          </a:xfrm>
-        </p:spPr>
-        <p:txBody>
-          <a:bodyPr anchor="b"/>
-          <a:lstStyle>
-            <a:lvl1pPr>
-              <a:defRPr sz="3200"/>
-            </a:lvl1pPr>
-          </a:lstStyle>
-          <a:p>
-            <a:r>
-              <a:rPr lang="en-US"/>
-              <a:t>Click to edit Master title style</a:t>
-            </a:r>
-          </a:p>
-        </p:txBody>
-      </p:sp>
-      <p:sp>
-        <p:nvSpPr>
-          <p:cNvPr id="3" name="Picture Placeholder 2">
-            <a:extLst>
-              <a:ext uri="{FF2B5EF4-FFF2-40B4-BE49-F238E27FC236}">
-                <a16:creationId xmlns:a16="http://schemas.microsoft.com/office/drawing/2014/main" id="{F087B0F1-BCB2-4DAF-8299-54D02F09B6CE}"/>
-              </a:ext>
-            </a:extLst>
-          </p:cNvPr>
-          <p:cNvSpPr>
-            <a:spLocks noGrp="1"/>
-          </p:cNvSpPr>
-          <p:nvPr>
-            <p:ph type="pic" idx="1"/>
-          </p:nvPr>
-        </p:nvSpPr>
-        <p:spPr>
-          <a:xfrm>
-            <a:off x="5183188" y="987425"/>
-            <a:ext cx="6172200" cy="4873625"/>
-          </a:xfrm>
-        </p:spPr>
-        <p:txBody>
-          <a:bodyPr/>
-          <a:lstStyle>
-            <a:lvl1pPr marL="0" indent="0">
-              <a:buNone/>
-              <a:defRPr sz="3200"/>
-            </a:lvl1pPr>
-            <a:lvl2pPr marL="457200" indent="0">
-              <a:buNone/>
-              <a:defRPr sz="2800"/>
-            </a:lvl2pPr>
-            <a:lvl3pPr marL="914400" indent="0">
-              <a:buNone/>
-              <a:defRPr sz="2400"/>
-            </a:lvl3pPr>
-            <a:lvl4pPr marL="1371600" indent="0">
-              <a:buNone/>
-              <a:defRPr sz="2000"/>
-            </a:lvl4pPr>
-            <a:lvl5pPr marL="1828800" indent="0">
-              <a:buNone/>
-              <a:defRPr sz="2000"/>
-            </a:lvl5pPr>
-            <a:lvl6pPr marL="2286000" indent="0">
-              <a:buNone/>
-              <a:defRPr sz="2000"/>
-            </a:lvl6pPr>
-            <a:lvl7pPr marL="2743200" indent="0">
-              <a:buNone/>
-              <a:defRPr sz="2000"/>
-            </a:lvl7pPr>
-            <a:lvl8pPr marL="3200400" indent="0">
-              <a:buNone/>
-              <a:defRPr sz="2000"/>
-            </a:lvl8pPr>
-            <a:lvl9pPr marL="3657600" indent="0">
-              <a:buNone/>
-              <a:defRPr sz="2000"/>
-            </a:lvl9pPr>
-          </a:lstStyle>
-          <a:p>
-            <a:endParaRPr lang="en-US"/>
-          </a:p>
-        </p:txBody>
-      </p:sp>
-      <p:sp>
-        <p:nvSpPr>
-          <p:cNvPr id="4" name="Text Placeholder 3">
-            <a:extLst>
-              <a:ext uri="{FF2B5EF4-FFF2-40B4-BE49-F238E27FC236}">
-                <a16:creationId xmlns:a16="http://schemas.microsoft.com/office/drawing/2014/main" id="{F10590D3-0FDA-4F4F-84EA-3FADE1CFFFA1}"/>
-              </a:ext>
-            </a:extLst>
-          </p:cNvPr>
-          <p:cNvSpPr>
-            <a:spLocks noGrp="1"/>
-          </p:cNvSpPr>
-          <p:nvPr>
-            <p:ph type="body" sz="half" idx="2"/>
-          </p:nvPr>
-        </p:nvSpPr>
-        <p:spPr>
-          <a:xfrm>
-            <a:off x="839788" y="2057400"/>
-            <a:ext cx="3932237" cy="3811588"/>
-          </a:xfrm>
-        </p:spPr>
-        <p:txBody>
-          <a:bodyPr/>
-          <a:lstStyle>
-            <a:lvl1pPr marL="0" indent="0">
-              <a:buNone/>
-              <a:defRPr sz="1600"/>
-            </a:lvl1pPr>
-            <a:lvl2pPr marL="457200" indent="0">
-              <a:buNone/>
-              <a:defRPr sz="1400"/>
-            </a:lvl2pPr>
-            <a:lvl3pPr marL="914400" indent="0">
-              <a:buNone/>
-              <a:defRPr sz="1200"/>
-            </a:lvl3pPr>
-            <a:lvl4pPr marL="1371600" indent="0">
-              <a:buNone/>
-              <a:defRPr sz="1000"/>
-            </a:lvl4pPr>
-            <a:lvl5pPr marL="1828800" indent="0">
-              <a:buNone/>
-              <a:defRPr sz="1000"/>
-            </a:lvl5pPr>
-            <a:lvl6pPr marL="2286000" indent="0">
-              <a:buNone/>
-              <a:defRPr sz="1000"/>
-            </a:lvl6pPr>
-            <a:lvl7pPr marL="2743200" indent="0">
-              <a:buNone/>
-              <a:defRPr sz="1000"/>
-            </a:lvl7pPr>
-            <a:lvl8pPr marL="3200400" indent="0">
-              <a:buNone/>
-              <a:defRPr sz="1000"/>
-            </a:lvl8pPr>
-            <a:lvl9pPr marL="3657600" indent="0">
-              <a:buNone/>
-              <a:defRPr sz="1000"/>
-            </a:lvl9pPr>
-          </a:lstStyle>
-          <a:p>
-            <a:pPr lvl="0"/>
-            <a:r>
-              <a:rPr lang="en-US"/>
-              <a:t>Click to edit Master text styles</a:t>
-            </a:r>
-          </a:p>
-        </p:txBody>
-      </p:sp>
-      <p:sp>
-        <p:nvSpPr>
-          <p:cNvPr id="5" name="Date Placeholder 4">
-            <a:extLst>
-              <a:ext uri="{FF2B5EF4-FFF2-40B4-BE49-F238E27FC236}">
-                <a16:creationId xmlns:a16="http://schemas.microsoft.com/office/drawing/2014/main" id="{8174EF26-D3A0-4A44-8D66-25FA98E38FD5}"/>
-              </a:ext>
-            </a:extLst>
-          </p:cNvPr>
-          <p:cNvSpPr>
-            <a:spLocks noGrp="1"/>
-          </p:cNvSpPr>
-          <p:nvPr>
-            <p:ph type="dt" sz="half" idx="10"/>
-          </p:nvPr>
-        </p:nvSpPr>
-        <p:spPr/>
-        <p:txBody>
-          <a:bodyPr/>
-          <a:lstStyle/>
-          <a:p>
-            <a:fld id="{F8D16698-19B9-4DD0-AC84-4B4460A3B13B}" type="datetimeFigureOut">
-              <a:rPr lang="en-US" smtClean="0"/>
-              <a:t>9/30/2023</a:t>
-            </a:fld>
-            <a:endParaRPr lang="en-US"/>
-          </a:p>
-        </p:txBody>
-      </p:sp>
-      <p:sp>
-        <p:nvSpPr>
-          <p:cNvPr id="6" name="Footer Placeholder 5">
-            <a:extLst>
-              <a:ext uri="{FF2B5EF4-FFF2-40B4-BE49-F238E27FC236}">
-                <a16:creationId xmlns:a16="http://schemas.microsoft.com/office/drawing/2014/main" id="{DF9E57B2-CD0A-4CCE-9A47-9873B0581A87}"/>
-              </a:ext>
-            </a:extLst>
-          </p:cNvPr>
-          <p:cNvSpPr>
-            <a:spLocks noGrp="1"/>
-          </p:cNvSpPr>
-          <p:nvPr>
-            <p:ph type="ftr" sz="quarter" idx="11"/>
-          </p:nvPr>
-        </p:nvSpPr>
-        <p:spPr/>
-        <p:txBody>
-          <a:bodyPr/>
-          <a:lstStyle/>
-          <a:p>
-            <a:endParaRPr lang="en-US"/>
-          </a:p>
-        </p:txBody>
-      </p:sp>
-      <p:sp>
-        <p:nvSpPr>
-          <p:cNvPr id="7" name="Slide Number Placeholder 6">
-            <a:extLst>
-              <a:ext uri="{FF2B5EF4-FFF2-40B4-BE49-F238E27FC236}">
-                <a16:creationId xmlns:a16="http://schemas.microsoft.com/office/drawing/2014/main" id="{057A4D69-7F7E-4A3A-B525-5437A1AFE13E}"/>
-              </a:ext>
-            </a:extLst>
-          </p:cNvPr>
-          <p:cNvSpPr>
-            <a:spLocks noGrp="1"/>
-          </p:cNvSpPr>
-          <p:nvPr>
-            <p:ph type="sldNum" sz="quarter" idx="12"/>
-          </p:nvPr>
-        </p:nvSpPr>
-        <p:spPr/>
-        <p:txBody>
-          <a:bodyPr/>
-          <a:lstStyle/>
-          <a:p>
-            <a:fld id="{DA9B6C06-BD7A-44E8-B822-A9BE07FFE123}" type="slidenum">
-              <a:rPr lang="en-US" smtClean="0"/>
-              <a:t>‹#›</a:t>
-            </a:fld>
-            <a:endParaRPr lang="en-US"/>
-          </a:p>
-        </p:txBody>
-      </p:sp>
-    </p:spTree>
-    <p:extLst>
-      <p:ext uri="{BB962C8B-B14F-4D97-AF65-F5344CB8AC3E}">
-        <p14:creationId xmlns:p14="http://schemas.microsoft.com/office/powerpoint/2010/main" val="3845415597"/>
+        <p14:creationId xmlns:p14="http://schemas.microsoft.com/office/powerpoint/2010/main" val="2409184786"/>
       </p:ext>
     </p:extLst>
   </p:cSld>
@@ -2746,9 +1183,12 @@
 <p:sldMaster xmlns:a="http://schemas.openxmlformats.org/drawingml/2006/main" xmlns:r="http://schemas.openxmlformats.org/officeDocument/2006/relationships" xmlns:p="http://schemas.openxmlformats.org/presentationml/2006/main">
   <p:cSld>
     <p:bg>
-      <p:bgRef idx="1001">
-        <a:schemeClr val="bg1"/>
-      </p:bgRef>
+      <p:bgPr>
+        <a:solidFill>
+          <a:srgbClr val="A1A1A1"/>
+        </a:solidFill>
+        <a:effectLst/>
+      </p:bgPr>
     </p:bg>
     <p:spTree>
       <p:nvGrpSpPr>
@@ -2910,7 +1350,7 @@
           <a:p>
             <a:fld id="{F8D16698-19B9-4DD0-AC84-4B4460A3B13B}" type="datetimeFigureOut">
               <a:rPr lang="en-US" smtClean="0"/>
-              <a:t>9/30/2023</a:t>
+              <a:t>10/1/2023</a:t>
             </a:fld>
             <a:endParaRPr lang="en-US"/>
           </a:p>
@@ -3020,12 +1460,6 @@
     <p:sldLayoutId id="2147483651" r:id="rId3"/>
     <p:sldLayoutId id="2147483652" r:id="rId4"/>
     <p:sldLayoutId id="2147483653" r:id="rId5"/>
-    <p:sldLayoutId id="2147483654" r:id="rId6"/>
-    <p:sldLayoutId id="2147483655" r:id="rId7"/>
-    <p:sldLayoutId id="2147483656" r:id="rId8"/>
-    <p:sldLayoutId id="2147483657" r:id="rId9"/>
-    <p:sldLayoutId id="2147483658" r:id="rId10"/>
-    <p:sldLayoutId id="2147483659" r:id="rId11"/>
   </p:sldLayoutIdLst>
   <p:txStyles>
     <p:titleStyle>
@@ -3313,14 +1747,6 @@
 <file path=ppt/slides/slide1.xml><?xml version="1.0" encoding="utf-8"?>
 <p:sld xmlns:a="http://schemas.openxmlformats.org/drawingml/2006/main" xmlns:r="http://schemas.openxmlformats.org/officeDocument/2006/relationships" xmlns:p="http://schemas.openxmlformats.org/presentationml/2006/main">
   <p:cSld>
-    <p:bg>
-      <p:bgPr>
-        <a:solidFill>
-          <a:srgbClr val="A1A1A1"/>
-        </a:solidFill>
-        <a:effectLst/>
-      </p:bgPr>
-    </p:bg>
     <p:spTree>
       <p:nvGrpSpPr>
         <p:cNvPr id="1" name=""/>
@@ -3755,99 +2181,39 @@
           </a:prstGeom>
         </p:spPr>
       </p:pic>
-    </p:spTree>
-    <p:extLst>
-      <p:ext uri="{BB962C8B-B14F-4D97-AF65-F5344CB8AC3E}">
-        <p14:creationId xmlns:p14="http://schemas.microsoft.com/office/powerpoint/2010/main" val="2478189747"/>
-      </p:ext>
-    </p:extLst>
-  </p:cSld>
-  <p:clrMapOvr>
-    <a:masterClrMapping/>
-  </p:clrMapOvr>
-</p:sld>
-</file>
-
-<file path=ppt/slides/slide2.xml><?xml version="1.0" encoding="utf-8"?>
-<p:sld xmlns:a="http://schemas.openxmlformats.org/drawingml/2006/main" xmlns:r="http://schemas.openxmlformats.org/officeDocument/2006/relationships" xmlns:p="http://schemas.openxmlformats.org/presentationml/2006/main">
-  <p:cSld>
-    <p:bg>
-      <p:bgPr>
-        <a:solidFill>
-          <a:srgbClr val="A1A1A1"/>
-        </a:solidFill>
-        <a:effectLst/>
-      </p:bgPr>
-    </p:bg>
-    <p:spTree>
-      <p:nvGrpSpPr>
-        <p:cNvPr id="1" name=""/>
-        <p:cNvGrpSpPr/>
-        <p:nvPr/>
-      </p:nvGrpSpPr>
-      <p:grpSpPr>
-        <a:xfrm>
-          <a:off x="0" y="0"/>
-          <a:ext cx="0" cy="0"/>
-          <a:chOff x="0" y="0"/>
-          <a:chExt cx="0" cy="0"/>
-        </a:xfrm>
-      </p:grpSpPr>
-      <p:pic>
-        <p:nvPicPr>
-          <p:cNvPr id="7" name="Picture 6">
-            <a:extLst>
-              <a:ext uri="{FF2B5EF4-FFF2-40B4-BE49-F238E27FC236}">
-                <a16:creationId xmlns:a16="http://schemas.microsoft.com/office/drawing/2014/main" id="{0A1BC9D3-4857-4121-86D9-AD7CDF6C9AF1}"/>
-              </a:ext>
-            </a:extLst>
-          </p:cNvPr>
-          <p:cNvPicPr>
-            <a:picLocks noGrp="1" noSelect="1" noRot="1" noChangeAspect="1" noMove="1" noResize="1" noEditPoints="1" noAdjustHandles="1" noChangeArrowheads="1" noChangeShapeType="1" noCrop="1"/>
-          </p:cNvPicPr>
-          <p:nvPr/>
-        </p:nvPicPr>
-        <p:blipFill>
-          <a:blip r:embed="rId2"/>
-          <a:stretch>
-            <a:fillRect/>
-          </a:stretch>
-        </p:blipFill>
-        <p:spPr>
-          <a:xfrm>
-            <a:off x="249555" y="285750"/>
-            <a:ext cx="5276850" cy="6572250"/>
-          </a:xfrm>
-          <a:prstGeom prst="rect">
-            <a:avLst/>
-          </a:prstGeom>
-        </p:spPr>
-      </p:pic>
       <p:sp>
         <p:nvSpPr>
-          <p:cNvPr id="8" name="Rectangle 7">
-            <a:extLst>
-              <a:ext uri="{FF2B5EF4-FFF2-40B4-BE49-F238E27FC236}">
-                <a16:creationId xmlns:a16="http://schemas.microsoft.com/office/drawing/2014/main" id="{9348F154-1BB8-47DE-9FA3-A4D2FEF22BF5}"/>
-              </a:ext>
-            </a:extLst>
-          </p:cNvPr>
-          <p:cNvSpPr>
-            <a:spLocks noGrp="1" noSelect="1" noRot="1" noChangeAspect="1" noMove="1" noResize="1" noEditPoints="1" noAdjustHandles="1" noChangeArrowheads="1" noChangeShapeType="1" noTextEdit="1"/>
-          </p:cNvSpPr>
+          <p:cNvPr id="14" name="Rectangle 13">
+            <a:extLst>
+              <a:ext uri="{FF2B5EF4-FFF2-40B4-BE49-F238E27FC236}">
+                <a16:creationId xmlns:a16="http://schemas.microsoft.com/office/drawing/2014/main" id="{9B0F9F41-9C40-4518-9613-B392721A3517}"/>
+              </a:ext>
+            </a:extLst>
+          </p:cNvPr>
+          <p:cNvSpPr/>
           <p:nvPr/>
         </p:nvSpPr>
         <p:spPr>
           <a:xfrm>
-            <a:off x="1272540" y="3375660"/>
-            <a:ext cx="4145280" cy="3429000"/>
-          </a:xfrm>
-          <a:prstGeom prst="rect">
-            <a:avLst/>
-          </a:prstGeom>
-          <a:solidFill>
-            <a:srgbClr val="A1A1A1"/>
-          </a:solidFill>
+            <a:off x="1288462" y="358861"/>
+            <a:ext cx="4159247" cy="2356719"/>
+          </a:xfrm>
+          <a:prstGeom prst="rect">
+            <a:avLst/>
+          </a:prstGeom>
+          <a:blipFill dpi="0" rotWithShape="1">
+            <a:blip r:embed="rId6">
+              <a:extLst>
+                <a:ext uri="{28A0092B-C50C-407E-A947-70E740481C1C}">
+                  <a14:useLocalDpi xmlns:a14="http://schemas.microsoft.com/office/drawing/2010/main" val="0"/>
+                </a:ext>
+              </a:extLst>
+            </a:blip>
+            <a:srcRect/>
+            <a:stretch>
+              <a:fillRect/>
+            </a:stretch>
+          </a:blipFill>
           <a:ln>
             <a:noFill/>
           </a:ln>
@@ -3879,22 +2245,20 @@
       </p:sp>
       <p:sp>
         <p:nvSpPr>
-          <p:cNvPr id="15" name="Rectangle 14">
-            <a:extLst>
-              <a:ext uri="{FF2B5EF4-FFF2-40B4-BE49-F238E27FC236}">
-                <a16:creationId xmlns:a16="http://schemas.microsoft.com/office/drawing/2014/main" id="{D62B5322-99AF-466B-9B28-D2A894C80AFE}"/>
-              </a:ext>
-            </a:extLst>
-          </p:cNvPr>
-          <p:cNvSpPr>
-            <a:spLocks noGrp="1" noSelect="1" noRot="1" noChangeAspect="1" noMove="1" noResize="1" noEditPoints="1" noAdjustHandles="1" noChangeArrowheads="1" noChangeShapeType="1" noTextEdit="1"/>
-          </p:cNvSpPr>
+          <p:cNvPr id="2" name="Rectangle 1">
+            <a:extLst>
+              <a:ext uri="{FF2B5EF4-FFF2-40B4-BE49-F238E27FC236}">
+                <a16:creationId xmlns:a16="http://schemas.microsoft.com/office/drawing/2014/main" id="{9C86BAB1-CCED-4BC5-BE15-C140363A0BF0}"/>
+              </a:ext>
+            </a:extLst>
+          </p:cNvPr>
+          <p:cNvSpPr/>
           <p:nvPr/>
         </p:nvSpPr>
         <p:spPr>
           <a:xfrm>
-            <a:off x="1894126" y="3661092"/>
-            <a:ext cx="2215911" cy="346075"/>
+            <a:off x="5447709" y="333376"/>
+            <a:ext cx="180613" cy="2420142"/>
           </a:xfrm>
           <a:prstGeom prst="rect">
             <a:avLst/>
@@ -3926,23 +2290,1869 @@
           <a:bodyPr rtlCol="0" anchor="ctr"/>
           <a:lstStyle/>
           <a:p>
-            <a:r>
-              <a:rPr lang="en-US" sz="900" b="1">
-                <a:solidFill>
-                  <a:schemeClr val="tx1"/>
-                </a:solidFill>
-              </a:rPr>
-              <a:t>Import to next frame of Spr work space</a:t>
+            <a:pPr algn="ctr"/>
+            <a:endParaRPr lang="en-US"/>
+          </a:p>
+        </p:txBody>
+      </p:sp>
+    </p:spTree>
+    <p:extLst>
+      <p:ext uri="{BB962C8B-B14F-4D97-AF65-F5344CB8AC3E}">
+        <p14:creationId xmlns:p14="http://schemas.microsoft.com/office/powerpoint/2010/main" val="2478189747"/>
+      </p:ext>
+    </p:extLst>
+  </p:cSld>
+  <p:clrMapOvr>
+    <a:masterClrMapping/>
+  </p:clrMapOvr>
+</p:sld>
+</file>
+
+<file path=ppt/slides/slide2.xml><?xml version="1.0" encoding="utf-8"?>
+<p:sld xmlns:a="http://schemas.openxmlformats.org/drawingml/2006/main" xmlns:r="http://schemas.openxmlformats.org/officeDocument/2006/relationships" xmlns:p="http://schemas.openxmlformats.org/presentationml/2006/main">
+  <p:cSld>
+    <p:spTree>
+      <p:nvGrpSpPr>
+        <p:cNvPr id="1" name=""/>
+        <p:cNvGrpSpPr/>
+        <p:nvPr/>
+      </p:nvGrpSpPr>
+      <p:grpSpPr>
+        <a:xfrm>
+          <a:off x="0" y="0"/>
+          <a:ext cx="0" cy="0"/>
+          <a:chOff x="0" y="0"/>
+          <a:chExt cx="0" cy="0"/>
+        </a:xfrm>
+      </p:grpSpPr>
+      <p:pic>
+        <p:nvPicPr>
+          <p:cNvPr id="4" name="Picture 3">
+            <a:extLst>
+              <a:ext uri="{FF2B5EF4-FFF2-40B4-BE49-F238E27FC236}">
+                <a16:creationId xmlns:a16="http://schemas.microsoft.com/office/drawing/2014/main" id="{CBDBA5CF-04CF-4507-8F9C-8D113E051701}"/>
+              </a:ext>
+            </a:extLst>
+          </p:cNvPr>
+          <p:cNvPicPr>
+            <a:picLocks noGrp="1" noSelect="1" noRot="1" noChangeAspect="1" noMove="1" noResize="1" noEditPoints="1" noAdjustHandles="1" noChangeArrowheads="1" noChangeShapeType="1" noCrop="1"/>
+          </p:cNvPicPr>
+          <p:nvPr/>
+        </p:nvPicPr>
+        <p:blipFill>
+          <a:blip r:embed="rId2"/>
+          <a:stretch>
+            <a:fillRect/>
+          </a:stretch>
+        </p:blipFill>
+        <p:spPr>
+          <a:xfrm>
+            <a:off x="114300" y="142875"/>
+            <a:ext cx="5734050" cy="4133850"/>
+          </a:xfrm>
+          <a:prstGeom prst="rect">
+            <a:avLst/>
+          </a:prstGeom>
+        </p:spPr>
+      </p:pic>
+      <p:sp>
+        <p:nvSpPr>
+          <p:cNvPr id="2" name="TextBox 1">
+            <a:extLst>
+              <a:ext uri="{FF2B5EF4-FFF2-40B4-BE49-F238E27FC236}">
+                <a16:creationId xmlns:a16="http://schemas.microsoft.com/office/drawing/2014/main" id="{78AC5B42-12EB-41C8-A740-3F0874E943DE}"/>
+              </a:ext>
+            </a:extLst>
+          </p:cNvPr>
+          <p:cNvSpPr txBox="1"/>
+          <p:nvPr/>
+        </p:nvSpPr>
+        <p:spPr>
+          <a:xfrm>
+            <a:off x="1262062" y="2834758"/>
+            <a:ext cx="1423788" cy="338554"/>
+          </a:xfrm>
+          <a:prstGeom prst="rect">
+            <a:avLst/>
+          </a:prstGeom>
+          <a:noFill/>
+        </p:spPr>
+        <p:txBody>
+          <a:bodyPr wrap="none" rtlCol="0">
+            <a:spAutoFit/>
+          </a:bodyPr>
+          <a:lstStyle/>
+          <a:p>
+            <a:r>
+              <a:rPr lang="en-US" sz="1600" b="1"/>
+              <a:t>SPR edit mode</a:t>
             </a:r>
           </a:p>
         </p:txBody>
       </p:sp>
       <p:sp>
         <p:nvSpPr>
-          <p:cNvPr id="6" name="Rectangle 5">
-            <a:extLst>
-              <a:ext uri="{FF2B5EF4-FFF2-40B4-BE49-F238E27FC236}">
-                <a16:creationId xmlns:a16="http://schemas.microsoft.com/office/drawing/2014/main" id="{2F05E5E8-FAF1-498E-B713-2B681C9CD992}"/>
+          <p:cNvPr id="6" name="TextBox 5">
+            <a:extLst>
+              <a:ext uri="{FF2B5EF4-FFF2-40B4-BE49-F238E27FC236}">
+                <a16:creationId xmlns:a16="http://schemas.microsoft.com/office/drawing/2014/main" id="{BA56F98D-08F1-4587-9544-B705A2EA8875}"/>
+              </a:ext>
+            </a:extLst>
+          </p:cNvPr>
+          <p:cNvSpPr txBox="1"/>
+          <p:nvPr/>
+        </p:nvSpPr>
+        <p:spPr>
+          <a:xfrm>
+            <a:off x="1262062" y="3087171"/>
+            <a:ext cx="1186094" cy="307777"/>
+          </a:xfrm>
+          <a:prstGeom prst="rect">
+            <a:avLst/>
+          </a:prstGeom>
+          <a:noFill/>
+        </p:spPr>
+        <p:txBody>
+          <a:bodyPr wrap="none" rtlCol="0">
+            <a:spAutoFit/>
+          </a:bodyPr>
+          <a:lstStyle/>
+          <a:p>
+            <a:r>
+              <a:rPr lang="en-US" sz="1400" b="1"/>
+              <a:t>File head info</a:t>
+            </a:r>
+          </a:p>
+        </p:txBody>
+      </p:sp>
+      <p:sp>
+        <p:nvSpPr>
+          <p:cNvPr id="7" name="TextBox 6">
+            <a:extLst>
+              <a:ext uri="{FF2B5EF4-FFF2-40B4-BE49-F238E27FC236}">
+                <a16:creationId xmlns:a16="http://schemas.microsoft.com/office/drawing/2014/main" id="{91767275-EC5B-440C-A5A2-C21314285E2B}"/>
+              </a:ext>
+            </a:extLst>
+          </p:cNvPr>
+          <p:cNvSpPr txBox="1"/>
+          <p:nvPr/>
+        </p:nvSpPr>
+        <p:spPr>
+          <a:xfrm>
+            <a:off x="1262062" y="3334137"/>
+            <a:ext cx="2954655" cy="2516073"/>
+          </a:xfrm>
+          <a:prstGeom prst="rect">
+            <a:avLst/>
+          </a:prstGeom>
+          <a:noFill/>
+        </p:spPr>
+        <p:txBody>
+          <a:bodyPr wrap="none" rtlCol="0">
+            <a:spAutoFit/>
+          </a:bodyPr>
+          <a:lstStyle/>
+          <a:p>
+            <a:r>
+              <a:rPr lang="en-US" sz="1050" b="1"/>
+              <a:t>Global width:        640</a:t>
+            </a:r>
+          </a:p>
+          <a:p>
+            <a:r>
+              <a:rPr lang="en-US" sz="1050" b="1"/>
+              <a:t>Global height:        360</a:t>
+            </a:r>
+          </a:p>
+          <a:p>
+            <a:r>
+              <a:rPr lang="en-US" sz="1050" b="1"/>
+              <a:t>Global offset X:         0</a:t>
+            </a:r>
+          </a:p>
+          <a:p>
+            <a:r>
+              <a:rPr lang="en-US" sz="1050" b="1"/>
+              <a:t>Global offset Y:         0</a:t>
+            </a:r>
+          </a:p>
+          <a:p>
+            <a:r>
+              <a:rPr lang="en-US" sz="1050" b="1"/>
+              <a:t>Colors count: 256</a:t>
+            </a:r>
+          </a:p>
+          <a:p>
+            <a:r>
+              <a:rPr lang="en-US" sz="1050" b="1"/>
+              <a:t>Directions count: 1</a:t>
+            </a:r>
+          </a:p>
+          <a:p>
+            <a:r>
+              <a:rPr lang="en-US" sz="1050" b="1"/>
+              <a:t>Frames count: 1		Frame:            0	</a:t>
+            </a:r>
+          </a:p>
+          <a:p>
+            <a:endParaRPr lang="en-US" sz="1050" b="1"/>
+          </a:p>
+          <a:p>
+            <a:endParaRPr lang="en-US" sz="1050" b="1"/>
+          </a:p>
+          <a:p>
+            <a:endParaRPr lang="en-US" sz="1050" b="1"/>
+          </a:p>
+          <a:p>
+            <a:r>
+              <a:rPr lang="en-US" sz="1050" b="1"/>
+              <a:t>Frame width:        640</a:t>
+            </a:r>
+          </a:p>
+          <a:p>
+            <a:r>
+              <a:rPr lang="en-US" sz="1050" b="1"/>
+              <a:t>Frame height:        360</a:t>
+            </a:r>
+          </a:p>
+          <a:p>
+            <a:r>
+              <a:rPr lang="en-US" sz="1050" b="1"/>
+              <a:t>Frame offset X:        0</a:t>
+            </a:r>
+          </a:p>
+          <a:p>
+            <a:r>
+              <a:rPr lang="en-US" sz="1050" b="1"/>
+              <a:t>Frame offset Y:        0 </a:t>
+            </a:r>
+          </a:p>
+          <a:p>
+            <a:r>
+              <a:rPr lang="en-US" sz="1050" b="1"/>
+              <a:t>Interval:        1 	                      (27in=36fps)</a:t>
+            </a:r>
+          </a:p>
+        </p:txBody>
+      </p:sp>
+      <p:pic>
+        <p:nvPicPr>
+          <p:cNvPr id="10" name="Picture 9">
+            <a:extLst>
+              <a:ext uri="{FF2B5EF4-FFF2-40B4-BE49-F238E27FC236}">
+                <a16:creationId xmlns:a16="http://schemas.microsoft.com/office/drawing/2014/main" id="{2FA78A65-17B6-4DF4-A33E-79221F178514}"/>
+              </a:ext>
+            </a:extLst>
+          </p:cNvPr>
+          <p:cNvPicPr>
+            <a:picLocks noChangeAspect="1"/>
+          </p:cNvPicPr>
+          <p:nvPr/>
+        </p:nvPicPr>
+        <p:blipFill>
+          <a:blip r:embed="rId3"/>
+          <a:stretch>
+            <a:fillRect/>
+          </a:stretch>
+        </p:blipFill>
+        <p:spPr>
+          <a:xfrm>
+            <a:off x="2981325" y="4354206"/>
+            <a:ext cx="143900" cy="147638"/>
+          </a:xfrm>
+          <a:prstGeom prst="rect">
+            <a:avLst/>
+          </a:prstGeom>
+        </p:spPr>
+      </p:pic>
+      <p:pic>
+        <p:nvPicPr>
+          <p:cNvPr id="11" name="Picture 10">
+            <a:extLst>
+              <a:ext uri="{FF2B5EF4-FFF2-40B4-BE49-F238E27FC236}">
+                <a16:creationId xmlns:a16="http://schemas.microsoft.com/office/drawing/2014/main" id="{51163AD7-3C76-4BD9-887C-8B5957476943}"/>
+              </a:ext>
+            </a:extLst>
+          </p:cNvPr>
+          <p:cNvPicPr>
+            <a:picLocks noChangeAspect="1"/>
+          </p:cNvPicPr>
+          <p:nvPr/>
+        </p:nvPicPr>
+        <p:blipFill>
+          <a:blip r:embed="rId4"/>
+          <a:stretch>
+            <a:fillRect/>
+          </a:stretch>
+        </p:blipFill>
+        <p:spPr>
+          <a:xfrm>
+            <a:off x="4113664" y="4340225"/>
+            <a:ext cx="161893" cy="147638"/>
+          </a:xfrm>
+          <a:prstGeom prst="rect">
+            <a:avLst/>
+          </a:prstGeom>
+        </p:spPr>
+      </p:pic>
+      <p:pic>
+        <p:nvPicPr>
+          <p:cNvPr id="12" name="Picture 11">
+            <a:extLst>
+              <a:ext uri="{FF2B5EF4-FFF2-40B4-BE49-F238E27FC236}">
+                <a16:creationId xmlns:a16="http://schemas.microsoft.com/office/drawing/2014/main" id="{4C541B28-96E2-4056-A331-F213F6B365D9}"/>
+              </a:ext>
+            </a:extLst>
+          </p:cNvPr>
+          <p:cNvPicPr>
+            <a:picLocks noChangeAspect="1"/>
+          </p:cNvPicPr>
+          <p:nvPr/>
+        </p:nvPicPr>
+        <p:blipFill>
+          <a:blip r:embed="rId5"/>
+          <a:stretch>
+            <a:fillRect/>
+          </a:stretch>
+        </p:blipFill>
+        <p:spPr>
+          <a:xfrm>
+            <a:off x="3661591" y="4344265"/>
+            <a:ext cx="149674" cy="147638"/>
+          </a:xfrm>
+          <a:prstGeom prst="rect">
+            <a:avLst/>
+          </a:prstGeom>
+        </p:spPr>
+      </p:pic>
+      <p:pic>
+        <p:nvPicPr>
+          <p:cNvPr id="15" name="Picture 14">
+            <a:extLst>
+              <a:ext uri="{FF2B5EF4-FFF2-40B4-BE49-F238E27FC236}">
+                <a16:creationId xmlns:a16="http://schemas.microsoft.com/office/drawing/2014/main" id="{A25B3327-0021-4332-A47E-CFFA8C3A5D44}"/>
+              </a:ext>
+            </a:extLst>
+          </p:cNvPr>
+          <p:cNvPicPr>
+            <a:picLocks noChangeAspect="1"/>
+          </p:cNvPicPr>
+          <p:nvPr/>
+        </p:nvPicPr>
+        <p:blipFill>
+          <a:blip r:embed="rId4"/>
+          <a:stretch>
+            <a:fillRect/>
+          </a:stretch>
+        </p:blipFill>
+        <p:spPr>
+          <a:xfrm>
+            <a:off x="2604903" y="3385702"/>
+            <a:ext cx="161893" cy="147638"/>
+          </a:xfrm>
+          <a:prstGeom prst="rect">
+            <a:avLst/>
+          </a:prstGeom>
+        </p:spPr>
+      </p:pic>
+      <p:pic>
+        <p:nvPicPr>
+          <p:cNvPr id="16" name="Picture 15">
+            <a:extLst>
+              <a:ext uri="{FF2B5EF4-FFF2-40B4-BE49-F238E27FC236}">
+                <a16:creationId xmlns:a16="http://schemas.microsoft.com/office/drawing/2014/main" id="{7F72DE22-44AC-4620-9C46-DD40BACD9E03}"/>
+              </a:ext>
+            </a:extLst>
+          </p:cNvPr>
+          <p:cNvPicPr>
+            <a:picLocks noChangeAspect="1"/>
+          </p:cNvPicPr>
+          <p:nvPr/>
+        </p:nvPicPr>
+        <p:blipFill>
+          <a:blip r:embed="rId5"/>
+          <a:stretch>
+            <a:fillRect/>
+          </a:stretch>
+        </p:blipFill>
+        <p:spPr>
+          <a:xfrm>
+            <a:off x="2152830" y="3389742"/>
+            <a:ext cx="149674" cy="147638"/>
+          </a:xfrm>
+          <a:prstGeom prst="rect">
+            <a:avLst/>
+          </a:prstGeom>
+        </p:spPr>
+      </p:pic>
+      <p:pic>
+        <p:nvPicPr>
+          <p:cNvPr id="17" name="Picture 16">
+            <a:extLst>
+              <a:ext uri="{FF2B5EF4-FFF2-40B4-BE49-F238E27FC236}">
+                <a16:creationId xmlns:a16="http://schemas.microsoft.com/office/drawing/2014/main" id="{B9EEC9DA-4CB8-4A7D-A3F0-87F82C9CB3FC}"/>
+              </a:ext>
+            </a:extLst>
+          </p:cNvPr>
+          <p:cNvPicPr>
+            <a:picLocks noChangeAspect="1"/>
+          </p:cNvPicPr>
+          <p:nvPr/>
+        </p:nvPicPr>
+        <p:blipFill>
+          <a:blip r:embed="rId4"/>
+          <a:stretch>
+            <a:fillRect/>
+          </a:stretch>
+        </p:blipFill>
+        <p:spPr>
+          <a:xfrm>
+            <a:off x="2619192" y="3548360"/>
+            <a:ext cx="161893" cy="147638"/>
+          </a:xfrm>
+          <a:prstGeom prst="rect">
+            <a:avLst/>
+          </a:prstGeom>
+        </p:spPr>
+      </p:pic>
+      <p:pic>
+        <p:nvPicPr>
+          <p:cNvPr id="18" name="Picture 17">
+            <a:extLst>
+              <a:ext uri="{FF2B5EF4-FFF2-40B4-BE49-F238E27FC236}">
+                <a16:creationId xmlns:a16="http://schemas.microsoft.com/office/drawing/2014/main" id="{70F35F2A-5E32-4B3F-93A5-2F3AD3323F8C}"/>
+              </a:ext>
+            </a:extLst>
+          </p:cNvPr>
+          <p:cNvPicPr>
+            <a:picLocks noChangeAspect="1"/>
+          </p:cNvPicPr>
+          <p:nvPr/>
+        </p:nvPicPr>
+        <p:blipFill>
+          <a:blip r:embed="rId5"/>
+          <a:stretch>
+            <a:fillRect/>
+          </a:stretch>
+        </p:blipFill>
+        <p:spPr>
+          <a:xfrm>
+            <a:off x="2167119" y="3552400"/>
+            <a:ext cx="149674" cy="147638"/>
+          </a:xfrm>
+          <a:prstGeom prst="rect">
+            <a:avLst/>
+          </a:prstGeom>
+        </p:spPr>
+      </p:pic>
+      <p:grpSp>
+        <p:nvGrpSpPr>
+          <p:cNvPr id="14" name="Group 13">
+            <a:extLst>
+              <a:ext uri="{FF2B5EF4-FFF2-40B4-BE49-F238E27FC236}">
+                <a16:creationId xmlns:a16="http://schemas.microsoft.com/office/drawing/2014/main" id="{C16F8053-B979-404C-90D0-A73B5FB935A6}"/>
+              </a:ext>
+            </a:extLst>
+          </p:cNvPr>
+          <p:cNvGrpSpPr/>
+          <p:nvPr/>
+        </p:nvGrpSpPr>
+        <p:grpSpPr>
+          <a:xfrm>
+            <a:off x="1852678" y="4993740"/>
+            <a:ext cx="925005" cy="790102"/>
+            <a:chOff x="1852678" y="4993740"/>
+            <a:chExt cx="925005" cy="790102"/>
+          </a:xfrm>
+        </p:grpSpPr>
+        <p:pic>
+          <p:nvPicPr>
+            <p:cNvPr id="19" name="Picture 18">
+              <a:extLst>
+                <a:ext uri="{FF2B5EF4-FFF2-40B4-BE49-F238E27FC236}">
+                  <a16:creationId xmlns:a16="http://schemas.microsoft.com/office/drawing/2014/main" id="{1A8FC2DF-1492-405A-BCAB-82B4F14E665B}"/>
+                </a:ext>
+              </a:extLst>
+            </p:cNvPr>
+            <p:cNvPicPr>
+              <a:picLocks noChangeAspect="1"/>
+            </p:cNvPicPr>
+            <p:nvPr/>
+          </p:nvPicPr>
+          <p:blipFill>
+            <a:blip r:embed="rId4"/>
+            <a:stretch>
+              <a:fillRect/>
+            </a:stretch>
+          </p:blipFill>
+          <p:spPr>
+            <a:xfrm>
+              <a:off x="2585853" y="4993740"/>
+              <a:ext cx="161893" cy="147638"/>
+            </a:xfrm>
+            <a:prstGeom prst="rect">
+              <a:avLst/>
+            </a:prstGeom>
+          </p:spPr>
+        </p:pic>
+        <p:pic>
+          <p:nvPicPr>
+            <p:cNvPr id="20" name="Picture 19">
+              <a:extLst>
+                <a:ext uri="{FF2B5EF4-FFF2-40B4-BE49-F238E27FC236}">
+                  <a16:creationId xmlns:a16="http://schemas.microsoft.com/office/drawing/2014/main" id="{9095908D-CB35-4C64-B1BD-8C57529AFAAD}"/>
+                </a:ext>
+              </a:extLst>
+            </p:cNvPr>
+            <p:cNvPicPr>
+              <a:picLocks noChangeAspect="1"/>
+            </p:cNvPicPr>
+            <p:nvPr/>
+          </p:nvPicPr>
+          <p:blipFill>
+            <a:blip r:embed="rId5"/>
+            <a:stretch>
+              <a:fillRect/>
+            </a:stretch>
+          </p:blipFill>
+          <p:spPr>
+            <a:xfrm>
+              <a:off x="2133780" y="4997780"/>
+              <a:ext cx="149674" cy="147638"/>
+            </a:xfrm>
+            <a:prstGeom prst="rect">
+              <a:avLst/>
+            </a:prstGeom>
+          </p:spPr>
+        </p:pic>
+        <p:pic>
+          <p:nvPicPr>
+            <p:cNvPr id="21" name="Picture 20">
+              <a:extLst>
+                <a:ext uri="{FF2B5EF4-FFF2-40B4-BE49-F238E27FC236}">
+                  <a16:creationId xmlns:a16="http://schemas.microsoft.com/office/drawing/2014/main" id="{52081149-A749-4A3C-B750-DEB51DBC0A09}"/>
+                </a:ext>
+              </a:extLst>
+            </p:cNvPr>
+            <p:cNvPicPr>
+              <a:picLocks noChangeAspect="1"/>
+            </p:cNvPicPr>
+            <p:nvPr/>
+          </p:nvPicPr>
+          <p:blipFill>
+            <a:blip r:embed="rId4"/>
+            <a:stretch>
+              <a:fillRect/>
+            </a:stretch>
+          </p:blipFill>
+          <p:spPr>
+            <a:xfrm>
+              <a:off x="2615790" y="5148973"/>
+              <a:ext cx="161893" cy="147638"/>
+            </a:xfrm>
+            <a:prstGeom prst="rect">
+              <a:avLst/>
+            </a:prstGeom>
+          </p:spPr>
+        </p:pic>
+        <p:pic>
+          <p:nvPicPr>
+            <p:cNvPr id="22" name="Picture 21">
+              <a:extLst>
+                <a:ext uri="{FF2B5EF4-FFF2-40B4-BE49-F238E27FC236}">
+                  <a16:creationId xmlns:a16="http://schemas.microsoft.com/office/drawing/2014/main" id="{C30298B4-8F37-4C6D-8A1B-09C4BFE30EA2}"/>
+                </a:ext>
+              </a:extLst>
+            </p:cNvPr>
+            <p:cNvPicPr>
+              <a:picLocks noChangeAspect="1"/>
+            </p:cNvPicPr>
+            <p:nvPr/>
+          </p:nvPicPr>
+          <p:blipFill>
+            <a:blip r:embed="rId5"/>
+            <a:stretch>
+              <a:fillRect/>
+            </a:stretch>
+          </p:blipFill>
+          <p:spPr>
+            <a:xfrm>
+              <a:off x="2163717" y="5153013"/>
+              <a:ext cx="149674" cy="147638"/>
+            </a:xfrm>
+            <a:prstGeom prst="rect">
+              <a:avLst/>
+            </a:prstGeom>
+          </p:spPr>
+        </p:pic>
+        <p:pic>
+          <p:nvPicPr>
+            <p:cNvPr id="23" name="Picture 22">
+              <a:extLst>
+                <a:ext uri="{FF2B5EF4-FFF2-40B4-BE49-F238E27FC236}">
+                  <a16:creationId xmlns:a16="http://schemas.microsoft.com/office/drawing/2014/main" id="{237B4EF9-A03C-40E2-9771-2F96AA34A333}"/>
+                </a:ext>
+              </a:extLst>
+            </p:cNvPr>
+            <p:cNvPicPr>
+              <a:picLocks noChangeAspect="1"/>
+            </p:cNvPicPr>
+            <p:nvPr/>
+          </p:nvPicPr>
+          <p:blipFill>
+            <a:blip r:embed="rId4"/>
+            <a:stretch>
+              <a:fillRect/>
+            </a:stretch>
+          </p:blipFill>
+          <p:spPr>
+            <a:xfrm>
+              <a:off x="2577496" y="5308516"/>
+              <a:ext cx="161893" cy="147638"/>
+            </a:xfrm>
+            <a:prstGeom prst="rect">
+              <a:avLst/>
+            </a:prstGeom>
+          </p:spPr>
+        </p:pic>
+        <p:pic>
+          <p:nvPicPr>
+            <p:cNvPr id="24" name="Picture 23">
+              <a:extLst>
+                <a:ext uri="{FF2B5EF4-FFF2-40B4-BE49-F238E27FC236}">
+                  <a16:creationId xmlns:a16="http://schemas.microsoft.com/office/drawing/2014/main" id="{961DE9B0-6F68-4648-8974-EB57B3A6A624}"/>
+                </a:ext>
+              </a:extLst>
+            </p:cNvPr>
+            <p:cNvPicPr>
+              <a:picLocks noChangeAspect="1"/>
+            </p:cNvPicPr>
+            <p:nvPr/>
+          </p:nvPicPr>
+          <p:blipFill>
+            <a:blip r:embed="rId5"/>
+            <a:stretch>
+              <a:fillRect/>
+            </a:stretch>
+          </p:blipFill>
+          <p:spPr>
+            <a:xfrm>
+              <a:off x="2227667" y="5312556"/>
+              <a:ext cx="149674" cy="147638"/>
+            </a:xfrm>
+            <a:prstGeom prst="rect">
+              <a:avLst/>
+            </a:prstGeom>
+          </p:spPr>
+        </p:pic>
+        <p:pic>
+          <p:nvPicPr>
+            <p:cNvPr id="25" name="Picture 24">
+              <a:extLst>
+                <a:ext uri="{FF2B5EF4-FFF2-40B4-BE49-F238E27FC236}">
+                  <a16:creationId xmlns:a16="http://schemas.microsoft.com/office/drawing/2014/main" id="{8AC1F569-18AF-4161-9243-4BC4EF44A06C}"/>
+                </a:ext>
+              </a:extLst>
+            </p:cNvPr>
+            <p:cNvPicPr>
+              <a:picLocks noChangeAspect="1"/>
+            </p:cNvPicPr>
+            <p:nvPr/>
+          </p:nvPicPr>
+          <p:blipFill>
+            <a:blip r:embed="rId4"/>
+            <a:stretch>
+              <a:fillRect/>
+            </a:stretch>
+          </p:blipFill>
+          <p:spPr>
+            <a:xfrm>
+              <a:off x="2577496" y="5463749"/>
+              <a:ext cx="161893" cy="147638"/>
+            </a:xfrm>
+            <a:prstGeom prst="rect">
+              <a:avLst/>
+            </a:prstGeom>
+          </p:spPr>
+        </p:pic>
+        <p:pic>
+          <p:nvPicPr>
+            <p:cNvPr id="26" name="Picture 25">
+              <a:extLst>
+                <a:ext uri="{FF2B5EF4-FFF2-40B4-BE49-F238E27FC236}">
+                  <a16:creationId xmlns:a16="http://schemas.microsoft.com/office/drawing/2014/main" id="{774ED6B5-1EC3-424C-B3A0-2CE944762D77}"/>
+                </a:ext>
+              </a:extLst>
+            </p:cNvPr>
+            <p:cNvPicPr>
+              <a:picLocks noChangeAspect="1"/>
+            </p:cNvPicPr>
+            <p:nvPr/>
+          </p:nvPicPr>
+          <p:blipFill>
+            <a:blip r:embed="rId5"/>
+            <a:stretch>
+              <a:fillRect/>
+            </a:stretch>
+          </p:blipFill>
+          <p:spPr>
+            <a:xfrm>
+              <a:off x="2227667" y="5467789"/>
+              <a:ext cx="149674" cy="147638"/>
+            </a:xfrm>
+            <a:prstGeom prst="rect">
+              <a:avLst/>
+            </a:prstGeom>
+          </p:spPr>
+        </p:pic>
+        <p:pic>
+          <p:nvPicPr>
+            <p:cNvPr id="27" name="Picture 26">
+              <a:extLst>
+                <a:ext uri="{FF2B5EF4-FFF2-40B4-BE49-F238E27FC236}">
+                  <a16:creationId xmlns:a16="http://schemas.microsoft.com/office/drawing/2014/main" id="{970F794C-0ABA-456E-9E6B-39622FC9DDEA}"/>
+                </a:ext>
+              </a:extLst>
+            </p:cNvPr>
+            <p:cNvPicPr>
+              <a:picLocks noChangeAspect="1"/>
+            </p:cNvPicPr>
+            <p:nvPr/>
+          </p:nvPicPr>
+          <p:blipFill>
+            <a:blip r:embed="rId4"/>
+            <a:stretch>
+              <a:fillRect/>
+            </a:stretch>
+          </p:blipFill>
+          <p:spPr>
+            <a:xfrm>
+              <a:off x="2202507" y="5632164"/>
+              <a:ext cx="161893" cy="147638"/>
+            </a:xfrm>
+            <a:prstGeom prst="rect">
+              <a:avLst/>
+            </a:prstGeom>
+          </p:spPr>
+        </p:pic>
+        <p:pic>
+          <p:nvPicPr>
+            <p:cNvPr id="28" name="Picture 27">
+              <a:extLst>
+                <a:ext uri="{FF2B5EF4-FFF2-40B4-BE49-F238E27FC236}">
+                  <a16:creationId xmlns:a16="http://schemas.microsoft.com/office/drawing/2014/main" id="{F95A1C7F-8CCC-4EDD-92FA-E5E84CD0E027}"/>
+                </a:ext>
+              </a:extLst>
+            </p:cNvPr>
+            <p:cNvPicPr>
+              <a:picLocks noChangeAspect="1"/>
+            </p:cNvPicPr>
+            <p:nvPr/>
+          </p:nvPicPr>
+          <p:blipFill>
+            <a:blip r:embed="rId5"/>
+            <a:stretch>
+              <a:fillRect/>
+            </a:stretch>
+          </p:blipFill>
+          <p:spPr>
+            <a:xfrm>
+              <a:off x="1852678" y="5636204"/>
+              <a:ext cx="149674" cy="147638"/>
+            </a:xfrm>
+            <a:prstGeom prst="rect">
+              <a:avLst/>
+            </a:prstGeom>
+          </p:spPr>
+        </p:pic>
+      </p:grpSp>
+      <p:sp>
+        <p:nvSpPr>
+          <p:cNvPr id="29" name="TextBox 28">
+            <a:extLst>
+              <a:ext uri="{FF2B5EF4-FFF2-40B4-BE49-F238E27FC236}">
+                <a16:creationId xmlns:a16="http://schemas.microsoft.com/office/drawing/2014/main" id="{4A391B46-B4C1-4F42-BCAD-F590C5A1B901}"/>
+              </a:ext>
+            </a:extLst>
+          </p:cNvPr>
+          <p:cNvSpPr txBox="1"/>
+          <p:nvPr/>
+        </p:nvSpPr>
+        <p:spPr>
+          <a:xfrm>
+            <a:off x="1262062" y="4666267"/>
+            <a:ext cx="980140" cy="307777"/>
+          </a:xfrm>
+          <a:prstGeom prst="rect">
+            <a:avLst/>
+          </a:prstGeom>
+          <a:noFill/>
+        </p:spPr>
+        <p:txBody>
+          <a:bodyPr wrap="none" rtlCol="0">
+            <a:spAutoFit/>
+          </a:bodyPr>
+          <a:lstStyle/>
+          <a:p>
+            <a:r>
+              <a:rPr lang="en-US" sz="1400" b="1"/>
+              <a:t>Frame info</a:t>
+            </a:r>
+          </a:p>
+        </p:txBody>
+      </p:sp>
+      <p:pic>
+        <p:nvPicPr>
+          <p:cNvPr id="30" name="Picture 29">
+            <a:extLst>
+              <a:ext uri="{FF2B5EF4-FFF2-40B4-BE49-F238E27FC236}">
+                <a16:creationId xmlns:a16="http://schemas.microsoft.com/office/drawing/2014/main" id="{9EED2309-3506-4888-9190-A4FA1C3E6DA3}"/>
+              </a:ext>
+            </a:extLst>
+          </p:cNvPr>
+          <p:cNvPicPr>
+            <a:picLocks noChangeAspect="1"/>
+          </p:cNvPicPr>
+          <p:nvPr/>
+        </p:nvPicPr>
+        <p:blipFill>
+          <a:blip r:embed="rId4"/>
+          <a:stretch>
+            <a:fillRect/>
+          </a:stretch>
+        </p:blipFill>
+        <p:spPr>
+          <a:xfrm>
+            <a:off x="2638373" y="3702043"/>
+            <a:ext cx="161893" cy="147638"/>
+          </a:xfrm>
+          <a:prstGeom prst="rect">
+            <a:avLst/>
+          </a:prstGeom>
+        </p:spPr>
+      </p:pic>
+      <p:pic>
+        <p:nvPicPr>
+          <p:cNvPr id="31" name="Picture 30">
+            <a:extLst>
+              <a:ext uri="{FF2B5EF4-FFF2-40B4-BE49-F238E27FC236}">
+                <a16:creationId xmlns:a16="http://schemas.microsoft.com/office/drawing/2014/main" id="{568AFC7B-0776-4B41-A08F-D023C2A781CB}"/>
+              </a:ext>
+            </a:extLst>
+          </p:cNvPr>
+          <p:cNvPicPr>
+            <a:picLocks noChangeAspect="1"/>
+          </p:cNvPicPr>
+          <p:nvPr/>
+        </p:nvPicPr>
+        <p:blipFill>
+          <a:blip r:embed="rId5"/>
+          <a:stretch>
+            <a:fillRect/>
+          </a:stretch>
+        </p:blipFill>
+        <p:spPr>
+          <a:xfrm>
+            <a:off x="2244272" y="3706083"/>
+            <a:ext cx="149674" cy="147638"/>
+          </a:xfrm>
+          <a:prstGeom prst="rect">
+            <a:avLst/>
+          </a:prstGeom>
+        </p:spPr>
+      </p:pic>
+      <p:pic>
+        <p:nvPicPr>
+          <p:cNvPr id="32" name="Picture 31">
+            <a:extLst>
+              <a:ext uri="{FF2B5EF4-FFF2-40B4-BE49-F238E27FC236}">
+                <a16:creationId xmlns:a16="http://schemas.microsoft.com/office/drawing/2014/main" id="{2CEDAF7C-3B01-418B-8D61-03BE3E86EE43}"/>
+              </a:ext>
+            </a:extLst>
+          </p:cNvPr>
+          <p:cNvPicPr>
+            <a:picLocks noChangeAspect="1"/>
+          </p:cNvPicPr>
+          <p:nvPr/>
+        </p:nvPicPr>
+        <p:blipFill>
+          <a:blip r:embed="rId4"/>
+          <a:stretch>
+            <a:fillRect/>
+          </a:stretch>
+        </p:blipFill>
+        <p:spPr>
+          <a:xfrm>
+            <a:off x="2640985" y="3863928"/>
+            <a:ext cx="161893" cy="147638"/>
+          </a:xfrm>
+          <a:prstGeom prst="rect">
+            <a:avLst/>
+          </a:prstGeom>
+        </p:spPr>
+      </p:pic>
+      <p:pic>
+        <p:nvPicPr>
+          <p:cNvPr id="33" name="Picture 32">
+            <a:extLst>
+              <a:ext uri="{FF2B5EF4-FFF2-40B4-BE49-F238E27FC236}">
+                <a16:creationId xmlns:a16="http://schemas.microsoft.com/office/drawing/2014/main" id="{761DC41A-8383-4203-814F-F78A2C1BCA5A}"/>
+              </a:ext>
+            </a:extLst>
+          </p:cNvPr>
+          <p:cNvPicPr>
+            <a:picLocks noChangeAspect="1"/>
+          </p:cNvPicPr>
+          <p:nvPr/>
+        </p:nvPicPr>
+        <p:blipFill>
+          <a:blip r:embed="rId5"/>
+          <a:stretch>
+            <a:fillRect/>
+          </a:stretch>
+        </p:blipFill>
+        <p:spPr>
+          <a:xfrm>
+            <a:off x="2246884" y="3867968"/>
+            <a:ext cx="149674" cy="147638"/>
+          </a:xfrm>
+          <a:prstGeom prst="rect">
+            <a:avLst/>
+          </a:prstGeom>
+        </p:spPr>
+      </p:pic>
+    </p:spTree>
+    <p:extLst>
+      <p:ext uri="{BB962C8B-B14F-4D97-AF65-F5344CB8AC3E}">
+        <p14:creationId xmlns:p14="http://schemas.microsoft.com/office/powerpoint/2010/main" val="3642239702"/>
+      </p:ext>
+    </p:extLst>
+  </p:cSld>
+  <p:clrMapOvr>
+    <a:masterClrMapping/>
+  </p:clrMapOvr>
+</p:sld>
+</file>
+
+<file path=ppt/slides/slide3.xml><?xml version="1.0" encoding="utf-8"?>
+<p:sld xmlns:a="http://schemas.openxmlformats.org/drawingml/2006/main" xmlns:r="http://schemas.openxmlformats.org/officeDocument/2006/relationships" xmlns:p="http://schemas.openxmlformats.org/presentationml/2006/main">
+  <p:cSld>
+    <p:spTree>
+      <p:nvGrpSpPr>
+        <p:cNvPr id="1" name=""/>
+        <p:cNvGrpSpPr/>
+        <p:nvPr/>
+      </p:nvGrpSpPr>
+      <p:grpSpPr>
+        <a:xfrm>
+          <a:off x="0" y="0"/>
+          <a:ext cx="0" cy="0"/>
+          <a:chOff x="0" y="0"/>
+          <a:chExt cx="0" cy="0"/>
+        </a:xfrm>
+      </p:grpSpPr>
+      <p:pic>
+        <p:nvPicPr>
+          <p:cNvPr id="4" name="Picture 3">
+            <a:extLst>
+              <a:ext uri="{FF2B5EF4-FFF2-40B4-BE49-F238E27FC236}">
+                <a16:creationId xmlns:a16="http://schemas.microsoft.com/office/drawing/2014/main" id="{CBDBA5CF-04CF-4507-8F9C-8D113E051701}"/>
+              </a:ext>
+            </a:extLst>
+          </p:cNvPr>
+          <p:cNvPicPr>
+            <a:picLocks noChangeAspect="1"/>
+          </p:cNvPicPr>
+          <p:nvPr/>
+        </p:nvPicPr>
+        <p:blipFill>
+          <a:blip r:embed="rId3"/>
+          <a:stretch>
+            <a:fillRect/>
+          </a:stretch>
+        </p:blipFill>
+        <p:spPr>
+          <a:xfrm>
+            <a:off x="114300" y="142875"/>
+            <a:ext cx="5734050" cy="4133850"/>
+          </a:xfrm>
+          <a:prstGeom prst="rect">
+            <a:avLst/>
+          </a:prstGeom>
+        </p:spPr>
+      </p:pic>
+      <p:sp>
+        <p:nvSpPr>
+          <p:cNvPr id="2" name="TextBox 1">
+            <a:extLst>
+              <a:ext uri="{FF2B5EF4-FFF2-40B4-BE49-F238E27FC236}">
+                <a16:creationId xmlns:a16="http://schemas.microsoft.com/office/drawing/2014/main" id="{78AC5B42-12EB-41C8-A740-3F0874E943DE}"/>
+              </a:ext>
+            </a:extLst>
+          </p:cNvPr>
+          <p:cNvSpPr txBox="1"/>
+          <p:nvPr/>
+        </p:nvSpPr>
+        <p:spPr>
+          <a:xfrm>
+            <a:off x="1262062" y="2834758"/>
+            <a:ext cx="1423788" cy="338554"/>
+          </a:xfrm>
+          <a:prstGeom prst="rect">
+            <a:avLst/>
+          </a:prstGeom>
+          <a:noFill/>
+        </p:spPr>
+        <p:txBody>
+          <a:bodyPr wrap="none" rtlCol="0">
+            <a:spAutoFit/>
+          </a:bodyPr>
+          <a:lstStyle/>
+          <a:p>
+            <a:r>
+              <a:rPr lang="en-US" sz="1600" b="1"/>
+              <a:t>SPR edit mode</a:t>
+            </a:r>
+          </a:p>
+        </p:txBody>
+      </p:sp>
+      <p:sp>
+        <p:nvSpPr>
+          <p:cNvPr id="6" name="TextBox 5">
+            <a:extLst>
+              <a:ext uri="{FF2B5EF4-FFF2-40B4-BE49-F238E27FC236}">
+                <a16:creationId xmlns:a16="http://schemas.microsoft.com/office/drawing/2014/main" id="{BA56F98D-08F1-4587-9544-B705A2EA8875}"/>
+              </a:ext>
+            </a:extLst>
+          </p:cNvPr>
+          <p:cNvSpPr txBox="1"/>
+          <p:nvPr/>
+        </p:nvSpPr>
+        <p:spPr>
+          <a:xfrm>
+            <a:off x="1262062" y="3087171"/>
+            <a:ext cx="1186094" cy="307777"/>
+          </a:xfrm>
+          <a:prstGeom prst="rect">
+            <a:avLst/>
+          </a:prstGeom>
+          <a:noFill/>
+        </p:spPr>
+        <p:txBody>
+          <a:bodyPr wrap="none" rtlCol="0">
+            <a:spAutoFit/>
+          </a:bodyPr>
+          <a:lstStyle/>
+          <a:p>
+            <a:r>
+              <a:rPr lang="en-US" sz="1400" b="1"/>
+              <a:t>File head info</a:t>
+            </a:r>
+          </a:p>
+        </p:txBody>
+      </p:sp>
+      <p:sp>
+        <p:nvSpPr>
+          <p:cNvPr id="7" name="TextBox 6">
+            <a:extLst>
+              <a:ext uri="{FF2B5EF4-FFF2-40B4-BE49-F238E27FC236}">
+                <a16:creationId xmlns:a16="http://schemas.microsoft.com/office/drawing/2014/main" id="{91767275-EC5B-440C-A5A2-C21314285E2B}"/>
+              </a:ext>
+            </a:extLst>
+          </p:cNvPr>
+          <p:cNvSpPr txBox="1"/>
+          <p:nvPr/>
+        </p:nvSpPr>
+        <p:spPr>
+          <a:xfrm>
+            <a:off x="1262062" y="3334137"/>
+            <a:ext cx="2954655" cy="2516073"/>
+          </a:xfrm>
+          <a:prstGeom prst="rect">
+            <a:avLst/>
+          </a:prstGeom>
+          <a:noFill/>
+        </p:spPr>
+        <p:txBody>
+          <a:bodyPr wrap="none" rtlCol="0">
+            <a:spAutoFit/>
+          </a:bodyPr>
+          <a:lstStyle/>
+          <a:p>
+            <a:r>
+              <a:rPr lang="en-US" sz="1050" b="1"/>
+              <a:t>Global width:        650</a:t>
+            </a:r>
+          </a:p>
+          <a:p>
+            <a:r>
+              <a:rPr lang="en-US" sz="1050" b="1"/>
+              <a:t>Global height:        360</a:t>
+            </a:r>
+          </a:p>
+          <a:p>
+            <a:r>
+              <a:rPr lang="en-US" sz="1050" b="1"/>
+              <a:t>Global offset X:         0</a:t>
+            </a:r>
+          </a:p>
+          <a:p>
+            <a:r>
+              <a:rPr lang="en-US" sz="1050" b="1"/>
+              <a:t>Global offset Y:         0</a:t>
+            </a:r>
+          </a:p>
+          <a:p>
+            <a:r>
+              <a:rPr lang="en-US" sz="1050" b="1"/>
+              <a:t>Colors count: 256</a:t>
+            </a:r>
+          </a:p>
+          <a:p>
+            <a:r>
+              <a:rPr lang="en-US" sz="1050" b="1"/>
+              <a:t>Directions count: 1</a:t>
+            </a:r>
+          </a:p>
+          <a:p>
+            <a:r>
+              <a:rPr lang="en-US" sz="1050" b="1"/>
+              <a:t>Frames count: 1		Frame:            0	</a:t>
+            </a:r>
+          </a:p>
+          <a:p>
+            <a:endParaRPr lang="en-US" sz="1050" b="1"/>
+          </a:p>
+          <a:p>
+            <a:endParaRPr lang="en-US" sz="1050" b="1"/>
+          </a:p>
+          <a:p>
+            <a:endParaRPr lang="en-US" sz="1050" b="1"/>
+          </a:p>
+          <a:p>
+            <a:r>
+              <a:rPr lang="en-US" sz="1050" b="1"/>
+              <a:t>Frame width:        640</a:t>
+            </a:r>
+          </a:p>
+          <a:p>
+            <a:r>
+              <a:rPr lang="en-US" sz="1050" b="1"/>
+              <a:t>Frame height:        360</a:t>
+            </a:r>
+          </a:p>
+          <a:p>
+            <a:r>
+              <a:rPr lang="en-US" sz="1050" b="1"/>
+              <a:t>Frame offset X:        0</a:t>
+            </a:r>
+          </a:p>
+          <a:p>
+            <a:r>
+              <a:rPr lang="en-US" sz="1050" b="1"/>
+              <a:t>Frame offset Y:        0 </a:t>
+            </a:r>
+          </a:p>
+          <a:p>
+            <a:r>
+              <a:rPr lang="en-US" sz="1050" b="1"/>
+              <a:t>Interval:        1 	                      (27in=36fps)</a:t>
+            </a:r>
+          </a:p>
+        </p:txBody>
+      </p:sp>
+      <p:pic>
+        <p:nvPicPr>
+          <p:cNvPr id="10" name="Picture 9">
+            <a:extLst>
+              <a:ext uri="{FF2B5EF4-FFF2-40B4-BE49-F238E27FC236}">
+                <a16:creationId xmlns:a16="http://schemas.microsoft.com/office/drawing/2014/main" id="{2FA78A65-17B6-4DF4-A33E-79221F178514}"/>
+              </a:ext>
+            </a:extLst>
+          </p:cNvPr>
+          <p:cNvPicPr>
+            <a:picLocks noChangeAspect="1"/>
+          </p:cNvPicPr>
+          <p:nvPr/>
+        </p:nvPicPr>
+        <p:blipFill>
+          <a:blip r:embed="rId4"/>
+          <a:stretch>
+            <a:fillRect/>
+          </a:stretch>
+        </p:blipFill>
+        <p:spPr>
+          <a:xfrm>
+            <a:off x="2981325" y="4354206"/>
+            <a:ext cx="143900" cy="147638"/>
+          </a:xfrm>
+          <a:prstGeom prst="rect">
+            <a:avLst/>
+          </a:prstGeom>
+        </p:spPr>
+      </p:pic>
+      <p:pic>
+        <p:nvPicPr>
+          <p:cNvPr id="11" name="Picture 10">
+            <a:extLst>
+              <a:ext uri="{FF2B5EF4-FFF2-40B4-BE49-F238E27FC236}">
+                <a16:creationId xmlns:a16="http://schemas.microsoft.com/office/drawing/2014/main" id="{51163AD7-3C76-4BD9-887C-8B5957476943}"/>
+              </a:ext>
+            </a:extLst>
+          </p:cNvPr>
+          <p:cNvPicPr>
+            <a:picLocks noChangeAspect="1"/>
+          </p:cNvPicPr>
+          <p:nvPr/>
+        </p:nvPicPr>
+        <p:blipFill>
+          <a:blip r:embed="rId5"/>
+          <a:stretch>
+            <a:fillRect/>
+          </a:stretch>
+        </p:blipFill>
+        <p:spPr>
+          <a:xfrm>
+            <a:off x="4113664" y="4340225"/>
+            <a:ext cx="161893" cy="147638"/>
+          </a:xfrm>
+          <a:prstGeom prst="rect">
+            <a:avLst/>
+          </a:prstGeom>
+        </p:spPr>
+      </p:pic>
+      <p:pic>
+        <p:nvPicPr>
+          <p:cNvPr id="12" name="Picture 11">
+            <a:extLst>
+              <a:ext uri="{FF2B5EF4-FFF2-40B4-BE49-F238E27FC236}">
+                <a16:creationId xmlns:a16="http://schemas.microsoft.com/office/drawing/2014/main" id="{4C541B28-96E2-4056-A331-F213F6B365D9}"/>
+              </a:ext>
+            </a:extLst>
+          </p:cNvPr>
+          <p:cNvPicPr>
+            <a:picLocks noChangeAspect="1"/>
+          </p:cNvPicPr>
+          <p:nvPr/>
+        </p:nvPicPr>
+        <p:blipFill>
+          <a:blip r:embed="rId6"/>
+          <a:stretch>
+            <a:fillRect/>
+          </a:stretch>
+        </p:blipFill>
+        <p:spPr>
+          <a:xfrm>
+            <a:off x="3661591" y="4344265"/>
+            <a:ext cx="149674" cy="147638"/>
+          </a:xfrm>
+          <a:prstGeom prst="rect">
+            <a:avLst/>
+          </a:prstGeom>
+        </p:spPr>
+      </p:pic>
+      <p:pic>
+        <p:nvPicPr>
+          <p:cNvPr id="15" name="Picture 14">
+            <a:extLst>
+              <a:ext uri="{FF2B5EF4-FFF2-40B4-BE49-F238E27FC236}">
+                <a16:creationId xmlns:a16="http://schemas.microsoft.com/office/drawing/2014/main" id="{A25B3327-0021-4332-A47E-CFFA8C3A5D44}"/>
+              </a:ext>
+            </a:extLst>
+          </p:cNvPr>
+          <p:cNvPicPr>
+            <a:picLocks noChangeAspect="1"/>
+          </p:cNvPicPr>
+          <p:nvPr/>
+        </p:nvPicPr>
+        <p:blipFill>
+          <a:blip r:embed="rId5"/>
+          <a:stretch>
+            <a:fillRect/>
+          </a:stretch>
+        </p:blipFill>
+        <p:spPr>
+          <a:xfrm>
+            <a:off x="2604903" y="3385702"/>
+            <a:ext cx="161893" cy="147638"/>
+          </a:xfrm>
+          <a:prstGeom prst="rect">
+            <a:avLst/>
+          </a:prstGeom>
+        </p:spPr>
+      </p:pic>
+      <p:pic>
+        <p:nvPicPr>
+          <p:cNvPr id="16" name="Picture 15">
+            <a:extLst>
+              <a:ext uri="{FF2B5EF4-FFF2-40B4-BE49-F238E27FC236}">
+                <a16:creationId xmlns:a16="http://schemas.microsoft.com/office/drawing/2014/main" id="{7F72DE22-44AC-4620-9C46-DD40BACD9E03}"/>
+              </a:ext>
+            </a:extLst>
+          </p:cNvPr>
+          <p:cNvPicPr>
+            <a:picLocks noChangeAspect="1"/>
+          </p:cNvPicPr>
+          <p:nvPr/>
+        </p:nvPicPr>
+        <p:blipFill>
+          <a:blip r:embed="rId6"/>
+          <a:stretch>
+            <a:fillRect/>
+          </a:stretch>
+        </p:blipFill>
+        <p:spPr>
+          <a:xfrm>
+            <a:off x="2152830" y="3389742"/>
+            <a:ext cx="149674" cy="147638"/>
+          </a:xfrm>
+          <a:prstGeom prst="rect">
+            <a:avLst/>
+          </a:prstGeom>
+        </p:spPr>
+      </p:pic>
+      <p:pic>
+        <p:nvPicPr>
+          <p:cNvPr id="17" name="Picture 16">
+            <a:extLst>
+              <a:ext uri="{FF2B5EF4-FFF2-40B4-BE49-F238E27FC236}">
+                <a16:creationId xmlns:a16="http://schemas.microsoft.com/office/drawing/2014/main" id="{B9EEC9DA-4CB8-4A7D-A3F0-87F82C9CB3FC}"/>
+              </a:ext>
+            </a:extLst>
+          </p:cNvPr>
+          <p:cNvPicPr>
+            <a:picLocks noChangeAspect="1"/>
+          </p:cNvPicPr>
+          <p:nvPr/>
+        </p:nvPicPr>
+        <p:blipFill>
+          <a:blip r:embed="rId5"/>
+          <a:stretch>
+            <a:fillRect/>
+          </a:stretch>
+        </p:blipFill>
+        <p:spPr>
+          <a:xfrm>
+            <a:off x="2619192" y="3548360"/>
+            <a:ext cx="161893" cy="147638"/>
+          </a:xfrm>
+          <a:prstGeom prst="rect">
+            <a:avLst/>
+          </a:prstGeom>
+        </p:spPr>
+      </p:pic>
+      <p:pic>
+        <p:nvPicPr>
+          <p:cNvPr id="18" name="Picture 17">
+            <a:extLst>
+              <a:ext uri="{FF2B5EF4-FFF2-40B4-BE49-F238E27FC236}">
+                <a16:creationId xmlns:a16="http://schemas.microsoft.com/office/drawing/2014/main" id="{70F35F2A-5E32-4B3F-93A5-2F3AD3323F8C}"/>
+              </a:ext>
+            </a:extLst>
+          </p:cNvPr>
+          <p:cNvPicPr>
+            <a:picLocks noChangeAspect="1"/>
+          </p:cNvPicPr>
+          <p:nvPr/>
+        </p:nvPicPr>
+        <p:blipFill>
+          <a:blip r:embed="rId6"/>
+          <a:stretch>
+            <a:fillRect/>
+          </a:stretch>
+        </p:blipFill>
+        <p:spPr>
+          <a:xfrm>
+            <a:off x="2167119" y="3552400"/>
+            <a:ext cx="149674" cy="147638"/>
+          </a:xfrm>
+          <a:prstGeom prst="rect">
+            <a:avLst/>
+          </a:prstGeom>
+        </p:spPr>
+      </p:pic>
+      <p:grpSp>
+        <p:nvGrpSpPr>
+          <p:cNvPr id="14" name="Group 13">
+            <a:extLst>
+              <a:ext uri="{FF2B5EF4-FFF2-40B4-BE49-F238E27FC236}">
+                <a16:creationId xmlns:a16="http://schemas.microsoft.com/office/drawing/2014/main" id="{C16F8053-B979-404C-90D0-A73B5FB935A6}"/>
+              </a:ext>
+            </a:extLst>
+          </p:cNvPr>
+          <p:cNvGrpSpPr/>
+          <p:nvPr/>
+        </p:nvGrpSpPr>
+        <p:grpSpPr>
+          <a:xfrm>
+            <a:off x="1852678" y="4993740"/>
+            <a:ext cx="925005" cy="790102"/>
+            <a:chOff x="1852678" y="4993740"/>
+            <a:chExt cx="925005" cy="790102"/>
+          </a:xfrm>
+        </p:grpSpPr>
+        <p:pic>
+          <p:nvPicPr>
+            <p:cNvPr id="19" name="Picture 18">
+              <a:extLst>
+                <a:ext uri="{FF2B5EF4-FFF2-40B4-BE49-F238E27FC236}">
+                  <a16:creationId xmlns:a16="http://schemas.microsoft.com/office/drawing/2014/main" id="{1A8FC2DF-1492-405A-BCAB-82B4F14E665B}"/>
+                </a:ext>
+              </a:extLst>
+            </p:cNvPr>
+            <p:cNvPicPr>
+              <a:picLocks noChangeAspect="1"/>
+            </p:cNvPicPr>
+            <p:nvPr/>
+          </p:nvPicPr>
+          <p:blipFill>
+            <a:blip r:embed="rId5"/>
+            <a:stretch>
+              <a:fillRect/>
+            </a:stretch>
+          </p:blipFill>
+          <p:spPr>
+            <a:xfrm>
+              <a:off x="2585853" y="4993740"/>
+              <a:ext cx="161893" cy="147638"/>
+            </a:xfrm>
+            <a:prstGeom prst="rect">
+              <a:avLst/>
+            </a:prstGeom>
+          </p:spPr>
+        </p:pic>
+        <p:pic>
+          <p:nvPicPr>
+            <p:cNvPr id="20" name="Picture 19">
+              <a:extLst>
+                <a:ext uri="{FF2B5EF4-FFF2-40B4-BE49-F238E27FC236}">
+                  <a16:creationId xmlns:a16="http://schemas.microsoft.com/office/drawing/2014/main" id="{9095908D-CB35-4C64-B1BD-8C57529AFAAD}"/>
+                </a:ext>
+              </a:extLst>
+            </p:cNvPr>
+            <p:cNvPicPr>
+              <a:picLocks noChangeAspect="1"/>
+            </p:cNvPicPr>
+            <p:nvPr/>
+          </p:nvPicPr>
+          <p:blipFill>
+            <a:blip r:embed="rId6"/>
+            <a:stretch>
+              <a:fillRect/>
+            </a:stretch>
+          </p:blipFill>
+          <p:spPr>
+            <a:xfrm>
+              <a:off x="2133780" y="4997780"/>
+              <a:ext cx="149674" cy="147638"/>
+            </a:xfrm>
+            <a:prstGeom prst="rect">
+              <a:avLst/>
+            </a:prstGeom>
+          </p:spPr>
+        </p:pic>
+        <p:pic>
+          <p:nvPicPr>
+            <p:cNvPr id="21" name="Picture 20">
+              <a:extLst>
+                <a:ext uri="{FF2B5EF4-FFF2-40B4-BE49-F238E27FC236}">
+                  <a16:creationId xmlns:a16="http://schemas.microsoft.com/office/drawing/2014/main" id="{52081149-A749-4A3C-B750-DEB51DBC0A09}"/>
+                </a:ext>
+              </a:extLst>
+            </p:cNvPr>
+            <p:cNvPicPr>
+              <a:picLocks noChangeAspect="1"/>
+            </p:cNvPicPr>
+            <p:nvPr/>
+          </p:nvPicPr>
+          <p:blipFill>
+            <a:blip r:embed="rId5"/>
+            <a:stretch>
+              <a:fillRect/>
+            </a:stretch>
+          </p:blipFill>
+          <p:spPr>
+            <a:xfrm>
+              <a:off x="2615790" y="5148973"/>
+              <a:ext cx="161893" cy="147638"/>
+            </a:xfrm>
+            <a:prstGeom prst="rect">
+              <a:avLst/>
+            </a:prstGeom>
+          </p:spPr>
+        </p:pic>
+        <p:pic>
+          <p:nvPicPr>
+            <p:cNvPr id="22" name="Picture 21">
+              <a:extLst>
+                <a:ext uri="{FF2B5EF4-FFF2-40B4-BE49-F238E27FC236}">
+                  <a16:creationId xmlns:a16="http://schemas.microsoft.com/office/drawing/2014/main" id="{C30298B4-8F37-4C6D-8A1B-09C4BFE30EA2}"/>
+                </a:ext>
+              </a:extLst>
+            </p:cNvPr>
+            <p:cNvPicPr>
+              <a:picLocks noChangeAspect="1"/>
+            </p:cNvPicPr>
+            <p:nvPr/>
+          </p:nvPicPr>
+          <p:blipFill>
+            <a:blip r:embed="rId6"/>
+            <a:stretch>
+              <a:fillRect/>
+            </a:stretch>
+          </p:blipFill>
+          <p:spPr>
+            <a:xfrm>
+              <a:off x="2163717" y="5153013"/>
+              <a:ext cx="149674" cy="147638"/>
+            </a:xfrm>
+            <a:prstGeom prst="rect">
+              <a:avLst/>
+            </a:prstGeom>
+          </p:spPr>
+        </p:pic>
+        <p:pic>
+          <p:nvPicPr>
+            <p:cNvPr id="23" name="Picture 22">
+              <a:extLst>
+                <a:ext uri="{FF2B5EF4-FFF2-40B4-BE49-F238E27FC236}">
+                  <a16:creationId xmlns:a16="http://schemas.microsoft.com/office/drawing/2014/main" id="{237B4EF9-A03C-40E2-9771-2F96AA34A333}"/>
+                </a:ext>
+              </a:extLst>
+            </p:cNvPr>
+            <p:cNvPicPr>
+              <a:picLocks noChangeAspect="1"/>
+            </p:cNvPicPr>
+            <p:nvPr/>
+          </p:nvPicPr>
+          <p:blipFill>
+            <a:blip r:embed="rId5"/>
+            <a:stretch>
+              <a:fillRect/>
+            </a:stretch>
+          </p:blipFill>
+          <p:spPr>
+            <a:xfrm>
+              <a:off x="2577496" y="5308516"/>
+              <a:ext cx="161893" cy="147638"/>
+            </a:xfrm>
+            <a:prstGeom prst="rect">
+              <a:avLst/>
+            </a:prstGeom>
+          </p:spPr>
+        </p:pic>
+        <p:pic>
+          <p:nvPicPr>
+            <p:cNvPr id="24" name="Picture 23">
+              <a:extLst>
+                <a:ext uri="{FF2B5EF4-FFF2-40B4-BE49-F238E27FC236}">
+                  <a16:creationId xmlns:a16="http://schemas.microsoft.com/office/drawing/2014/main" id="{961DE9B0-6F68-4648-8974-EB57B3A6A624}"/>
+                </a:ext>
+              </a:extLst>
+            </p:cNvPr>
+            <p:cNvPicPr>
+              <a:picLocks noChangeAspect="1"/>
+            </p:cNvPicPr>
+            <p:nvPr/>
+          </p:nvPicPr>
+          <p:blipFill>
+            <a:blip r:embed="rId6"/>
+            <a:stretch>
+              <a:fillRect/>
+            </a:stretch>
+          </p:blipFill>
+          <p:spPr>
+            <a:xfrm>
+              <a:off x="2227667" y="5312556"/>
+              <a:ext cx="149674" cy="147638"/>
+            </a:xfrm>
+            <a:prstGeom prst="rect">
+              <a:avLst/>
+            </a:prstGeom>
+          </p:spPr>
+        </p:pic>
+        <p:pic>
+          <p:nvPicPr>
+            <p:cNvPr id="25" name="Picture 24">
+              <a:extLst>
+                <a:ext uri="{FF2B5EF4-FFF2-40B4-BE49-F238E27FC236}">
+                  <a16:creationId xmlns:a16="http://schemas.microsoft.com/office/drawing/2014/main" id="{8AC1F569-18AF-4161-9243-4BC4EF44A06C}"/>
+                </a:ext>
+              </a:extLst>
+            </p:cNvPr>
+            <p:cNvPicPr>
+              <a:picLocks noChangeAspect="1"/>
+            </p:cNvPicPr>
+            <p:nvPr/>
+          </p:nvPicPr>
+          <p:blipFill>
+            <a:blip r:embed="rId5"/>
+            <a:stretch>
+              <a:fillRect/>
+            </a:stretch>
+          </p:blipFill>
+          <p:spPr>
+            <a:xfrm>
+              <a:off x="2577496" y="5463749"/>
+              <a:ext cx="161893" cy="147638"/>
+            </a:xfrm>
+            <a:prstGeom prst="rect">
+              <a:avLst/>
+            </a:prstGeom>
+          </p:spPr>
+        </p:pic>
+        <p:pic>
+          <p:nvPicPr>
+            <p:cNvPr id="26" name="Picture 25">
+              <a:extLst>
+                <a:ext uri="{FF2B5EF4-FFF2-40B4-BE49-F238E27FC236}">
+                  <a16:creationId xmlns:a16="http://schemas.microsoft.com/office/drawing/2014/main" id="{774ED6B5-1EC3-424C-B3A0-2CE944762D77}"/>
+                </a:ext>
+              </a:extLst>
+            </p:cNvPr>
+            <p:cNvPicPr>
+              <a:picLocks noChangeAspect="1"/>
+            </p:cNvPicPr>
+            <p:nvPr/>
+          </p:nvPicPr>
+          <p:blipFill>
+            <a:blip r:embed="rId6"/>
+            <a:stretch>
+              <a:fillRect/>
+            </a:stretch>
+          </p:blipFill>
+          <p:spPr>
+            <a:xfrm>
+              <a:off x="2227667" y="5467789"/>
+              <a:ext cx="149674" cy="147638"/>
+            </a:xfrm>
+            <a:prstGeom prst="rect">
+              <a:avLst/>
+            </a:prstGeom>
+          </p:spPr>
+        </p:pic>
+        <p:pic>
+          <p:nvPicPr>
+            <p:cNvPr id="27" name="Picture 26">
+              <a:extLst>
+                <a:ext uri="{FF2B5EF4-FFF2-40B4-BE49-F238E27FC236}">
+                  <a16:creationId xmlns:a16="http://schemas.microsoft.com/office/drawing/2014/main" id="{970F794C-0ABA-456E-9E6B-39622FC9DDEA}"/>
+                </a:ext>
+              </a:extLst>
+            </p:cNvPr>
+            <p:cNvPicPr>
+              <a:picLocks noChangeAspect="1"/>
+            </p:cNvPicPr>
+            <p:nvPr/>
+          </p:nvPicPr>
+          <p:blipFill>
+            <a:blip r:embed="rId5"/>
+            <a:stretch>
+              <a:fillRect/>
+            </a:stretch>
+          </p:blipFill>
+          <p:spPr>
+            <a:xfrm>
+              <a:off x="2202507" y="5632164"/>
+              <a:ext cx="161893" cy="147638"/>
+            </a:xfrm>
+            <a:prstGeom prst="rect">
+              <a:avLst/>
+            </a:prstGeom>
+          </p:spPr>
+        </p:pic>
+        <p:pic>
+          <p:nvPicPr>
+            <p:cNvPr id="28" name="Picture 27">
+              <a:extLst>
+                <a:ext uri="{FF2B5EF4-FFF2-40B4-BE49-F238E27FC236}">
+                  <a16:creationId xmlns:a16="http://schemas.microsoft.com/office/drawing/2014/main" id="{F95A1C7F-8CCC-4EDD-92FA-E5E84CD0E027}"/>
+                </a:ext>
+              </a:extLst>
+            </p:cNvPr>
+            <p:cNvPicPr>
+              <a:picLocks noChangeAspect="1"/>
+            </p:cNvPicPr>
+            <p:nvPr/>
+          </p:nvPicPr>
+          <p:blipFill>
+            <a:blip r:embed="rId6"/>
+            <a:stretch>
+              <a:fillRect/>
+            </a:stretch>
+          </p:blipFill>
+          <p:spPr>
+            <a:xfrm>
+              <a:off x="1852678" y="5636204"/>
+              <a:ext cx="149674" cy="147638"/>
+            </a:xfrm>
+            <a:prstGeom prst="rect">
+              <a:avLst/>
+            </a:prstGeom>
+          </p:spPr>
+        </p:pic>
+      </p:grpSp>
+      <p:sp>
+        <p:nvSpPr>
+          <p:cNvPr id="29" name="TextBox 28">
+            <a:extLst>
+              <a:ext uri="{FF2B5EF4-FFF2-40B4-BE49-F238E27FC236}">
+                <a16:creationId xmlns:a16="http://schemas.microsoft.com/office/drawing/2014/main" id="{4A391B46-B4C1-4F42-BCAD-F590C5A1B901}"/>
+              </a:ext>
+            </a:extLst>
+          </p:cNvPr>
+          <p:cNvSpPr txBox="1"/>
+          <p:nvPr/>
+        </p:nvSpPr>
+        <p:spPr>
+          <a:xfrm>
+            <a:off x="1262062" y="4666267"/>
+            <a:ext cx="980140" cy="307777"/>
+          </a:xfrm>
+          <a:prstGeom prst="rect">
+            <a:avLst/>
+          </a:prstGeom>
+          <a:noFill/>
+        </p:spPr>
+        <p:txBody>
+          <a:bodyPr wrap="none" rtlCol="0">
+            <a:spAutoFit/>
+          </a:bodyPr>
+          <a:lstStyle/>
+          <a:p>
+            <a:r>
+              <a:rPr lang="en-US" sz="1400" b="1"/>
+              <a:t>Frame info</a:t>
+            </a:r>
+          </a:p>
+        </p:txBody>
+      </p:sp>
+      <p:pic>
+        <p:nvPicPr>
+          <p:cNvPr id="30" name="Picture 29">
+            <a:extLst>
+              <a:ext uri="{FF2B5EF4-FFF2-40B4-BE49-F238E27FC236}">
+                <a16:creationId xmlns:a16="http://schemas.microsoft.com/office/drawing/2014/main" id="{9EED2309-3506-4888-9190-A4FA1C3E6DA3}"/>
+              </a:ext>
+            </a:extLst>
+          </p:cNvPr>
+          <p:cNvPicPr>
+            <a:picLocks noChangeAspect="1"/>
+          </p:cNvPicPr>
+          <p:nvPr/>
+        </p:nvPicPr>
+        <p:blipFill>
+          <a:blip r:embed="rId5"/>
+          <a:stretch>
+            <a:fillRect/>
+          </a:stretch>
+        </p:blipFill>
+        <p:spPr>
+          <a:xfrm>
+            <a:off x="2638373" y="3702043"/>
+            <a:ext cx="161893" cy="147638"/>
+          </a:xfrm>
+          <a:prstGeom prst="rect">
+            <a:avLst/>
+          </a:prstGeom>
+        </p:spPr>
+      </p:pic>
+      <p:pic>
+        <p:nvPicPr>
+          <p:cNvPr id="31" name="Picture 30">
+            <a:extLst>
+              <a:ext uri="{FF2B5EF4-FFF2-40B4-BE49-F238E27FC236}">
+                <a16:creationId xmlns:a16="http://schemas.microsoft.com/office/drawing/2014/main" id="{568AFC7B-0776-4B41-A08F-D023C2A781CB}"/>
+              </a:ext>
+            </a:extLst>
+          </p:cNvPr>
+          <p:cNvPicPr>
+            <a:picLocks noChangeAspect="1"/>
+          </p:cNvPicPr>
+          <p:nvPr/>
+        </p:nvPicPr>
+        <p:blipFill>
+          <a:blip r:embed="rId6"/>
+          <a:stretch>
+            <a:fillRect/>
+          </a:stretch>
+        </p:blipFill>
+        <p:spPr>
+          <a:xfrm>
+            <a:off x="2244272" y="3706083"/>
+            <a:ext cx="149674" cy="147638"/>
+          </a:xfrm>
+          <a:prstGeom prst="rect">
+            <a:avLst/>
+          </a:prstGeom>
+        </p:spPr>
+      </p:pic>
+      <p:pic>
+        <p:nvPicPr>
+          <p:cNvPr id="32" name="Picture 31">
+            <a:extLst>
+              <a:ext uri="{FF2B5EF4-FFF2-40B4-BE49-F238E27FC236}">
+                <a16:creationId xmlns:a16="http://schemas.microsoft.com/office/drawing/2014/main" id="{2CEDAF7C-3B01-418B-8D61-03BE3E86EE43}"/>
+              </a:ext>
+            </a:extLst>
+          </p:cNvPr>
+          <p:cNvPicPr>
+            <a:picLocks noChangeAspect="1"/>
+          </p:cNvPicPr>
+          <p:nvPr/>
+        </p:nvPicPr>
+        <p:blipFill>
+          <a:blip r:embed="rId5"/>
+          <a:stretch>
+            <a:fillRect/>
+          </a:stretch>
+        </p:blipFill>
+        <p:spPr>
+          <a:xfrm>
+            <a:off x="2640985" y="3863928"/>
+            <a:ext cx="161893" cy="147638"/>
+          </a:xfrm>
+          <a:prstGeom prst="rect">
+            <a:avLst/>
+          </a:prstGeom>
+        </p:spPr>
+      </p:pic>
+      <p:pic>
+        <p:nvPicPr>
+          <p:cNvPr id="33" name="Picture 32">
+            <a:extLst>
+              <a:ext uri="{FF2B5EF4-FFF2-40B4-BE49-F238E27FC236}">
+                <a16:creationId xmlns:a16="http://schemas.microsoft.com/office/drawing/2014/main" id="{761DC41A-8383-4203-814F-F78A2C1BCA5A}"/>
+              </a:ext>
+            </a:extLst>
+          </p:cNvPr>
+          <p:cNvPicPr>
+            <a:picLocks noChangeAspect="1"/>
+          </p:cNvPicPr>
+          <p:nvPr/>
+        </p:nvPicPr>
+        <p:blipFill>
+          <a:blip r:embed="rId6"/>
+          <a:stretch>
+            <a:fillRect/>
+          </a:stretch>
+        </p:blipFill>
+        <p:spPr>
+          <a:xfrm>
+            <a:off x="2246884" y="3867968"/>
+            <a:ext cx="149674" cy="147638"/>
+          </a:xfrm>
+          <a:prstGeom prst="rect">
+            <a:avLst/>
+          </a:prstGeom>
+        </p:spPr>
+      </p:pic>
+      <p:sp>
+        <p:nvSpPr>
+          <p:cNvPr id="37" name="Rectangle 36">
+            <a:extLst>
+              <a:ext uri="{FF2B5EF4-FFF2-40B4-BE49-F238E27FC236}">
+                <a16:creationId xmlns:a16="http://schemas.microsoft.com/office/drawing/2014/main" id="{1951CA0C-CAC0-431B-93F8-A5907531278E}"/>
               </a:ext>
             </a:extLst>
           </p:cNvPr>
@@ -3953,15 +4163,2698 @@
         </p:nvSpPr>
         <p:spPr>
           <a:xfrm>
-            <a:off x="1894126" y="3417889"/>
-            <a:ext cx="1930161" cy="346075"/>
+            <a:off x="1222375" y="307181"/>
+            <a:ext cx="4165599" cy="2361483"/>
           </a:xfrm>
           <a:prstGeom prst="rect">
             <a:avLst/>
           </a:prstGeom>
           <a:solidFill>
-            <a:srgbClr val="A1A1A1"/>
+            <a:schemeClr val="tx1">
+              <a:lumMod val="95000"/>
+              <a:lumOff val="5000"/>
+            </a:schemeClr>
           </a:solidFill>
+          <a:ln>
+            <a:noFill/>
+          </a:ln>
+        </p:spPr>
+        <p:style>
+          <a:lnRef idx="2">
+            <a:schemeClr val="dk1">
+              <a:shade val="50000"/>
+            </a:schemeClr>
+          </a:lnRef>
+          <a:fillRef idx="1">
+            <a:schemeClr val="dk1"/>
+          </a:fillRef>
+          <a:effectRef idx="0">
+            <a:schemeClr val="dk1"/>
+          </a:effectRef>
+          <a:fontRef idx="minor">
+            <a:schemeClr val="lt1"/>
+          </a:fontRef>
+        </p:style>
+        <p:txBody>
+          <a:bodyPr rtlCol="0" anchor="ctr"/>
+          <a:lstStyle/>
+          <a:p>
+            <a:pPr algn="ctr"/>
+            <a:endParaRPr lang="en-US"/>
+          </a:p>
+        </p:txBody>
+      </p:sp>
+      <p:cxnSp>
+        <p:nvCxnSpPr>
+          <p:cNvPr id="8" name="Straight Connector 7">
+            <a:extLst>
+              <a:ext uri="{FF2B5EF4-FFF2-40B4-BE49-F238E27FC236}">
+                <a16:creationId xmlns:a16="http://schemas.microsoft.com/office/drawing/2014/main" id="{C5B52519-1946-43FB-B227-FEF6274492A2}"/>
+              </a:ext>
+            </a:extLst>
+          </p:cNvPr>
+          <p:cNvCxnSpPr>
+            <a:cxnSpLocks/>
+          </p:cNvCxnSpPr>
+          <p:nvPr/>
+        </p:nvCxnSpPr>
+        <p:spPr>
+          <a:xfrm>
+            <a:off x="1212850" y="300831"/>
+            <a:ext cx="0" cy="4042569"/>
+          </a:xfrm>
+          <a:prstGeom prst="line">
+            <a:avLst/>
+          </a:prstGeom>
+          <a:ln w="19050">
+            <a:solidFill>
+              <a:srgbClr val="FF0000"/>
+            </a:solidFill>
+          </a:ln>
+        </p:spPr>
+        <p:style>
+          <a:lnRef idx="1">
+            <a:schemeClr val="accent1"/>
+          </a:lnRef>
+          <a:fillRef idx="0">
+            <a:schemeClr val="accent1"/>
+          </a:fillRef>
+          <a:effectRef idx="0">
+            <a:schemeClr val="accent1"/>
+          </a:effectRef>
+          <a:fontRef idx="minor">
+            <a:schemeClr val="tx1"/>
+          </a:fontRef>
+        </p:style>
+      </p:cxnSp>
+      <p:cxnSp>
+        <p:nvCxnSpPr>
+          <p:cNvPr id="13" name="Straight Connector 12">
+            <a:extLst>
+              <a:ext uri="{FF2B5EF4-FFF2-40B4-BE49-F238E27FC236}">
+                <a16:creationId xmlns:a16="http://schemas.microsoft.com/office/drawing/2014/main" id="{39C12A3F-F7DF-434A-A879-8F55A4090905}"/>
+              </a:ext>
+            </a:extLst>
+          </p:cNvPr>
+          <p:cNvCxnSpPr>
+            <a:cxnSpLocks/>
+          </p:cNvCxnSpPr>
+          <p:nvPr/>
+        </p:nvCxnSpPr>
+        <p:spPr>
+          <a:xfrm flipH="1">
+            <a:off x="349250" y="2686050"/>
+            <a:ext cx="5029200" cy="0"/>
+          </a:xfrm>
+          <a:prstGeom prst="line">
+            <a:avLst/>
+          </a:prstGeom>
+          <a:ln w="19050">
+            <a:solidFill>
+              <a:srgbClr val="FF0000"/>
+            </a:solidFill>
+          </a:ln>
+        </p:spPr>
+        <p:style>
+          <a:lnRef idx="1">
+            <a:schemeClr val="accent1"/>
+          </a:lnRef>
+          <a:fillRef idx="0">
+            <a:schemeClr val="accent1"/>
+          </a:fillRef>
+          <a:effectRef idx="0">
+            <a:schemeClr val="accent1"/>
+          </a:effectRef>
+          <a:fontRef idx="minor">
+            <a:schemeClr val="tx1"/>
+          </a:fontRef>
+        </p:style>
+      </p:cxnSp>
+      <p:cxnSp>
+        <p:nvCxnSpPr>
+          <p:cNvPr id="38" name="Straight Connector 37">
+            <a:extLst>
+              <a:ext uri="{FF2B5EF4-FFF2-40B4-BE49-F238E27FC236}">
+                <a16:creationId xmlns:a16="http://schemas.microsoft.com/office/drawing/2014/main" id="{4A575BA5-38F6-4B35-B6AA-9E0B3B9264F9}"/>
+              </a:ext>
+            </a:extLst>
+          </p:cNvPr>
+          <p:cNvCxnSpPr>
+            <a:cxnSpLocks/>
+            <a:endCxn id="39" idx="1"/>
+          </p:cNvCxnSpPr>
+          <p:nvPr/>
+        </p:nvCxnSpPr>
+        <p:spPr>
+          <a:xfrm>
+            <a:off x="2800266" y="3463053"/>
+            <a:ext cx="3037191" cy="64903"/>
+          </a:xfrm>
+          <a:prstGeom prst="line">
+            <a:avLst/>
+          </a:prstGeom>
+          <a:ln>
+            <a:solidFill>
+              <a:srgbClr val="FF0000"/>
+            </a:solidFill>
+          </a:ln>
+        </p:spPr>
+        <p:style>
+          <a:lnRef idx="1">
+            <a:schemeClr val="accent1"/>
+          </a:lnRef>
+          <a:fillRef idx="0">
+            <a:schemeClr val="accent1"/>
+          </a:fillRef>
+          <a:effectRef idx="0">
+            <a:schemeClr val="accent1"/>
+          </a:effectRef>
+          <a:fontRef idx="minor">
+            <a:schemeClr val="tx1"/>
+          </a:fontRef>
+        </p:style>
+      </p:cxnSp>
+      <p:sp>
+        <p:nvSpPr>
+          <p:cNvPr id="39" name="TextBox 38">
+            <a:extLst>
+              <a:ext uri="{FF2B5EF4-FFF2-40B4-BE49-F238E27FC236}">
+                <a16:creationId xmlns:a16="http://schemas.microsoft.com/office/drawing/2014/main" id="{5350CDB8-E5FE-4D5E-B857-FE602058AAE9}"/>
+              </a:ext>
+            </a:extLst>
+          </p:cNvPr>
+          <p:cNvSpPr txBox="1"/>
+          <p:nvPr/>
+        </p:nvSpPr>
+        <p:spPr>
+          <a:xfrm>
+            <a:off x="5837457" y="3312512"/>
+            <a:ext cx="4221027" cy="430887"/>
+          </a:xfrm>
+          <a:prstGeom prst="rect">
+            <a:avLst/>
+          </a:prstGeom>
+          <a:noFill/>
+        </p:spPr>
+        <p:txBody>
+          <a:bodyPr wrap="none" rtlCol="0">
+            <a:spAutoFit/>
+          </a:bodyPr>
+          <a:lstStyle/>
+          <a:p>
+            <a:r>
+              <a:rPr lang="en-US" sz="1100">
+                <a:latin typeface="Arial" panose="020B0604020202020204" pitchFamily="34" charset="0"/>
+                <a:cs typeface="Arial" panose="020B0604020202020204" pitchFamily="34" charset="0"/>
+              </a:rPr>
+              <a:t>Global width tăng từ 640 lên 650</a:t>
+            </a:r>
+          </a:p>
+          <a:p>
+            <a:r>
+              <a:rPr lang="en-US" sz="1100">
+                <a:latin typeface="Arial" panose="020B0604020202020204" pitchFamily="34" charset="0"/>
+                <a:cs typeface="Arial" panose="020B0604020202020204" pitchFamily="34" charset="0"/>
+              </a:rPr>
+              <a:t>Chiều rộng ảnh tăng, nh</a:t>
+            </a:r>
+            <a:r>
+              <a:rPr lang="vi-VN" sz="1100">
+                <a:latin typeface="Arial" panose="020B0604020202020204" pitchFamily="34" charset="0"/>
+                <a:cs typeface="Arial" panose="020B0604020202020204" pitchFamily="34" charset="0"/>
+              </a:rPr>
+              <a:t>ư</a:t>
+            </a:r>
+            <a:r>
+              <a:rPr lang="en-US" sz="1100">
+                <a:latin typeface="Arial" panose="020B0604020202020204" pitchFamily="34" charset="0"/>
+                <a:cs typeface="Arial" panose="020B0604020202020204" pitchFamily="34" charset="0"/>
+              </a:rPr>
+              <a:t>ng chiều cao hiện tại đang giữ nguyên </a:t>
+            </a:r>
+          </a:p>
+        </p:txBody>
+      </p:sp>
+      <p:cxnSp>
+        <p:nvCxnSpPr>
+          <p:cNvPr id="41" name="Straight Connector 40">
+            <a:extLst>
+              <a:ext uri="{FF2B5EF4-FFF2-40B4-BE49-F238E27FC236}">
+                <a16:creationId xmlns:a16="http://schemas.microsoft.com/office/drawing/2014/main" id="{3EEA2B12-832D-40F8-8CFB-77E7E7592F05}"/>
+              </a:ext>
+            </a:extLst>
+          </p:cNvPr>
+          <p:cNvCxnSpPr>
+            <a:cxnSpLocks/>
+            <a:stCxn id="39" idx="1"/>
+          </p:cNvCxnSpPr>
+          <p:nvPr/>
+        </p:nvCxnSpPr>
+        <p:spPr>
+          <a:xfrm flipH="1" flipV="1">
+            <a:off x="5279827" y="2553484"/>
+            <a:ext cx="557630" cy="974472"/>
+          </a:xfrm>
+          <a:prstGeom prst="line">
+            <a:avLst/>
+          </a:prstGeom>
+          <a:ln>
+            <a:solidFill>
+              <a:srgbClr val="FF0000"/>
+            </a:solidFill>
+          </a:ln>
+        </p:spPr>
+        <p:style>
+          <a:lnRef idx="1">
+            <a:schemeClr val="accent1"/>
+          </a:lnRef>
+          <a:fillRef idx="0">
+            <a:schemeClr val="accent1"/>
+          </a:fillRef>
+          <a:effectRef idx="0">
+            <a:schemeClr val="accent1"/>
+          </a:effectRef>
+          <a:fontRef idx="minor">
+            <a:schemeClr val="tx1"/>
+          </a:fontRef>
+        </p:style>
+      </p:cxnSp>
+      <p:pic>
+        <p:nvPicPr>
+          <p:cNvPr id="3" name="Picture 2">
+            <a:extLst>
+              <a:ext uri="{FF2B5EF4-FFF2-40B4-BE49-F238E27FC236}">
+                <a16:creationId xmlns:a16="http://schemas.microsoft.com/office/drawing/2014/main" id="{C44AE74B-64DC-4F98-B07A-B948D91EDA27}"/>
+              </a:ext>
+            </a:extLst>
+          </p:cNvPr>
+          <p:cNvPicPr>
+            <a:picLocks noChangeAspect="1"/>
+          </p:cNvPicPr>
+          <p:nvPr/>
+        </p:nvPicPr>
+        <p:blipFill>
+          <a:blip r:embed="rId7"/>
+          <a:stretch>
+            <a:fillRect/>
+          </a:stretch>
+        </p:blipFill>
+        <p:spPr>
+          <a:xfrm>
+            <a:off x="1222375" y="299585"/>
+            <a:ext cx="4168998" cy="2308983"/>
+          </a:xfrm>
+          <a:prstGeom prst="rect">
+            <a:avLst/>
+          </a:prstGeom>
+        </p:spPr>
+      </p:pic>
+    </p:spTree>
+    <p:custDataLst>
+      <p:tags r:id="rId1"/>
+    </p:custDataLst>
+    <p:extLst>
+      <p:ext uri="{BB962C8B-B14F-4D97-AF65-F5344CB8AC3E}">
+        <p14:creationId xmlns:p14="http://schemas.microsoft.com/office/powerpoint/2010/main" val="2446453841"/>
+      </p:ext>
+    </p:extLst>
+  </p:cSld>
+  <p:clrMapOvr>
+    <a:masterClrMapping/>
+  </p:clrMapOvr>
+</p:sld>
+</file>
+
+<file path=ppt/slides/slide4.xml><?xml version="1.0" encoding="utf-8"?>
+<p:sld xmlns:a="http://schemas.openxmlformats.org/drawingml/2006/main" xmlns:r="http://schemas.openxmlformats.org/officeDocument/2006/relationships" xmlns:p="http://schemas.openxmlformats.org/presentationml/2006/main">
+  <p:cSld>
+    <p:spTree>
+      <p:nvGrpSpPr>
+        <p:cNvPr id="1" name=""/>
+        <p:cNvGrpSpPr/>
+        <p:nvPr/>
+      </p:nvGrpSpPr>
+      <p:grpSpPr>
+        <a:xfrm>
+          <a:off x="0" y="0"/>
+          <a:ext cx="0" cy="0"/>
+          <a:chOff x="0" y="0"/>
+          <a:chExt cx="0" cy="0"/>
+        </a:xfrm>
+      </p:grpSpPr>
+      <p:pic>
+        <p:nvPicPr>
+          <p:cNvPr id="4" name="Picture 3">
+            <a:extLst>
+              <a:ext uri="{FF2B5EF4-FFF2-40B4-BE49-F238E27FC236}">
+                <a16:creationId xmlns:a16="http://schemas.microsoft.com/office/drawing/2014/main" id="{CBDBA5CF-04CF-4507-8F9C-8D113E051701}"/>
+              </a:ext>
+            </a:extLst>
+          </p:cNvPr>
+          <p:cNvPicPr>
+            <a:picLocks noChangeAspect="1"/>
+          </p:cNvPicPr>
+          <p:nvPr/>
+        </p:nvPicPr>
+        <p:blipFill>
+          <a:blip r:embed="rId3"/>
+          <a:stretch>
+            <a:fillRect/>
+          </a:stretch>
+        </p:blipFill>
+        <p:spPr>
+          <a:xfrm>
+            <a:off x="114300" y="142875"/>
+            <a:ext cx="5734050" cy="4133850"/>
+          </a:xfrm>
+          <a:prstGeom prst="rect">
+            <a:avLst/>
+          </a:prstGeom>
+        </p:spPr>
+      </p:pic>
+      <p:sp>
+        <p:nvSpPr>
+          <p:cNvPr id="2" name="TextBox 1">
+            <a:extLst>
+              <a:ext uri="{FF2B5EF4-FFF2-40B4-BE49-F238E27FC236}">
+                <a16:creationId xmlns:a16="http://schemas.microsoft.com/office/drawing/2014/main" id="{78AC5B42-12EB-41C8-A740-3F0874E943DE}"/>
+              </a:ext>
+            </a:extLst>
+          </p:cNvPr>
+          <p:cNvSpPr txBox="1"/>
+          <p:nvPr/>
+        </p:nvSpPr>
+        <p:spPr>
+          <a:xfrm>
+            <a:off x="1262062" y="2834758"/>
+            <a:ext cx="1423788" cy="338554"/>
+          </a:xfrm>
+          <a:prstGeom prst="rect">
+            <a:avLst/>
+          </a:prstGeom>
+          <a:noFill/>
+        </p:spPr>
+        <p:txBody>
+          <a:bodyPr wrap="none" rtlCol="0">
+            <a:spAutoFit/>
+          </a:bodyPr>
+          <a:lstStyle/>
+          <a:p>
+            <a:r>
+              <a:rPr lang="en-US" sz="1600" b="1"/>
+              <a:t>SPR edit mode</a:t>
+            </a:r>
+          </a:p>
+        </p:txBody>
+      </p:sp>
+      <p:sp>
+        <p:nvSpPr>
+          <p:cNvPr id="6" name="TextBox 5">
+            <a:extLst>
+              <a:ext uri="{FF2B5EF4-FFF2-40B4-BE49-F238E27FC236}">
+                <a16:creationId xmlns:a16="http://schemas.microsoft.com/office/drawing/2014/main" id="{BA56F98D-08F1-4587-9544-B705A2EA8875}"/>
+              </a:ext>
+            </a:extLst>
+          </p:cNvPr>
+          <p:cNvSpPr txBox="1"/>
+          <p:nvPr/>
+        </p:nvSpPr>
+        <p:spPr>
+          <a:xfrm>
+            <a:off x="1262062" y="3087171"/>
+            <a:ext cx="1186094" cy="307777"/>
+          </a:xfrm>
+          <a:prstGeom prst="rect">
+            <a:avLst/>
+          </a:prstGeom>
+          <a:noFill/>
+        </p:spPr>
+        <p:txBody>
+          <a:bodyPr wrap="none" rtlCol="0">
+            <a:spAutoFit/>
+          </a:bodyPr>
+          <a:lstStyle/>
+          <a:p>
+            <a:r>
+              <a:rPr lang="en-US" sz="1400" b="1"/>
+              <a:t>File head info</a:t>
+            </a:r>
+          </a:p>
+        </p:txBody>
+      </p:sp>
+      <p:sp>
+        <p:nvSpPr>
+          <p:cNvPr id="7" name="TextBox 6">
+            <a:extLst>
+              <a:ext uri="{FF2B5EF4-FFF2-40B4-BE49-F238E27FC236}">
+                <a16:creationId xmlns:a16="http://schemas.microsoft.com/office/drawing/2014/main" id="{91767275-EC5B-440C-A5A2-C21314285E2B}"/>
+              </a:ext>
+            </a:extLst>
+          </p:cNvPr>
+          <p:cNvSpPr txBox="1"/>
+          <p:nvPr/>
+        </p:nvSpPr>
+        <p:spPr>
+          <a:xfrm>
+            <a:off x="1262062" y="3334137"/>
+            <a:ext cx="2954655" cy="2516073"/>
+          </a:xfrm>
+          <a:prstGeom prst="rect">
+            <a:avLst/>
+          </a:prstGeom>
+          <a:noFill/>
+        </p:spPr>
+        <p:txBody>
+          <a:bodyPr wrap="none" rtlCol="0">
+            <a:spAutoFit/>
+          </a:bodyPr>
+          <a:lstStyle/>
+          <a:p>
+            <a:r>
+              <a:rPr lang="en-US" sz="1050" b="1"/>
+              <a:t>Global width:        650</a:t>
+            </a:r>
+          </a:p>
+          <a:p>
+            <a:r>
+              <a:rPr lang="en-US" sz="1050" b="1"/>
+              <a:t>Global height:        370</a:t>
+            </a:r>
+          </a:p>
+          <a:p>
+            <a:r>
+              <a:rPr lang="en-US" sz="1050" b="1"/>
+              <a:t>Global offset X:         0</a:t>
+            </a:r>
+          </a:p>
+          <a:p>
+            <a:r>
+              <a:rPr lang="en-US" sz="1050" b="1"/>
+              <a:t>Global offset Y:         0</a:t>
+            </a:r>
+          </a:p>
+          <a:p>
+            <a:r>
+              <a:rPr lang="en-US" sz="1050" b="1"/>
+              <a:t>Colors count: 256</a:t>
+            </a:r>
+          </a:p>
+          <a:p>
+            <a:r>
+              <a:rPr lang="en-US" sz="1050" b="1"/>
+              <a:t>Directions count: 1</a:t>
+            </a:r>
+          </a:p>
+          <a:p>
+            <a:r>
+              <a:rPr lang="en-US" sz="1050" b="1"/>
+              <a:t>Frames count: 1		Frame:            0	</a:t>
+            </a:r>
+          </a:p>
+          <a:p>
+            <a:endParaRPr lang="en-US" sz="1050" b="1"/>
+          </a:p>
+          <a:p>
+            <a:endParaRPr lang="en-US" sz="1050" b="1"/>
+          </a:p>
+          <a:p>
+            <a:endParaRPr lang="en-US" sz="1050" b="1"/>
+          </a:p>
+          <a:p>
+            <a:r>
+              <a:rPr lang="en-US" sz="1050" b="1"/>
+              <a:t>Frame width:        640</a:t>
+            </a:r>
+          </a:p>
+          <a:p>
+            <a:r>
+              <a:rPr lang="en-US" sz="1050" b="1"/>
+              <a:t>Frame height:        360</a:t>
+            </a:r>
+          </a:p>
+          <a:p>
+            <a:r>
+              <a:rPr lang="en-US" sz="1050" b="1"/>
+              <a:t>Frame offset X:        0</a:t>
+            </a:r>
+          </a:p>
+          <a:p>
+            <a:r>
+              <a:rPr lang="en-US" sz="1050" b="1"/>
+              <a:t>Frame offset Y:        0 </a:t>
+            </a:r>
+          </a:p>
+          <a:p>
+            <a:r>
+              <a:rPr lang="en-US" sz="1050" b="1"/>
+              <a:t>Interval:        1 	                      (27in=36fps)</a:t>
+            </a:r>
+          </a:p>
+        </p:txBody>
+      </p:sp>
+      <p:pic>
+        <p:nvPicPr>
+          <p:cNvPr id="10" name="Picture 9">
+            <a:extLst>
+              <a:ext uri="{FF2B5EF4-FFF2-40B4-BE49-F238E27FC236}">
+                <a16:creationId xmlns:a16="http://schemas.microsoft.com/office/drawing/2014/main" id="{2FA78A65-17B6-4DF4-A33E-79221F178514}"/>
+              </a:ext>
+            </a:extLst>
+          </p:cNvPr>
+          <p:cNvPicPr>
+            <a:picLocks noChangeAspect="1"/>
+          </p:cNvPicPr>
+          <p:nvPr/>
+        </p:nvPicPr>
+        <p:blipFill>
+          <a:blip r:embed="rId4"/>
+          <a:stretch>
+            <a:fillRect/>
+          </a:stretch>
+        </p:blipFill>
+        <p:spPr>
+          <a:xfrm>
+            <a:off x="2981325" y="4354206"/>
+            <a:ext cx="143900" cy="147638"/>
+          </a:xfrm>
+          <a:prstGeom prst="rect">
+            <a:avLst/>
+          </a:prstGeom>
+        </p:spPr>
+      </p:pic>
+      <p:pic>
+        <p:nvPicPr>
+          <p:cNvPr id="11" name="Picture 10">
+            <a:extLst>
+              <a:ext uri="{FF2B5EF4-FFF2-40B4-BE49-F238E27FC236}">
+                <a16:creationId xmlns:a16="http://schemas.microsoft.com/office/drawing/2014/main" id="{51163AD7-3C76-4BD9-887C-8B5957476943}"/>
+              </a:ext>
+            </a:extLst>
+          </p:cNvPr>
+          <p:cNvPicPr>
+            <a:picLocks noChangeAspect="1"/>
+          </p:cNvPicPr>
+          <p:nvPr/>
+        </p:nvPicPr>
+        <p:blipFill>
+          <a:blip r:embed="rId5"/>
+          <a:stretch>
+            <a:fillRect/>
+          </a:stretch>
+        </p:blipFill>
+        <p:spPr>
+          <a:xfrm>
+            <a:off x="4113664" y="4340225"/>
+            <a:ext cx="161893" cy="147638"/>
+          </a:xfrm>
+          <a:prstGeom prst="rect">
+            <a:avLst/>
+          </a:prstGeom>
+        </p:spPr>
+      </p:pic>
+      <p:pic>
+        <p:nvPicPr>
+          <p:cNvPr id="12" name="Picture 11">
+            <a:extLst>
+              <a:ext uri="{FF2B5EF4-FFF2-40B4-BE49-F238E27FC236}">
+                <a16:creationId xmlns:a16="http://schemas.microsoft.com/office/drawing/2014/main" id="{4C541B28-96E2-4056-A331-F213F6B365D9}"/>
+              </a:ext>
+            </a:extLst>
+          </p:cNvPr>
+          <p:cNvPicPr>
+            <a:picLocks noChangeAspect="1"/>
+          </p:cNvPicPr>
+          <p:nvPr/>
+        </p:nvPicPr>
+        <p:blipFill>
+          <a:blip r:embed="rId6"/>
+          <a:stretch>
+            <a:fillRect/>
+          </a:stretch>
+        </p:blipFill>
+        <p:spPr>
+          <a:xfrm>
+            <a:off x="3661591" y="4344265"/>
+            <a:ext cx="149674" cy="147638"/>
+          </a:xfrm>
+          <a:prstGeom prst="rect">
+            <a:avLst/>
+          </a:prstGeom>
+        </p:spPr>
+      </p:pic>
+      <p:pic>
+        <p:nvPicPr>
+          <p:cNvPr id="15" name="Picture 14">
+            <a:extLst>
+              <a:ext uri="{FF2B5EF4-FFF2-40B4-BE49-F238E27FC236}">
+                <a16:creationId xmlns:a16="http://schemas.microsoft.com/office/drawing/2014/main" id="{A25B3327-0021-4332-A47E-CFFA8C3A5D44}"/>
+              </a:ext>
+            </a:extLst>
+          </p:cNvPr>
+          <p:cNvPicPr>
+            <a:picLocks noChangeAspect="1"/>
+          </p:cNvPicPr>
+          <p:nvPr/>
+        </p:nvPicPr>
+        <p:blipFill>
+          <a:blip r:embed="rId5"/>
+          <a:stretch>
+            <a:fillRect/>
+          </a:stretch>
+        </p:blipFill>
+        <p:spPr>
+          <a:xfrm>
+            <a:off x="2604903" y="3385702"/>
+            <a:ext cx="161893" cy="147638"/>
+          </a:xfrm>
+          <a:prstGeom prst="rect">
+            <a:avLst/>
+          </a:prstGeom>
+        </p:spPr>
+      </p:pic>
+      <p:pic>
+        <p:nvPicPr>
+          <p:cNvPr id="16" name="Picture 15">
+            <a:extLst>
+              <a:ext uri="{FF2B5EF4-FFF2-40B4-BE49-F238E27FC236}">
+                <a16:creationId xmlns:a16="http://schemas.microsoft.com/office/drawing/2014/main" id="{7F72DE22-44AC-4620-9C46-DD40BACD9E03}"/>
+              </a:ext>
+            </a:extLst>
+          </p:cNvPr>
+          <p:cNvPicPr>
+            <a:picLocks noChangeAspect="1"/>
+          </p:cNvPicPr>
+          <p:nvPr/>
+        </p:nvPicPr>
+        <p:blipFill>
+          <a:blip r:embed="rId6"/>
+          <a:stretch>
+            <a:fillRect/>
+          </a:stretch>
+        </p:blipFill>
+        <p:spPr>
+          <a:xfrm>
+            <a:off x="2152830" y="3389742"/>
+            <a:ext cx="149674" cy="147638"/>
+          </a:xfrm>
+          <a:prstGeom prst="rect">
+            <a:avLst/>
+          </a:prstGeom>
+        </p:spPr>
+      </p:pic>
+      <p:pic>
+        <p:nvPicPr>
+          <p:cNvPr id="17" name="Picture 16">
+            <a:extLst>
+              <a:ext uri="{FF2B5EF4-FFF2-40B4-BE49-F238E27FC236}">
+                <a16:creationId xmlns:a16="http://schemas.microsoft.com/office/drawing/2014/main" id="{B9EEC9DA-4CB8-4A7D-A3F0-87F82C9CB3FC}"/>
+              </a:ext>
+            </a:extLst>
+          </p:cNvPr>
+          <p:cNvPicPr>
+            <a:picLocks noChangeAspect="1"/>
+          </p:cNvPicPr>
+          <p:nvPr/>
+        </p:nvPicPr>
+        <p:blipFill>
+          <a:blip r:embed="rId5"/>
+          <a:stretch>
+            <a:fillRect/>
+          </a:stretch>
+        </p:blipFill>
+        <p:spPr>
+          <a:xfrm>
+            <a:off x="2619192" y="3548360"/>
+            <a:ext cx="161893" cy="147638"/>
+          </a:xfrm>
+          <a:prstGeom prst="rect">
+            <a:avLst/>
+          </a:prstGeom>
+        </p:spPr>
+      </p:pic>
+      <p:pic>
+        <p:nvPicPr>
+          <p:cNvPr id="18" name="Picture 17">
+            <a:extLst>
+              <a:ext uri="{FF2B5EF4-FFF2-40B4-BE49-F238E27FC236}">
+                <a16:creationId xmlns:a16="http://schemas.microsoft.com/office/drawing/2014/main" id="{70F35F2A-5E32-4B3F-93A5-2F3AD3323F8C}"/>
+              </a:ext>
+            </a:extLst>
+          </p:cNvPr>
+          <p:cNvPicPr>
+            <a:picLocks noChangeAspect="1"/>
+          </p:cNvPicPr>
+          <p:nvPr/>
+        </p:nvPicPr>
+        <p:blipFill>
+          <a:blip r:embed="rId6"/>
+          <a:stretch>
+            <a:fillRect/>
+          </a:stretch>
+        </p:blipFill>
+        <p:spPr>
+          <a:xfrm>
+            <a:off x="2167119" y="3552400"/>
+            <a:ext cx="149674" cy="147638"/>
+          </a:xfrm>
+          <a:prstGeom prst="rect">
+            <a:avLst/>
+          </a:prstGeom>
+        </p:spPr>
+      </p:pic>
+      <p:grpSp>
+        <p:nvGrpSpPr>
+          <p:cNvPr id="14" name="Group 13">
+            <a:extLst>
+              <a:ext uri="{FF2B5EF4-FFF2-40B4-BE49-F238E27FC236}">
+                <a16:creationId xmlns:a16="http://schemas.microsoft.com/office/drawing/2014/main" id="{C16F8053-B979-404C-90D0-A73B5FB935A6}"/>
+              </a:ext>
+            </a:extLst>
+          </p:cNvPr>
+          <p:cNvGrpSpPr/>
+          <p:nvPr/>
+        </p:nvGrpSpPr>
+        <p:grpSpPr>
+          <a:xfrm>
+            <a:off x="1852678" y="4993740"/>
+            <a:ext cx="925005" cy="790102"/>
+            <a:chOff x="1852678" y="4993740"/>
+            <a:chExt cx="925005" cy="790102"/>
+          </a:xfrm>
+        </p:grpSpPr>
+        <p:pic>
+          <p:nvPicPr>
+            <p:cNvPr id="19" name="Picture 18">
+              <a:extLst>
+                <a:ext uri="{FF2B5EF4-FFF2-40B4-BE49-F238E27FC236}">
+                  <a16:creationId xmlns:a16="http://schemas.microsoft.com/office/drawing/2014/main" id="{1A8FC2DF-1492-405A-BCAB-82B4F14E665B}"/>
+                </a:ext>
+              </a:extLst>
+            </p:cNvPr>
+            <p:cNvPicPr>
+              <a:picLocks noChangeAspect="1"/>
+            </p:cNvPicPr>
+            <p:nvPr/>
+          </p:nvPicPr>
+          <p:blipFill>
+            <a:blip r:embed="rId5"/>
+            <a:stretch>
+              <a:fillRect/>
+            </a:stretch>
+          </p:blipFill>
+          <p:spPr>
+            <a:xfrm>
+              <a:off x="2585853" y="4993740"/>
+              <a:ext cx="161893" cy="147638"/>
+            </a:xfrm>
+            <a:prstGeom prst="rect">
+              <a:avLst/>
+            </a:prstGeom>
+          </p:spPr>
+        </p:pic>
+        <p:pic>
+          <p:nvPicPr>
+            <p:cNvPr id="20" name="Picture 19">
+              <a:extLst>
+                <a:ext uri="{FF2B5EF4-FFF2-40B4-BE49-F238E27FC236}">
+                  <a16:creationId xmlns:a16="http://schemas.microsoft.com/office/drawing/2014/main" id="{9095908D-CB35-4C64-B1BD-8C57529AFAAD}"/>
+                </a:ext>
+              </a:extLst>
+            </p:cNvPr>
+            <p:cNvPicPr>
+              <a:picLocks noChangeAspect="1"/>
+            </p:cNvPicPr>
+            <p:nvPr/>
+          </p:nvPicPr>
+          <p:blipFill>
+            <a:blip r:embed="rId6"/>
+            <a:stretch>
+              <a:fillRect/>
+            </a:stretch>
+          </p:blipFill>
+          <p:spPr>
+            <a:xfrm>
+              <a:off x="2133780" y="4997780"/>
+              <a:ext cx="149674" cy="147638"/>
+            </a:xfrm>
+            <a:prstGeom prst="rect">
+              <a:avLst/>
+            </a:prstGeom>
+          </p:spPr>
+        </p:pic>
+        <p:pic>
+          <p:nvPicPr>
+            <p:cNvPr id="21" name="Picture 20">
+              <a:extLst>
+                <a:ext uri="{FF2B5EF4-FFF2-40B4-BE49-F238E27FC236}">
+                  <a16:creationId xmlns:a16="http://schemas.microsoft.com/office/drawing/2014/main" id="{52081149-A749-4A3C-B750-DEB51DBC0A09}"/>
+                </a:ext>
+              </a:extLst>
+            </p:cNvPr>
+            <p:cNvPicPr>
+              <a:picLocks noChangeAspect="1"/>
+            </p:cNvPicPr>
+            <p:nvPr/>
+          </p:nvPicPr>
+          <p:blipFill>
+            <a:blip r:embed="rId5"/>
+            <a:stretch>
+              <a:fillRect/>
+            </a:stretch>
+          </p:blipFill>
+          <p:spPr>
+            <a:xfrm>
+              <a:off x="2615790" y="5148973"/>
+              <a:ext cx="161893" cy="147638"/>
+            </a:xfrm>
+            <a:prstGeom prst="rect">
+              <a:avLst/>
+            </a:prstGeom>
+          </p:spPr>
+        </p:pic>
+        <p:pic>
+          <p:nvPicPr>
+            <p:cNvPr id="22" name="Picture 21">
+              <a:extLst>
+                <a:ext uri="{FF2B5EF4-FFF2-40B4-BE49-F238E27FC236}">
+                  <a16:creationId xmlns:a16="http://schemas.microsoft.com/office/drawing/2014/main" id="{C30298B4-8F37-4C6D-8A1B-09C4BFE30EA2}"/>
+                </a:ext>
+              </a:extLst>
+            </p:cNvPr>
+            <p:cNvPicPr>
+              <a:picLocks noChangeAspect="1"/>
+            </p:cNvPicPr>
+            <p:nvPr/>
+          </p:nvPicPr>
+          <p:blipFill>
+            <a:blip r:embed="rId6"/>
+            <a:stretch>
+              <a:fillRect/>
+            </a:stretch>
+          </p:blipFill>
+          <p:spPr>
+            <a:xfrm>
+              <a:off x="2163717" y="5153013"/>
+              <a:ext cx="149674" cy="147638"/>
+            </a:xfrm>
+            <a:prstGeom prst="rect">
+              <a:avLst/>
+            </a:prstGeom>
+          </p:spPr>
+        </p:pic>
+        <p:pic>
+          <p:nvPicPr>
+            <p:cNvPr id="23" name="Picture 22">
+              <a:extLst>
+                <a:ext uri="{FF2B5EF4-FFF2-40B4-BE49-F238E27FC236}">
+                  <a16:creationId xmlns:a16="http://schemas.microsoft.com/office/drawing/2014/main" id="{237B4EF9-A03C-40E2-9771-2F96AA34A333}"/>
+                </a:ext>
+              </a:extLst>
+            </p:cNvPr>
+            <p:cNvPicPr>
+              <a:picLocks noChangeAspect="1"/>
+            </p:cNvPicPr>
+            <p:nvPr/>
+          </p:nvPicPr>
+          <p:blipFill>
+            <a:blip r:embed="rId5"/>
+            <a:stretch>
+              <a:fillRect/>
+            </a:stretch>
+          </p:blipFill>
+          <p:spPr>
+            <a:xfrm>
+              <a:off x="2577496" y="5308516"/>
+              <a:ext cx="161893" cy="147638"/>
+            </a:xfrm>
+            <a:prstGeom prst="rect">
+              <a:avLst/>
+            </a:prstGeom>
+          </p:spPr>
+        </p:pic>
+        <p:pic>
+          <p:nvPicPr>
+            <p:cNvPr id="24" name="Picture 23">
+              <a:extLst>
+                <a:ext uri="{FF2B5EF4-FFF2-40B4-BE49-F238E27FC236}">
+                  <a16:creationId xmlns:a16="http://schemas.microsoft.com/office/drawing/2014/main" id="{961DE9B0-6F68-4648-8974-EB57B3A6A624}"/>
+                </a:ext>
+              </a:extLst>
+            </p:cNvPr>
+            <p:cNvPicPr>
+              <a:picLocks noChangeAspect="1"/>
+            </p:cNvPicPr>
+            <p:nvPr/>
+          </p:nvPicPr>
+          <p:blipFill>
+            <a:blip r:embed="rId6"/>
+            <a:stretch>
+              <a:fillRect/>
+            </a:stretch>
+          </p:blipFill>
+          <p:spPr>
+            <a:xfrm>
+              <a:off x="2227667" y="5312556"/>
+              <a:ext cx="149674" cy="147638"/>
+            </a:xfrm>
+            <a:prstGeom prst="rect">
+              <a:avLst/>
+            </a:prstGeom>
+          </p:spPr>
+        </p:pic>
+        <p:pic>
+          <p:nvPicPr>
+            <p:cNvPr id="25" name="Picture 24">
+              <a:extLst>
+                <a:ext uri="{FF2B5EF4-FFF2-40B4-BE49-F238E27FC236}">
+                  <a16:creationId xmlns:a16="http://schemas.microsoft.com/office/drawing/2014/main" id="{8AC1F569-18AF-4161-9243-4BC4EF44A06C}"/>
+                </a:ext>
+              </a:extLst>
+            </p:cNvPr>
+            <p:cNvPicPr>
+              <a:picLocks noChangeAspect="1"/>
+            </p:cNvPicPr>
+            <p:nvPr/>
+          </p:nvPicPr>
+          <p:blipFill>
+            <a:blip r:embed="rId5"/>
+            <a:stretch>
+              <a:fillRect/>
+            </a:stretch>
+          </p:blipFill>
+          <p:spPr>
+            <a:xfrm>
+              <a:off x="2577496" y="5463749"/>
+              <a:ext cx="161893" cy="147638"/>
+            </a:xfrm>
+            <a:prstGeom prst="rect">
+              <a:avLst/>
+            </a:prstGeom>
+          </p:spPr>
+        </p:pic>
+        <p:pic>
+          <p:nvPicPr>
+            <p:cNvPr id="26" name="Picture 25">
+              <a:extLst>
+                <a:ext uri="{FF2B5EF4-FFF2-40B4-BE49-F238E27FC236}">
+                  <a16:creationId xmlns:a16="http://schemas.microsoft.com/office/drawing/2014/main" id="{774ED6B5-1EC3-424C-B3A0-2CE944762D77}"/>
+                </a:ext>
+              </a:extLst>
+            </p:cNvPr>
+            <p:cNvPicPr>
+              <a:picLocks noChangeAspect="1"/>
+            </p:cNvPicPr>
+            <p:nvPr/>
+          </p:nvPicPr>
+          <p:blipFill>
+            <a:blip r:embed="rId6"/>
+            <a:stretch>
+              <a:fillRect/>
+            </a:stretch>
+          </p:blipFill>
+          <p:spPr>
+            <a:xfrm>
+              <a:off x="2227667" y="5467789"/>
+              <a:ext cx="149674" cy="147638"/>
+            </a:xfrm>
+            <a:prstGeom prst="rect">
+              <a:avLst/>
+            </a:prstGeom>
+          </p:spPr>
+        </p:pic>
+        <p:pic>
+          <p:nvPicPr>
+            <p:cNvPr id="27" name="Picture 26">
+              <a:extLst>
+                <a:ext uri="{FF2B5EF4-FFF2-40B4-BE49-F238E27FC236}">
+                  <a16:creationId xmlns:a16="http://schemas.microsoft.com/office/drawing/2014/main" id="{970F794C-0ABA-456E-9E6B-39622FC9DDEA}"/>
+                </a:ext>
+              </a:extLst>
+            </p:cNvPr>
+            <p:cNvPicPr>
+              <a:picLocks noChangeAspect="1"/>
+            </p:cNvPicPr>
+            <p:nvPr/>
+          </p:nvPicPr>
+          <p:blipFill>
+            <a:blip r:embed="rId5"/>
+            <a:stretch>
+              <a:fillRect/>
+            </a:stretch>
+          </p:blipFill>
+          <p:spPr>
+            <a:xfrm>
+              <a:off x="2202507" y="5632164"/>
+              <a:ext cx="161893" cy="147638"/>
+            </a:xfrm>
+            <a:prstGeom prst="rect">
+              <a:avLst/>
+            </a:prstGeom>
+          </p:spPr>
+        </p:pic>
+        <p:pic>
+          <p:nvPicPr>
+            <p:cNvPr id="28" name="Picture 27">
+              <a:extLst>
+                <a:ext uri="{FF2B5EF4-FFF2-40B4-BE49-F238E27FC236}">
+                  <a16:creationId xmlns:a16="http://schemas.microsoft.com/office/drawing/2014/main" id="{F95A1C7F-8CCC-4EDD-92FA-E5E84CD0E027}"/>
+                </a:ext>
+              </a:extLst>
+            </p:cNvPr>
+            <p:cNvPicPr>
+              <a:picLocks noChangeAspect="1"/>
+            </p:cNvPicPr>
+            <p:nvPr/>
+          </p:nvPicPr>
+          <p:blipFill>
+            <a:blip r:embed="rId6"/>
+            <a:stretch>
+              <a:fillRect/>
+            </a:stretch>
+          </p:blipFill>
+          <p:spPr>
+            <a:xfrm>
+              <a:off x="1852678" y="5636204"/>
+              <a:ext cx="149674" cy="147638"/>
+            </a:xfrm>
+            <a:prstGeom prst="rect">
+              <a:avLst/>
+            </a:prstGeom>
+          </p:spPr>
+        </p:pic>
+      </p:grpSp>
+      <p:sp>
+        <p:nvSpPr>
+          <p:cNvPr id="29" name="TextBox 28">
+            <a:extLst>
+              <a:ext uri="{FF2B5EF4-FFF2-40B4-BE49-F238E27FC236}">
+                <a16:creationId xmlns:a16="http://schemas.microsoft.com/office/drawing/2014/main" id="{4A391B46-B4C1-4F42-BCAD-F590C5A1B901}"/>
+              </a:ext>
+            </a:extLst>
+          </p:cNvPr>
+          <p:cNvSpPr txBox="1"/>
+          <p:nvPr/>
+        </p:nvSpPr>
+        <p:spPr>
+          <a:xfrm>
+            <a:off x="1262062" y="4666267"/>
+            <a:ext cx="980140" cy="307777"/>
+          </a:xfrm>
+          <a:prstGeom prst="rect">
+            <a:avLst/>
+          </a:prstGeom>
+          <a:noFill/>
+        </p:spPr>
+        <p:txBody>
+          <a:bodyPr wrap="none" rtlCol="0">
+            <a:spAutoFit/>
+          </a:bodyPr>
+          <a:lstStyle/>
+          <a:p>
+            <a:r>
+              <a:rPr lang="en-US" sz="1400" b="1"/>
+              <a:t>Frame info</a:t>
+            </a:r>
+          </a:p>
+        </p:txBody>
+      </p:sp>
+      <p:pic>
+        <p:nvPicPr>
+          <p:cNvPr id="30" name="Picture 29">
+            <a:extLst>
+              <a:ext uri="{FF2B5EF4-FFF2-40B4-BE49-F238E27FC236}">
+                <a16:creationId xmlns:a16="http://schemas.microsoft.com/office/drawing/2014/main" id="{9EED2309-3506-4888-9190-A4FA1C3E6DA3}"/>
+              </a:ext>
+            </a:extLst>
+          </p:cNvPr>
+          <p:cNvPicPr>
+            <a:picLocks noChangeAspect="1"/>
+          </p:cNvPicPr>
+          <p:nvPr/>
+        </p:nvPicPr>
+        <p:blipFill>
+          <a:blip r:embed="rId5"/>
+          <a:stretch>
+            <a:fillRect/>
+          </a:stretch>
+        </p:blipFill>
+        <p:spPr>
+          <a:xfrm>
+            <a:off x="2638373" y="3702043"/>
+            <a:ext cx="161893" cy="147638"/>
+          </a:xfrm>
+          <a:prstGeom prst="rect">
+            <a:avLst/>
+          </a:prstGeom>
+        </p:spPr>
+      </p:pic>
+      <p:pic>
+        <p:nvPicPr>
+          <p:cNvPr id="31" name="Picture 30">
+            <a:extLst>
+              <a:ext uri="{FF2B5EF4-FFF2-40B4-BE49-F238E27FC236}">
+                <a16:creationId xmlns:a16="http://schemas.microsoft.com/office/drawing/2014/main" id="{568AFC7B-0776-4B41-A08F-D023C2A781CB}"/>
+              </a:ext>
+            </a:extLst>
+          </p:cNvPr>
+          <p:cNvPicPr>
+            <a:picLocks noChangeAspect="1"/>
+          </p:cNvPicPr>
+          <p:nvPr/>
+        </p:nvPicPr>
+        <p:blipFill>
+          <a:blip r:embed="rId6"/>
+          <a:stretch>
+            <a:fillRect/>
+          </a:stretch>
+        </p:blipFill>
+        <p:spPr>
+          <a:xfrm>
+            <a:off x="2244272" y="3706083"/>
+            <a:ext cx="149674" cy="147638"/>
+          </a:xfrm>
+          <a:prstGeom prst="rect">
+            <a:avLst/>
+          </a:prstGeom>
+        </p:spPr>
+      </p:pic>
+      <p:pic>
+        <p:nvPicPr>
+          <p:cNvPr id="32" name="Picture 31">
+            <a:extLst>
+              <a:ext uri="{FF2B5EF4-FFF2-40B4-BE49-F238E27FC236}">
+                <a16:creationId xmlns:a16="http://schemas.microsoft.com/office/drawing/2014/main" id="{2CEDAF7C-3B01-418B-8D61-03BE3E86EE43}"/>
+              </a:ext>
+            </a:extLst>
+          </p:cNvPr>
+          <p:cNvPicPr>
+            <a:picLocks noChangeAspect="1"/>
+          </p:cNvPicPr>
+          <p:nvPr/>
+        </p:nvPicPr>
+        <p:blipFill>
+          <a:blip r:embed="rId5"/>
+          <a:stretch>
+            <a:fillRect/>
+          </a:stretch>
+        </p:blipFill>
+        <p:spPr>
+          <a:xfrm>
+            <a:off x="2640985" y="3863928"/>
+            <a:ext cx="161893" cy="147638"/>
+          </a:xfrm>
+          <a:prstGeom prst="rect">
+            <a:avLst/>
+          </a:prstGeom>
+        </p:spPr>
+      </p:pic>
+      <p:pic>
+        <p:nvPicPr>
+          <p:cNvPr id="33" name="Picture 32">
+            <a:extLst>
+              <a:ext uri="{FF2B5EF4-FFF2-40B4-BE49-F238E27FC236}">
+                <a16:creationId xmlns:a16="http://schemas.microsoft.com/office/drawing/2014/main" id="{761DC41A-8383-4203-814F-F78A2C1BCA5A}"/>
+              </a:ext>
+            </a:extLst>
+          </p:cNvPr>
+          <p:cNvPicPr>
+            <a:picLocks noChangeAspect="1"/>
+          </p:cNvPicPr>
+          <p:nvPr/>
+        </p:nvPicPr>
+        <p:blipFill>
+          <a:blip r:embed="rId6"/>
+          <a:stretch>
+            <a:fillRect/>
+          </a:stretch>
+        </p:blipFill>
+        <p:spPr>
+          <a:xfrm>
+            <a:off x="2246884" y="3867968"/>
+            <a:ext cx="149674" cy="147638"/>
+          </a:xfrm>
+          <a:prstGeom prst="rect">
+            <a:avLst/>
+          </a:prstGeom>
+        </p:spPr>
+      </p:pic>
+      <p:sp>
+        <p:nvSpPr>
+          <p:cNvPr id="37" name="Rectangle 36">
+            <a:extLst>
+              <a:ext uri="{FF2B5EF4-FFF2-40B4-BE49-F238E27FC236}">
+                <a16:creationId xmlns:a16="http://schemas.microsoft.com/office/drawing/2014/main" id="{1951CA0C-CAC0-431B-93F8-A5907531278E}"/>
+              </a:ext>
+            </a:extLst>
+          </p:cNvPr>
+          <p:cNvSpPr>
+            <a:spLocks noGrp="1" noSelect="1" noRot="1" noChangeAspect="1" noMove="1" noResize="1" noEditPoints="1" noAdjustHandles="1" noChangeArrowheads="1" noChangeShapeType="1" noTextEdit="1"/>
+          </p:cNvSpPr>
+          <p:nvPr/>
+        </p:nvSpPr>
+        <p:spPr>
+          <a:xfrm>
+            <a:off x="1222375" y="307181"/>
+            <a:ext cx="4165599" cy="2361483"/>
+          </a:xfrm>
+          <a:prstGeom prst="rect">
+            <a:avLst/>
+          </a:prstGeom>
+          <a:solidFill>
+            <a:schemeClr val="tx1">
+              <a:lumMod val="95000"/>
+              <a:lumOff val="5000"/>
+            </a:schemeClr>
+          </a:solidFill>
+          <a:ln>
+            <a:noFill/>
+          </a:ln>
+        </p:spPr>
+        <p:style>
+          <a:lnRef idx="2">
+            <a:schemeClr val="dk1">
+              <a:shade val="50000"/>
+            </a:schemeClr>
+          </a:lnRef>
+          <a:fillRef idx="1">
+            <a:schemeClr val="dk1"/>
+          </a:fillRef>
+          <a:effectRef idx="0">
+            <a:schemeClr val="dk1"/>
+          </a:effectRef>
+          <a:fontRef idx="minor">
+            <a:schemeClr val="lt1"/>
+          </a:fontRef>
+        </p:style>
+        <p:txBody>
+          <a:bodyPr rtlCol="0" anchor="ctr"/>
+          <a:lstStyle/>
+          <a:p>
+            <a:pPr algn="ctr"/>
+            <a:endParaRPr lang="en-US"/>
+          </a:p>
+        </p:txBody>
+      </p:sp>
+      <p:cxnSp>
+        <p:nvCxnSpPr>
+          <p:cNvPr id="8" name="Straight Connector 7">
+            <a:extLst>
+              <a:ext uri="{FF2B5EF4-FFF2-40B4-BE49-F238E27FC236}">
+                <a16:creationId xmlns:a16="http://schemas.microsoft.com/office/drawing/2014/main" id="{C5B52519-1946-43FB-B227-FEF6274492A2}"/>
+              </a:ext>
+            </a:extLst>
+          </p:cNvPr>
+          <p:cNvCxnSpPr>
+            <a:cxnSpLocks/>
+          </p:cNvCxnSpPr>
+          <p:nvPr/>
+        </p:nvCxnSpPr>
+        <p:spPr>
+          <a:xfrm>
+            <a:off x="1212850" y="300831"/>
+            <a:ext cx="0" cy="4042569"/>
+          </a:xfrm>
+          <a:prstGeom prst="line">
+            <a:avLst/>
+          </a:prstGeom>
+          <a:ln w="19050">
+            <a:solidFill>
+              <a:srgbClr val="FF0000"/>
+            </a:solidFill>
+          </a:ln>
+        </p:spPr>
+        <p:style>
+          <a:lnRef idx="1">
+            <a:schemeClr val="accent1"/>
+          </a:lnRef>
+          <a:fillRef idx="0">
+            <a:schemeClr val="accent1"/>
+          </a:fillRef>
+          <a:effectRef idx="0">
+            <a:schemeClr val="accent1"/>
+          </a:effectRef>
+          <a:fontRef idx="minor">
+            <a:schemeClr val="tx1"/>
+          </a:fontRef>
+        </p:style>
+      </p:cxnSp>
+      <p:cxnSp>
+        <p:nvCxnSpPr>
+          <p:cNvPr id="13" name="Straight Connector 12">
+            <a:extLst>
+              <a:ext uri="{FF2B5EF4-FFF2-40B4-BE49-F238E27FC236}">
+                <a16:creationId xmlns:a16="http://schemas.microsoft.com/office/drawing/2014/main" id="{39C12A3F-F7DF-434A-A879-8F55A4090905}"/>
+              </a:ext>
+            </a:extLst>
+          </p:cNvPr>
+          <p:cNvCxnSpPr>
+            <a:cxnSpLocks/>
+          </p:cNvCxnSpPr>
+          <p:nvPr/>
+        </p:nvCxnSpPr>
+        <p:spPr>
+          <a:xfrm flipH="1">
+            <a:off x="349250" y="2686050"/>
+            <a:ext cx="5029200" cy="0"/>
+          </a:xfrm>
+          <a:prstGeom prst="line">
+            <a:avLst/>
+          </a:prstGeom>
+          <a:ln w="19050">
+            <a:solidFill>
+              <a:srgbClr val="FF0000"/>
+            </a:solidFill>
+          </a:ln>
+        </p:spPr>
+        <p:style>
+          <a:lnRef idx="1">
+            <a:schemeClr val="accent1"/>
+          </a:lnRef>
+          <a:fillRef idx="0">
+            <a:schemeClr val="accent1"/>
+          </a:fillRef>
+          <a:effectRef idx="0">
+            <a:schemeClr val="accent1"/>
+          </a:effectRef>
+          <a:fontRef idx="minor">
+            <a:schemeClr val="tx1"/>
+          </a:fontRef>
+        </p:style>
+      </p:cxnSp>
+      <p:cxnSp>
+        <p:nvCxnSpPr>
+          <p:cNvPr id="38" name="Straight Connector 37">
+            <a:extLst>
+              <a:ext uri="{FF2B5EF4-FFF2-40B4-BE49-F238E27FC236}">
+                <a16:creationId xmlns:a16="http://schemas.microsoft.com/office/drawing/2014/main" id="{4A575BA5-38F6-4B35-B6AA-9E0B3B9264F9}"/>
+              </a:ext>
+            </a:extLst>
+          </p:cNvPr>
+          <p:cNvCxnSpPr>
+            <a:cxnSpLocks/>
+            <a:endCxn id="39" idx="1"/>
+          </p:cNvCxnSpPr>
+          <p:nvPr/>
+        </p:nvCxnSpPr>
+        <p:spPr>
+          <a:xfrm>
+            <a:off x="2825750" y="3460750"/>
+            <a:ext cx="3011707" cy="67206"/>
+          </a:xfrm>
+          <a:prstGeom prst="line">
+            <a:avLst/>
+          </a:prstGeom>
+          <a:ln>
+            <a:solidFill>
+              <a:srgbClr val="FF0000"/>
+            </a:solidFill>
+          </a:ln>
+        </p:spPr>
+        <p:style>
+          <a:lnRef idx="1">
+            <a:schemeClr val="accent1"/>
+          </a:lnRef>
+          <a:fillRef idx="0">
+            <a:schemeClr val="accent1"/>
+          </a:fillRef>
+          <a:effectRef idx="0">
+            <a:schemeClr val="accent1"/>
+          </a:effectRef>
+          <a:fontRef idx="minor">
+            <a:schemeClr val="tx1"/>
+          </a:fontRef>
+        </p:style>
+      </p:cxnSp>
+      <p:sp>
+        <p:nvSpPr>
+          <p:cNvPr id="39" name="TextBox 38">
+            <a:extLst>
+              <a:ext uri="{FF2B5EF4-FFF2-40B4-BE49-F238E27FC236}">
+                <a16:creationId xmlns:a16="http://schemas.microsoft.com/office/drawing/2014/main" id="{5350CDB8-E5FE-4D5E-B857-FE602058AAE9}"/>
+              </a:ext>
+            </a:extLst>
+          </p:cNvPr>
+          <p:cNvSpPr txBox="1"/>
+          <p:nvPr/>
+        </p:nvSpPr>
+        <p:spPr>
+          <a:xfrm>
+            <a:off x="5837457" y="3312512"/>
+            <a:ext cx="2276585" cy="430887"/>
+          </a:xfrm>
+          <a:prstGeom prst="rect">
+            <a:avLst/>
+          </a:prstGeom>
+          <a:noFill/>
+        </p:spPr>
+        <p:txBody>
+          <a:bodyPr wrap="none" rtlCol="0">
+            <a:spAutoFit/>
+          </a:bodyPr>
+          <a:lstStyle/>
+          <a:p>
+            <a:r>
+              <a:rPr lang="en-US" sz="1100">
+                <a:latin typeface="Arial" panose="020B0604020202020204" pitchFamily="34" charset="0"/>
+                <a:cs typeface="Arial" panose="020B0604020202020204" pitchFamily="34" charset="0"/>
+              </a:rPr>
+              <a:t>Global width tăng từ 640 lên 650</a:t>
+            </a:r>
+          </a:p>
+          <a:p>
+            <a:r>
+              <a:rPr lang="en-US" sz="1100">
+                <a:latin typeface="Arial" panose="020B0604020202020204" pitchFamily="34" charset="0"/>
+                <a:cs typeface="Arial" panose="020B0604020202020204" pitchFamily="34" charset="0"/>
+              </a:rPr>
+              <a:t>Global height tang từ 360 lên 370</a:t>
+            </a:r>
+          </a:p>
+        </p:txBody>
+      </p:sp>
+      <p:pic>
+        <p:nvPicPr>
+          <p:cNvPr id="5" name="Picture 4">
+            <a:extLst>
+              <a:ext uri="{FF2B5EF4-FFF2-40B4-BE49-F238E27FC236}">
+                <a16:creationId xmlns:a16="http://schemas.microsoft.com/office/drawing/2014/main" id="{7DA2C657-2709-4001-A290-781F32816940}"/>
+              </a:ext>
+            </a:extLst>
+          </p:cNvPr>
+          <p:cNvPicPr>
+            <a:picLocks noChangeAspect="1"/>
+          </p:cNvPicPr>
+          <p:nvPr/>
+        </p:nvPicPr>
+        <p:blipFill>
+          <a:blip r:embed="rId7"/>
+          <a:stretch>
+            <a:fillRect/>
+          </a:stretch>
+        </p:blipFill>
+        <p:spPr>
+          <a:xfrm>
+            <a:off x="1222375" y="299586"/>
+            <a:ext cx="4165598" cy="2364778"/>
+          </a:xfrm>
+          <a:prstGeom prst="rect">
+            <a:avLst/>
+          </a:prstGeom>
+        </p:spPr>
+      </p:pic>
+      <p:cxnSp>
+        <p:nvCxnSpPr>
+          <p:cNvPr id="41" name="Straight Connector 40">
+            <a:extLst>
+              <a:ext uri="{FF2B5EF4-FFF2-40B4-BE49-F238E27FC236}">
+                <a16:creationId xmlns:a16="http://schemas.microsoft.com/office/drawing/2014/main" id="{3EEA2B12-832D-40F8-8CFB-77E7E7592F05}"/>
+              </a:ext>
+            </a:extLst>
+          </p:cNvPr>
+          <p:cNvCxnSpPr>
+            <a:cxnSpLocks/>
+            <a:stCxn id="39" idx="1"/>
+          </p:cNvCxnSpPr>
+          <p:nvPr/>
+        </p:nvCxnSpPr>
+        <p:spPr>
+          <a:xfrm flipH="1" flipV="1">
+            <a:off x="5279827" y="2553486"/>
+            <a:ext cx="557630" cy="974470"/>
+          </a:xfrm>
+          <a:prstGeom prst="line">
+            <a:avLst/>
+          </a:prstGeom>
+          <a:ln>
+            <a:solidFill>
+              <a:srgbClr val="FF0000"/>
+            </a:solidFill>
+          </a:ln>
+        </p:spPr>
+        <p:style>
+          <a:lnRef idx="1">
+            <a:schemeClr val="accent1"/>
+          </a:lnRef>
+          <a:fillRef idx="0">
+            <a:schemeClr val="accent1"/>
+          </a:fillRef>
+          <a:effectRef idx="0">
+            <a:schemeClr val="accent1"/>
+          </a:effectRef>
+          <a:fontRef idx="minor">
+            <a:schemeClr val="tx1"/>
+          </a:fontRef>
+        </p:style>
+      </p:cxnSp>
+      <p:cxnSp>
+        <p:nvCxnSpPr>
+          <p:cNvPr id="36" name="Straight Connector 35">
+            <a:extLst>
+              <a:ext uri="{FF2B5EF4-FFF2-40B4-BE49-F238E27FC236}">
+                <a16:creationId xmlns:a16="http://schemas.microsoft.com/office/drawing/2014/main" id="{C5449096-4BD2-450B-8374-8607C3104793}"/>
+              </a:ext>
+            </a:extLst>
+          </p:cNvPr>
+          <p:cNvCxnSpPr>
+            <a:cxnSpLocks/>
+            <a:endCxn id="39" idx="1"/>
+          </p:cNvCxnSpPr>
+          <p:nvPr/>
+        </p:nvCxnSpPr>
+        <p:spPr>
+          <a:xfrm flipV="1">
+            <a:off x="2825750" y="3527956"/>
+            <a:ext cx="3011707" cy="110594"/>
+          </a:xfrm>
+          <a:prstGeom prst="line">
+            <a:avLst/>
+          </a:prstGeom>
+          <a:ln>
+            <a:solidFill>
+              <a:srgbClr val="FF0000"/>
+            </a:solidFill>
+          </a:ln>
+        </p:spPr>
+        <p:style>
+          <a:lnRef idx="1">
+            <a:schemeClr val="accent1"/>
+          </a:lnRef>
+          <a:fillRef idx="0">
+            <a:schemeClr val="accent1"/>
+          </a:fillRef>
+          <a:effectRef idx="0">
+            <a:schemeClr val="accent1"/>
+          </a:effectRef>
+          <a:fontRef idx="minor">
+            <a:schemeClr val="tx1"/>
+          </a:fontRef>
+        </p:style>
+      </p:cxnSp>
+    </p:spTree>
+    <p:custDataLst>
+      <p:tags r:id="rId1"/>
+    </p:custDataLst>
+    <p:extLst>
+      <p:ext uri="{BB962C8B-B14F-4D97-AF65-F5344CB8AC3E}">
+        <p14:creationId xmlns:p14="http://schemas.microsoft.com/office/powerpoint/2010/main" val="2537788230"/>
+      </p:ext>
+    </p:extLst>
+  </p:cSld>
+  <p:clrMapOvr>
+    <a:masterClrMapping/>
+  </p:clrMapOvr>
+</p:sld>
+</file>
+
+<file path=ppt/slides/slide5.xml><?xml version="1.0" encoding="utf-8"?>
+<p:sld xmlns:a="http://schemas.openxmlformats.org/drawingml/2006/main" xmlns:r="http://schemas.openxmlformats.org/officeDocument/2006/relationships" xmlns:p="http://schemas.openxmlformats.org/presentationml/2006/main">
+  <p:cSld>
+    <p:spTree>
+      <p:nvGrpSpPr>
+        <p:cNvPr id="1" name=""/>
+        <p:cNvGrpSpPr/>
+        <p:nvPr/>
+      </p:nvGrpSpPr>
+      <p:grpSpPr>
+        <a:xfrm>
+          <a:off x="0" y="0"/>
+          <a:ext cx="0" cy="0"/>
+          <a:chOff x="0" y="0"/>
+          <a:chExt cx="0" cy="0"/>
+        </a:xfrm>
+      </p:grpSpPr>
+      <p:pic>
+        <p:nvPicPr>
+          <p:cNvPr id="4" name="Picture 3">
+            <a:extLst>
+              <a:ext uri="{FF2B5EF4-FFF2-40B4-BE49-F238E27FC236}">
+                <a16:creationId xmlns:a16="http://schemas.microsoft.com/office/drawing/2014/main" id="{CBDBA5CF-04CF-4507-8F9C-8D113E051701}"/>
+              </a:ext>
+            </a:extLst>
+          </p:cNvPr>
+          <p:cNvPicPr>
+            <a:picLocks noChangeAspect="1"/>
+          </p:cNvPicPr>
+          <p:nvPr/>
+        </p:nvPicPr>
+        <p:blipFill>
+          <a:blip r:embed="rId3"/>
+          <a:stretch>
+            <a:fillRect/>
+          </a:stretch>
+        </p:blipFill>
+        <p:spPr>
+          <a:xfrm>
+            <a:off x="114300" y="142875"/>
+            <a:ext cx="5734050" cy="4133850"/>
+          </a:xfrm>
+          <a:prstGeom prst="rect">
+            <a:avLst/>
+          </a:prstGeom>
+        </p:spPr>
+      </p:pic>
+      <p:sp>
+        <p:nvSpPr>
+          <p:cNvPr id="2" name="TextBox 1">
+            <a:extLst>
+              <a:ext uri="{FF2B5EF4-FFF2-40B4-BE49-F238E27FC236}">
+                <a16:creationId xmlns:a16="http://schemas.microsoft.com/office/drawing/2014/main" id="{78AC5B42-12EB-41C8-A740-3F0874E943DE}"/>
+              </a:ext>
+            </a:extLst>
+          </p:cNvPr>
+          <p:cNvSpPr txBox="1"/>
+          <p:nvPr/>
+        </p:nvSpPr>
+        <p:spPr>
+          <a:xfrm>
+            <a:off x="1262062" y="2834758"/>
+            <a:ext cx="1423788" cy="338554"/>
+          </a:xfrm>
+          <a:prstGeom prst="rect">
+            <a:avLst/>
+          </a:prstGeom>
+          <a:noFill/>
+        </p:spPr>
+        <p:txBody>
+          <a:bodyPr wrap="none" rtlCol="0">
+            <a:spAutoFit/>
+          </a:bodyPr>
+          <a:lstStyle/>
+          <a:p>
+            <a:r>
+              <a:rPr lang="en-US" sz="1600" b="1"/>
+              <a:t>SPR edit mode</a:t>
+            </a:r>
+          </a:p>
+        </p:txBody>
+      </p:sp>
+      <p:sp>
+        <p:nvSpPr>
+          <p:cNvPr id="6" name="TextBox 5">
+            <a:extLst>
+              <a:ext uri="{FF2B5EF4-FFF2-40B4-BE49-F238E27FC236}">
+                <a16:creationId xmlns:a16="http://schemas.microsoft.com/office/drawing/2014/main" id="{BA56F98D-08F1-4587-9544-B705A2EA8875}"/>
+              </a:ext>
+            </a:extLst>
+          </p:cNvPr>
+          <p:cNvSpPr txBox="1"/>
+          <p:nvPr/>
+        </p:nvSpPr>
+        <p:spPr>
+          <a:xfrm>
+            <a:off x="1262062" y="3087171"/>
+            <a:ext cx="1186094" cy="307777"/>
+          </a:xfrm>
+          <a:prstGeom prst="rect">
+            <a:avLst/>
+          </a:prstGeom>
+          <a:noFill/>
+        </p:spPr>
+        <p:txBody>
+          <a:bodyPr wrap="none" rtlCol="0">
+            <a:spAutoFit/>
+          </a:bodyPr>
+          <a:lstStyle/>
+          <a:p>
+            <a:r>
+              <a:rPr lang="en-US" sz="1400" b="1"/>
+              <a:t>File head info</a:t>
+            </a:r>
+          </a:p>
+        </p:txBody>
+      </p:sp>
+      <p:sp>
+        <p:nvSpPr>
+          <p:cNvPr id="7" name="TextBox 6">
+            <a:extLst>
+              <a:ext uri="{FF2B5EF4-FFF2-40B4-BE49-F238E27FC236}">
+                <a16:creationId xmlns:a16="http://schemas.microsoft.com/office/drawing/2014/main" id="{91767275-EC5B-440C-A5A2-C21314285E2B}"/>
+              </a:ext>
+            </a:extLst>
+          </p:cNvPr>
+          <p:cNvSpPr txBox="1"/>
+          <p:nvPr/>
+        </p:nvSpPr>
+        <p:spPr>
+          <a:xfrm>
+            <a:off x="1262062" y="3334137"/>
+            <a:ext cx="2954655" cy="2516073"/>
+          </a:xfrm>
+          <a:prstGeom prst="rect">
+            <a:avLst/>
+          </a:prstGeom>
+          <a:noFill/>
+        </p:spPr>
+        <p:txBody>
+          <a:bodyPr wrap="none" rtlCol="0">
+            <a:spAutoFit/>
+          </a:bodyPr>
+          <a:lstStyle/>
+          <a:p>
+            <a:r>
+              <a:rPr lang="en-US" sz="1050" b="1"/>
+              <a:t>Global width:        640</a:t>
+            </a:r>
+          </a:p>
+          <a:p>
+            <a:r>
+              <a:rPr lang="en-US" sz="1050" b="1"/>
+              <a:t>Global height:        360</a:t>
+            </a:r>
+          </a:p>
+          <a:p>
+            <a:r>
+              <a:rPr lang="en-US" sz="1050" b="1"/>
+              <a:t>Global offset X:         0</a:t>
+            </a:r>
+          </a:p>
+          <a:p>
+            <a:r>
+              <a:rPr lang="en-US" sz="1050" b="1"/>
+              <a:t>Global offset Y:         0</a:t>
+            </a:r>
+          </a:p>
+          <a:p>
+            <a:r>
+              <a:rPr lang="en-US" sz="1050" b="1"/>
+              <a:t>Colors count: 256</a:t>
+            </a:r>
+          </a:p>
+          <a:p>
+            <a:r>
+              <a:rPr lang="en-US" sz="1050" b="1"/>
+              <a:t>Directions count: 1</a:t>
+            </a:r>
+          </a:p>
+          <a:p>
+            <a:r>
+              <a:rPr lang="en-US" sz="1050" b="1"/>
+              <a:t>Frames count: 1		Frame:            0	</a:t>
+            </a:r>
+          </a:p>
+          <a:p>
+            <a:endParaRPr lang="en-US" sz="1050" b="1"/>
+          </a:p>
+          <a:p>
+            <a:endParaRPr lang="en-US" sz="1050" b="1"/>
+          </a:p>
+          <a:p>
+            <a:endParaRPr lang="en-US" sz="1050" b="1"/>
+          </a:p>
+          <a:p>
+            <a:r>
+              <a:rPr lang="en-US" sz="1050" b="1"/>
+              <a:t>Frame width:        640</a:t>
+            </a:r>
+          </a:p>
+          <a:p>
+            <a:r>
+              <a:rPr lang="en-US" sz="1050" b="1"/>
+              <a:t>Frame height:        360</a:t>
+            </a:r>
+          </a:p>
+          <a:p>
+            <a:r>
+              <a:rPr lang="en-US" sz="1050" b="1"/>
+              <a:t>Frame offset X:        0</a:t>
+            </a:r>
+          </a:p>
+          <a:p>
+            <a:r>
+              <a:rPr lang="en-US" sz="1050" b="1"/>
+              <a:t>Frame offset Y:        0 </a:t>
+            </a:r>
+          </a:p>
+          <a:p>
+            <a:r>
+              <a:rPr lang="en-US" sz="1050" b="1"/>
+              <a:t>Interval:        1 	                      (27in=36fps)</a:t>
+            </a:r>
+          </a:p>
+        </p:txBody>
+      </p:sp>
+      <p:pic>
+        <p:nvPicPr>
+          <p:cNvPr id="10" name="Picture 9">
+            <a:extLst>
+              <a:ext uri="{FF2B5EF4-FFF2-40B4-BE49-F238E27FC236}">
+                <a16:creationId xmlns:a16="http://schemas.microsoft.com/office/drawing/2014/main" id="{2FA78A65-17B6-4DF4-A33E-79221F178514}"/>
+              </a:ext>
+            </a:extLst>
+          </p:cNvPr>
+          <p:cNvPicPr>
+            <a:picLocks noChangeAspect="1"/>
+          </p:cNvPicPr>
+          <p:nvPr/>
+        </p:nvPicPr>
+        <p:blipFill>
+          <a:blip r:embed="rId4"/>
+          <a:stretch>
+            <a:fillRect/>
+          </a:stretch>
+        </p:blipFill>
+        <p:spPr>
+          <a:xfrm>
+            <a:off x="2981325" y="4354206"/>
+            <a:ext cx="143900" cy="147638"/>
+          </a:xfrm>
+          <a:prstGeom prst="rect">
+            <a:avLst/>
+          </a:prstGeom>
+        </p:spPr>
+      </p:pic>
+      <p:pic>
+        <p:nvPicPr>
+          <p:cNvPr id="11" name="Picture 10">
+            <a:extLst>
+              <a:ext uri="{FF2B5EF4-FFF2-40B4-BE49-F238E27FC236}">
+                <a16:creationId xmlns:a16="http://schemas.microsoft.com/office/drawing/2014/main" id="{51163AD7-3C76-4BD9-887C-8B5957476943}"/>
+              </a:ext>
+            </a:extLst>
+          </p:cNvPr>
+          <p:cNvPicPr>
+            <a:picLocks noChangeAspect="1"/>
+          </p:cNvPicPr>
+          <p:nvPr/>
+        </p:nvPicPr>
+        <p:blipFill>
+          <a:blip r:embed="rId5"/>
+          <a:stretch>
+            <a:fillRect/>
+          </a:stretch>
+        </p:blipFill>
+        <p:spPr>
+          <a:xfrm>
+            <a:off x="4113664" y="4340225"/>
+            <a:ext cx="161893" cy="147638"/>
+          </a:xfrm>
+          <a:prstGeom prst="rect">
+            <a:avLst/>
+          </a:prstGeom>
+        </p:spPr>
+      </p:pic>
+      <p:pic>
+        <p:nvPicPr>
+          <p:cNvPr id="12" name="Picture 11">
+            <a:extLst>
+              <a:ext uri="{FF2B5EF4-FFF2-40B4-BE49-F238E27FC236}">
+                <a16:creationId xmlns:a16="http://schemas.microsoft.com/office/drawing/2014/main" id="{4C541B28-96E2-4056-A331-F213F6B365D9}"/>
+              </a:ext>
+            </a:extLst>
+          </p:cNvPr>
+          <p:cNvPicPr>
+            <a:picLocks noChangeAspect="1"/>
+          </p:cNvPicPr>
+          <p:nvPr/>
+        </p:nvPicPr>
+        <p:blipFill>
+          <a:blip r:embed="rId6"/>
+          <a:stretch>
+            <a:fillRect/>
+          </a:stretch>
+        </p:blipFill>
+        <p:spPr>
+          <a:xfrm>
+            <a:off x="3661591" y="4344265"/>
+            <a:ext cx="149674" cy="147638"/>
+          </a:xfrm>
+          <a:prstGeom prst="rect">
+            <a:avLst/>
+          </a:prstGeom>
+        </p:spPr>
+      </p:pic>
+      <p:pic>
+        <p:nvPicPr>
+          <p:cNvPr id="15" name="Picture 14">
+            <a:extLst>
+              <a:ext uri="{FF2B5EF4-FFF2-40B4-BE49-F238E27FC236}">
+                <a16:creationId xmlns:a16="http://schemas.microsoft.com/office/drawing/2014/main" id="{A25B3327-0021-4332-A47E-CFFA8C3A5D44}"/>
+              </a:ext>
+            </a:extLst>
+          </p:cNvPr>
+          <p:cNvPicPr>
+            <a:picLocks noChangeAspect="1"/>
+          </p:cNvPicPr>
+          <p:nvPr/>
+        </p:nvPicPr>
+        <p:blipFill>
+          <a:blip r:embed="rId5"/>
+          <a:stretch>
+            <a:fillRect/>
+          </a:stretch>
+        </p:blipFill>
+        <p:spPr>
+          <a:xfrm>
+            <a:off x="2604903" y="3385702"/>
+            <a:ext cx="161893" cy="147638"/>
+          </a:xfrm>
+          <a:prstGeom prst="rect">
+            <a:avLst/>
+          </a:prstGeom>
+        </p:spPr>
+      </p:pic>
+      <p:pic>
+        <p:nvPicPr>
+          <p:cNvPr id="16" name="Picture 15">
+            <a:extLst>
+              <a:ext uri="{FF2B5EF4-FFF2-40B4-BE49-F238E27FC236}">
+                <a16:creationId xmlns:a16="http://schemas.microsoft.com/office/drawing/2014/main" id="{7F72DE22-44AC-4620-9C46-DD40BACD9E03}"/>
+              </a:ext>
+            </a:extLst>
+          </p:cNvPr>
+          <p:cNvPicPr>
+            <a:picLocks noChangeAspect="1"/>
+          </p:cNvPicPr>
+          <p:nvPr/>
+        </p:nvPicPr>
+        <p:blipFill>
+          <a:blip r:embed="rId6"/>
+          <a:stretch>
+            <a:fillRect/>
+          </a:stretch>
+        </p:blipFill>
+        <p:spPr>
+          <a:xfrm>
+            <a:off x="2152830" y="3389742"/>
+            <a:ext cx="149674" cy="147638"/>
+          </a:xfrm>
+          <a:prstGeom prst="rect">
+            <a:avLst/>
+          </a:prstGeom>
+        </p:spPr>
+      </p:pic>
+      <p:pic>
+        <p:nvPicPr>
+          <p:cNvPr id="17" name="Picture 16">
+            <a:extLst>
+              <a:ext uri="{FF2B5EF4-FFF2-40B4-BE49-F238E27FC236}">
+                <a16:creationId xmlns:a16="http://schemas.microsoft.com/office/drawing/2014/main" id="{B9EEC9DA-4CB8-4A7D-A3F0-87F82C9CB3FC}"/>
+              </a:ext>
+            </a:extLst>
+          </p:cNvPr>
+          <p:cNvPicPr>
+            <a:picLocks noChangeAspect="1"/>
+          </p:cNvPicPr>
+          <p:nvPr/>
+        </p:nvPicPr>
+        <p:blipFill>
+          <a:blip r:embed="rId5"/>
+          <a:stretch>
+            <a:fillRect/>
+          </a:stretch>
+        </p:blipFill>
+        <p:spPr>
+          <a:xfrm>
+            <a:off x="2619192" y="3548360"/>
+            <a:ext cx="161893" cy="147638"/>
+          </a:xfrm>
+          <a:prstGeom prst="rect">
+            <a:avLst/>
+          </a:prstGeom>
+        </p:spPr>
+      </p:pic>
+      <p:pic>
+        <p:nvPicPr>
+          <p:cNvPr id="18" name="Picture 17">
+            <a:extLst>
+              <a:ext uri="{FF2B5EF4-FFF2-40B4-BE49-F238E27FC236}">
+                <a16:creationId xmlns:a16="http://schemas.microsoft.com/office/drawing/2014/main" id="{70F35F2A-5E32-4B3F-93A5-2F3AD3323F8C}"/>
+              </a:ext>
+            </a:extLst>
+          </p:cNvPr>
+          <p:cNvPicPr>
+            <a:picLocks noChangeAspect="1"/>
+          </p:cNvPicPr>
+          <p:nvPr/>
+        </p:nvPicPr>
+        <p:blipFill>
+          <a:blip r:embed="rId6"/>
+          <a:stretch>
+            <a:fillRect/>
+          </a:stretch>
+        </p:blipFill>
+        <p:spPr>
+          <a:xfrm>
+            <a:off x="2167119" y="3552400"/>
+            <a:ext cx="149674" cy="147638"/>
+          </a:xfrm>
+          <a:prstGeom prst="rect">
+            <a:avLst/>
+          </a:prstGeom>
+        </p:spPr>
+      </p:pic>
+      <p:grpSp>
+        <p:nvGrpSpPr>
+          <p:cNvPr id="14" name="Group 13">
+            <a:extLst>
+              <a:ext uri="{FF2B5EF4-FFF2-40B4-BE49-F238E27FC236}">
+                <a16:creationId xmlns:a16="http://schemas.microsoft.com/office/drawing/2014/main" id="{C16F8053-B979-404C-90D0-A73B5FB935A6}"/>
+              </a:ext>
+            </a:extLst>
+          </p:cNvPr>
+          <p:cNvGrpSpPr/>
+          <p:nvPr/>
+        </p:nvGrpSpPr>
+        <p:grpSpPr>
+          <a:xfrm>
+            <a:off x="1852678" y="4993740"/>
+            <a:ext cx="925005" cy="790102"/>
+            <a:chOff x="1852678" y="4993740"/>
+            <a:chExt cx="925005" cy="790102"/>
+          </a:xfrm>
+        </p:grpSpPr>
+        <p:pic>
+          <p:nvPicPr>
+            <p:cNvPr id="19" name="Picture 18">
+              <a:extLst>
+                <a:ext uri="{FF2B5EF4-FFF2-40B4-BE49-F238E27FC236}">
+                  <a16:creationId xmlns:a16="http://schemas.microsoft.com/office/drawing/2014/main" id="{1A8FC2DF-1492-405A-BCAB-82B4F14E665B}"/>
+                </a:ext>
+              </a:extLst>
+            </p:cNvPr>
+            <p:cNvPicPr>
+              <a:picLocks noChangeAspect="1"/>
+            </p:cNvPicPr>
+            <p:nvPr/>
+          </p:nvPicPr>
+          <p:blipFill>
+            <a:blip r:embed="rId5"/>
+            <a:stretch>
+              <a:fillRect/>
+            </a:stretch>
+          </p:blipFill>
+          <p:spPr>
+            <a:xfrm>
+              <a:off x="2585853" y="4993740"/>
+              <a:ext cx="161893" cy="147638"/>
+            </a:xfrm>
+            <a:prstGeom prst="rect">
+              <a:avLst/>
+            </a:prstGeom>
+          </p:spPr>
+        </p:pic>
+        <p:pic>
+          <p:nvPicPr>
+            <p:cNvPr id="20" name="Picture 19">
+              <a:extLst>
+                <a:ext uri="{FF2B5EF4-FFF2-40B4-BE49-F238E27FC236}">
+                  <a16:creationId xmlns:a16="http://schemas.microsoft.com/office/drawing/2014/main" id="{9095908D-CB35-4C64-B1BD-8C57529AFAAD}"/>
+                </a:ext>
+              </a:extLst>
+            </p:cNvPr>
+            <p:cNvPicPr>
+              <a:picLocks noChangeAspect="1"/>
+            </p:cNvPicPr>
+            <p:nvPr/>
+          </p:nvPicPr>
+          <p:blipFill>
+            <a:blip r:embed="rId6"/>
+            <a:stretch>
+              <a:fillRect/>
+            </a:stretch>
+          </p:blipFill>
+          <p:spPr>
+            <a:xfrm>
+              <a:off x="2133780" y="4997780"/>
+              <a:ext cx="149674" cy="147638"/>
+            </a:xfrm>
+            <a:prstGeom prst="rect">
+              <a:avLst/>
+            </a:prstGeom>
+          </p:spPr>
+        </p:pic>
+        <p:pic>
+          <p:nvPicPr>
+            <p:cNvPr id="21" name="Picture 20">
+              <a:extLst>
+                <a:ext uri="{FF2B5EF4-FFF2-40B4-BE49-F238E27FC236}">
+                  <a16:creationId xmlns:a16="http://schemas.microsoft.com/office/drawing/2014/main" id="{52081149-A749-4A3C-B750-DEB51DBC0A09}"/>
+                </a:ext>
+              </a:extLst>
+            </p:cNvPr>
+            <p:cNvPicPr>
+              <a:picLocks noChangeAspect="1"/>
+            </p:cNvPicPr>
+            <p:nvPr/>
+          </p:nvPicPr>
+          <p:blipFill>
+            <a:blip r:embed="rId5"/>
+            <a:stretch>
+              <a:fillRect/>
+            </a:stretch>
+          </p:blipFill>
+          <p:spPr>
+            <a:xfrm>
+              <a:off x="2615790" y="5148973"/>
+              <a:ext cx="161893" cy="147638"/>
+            </a:xfrm>
+            <a:prstGeom prst="rect">
+              <a:avLst/>
+            </a:prstGeom>
+          </p:spPr>
+        </p:pic>
+        <p:pic>
+          <p:nvPicPr>
+            <p:cNvPr id="22" name="Picture 21">
+              <a:extLst>
+                <a:ext uri="{FF2B5EF4-FFF2-40B4-BE49-F238E27FC236}">
+                  <a16:creationId xmlns:a16="http://schemas.microsoft.com/office/drawing/2014/main" id="{C30298B4-8F37-4C6D-8A1B-09C4BFE30EA2}"/>
+                </a:ext>
+              </a:extLst>
+            </p:cNvPr>
+            <p:cNvPicPr>
+              <a:picLocks noChangeAspect="1"/>
+            </p:cNvPicPr>
+            <p:nvPr/>
+          </p:nvPicPr>
+          <p:blipFill>
+            <a:blip r:embed="rId6"/>
+            <a:stretch>
+              <a:fillRect/>
+            </a:stretch>
+          </p:blipFill>
+          <p:spPr>
+            <a:xfrm>
+              <a:off x="2163717" y="5153013"/>
+              <a:ext cx="149674" cy="147638"/>
+            </a:xfrm>
+            <a:prstGeom prst="rect">
+              <a:avLst/>
+            </a:prstGeom>
+          </p:spPr>
+        </p:pic>
+        <p:pic>
+          <p:nvPicPr>
+            <p:cNvPr id="23" name="Picture 22">
+              <a:extLst>
+                <a:ext uri="{FF2B5EF4-FFF2-40B4-BE49-F238E27FC236}">
+                  <a16:creationId xmlns:a16="http://schemas.microsoft.com/office/drawing/2014/main" id="{237B4EF9-A03C-40E2-9771-2F96AA34A333}"/>
+                </a:ext>
+              </a:extLst>
+            </p:cNvPr>
+            <p:cNvPicPr>
+              <a:picLocks noChangeAspect="1"/>
+            </p:cNvPicPr>
+            <p:nvPr/>
+          </p:nvPicPr>
+          <p:blipFill>
+            <a:blip r:embed="rId5"/>
+            <a:stretch>
+              <a:fillRect/>
+            </a:stretch>
+          </p:blipFill>
+          <p:spPr>
+            <a:xfrm>
+              <a:off x="2577496" y="5308516"/>
+              <a:ext cx="161893" cy="147638"/>
+            </a:xfrm>
+            <a:prstGeom prst="rect">
+              <a:avLst/>
+            </a:prstGeom>
+          </p:spPr>
+        </p:pic>
+        <p:pic>
+          <p:nvPicPr>
+            <p:cNvPr id="24" name="Picture 23">
+              <a:extLst>
+                <a:ext uri="{FF2B5EF4-FFF2-40B4-BE49-F238E27FC236}">
+                  <a16:creationId xmlns:a16="http://schemas.microsoft.com/office/drawing/2014/main" id="{961DE9B0-6F68-4648-8974-EB57B3A6A624}"/>
+                </a:ext>
+              </a:extLst>
+            </p:cNvPr>
+            <p:cNvPicPr>
+              <a:picLocks noChangeAspect="1"/>
+            </p:cNvPicPr>
+            <p:nvPr/>
+          </p:nvPicPr>
+          <p:blipFill>
+            <a:blip r:embed="rId6"/>
+            <a:stretch>
+              <a:fillRect/>
+            </a:stretch>
+          </p:blipFill>
+          <p:spPr>
+            <a:xfrm>
+              <a:off x="2227667" y="5312556"/>
+              <a:ext cx="149674" cy="147638"/>
+            </a:xfrm>
+            <a:prstGeom prst="rect">
+              <a:avLst/>
+            </a:prstGeom>
+          </p:spPr>
+        </p:pic>
+        <p:pic>
+          <p:nvPicPr>
+            <p:cNvPr id="25" name="Picture 24">
+              <a:extLst>
+                <a:ext uri="{FF2B5EF4-FFF2-40B4-BE49-F238E27FC236}">
+                  <a16:creationId xmlns:a16="http://schemas.microsoft.com/office/drawing/2014/main" id="{8AC1F569-18AF-4161-9243-4BC4EF44A06C}"/>
+                </a:ext>
+              </a:extLst>
+            </p:cNvPr>
+            <p:cNvPicPr>
+              <a:picLocks noChangeAspect="1"/>
+            </p:cNvPicPr>
+            <p:nvPr/>
+          </p:nvPicPr>
+          <p:blipFill>
+            <a:blip r:embed="rId5"/>
+            <a:stretch>
+              <a:fillRect/>
+            </a:stretch>
+          </p:blipFill>
+          <p:spPr>
+            <a:xfrm>
+              <a:off x="2577496" y="5463749"/>
+              <a:ext cx="161893" cy="147638"/>
+            </a:xfrm>
+            <a:prstGeom prst="rect">
+              <a:avLst/>
+            </a:prstGeom>
+          </p:spPr>
+        </p:pic>
+        <p:pic>
+          <p:nvPicPr>
+            <p:cNvPr id="26" name="Picture 25">
+              <a:extLst>
+                <a:ext uri="{FF2B5EF4-FFF2-40B4-BE49-F238E27FC236}">
+                  <a16:creationId xmlns:a16="http://schemas.microsoft.com/office/drawing/2014/main" id="{774ED6B5-1EC3-424C-B3A0-2CE944762D77}"/>
+                </a:ext>
+              </a:extLst>
+            </p:cNvPr>
+            <p:cNvPicPr>
+              <a:picLocks noChangeAspect="1"/>
+            </p:cNvPicPr>
+            <p:nvPr/>
+          </p:nvPicPr>
+          <p:blipFill>
+            <a:blip r:embed="rId6"/>
+            <a:stretch>
+              <a:fillRect/>
+            </a:stretch>
+          </p:blipFill>
+          <p:spPr>
+            <a:xfrm>
+              <a:off x="2227667" y="5467789"/>
+              <a:ext cx="149674" cy="147638"/>
+            </a:xfrm>
+            <a:prstGeom prst="rect">
+              <a:avLst/>
+            </a:prstGeom>
+          </p:spPr>
+        </p:pic>
+        <p:pic>
+          <p:nvPicPr>
+            <p:cNvPr id="27" name="Picture 26">
+              <a:extLst>
+                <a:ext uri="{FF2B5EF4-FFF2-40B4-BE49-F238E27FC236}">
+                  <a16:creationId xmlns:a16="http://schemas.microsoft.com/office/drawing/2014/main" id="{970F794C-0ABA-456E-9E6B-39622FC9DDEA}"/>
+                </a:ext>
+              </a:extLst>
+            </p:cNvPr>
+            <p:cNvPicPr>
+              <a:picLocks noChangeAspect="1"/>
+            </p:cNvPicPr>
+            <p:nvPr/>
+          </p:nvPicPr>
+          <p:blipFill>
+            <a:blip r:embed="rId5"/>
+            <a:stretch>
+              <a:fillRect/>
+            </a:stretch>
+          </p:blipFill>
+          <p:spPr>
+            <a:xfrm>
+              <a:off x="2202507" y="5632164"/>
+              <a:ext cx="161893" cy="147638"/>
+            </a:xfrm>
+            <a:prstGeom prst="rect">
+              <a:avLst/>
+            </a:prstGeom>
+          </p:spPr>
+        </p:pic>
+        <p:pic>
+          <p:nvPicPr>
+            <p:cNvPr id="28" name="Picture 27">
+              <a:extLst>
+                <a:ext uri="{FF2B5EF4-FFF2-40B4-BE49-F238E27FC236}">
+                  <a16:creationId xmlns:a16="http://schemas.microsoft.com/office/drawing/2014/main" id="{F95A1C7F-8CCC-4EDD-92FA-E5E84CD0E027}"/>
+                </a:ext>
+              </a:extLst>
+            </p:cNvPr>
+            <p:cNvPicPr>
+              <a:picLocks noChangeAspect="1"/>
+            </p:cNvPicPr>
+            <p:nvPr/>
+          </p:nvPicPr>
+          <p:blipFill>
+            <a:blip r:embed="rId6"/>
+            <a:stretch>
+              <a:fillRect/>
+            </a:stretch>
+          </p:blipFill>
+          <p:spPr>
+            <a:xfrm>
+              <a:off x="1852678" y="5636204"/>
+              <a:ext cx="149674" cy="147638"/>
+            </a:xfrm>
+            <a:prstGeom prst="rect">
+              <a:avLst/>
+            </a:prstGeom>
+          </p:spPr>
+        </p:pic>
+      </p:grpSp>
+      <p:sp>
+        <p:nvSpPr>
+          <p:cNvPr id="29" name="TextBox 28">
+            <a:extLst>
+              <a:ext uri="{FF2B5EF4-FFF2-40B4-BE49-F238E27FC236}">
+                <a16:creationId xmlns:a16="http://schemas.microsoft.com/office/drawing/2014/main" id="{4A391B46-B4C1-4F42-BCAD-F590C5A1B901}"/>
+              </a:ext>
+            </a:extLst>
+          </p:cNvPr>
+          <p:cNvSpPr txBox="1"/>
+          <p:nvPr/>
+        </p:nvSpPr>
+        <p:spPr>
+          <a:xfrm>
+            <a:off x="1262062" y="4666267"/>
+            <a:ext cx="980140" cy="307777"/>
+          </a:xfrm>
+          <a:prstGeom prst="rect">
+            <a:avLst/>
+          </a:prstGeom>
+          <a:noFill/>
+        </p:spPr>
+        <p:txBody>
+          <a:bodyPr wrap="none" rtlCol="0">
+            <a:spAutoFit/>
+          </a:bodyPr>
+          <a:lstStyle/>
+          <a:p>
+            <a:r>
+              <a:rPr lang="en-US" sz="1400" b="1"/>
+              <a:t>Frame info</a:t>
+            </a:r>
+          </a:p>
+        </p:txBody>
+      </p:sp>
+      <p:pic>
+        <p:nvPicPr>
+          <p:cNvPr id="30" name="Picture 29">
+            <a:extLst>
+              <a:ext uri="{FF2B5EF4-FFF2-40B4-BE49-F238E27FC236}">
+                <a16:creationId xmlns:a16="http://schemas.microsoft.com/office/drawing/2014/main" id="{9EED2309-3506-4888-9190-A4FA1C3E6DA3}"/>
+              </a:ext>
+            </a:extLst>
+          </p:cNvPr>
+          <p:cNvPicPr>
+            <a:picLocks noChangeAspect="1"/>
+          </p:cNvPicPr>
+          <p:nvPr/>
+        </p:nvPicPr>
+        <p:blipFill>
+          <a:blip r:embed="rId5"/>
+          <a:stretch>
+            <a:fillRect/>
+          </a:stretch>
+        </p:blipFill>
+        <p:spPr>
+          <a:xfrm>
+            <a:off x="2638373" y="3702043"/>
+            <a:ext cx="161893" cy="147638"/>
+          </a:xfrm>
+          <a:prstGeom prst="rect">
+            <a:avLst/>
+          </a:prstGeom>
+        </p:spPr>
+      </p:pic>
+      <p:pic>
+        <p:nvPicPr>
+          <p:cNvPr id="31" name="Picture 30">
+            <a:extLst>
+              <a:ext uri="{FF2B5EF4-FFF2-40B4-BE49-F238E27FC236}">
+                <a16:creationId xmlns:a16="http://schemas.microsoft.com/office/drawing/2014/main" id="{568AFC7B-0776-4B41-A08F-D023C2A781CB}"/>
+              </a:ext>
+            </a:extLst>
+          </p:cNvPr>
+          <p:cNvPicPr>
+            <a:picLocks noChangeAspect="1"/>
+          </p:cNvPicPr>
+          <p:nvPr/>
+        </p:nvPicPr>
+        <p:blipFill>
+          <a:blip r:embed="rId6"/>
+          <a:stretch>
+            <a:fillRect/>
+          </a:stretch>
+        </p:blipFill>
+        <p:spPr>
+          <a:xfrm>
+            <a:off x="2244272" y="3706083"/>
+            <a:ext cx="149674" cy="147638"/>
+          </a:xfrm>
+          <a:prstGeom prst="rect">
+            <a:avLst/>
+          </a:prstGeom>
+        </p:spPr>
+      </p:pic>
+      <p:pic>
+        <p:nvPicPr>
+          <p:cNvPr id="32" name="Picture 31">
+            <a:extLst>
+              <a:ext uri="{FF2B5EF4-FFF2-40B4-BE49-F238E27FC236}">
+                <a16:creationId xmlns:a16="http://schemas.microsoft.com/office/drawing/2014/main" id="{2CEDAF7C-3B01-418B-8D61-03BE3E86EE43}"/>
+              </a:ext>
+            </a:extLst>
+          </p:cNvPr>
+          <p:cNvPicPr>
+            <a:picLocks noChangeAspect="1"/>
+          </p:cNvPicPr>
+          <p:nvPr/>
+        </p:nvPicPr>
+        <p:blipFill>
+          <a:blip r:embed="rId5"/>
+          <a:stretch>
+            <a:fillRect/>
+          </a:stretch>
+        </p:blipFill>
+        <p:spPr>
+          <a:xfrm>
+            <a:off x="2640985" y="3863928"/>
+            <a:ext cx="161893" cy="147638"/>
+          </a:xfrm>
+          <a:prstGeom prst="rect">
+            <a:avLst/>
+          </a:prstGeom>
+        </p:spPr>
+      </p:pic>
+      <p:pic>
+        <p:nvPicPr>
+          <p:cNvPr id="33" name="Picture 32">
+            <a:extLst>
+              <a:ext uri="{FF2B5EF4-FFF2-40B4-BE49-F238E27FC236}">
+                <a16:creationId xmlns:a16="http://schemas.microsoft.com/office/drawing/2014/main" id="{761DC41A-8383-4203-814F-F78A2C1BCA5A}"/>
+              </a:ext>
+            </a:extLst>
+          </p:cNvPr>
+          <p:cNvPicPr>
+            <a:picLocks noChangeAspect="1"/>
+          </p:cNvPicPr>
+          <p:nvPr/>
+        </p:nvPicPr>
+        <p:blipFill>
+          <a:blip r:embed="rId6"/>
+          <a:stretch>
+            <a:fillRect/>
+          </a:stretch>
+        </p:blipFill>
+        <p:spPr>
+          <a:xfrm>
+            <a:off x="2246884" y="3867968"/>
+            <a:ext cx="149674" cy="147638"/>
+          </a:xfrm>
+          <a:prstGeom prst="rect">
+            <a:avLst/>
+          </a:prstGeom>
+        </p:spPr>
+      </p:pic>
+      <p:sp>
+        <p:nvSpPr>
+          <p:cNvPr id="37" name="Rectangle 36">
+            <a:extLst>
+              <a:ext uri="{FF2B5EF4-FFF2-40B4-BE49-F238E27FC236}">
+                <a16:creationId xmlns:a16="http://schemas.microsoft.com/office/drawing/2014/main" id="{1951CA0C-CAC0-431B-93F8-A5907531278E}"/>
+              </a:ext>
+            </a:extLst>
+          </p:cNvPr>
+          <p:cNvSpPr>
+            <a:spLocks noGrp="1" noSelect="1" noRot="1" noChangeAspect="1" noMove="1" noResize="1" noEditPoints="1" noAdjustHandles="1" noChangeArrowheads="1" noChangeShapeType="1" noTextEdit="1"/>
+          </p:cNvSpPr>
+          <p:nvPr/>
+        </p:nvSpPr>
+        <p:spPr>
+          <a:xfrm>
+            <a:off x="1222375" y="307181"/>
+            <a:ext cx="4165599" cy="2361483"/>
+          </a:xfrm>
+          <a:prstGeom prst="rect">
+            <a:avLst/>
+          </a:prstGeom>
+          <a:solidFill>
+            <a:schemeClr val="tx1">
+              <a:lumMod val="95000"/>
+              <a:lumOff val="5000"/>
+            </a:schemeClr>
+          </a:solidFill>
+          <a:ln>
+            <a:noFill/>
+          </a:ln>
+        </p:spPr>
+        <p:style>
+          <a:lnRef idx="2">
+            <a:schemeClr val="dk1">
+              <a:shade val="50000"/>
+            </a:schemeClr>
+          </a:lnRef>
+          <a:fillRef idx="1">
+            <a:schemeClr val="dk1"/>
+          </a:fillRef>
+          <a:effectRef idx="0">
+            <a:schemeClr val="dk1"/>
+          </a:effectRef>
+          <a:fontRef idx="minor">
+            <a:schemeClr val="lt1"/>
+          </a:fontRef>
+        </p:style>
+        <p:txBody>
+          <a:bodyPr rtlCol="0" anchor="ctr"/>
+          <a:lstStyle/>
+          <a:p>
+            <a:pPr algn="ctr"/>
+            <a:endParaRPr lang="en-US"/>
+          </a:p>
+        </p:txBody>
+      </p:sp>
+      <p:cxnSp>
+        <p:nvCxnSpPr>
+          <p:cNvPr id="8" name="Straight Connector 7">
+            <a:extLst>
+              <a:ext uri="{FF2B5EF4-FFF2-40B4-BE49-F238E27FC236}">
+                <a16:creationId xmlns:a16="http://schemas.microsoft.com/office/drawing/2014/main" id="{C5B52519-1946-43FB-B227-FEF6274492A2}"/>
+              </a:ext>
+            </a:extLst>
+          </p:cNvPr>
+          <p:cNvCxnSpPr>
+            <a:cxnSpLocks/>
+          </p:cNvCxnSpPr>
+          <p:nvPr/>
+        </p:nvCxnSpPr>
+        <p:spPr>
+          <a:xfrm>
+            <a:off x="1212850" y="300831"/>
+            <a:ext cx="0" cy="4042569"/>
+          </a:xfrm>
+          <a:prstGeom prst="line">
+            <a:avLst/>
+          </a:prstGeom>
+          <a:ln w="19050">
+            <a:solidFill>
+              <a:srgbClr val="FF0000"/>
+            </a:solidFill>
+          </a:ln>
+        </p:spPr>
+        <p:style>
+          <a:lnRef idx="1">
+            <a:schemeClr val="accent1"/>
+          </a:lnRef>
+          <a:fillRef idx="0">
+            <a:schemeClr val="accent1"/>
+          </a:fillRef>
+          <a:effectRef idx="0">
+            <a:schemeClr val="accent1"/>
+          </a:effectRef>
+          <a:fontRef idx="minor">
+            <a:schemeClr val="tx1"/>
+          </a:fontRef>
+        </p:style>
+      </p:cxnSp>
+      <p:cxnSp>
+        <p:nvCxnSpPr>
+          <p:cNvPr id="13" name="Straight Connector 12">
+            <a:extLst>
+              <a:ext uri="{FF2B5EF4-FFF2-40B4-BE49-F238E27FC236}">
+                <a16:creationId xmlns:a16="http://schemas.microsoft.com/office/drawing/2014/main" id="{39C12A3F-F7DF-434A-A879-8F55A4090905}"/>
+              </a:ext>
+            </a:extLst>
+          </p:cNvPr>
+          <p:cNvCxnSpPr>
+            <a:cxnSpLocks/>
+          </p:cNvCxnSpPr>
+          <p:nvPr/>
+        </p:nvCxnSpPr>
+        <p:spPr>
+          <a:xfrm flipH="1">
+            <a:off x="349250" y="2686050"/>
+            <a:ext cx="5029200" cy="0"/>
+          </a:xfrm>
+          <a:prstGeom prst="line">
+            <a:avLst/>
+          </a:prstGeom>
+          <a:ln w="19050">
+            <a:solidFill>
+              <a:srgbClr val="FF0000"/>
+            </a:solidFill>
+          </a:ln>
+        </p:spPr>
+        <p:style>
+          <a:lnRef idx="1">
+            <a:schemeClr val="accent1"/>
+          </a:lnRef>
+          <a:fillRef idx="0">
+            <a:schemeClr val="accent1"/>
+          </a:fillRef>
+          <a:effectRef idx="0">
+            <a:schemeClr val="accent1"/>
+          </a:effectRef>
+          <a:fontRef idx="minor">
+            <a:schemeClr val="tx1"/>
+          </a:fontRef>
+        </p:style>
+      </p:cxnSp>
+      <p:sp>
+        <p:nvSpPr>
+          <p:cNvPr id="5" name="Rectangle 4">
+            <a:extLst>
+              <a:ext uri="{FF2B5EF4-FFF2-40B4-BE49-F238E27FC236}">
+                <a16:creationId xmlns:a16="http://schemas.microsoft.com/office/drawing/2014/main" id="{542BD260-6B85-446C-BEBE-56260863697A}"/>
+              </a:ext>
+            </a:extLst>
+          </p:cNvPr>
+          <p:cNvSpPr/>
+          <p:nvPr/>
+        </p:nvSpPr>
+        <p:spPr>
+          <a:xfrm>
+            <a:off x="1228727" y="314324"/>
+            <a:ext cx="4159247" cy="2356719"/>
+          </a:xfrm>
+          <a:prstGeom prst="rect">
+            <a:avLst/>
+          </a:prstGeom>
+          <a:blipFill dpi="0" rotWithShape="1">
+            <a:blip r:embed="rId7">
+              <a:extLst>
+                <a:ext uri="{28A0092B-C50C-407E-A947-70E740481C1C}">
+                  <a14:useLocalDpi xmlns:a14="http://schemas.microsoft.com/office/drawing/2010/main" val="0"/>
+                </a:ext>
+              </a:extLst>
+            </a:blip>
+            <a:srcRect/>
+            <a:stretch>
+              <a:fillRect/>
+            </a:stretch>
+          </a:blipFill>
           <a:ln>
             <a:noFill/>
           </a:ln>
@@ -3986,28 +6879,55 @@
           <a:bodyPr rtlCol="0" anchor="ctr"/>
           <a:lstStyle/>
           <a:p>
-            <a:r>
-              <a:rPr lang="en-US" sz="900">
-                <a:solidFill>
-                  <a:schemeClr val="tx1"/>
-                </a:solidFill>
-              </a:rPr>
-              <a:t>Export to single frame of Spr file</a:t>
-            </a:r>
+            <a:pPr algn="ctr"/>
+            <a:endParaRPr lang="en-US"/>
           </a:p>
         </p:txBody>
       </p:sp>
+    </p:spTree>
+    <p:custDataLst>
+      <p:tags r:id="rId1"/>
+    </p:custDataLst>
+    <p:extLst>
+      <p:ext uri="{BB962C8B-B14F-4D97-AF65-F5344CB8AC3E}">
+        <p14:creationId xmlns:p14="http://schemas.microsoft.com/office/powerpoint/2010/main" val="3073278863"/>
+      </p:ext>
+    </p:extLst>
+  </p:cSld>
+  <p:clrMapOvr>
+    <a:masterClrMapping/>
+  </p:clrMapOvr>
+</p:sld>
+</file>
+
+<file path=ppt/slides/slide6.xml><?xml version="1.0" encoding="utf-8"?>
+<p:sld xmlns:a="http://schemas.openxmlformats.org/drawingml/2006/main" xmlns:r="http://schemas.openxmlformats.org/officeDocument/2006/relationships" xmlns:p="http://schemas.openxmlformats.org/presentationml/2006/main">
+  <p:cSld>
+    <p:spTree>
+      <p:nvGrpSpPr>
+        <p:cNvPr id="1" name=""/>
+        <p:cNvGrpSpPr/>
+        <p:nvPr/>
+      </p:nvGrpSpPr>
+      <p:grpSpPr>
+        <a:xfrm>
+          <a:off x="0" y="0"/>
+          <a:ext cx="0" cy="0"/>
+          <a:chOff x="0" y="0"/>
+          <a:chExt cx="0" cy="0"/>
+        </a:xfrm>
+      </p:grpSpPr>
       <p:pic>
         <p:nvPicPr>
-          <p:cNvPr id="12" name="Picture 11">
-            <a:extLst>
-              <a:ext uri="{FF2B5EF4-FFF2-40B4-BE49-F238E27FC236}">
-                <a16:creationId xmlns:a16="http://schemas.microsoft.com/office/drawing/2014/main" id="{2C1E302A-2756-4D5D-A42D-6058FD4DFB16}"/>
+          <p:cNvPr id="4" name="Picture 3">
+            <a:extLst>
+              <a:ext uri="{FF2B5EF4-FFF2-40B4-BE49-F238E27FC236}">
+                <a16:creationId xmlns:a16="http://schemas.microsoft.com/office/drawing/2014/main" id="{CBDBA5CF-04CF-4507-8F9C-8D113E051701}"/>
               </a:ext>
             </a:extLst>
           </p:cNvPr>
           <p:cNvPicPr>
-            <a:picLocks noGrp="1" noSelect="1" noRot="1" noChangeAspect="1" noMove="1" noResize="1" noEditPoints="1" noAdjustHandles="1" noChangeArrowheads="1" noChangeShapeType="1" noCrop="1"/>
+            <a:picLocks noChangeAspect="1"/>
           </p:cNvPicPr>
           <p:nvPr/>
         </p:nvPicPr>
@@ -4019,25 +6939,205 @@
         </p:blipFill>
         <p:spPr>
           <a:xfrm>
-            <a:off x="1748791" y="3488055"/>
-            <a:ext cx="216776" cy="214313"/>
+            <a:off x="114300" y="142875"/>
+            <a:ext cx="5734050" cy="4133850"/>
           </a:xfrm>
           <a:prstGeom prst="rect">
             <a:avLst/>
           </a:prstGeom>
         </p:spPr>
       </p:pic>
+      <p:sp>
+        <p:nvSpPr>
+          <p:cNvPr id="2" name="TextBox 1">
+            <a:extLst>
+              <a:ext uri="{FF2B5EF4-FFF2-40B4-BE49-F238E27FC236}">
+                <a16:creationId xmlns:a16="http://schemas.microsoft.com/office/drawing/2014/main" id="{78AC5B42-12EB-41C8-A740-3F0874E943DE}"/>
+              </a:ext>
+            </a:extLst>
+          </p:cNvPr>
+          <p:cNvSpPr txBox="1"/>
+          <p:nvPr/>
+        </p:nvSpPr>
+        <p:spPr>
+          <a:xfrm>
+            <a:off x="1262062" y="2834758"/>
+            <a:ext cx="1423788" cy="338554"/>
+          </a:xfrm>
+          <a:prstGeom prst="rect">
+            <a:avLst/>
+          </a:prstGeom>
+          <a:noFill/>
+        </p:spPr>
+        <p:txBody>
+          <a:bodyPr wrap="none" rtlCol="0">
+            <a:spAutoFit/>
+          </a:bodyPr>
+          <a:lstStyle/>
+          <a:p>
+            <a:r>
+              <a:rPr lang="en-US" sz="1600" b="1"/>
+              <a:t>SPR edit mode</a:t>
+            </a:r>
+          </a:p>
+        </p:txBody>
+      </p:sp>
+      <p:sp>
+        <p:nvSpPr>
+          <p:cNvPr id="6" name="TextBox 5">
+            <a:extLst>
+              <a:ext uri="{FF2B5EF4-FFF2-40B4-BE49-F238E27FC236}">
+                <a16:creationId xmlns:a16="http://schemas.microsoft.com/office/drawing/2014/main" id="{BA56F98D-08F1-4587-9544-B705A2EA8875}"/>
+              </a:ext>
+            </a:extLst>
+          </p:cNvPr>
+          <p:cNvSpPr txBox="1"/>
+          <p:nvPr/>
+        </p:nvSpPr>
+        <p:spPr>
+          <a:xfrm>
+            <a:off x="1262062" y="3087171"/>
+            <a:ext cx="1186094" cy="307777"/>
+          </a:xfrm>
+          <a:prstGeom prst="rect">
+            <a:avLst/>
+          </a:prstGeom>
+          <a:noFill/>
+        </p:spPr>
+        <p:txBody>
+          <a:bodyPr wrap="none" rtlCol="0">
+            <a:spAutoFit/>
+          </a:bodyPr>
+          <a:lstStyle/>
+          <a:p>
+            <a:r>
+              <a:rPr lang="en-US" sz="1400" b="1"/>
+              <a:t>File head info</a:t>
+            </a:r>
+          </a:p>
+        </p:txBody>
+      </p:sp>
+      <p:sp>
+        <p:nvSpPr>
+          <p:cNvPr id="7" name="TextBox 6">
+            <a:extLst>
+              <a:ext uri="{FF2B5EF4-FFF2-40B4-BE49-F238E27FC236}">
+                <a16:creationId xmlns:a16="http://schemas.microsoft.com/office/drawing/2014/main" id="{91767275-EC5B-440C-A5A2-C21314285E2B}"/>
+              </a:ext>
+            </a:extLst>
+          </p:cNvPr>
+          <p:cNvSpPr txBox="1"/>
+          <p:nvPr/>
+        </p:nvSpPr>
+        <p:spPr>
+          <a:xfrm>
+            <a:off x="1262062" y="3334137"/>
+            <a:ext cx="2954655" cy="2516073"/>
+          </a:xfrm>
+          <a:prstGeom prst="rect">
+            <a:avLst/>
+          </a:prstGeom>
+          <a:noFill/>
+        </p:spPr>
+        <p:txBody>
+          <a:bodyPr wrap="none" rtlCol="0">
+            <a:spAutoFit/>
+          </a:bodyPr>
+          <a:lstStyle/>
+          <a:p>
+            <a:r>
+              <a:rPr lang="en-US" sz="1050" b="1"/>
+              <a:t>Global width:        640</a:t>
+            </a:r>
+          </a:p>
+          <a:p>
+            <a:r>
+              <a:rPr lang="en-US" sz="1050" b="1"/>
+              <a:t>Global height:        360</a:t>
+            </a:r>
+          </a:p>
+          <a:p>
+            <a:r>
+              <a:rPr lang="en-US" sz="1050" b="1"/>
+              <a:t>Global offset X:         50</a:t>
+            </a:r>
+          </a:p>
+          <a:p>
+            <a:r>
+              <a:rPr lang="en-US" sz="1050" b="1"/>
+              <a:t>Global offset Y:         0</a:t>
+            </a:r>
+          </a:p>
+          <a:p>
+            <a:r>
+              <a:rPr lang="en-US" sz="1050" b="1"/>
+              <a:t>Colors count: 256</a:t>
+            </a:r>
+          </a:p>
+          <a:p>
+            <a:r>
+              <a:rPr lang="en-US" sz="1050" b="1"/>
+              <a:t>Directions count: 1</a:t>
+            </a:r>
+          </a:p>
+          <a:p>
+            <a:r>
+              <a:rPr lang="en-US" sz="1050" b="1"/>
+              <a:t>Frames count: 1		Frame:            0	</a:t>
+            </a:r>
+          </a:p>
+          <a:p>
+            <a:endParaRPr lang="en-US" sz="1050" b="1"/>
+          </a:p>
+          <a:p>
+            <a:endParaRPr lang="en-US" sz="1050" b="1"/>
+          </a:p>
+          <a:p>
+            <a:endParaRPr lang="en-US" sz="1050" b="1"/>
+          </a:p>
+          <a:p>
+            <a:r>
+              <a:rPr lang="en-US" sz="1050" b="1"/>
+              <a:t>Frame width:        640</a:t>
+            </a:r>
+          </a:p>
+          <a:p>
+            <a:r>
+              <a:rPr lang="en-US" sz="1050" b="1"/>
+              <a:t>Frame height:        360</a:t>
+            </a:r>
+          </a:p>
+          <a:p>
+            <a:r>
+              <a:rPr lang="en-US" sz="1050" b="1"/>
+              <a:t>Frame offset X:        0</a:t>
+            </a:r>
+          </a:p>
+          <a:p>
+            <a:r>
+              <a:rPr lang="en-US" sz="1050" b="1"/>
+              <a:t>Frame offset Y:        0 </a:t>
+            </a:r>
+          </a:p>
+          <a:p>
+            <a:r>
+              <a:rPr lang="en-US" sz="1050" b="1"/>
+              <a:t>Interval:        1 	                      (27in=36fps)</a:t>
+            </a:r>
+          </a:p>
+        </p:txBody>
+      </p:sp>
       <p:pic>
         <p:nvPicPr>
-          <p:cNvPr id="13" name="Picture 12">
-            <a:extLst>
-              <a:ext uri="{FF2B5EF4-FFF2-40B4-BE49-F238E27FC236}">
-                <a16:creationId xmlns:a16="http://schemas.microsoft.com/office/drawing/2014/main" id="{B8AF0EE6-822A-4FB7-B962-A0673C603897}"/>
+          <p:cNvPr id="10" name="Picture 9">
+            <a:extLst>
+              <a:ext uri="{FF2B5EF4-FFF2-40B4-BE49-F238E27FC236}">
+                <a16:creationId xmlns:a16="http://schemas.microsoft.com/office/drawing/2014/main" id="{2FA78A65-17B6-4DF4-A33E-79221F178514}"/>
               </a:ext>
             </a:extLst>
           </p:cNvPr>
           <p:cNvPicPr>
-            <a:picLocks noGrp="1" noSelect="1" noRot="1" noChangeAspect="1" noMove="1" noResize="1" noEditPoints="1" noAdjustHandles="1" noChangeArrowheads="1" noChangeShapeType="1" noCrop="1"/>
+            <a:picLocks noChangeAspect="1"/>
           </p:cNvPicPr>
           <p:nvPr/>
         </p:nvPicPr>
@@ -4049,8 +7149,664 @@
         </p:blipFill>
         <p:spPr>
           <a:xfrm>
-            <a:off x="1700117" y="3715781"/>
-            <a:ext cx="250621" cy="236698"/>
+            <a:off x="2981325" y="4354206"/>
+            <a:ext cx="143900" cy="147638"/>
+          </a:xfrm>
+          <a:prstGeom prst="rect">
+            <a:avLst/>
+          </a:prstGeom>
+        </p:spPr>
+      </p:pic>
+      <p:pic>
+        <p:nvPicPr>
+          <p:cNvPr id="11" name="Picture 10">
+            <a:extLst>
+              <a:ext uri="{FF2B5EF4-FFF2-40B4-BE49-F238E27FC236}">
+                <a16:creationId xmlns:a16="http://schemas.microsoft.com/office/drawing/2014/main" id="{51163AD7-3C76-4BD9-887C-8B5957476943}"/>
+              </a:ext>
+            </a:extLst>
+          </p:cNvPr>
+          <p:cNvPicPr>
+            <a:picLocks noChangeAspect="1"/>
+          </p:cNvPicPr>
+          <p:nvPr/>
+        </p:nvPicPr>
+        <p:blipFill>
+          <a:blip r:embed="rId5"/>
+          <a:stretch>
+            <a:fillRect/>
+          </a:stretch>
+        </p:blipFill>
+        <p:spPr>
+          <a:xfrm>
+            <a:off x="4113664" y="4340225"/>
+            <a:ext cx="161893" cy="147638"/>
+          </a:xfrm>
+          <a:prstGeom prst="rect">
+            <a:avLst/>
+          </a:prstGeom>
+        </p:spPr>
+      </p:pic>
+      <p:pic>
+        <p:nvPicPr>
+          <p:cNvPr id="12" name="Picture 11">
+            <a:extLst>
+              <a:ext uri="{FF2B5EF4-FFF2-40B4-BE49-F238E27FC236}">
+                <a16:creationId xmlns:a16="http://schemas.microsoft.com/office/drawing/2014/main" id="{4C541B28-96E2-4056-A331-F213F6B365D9}"/>
+              </a:ext>
+            </a:extLst>
+          </p:cNvPr>
+          <p:cNvPicPr>
+            <a:picLocks noChangeAspect="1"/>
+          </p:cNvPicPr>
+          <p:nvPr/>
+        </p:nvPicPr>
+        <p:blipFill>
+          <a:blip r:embed="rId6"/>
+          <a:stretch>
+            <a:fillRect/>
+          </a:stretch>
+        </p:blipFill>
+        <p:spPr>
+          <a:xfrm>
+            <a:off x="3661591" y="4344265"/>
+            <a:ext cx="149674" cy="147638"/>
+          </a:xfrm>
+          <a:prstGeom prst="rect">
+            <a:avLst/>
+          </a:prstGeom>
+        </p:spPr>
+      </p:pic>
+      <p:pic>
+        <p:nvPicPr>
+          <p:cNvPr id="15" name="Picture 14">
+            <a:extLst>
+              <a:ext uri="{FF2B5EF4-FFF2-40B4-BE49-F238E27FC236}">
+                <a16:creationId xmlns:a16="http://schemas.microsoft.com/office/drawing/2014/main" id="{A25B3327-0021-4332-A47E-CFFA8C3A5D44}"/>
+              </a:ext>
+            </a:extLst>
+          </p:cNvPr>
+          <p:cNvPicPr>
+            <a:picLocks noChangeAspect="1"/>
+          </p:cNvPicPr>
+          <p:nvPr/>
+        </p:nvPicPr>
+        <p:blipFill>
+          <a:blip r:embed="rId5"/>
+          <a:stretch>
+            <a:fillRect/>
+          </a:stretch>
+        </p:blipFill>
+        <p:spPr>
+          <a:xfrm>
+            <a:off x="2604903" y="3385702"/>
+            <a:ext cx="161893" cy="147638"/>
+          </a:xfrm>
+          <a:prstGeom prst="rect">
+            <a:avLst/>
+          </a:prstGeom>
+        </p:spPr>
+      </p:pic>
+      <p:pic>
+        <p:nvPicPr>
+          <p:cNvPr id="16" name="Picture 15">
+            <a:extLst>
+              <a:ext uri="{FF2B5EF4-FFF2-40B4-BE49-F238E27FC236}">
+                <a16:creationId xmlns:a16="http://schemas.microsoft.com/office/drawing/2014/main" id="{7F72DE22-44AC-4620-9C46-DD40BACD9E03}"/>
+              </a:ext>
+            </a:extLst>
+          </p:cNvPr>
+          <p:cNvPicPr>
+            <a:picLocks noChangeAspect="1"/>
+          </p:cNvPicPr>
+          <p:nvPr/>
+        </p:nvPicPr>
+        <p:blipFill>
+          <a:blip r:embed="rId6"/>
+          <a:stretch>
+            <a:fillRect/>
+          </a:stretch>
+        </p:blipFill>
+        <p:spPr>
+          <a:xfrm>
+            <a:off x="2152830" y="3389742"/>
+            <a:ext cx="149674" cy="147638"/>
+          </a:xfrm>
+          <a:prstGeom prst="rect">
+            <a:avLst/>
+          </a:prstGeom>
+        </p:spPr>
+      </p:pic>
+      <p:pic>
+        <p:nvPicPr>
+          <p:cNvPr id="17" name="Picture 16">
+            <a:extLst>
+              <a:ext uri="{FF2B5EF4-FFF2-40B4-BE49-F238E27FC236}">
+                <a16:creationId xmlns:a16="http://schemas.microsoft.com/office/drawing/2014/main" id="{B9EEC9DA-4CB8-4A7D-A3F0-87F82C9CB3FC}"/>
+              </a:ext>
+            </a:extLst>
+          </p:cNvPr>
+          <p:cNvPicPr>
+            <a:picLocks noChangeAspect="1"/>
+          </p:cNvPicPr>
+          <p:nvPr/>
+        </p:nvPicPr>
+        <p:blipFill>
+          <a:blip r:embed="rId5"/>
+          <a:stretch>
+            <a:fillRect/>
+          </a:stretch>
+        </p:blipFill>
+        <p:spPr>
+          <a:xfrm>
+            <a:off x="2619192" y="3548360"/>
+            <a:ext cx="161893" cy="147638"/>
+          </a:xfrm>
+          <a:prstGeom prst="rect">
+            <a:avLst/>
+          </a:prstGeom>
+        </p:spPr>
+      </p:pic>
+      <p:pic>
+        <p:nvPicPr>
+          <p:cNvPr id="18" name="Picture 17">
+            <a:extLst>
+              <a:ext uri="{FF2B5EF4-FFF2-40B4-BE49-F238E27FC236}">
+                <a16:creationId xmlns:a16="http://schemas.microsoft.com/office/drawing/2014/main" id="{70F35F2A-5E32-4B3F-93A5-2F3AD3323F8C}"/>
+              </a:ext>
+            </a:extLst>
+          </p:cNvPr>
+          <p:cNvPicPr>
+            <a:picLocks noChangeAspect="1"/>
+          </p:cNvPicPr>
+          <p:nvPr/>
+        </p:nvPicPr>
+        <p:blipFill>
+          <a:blip r:embed="rId6"/>
+          <a:stretch>
+            <a:fillRect/>
+          </a:stretch>
+        </p:blipFill>
+        <p:spPr>
+          <a:xfrm>
+            <a:off x="2167119" y="3552400"/>
+            <a:ext cx="149674" cy="147638"/>
+          </a:xfrm>
+          <a:prstGeom prst="rect">
+            <a:avLst/>
+          </a:prstGeom>
+        </p:spPr>
+      </p:pic>
+      <p:grpSp>
+        <p:nvGrpSpPr>
+          <p:cNvPr id="14" name="Group 13">
+            <a:extLst>
+              <a:ext uri="{FF2B5EF4-FFF2-40B4-BE49-F238E27FC236}">
+                <a16:creationId xmlns:a16="http://schemas.microsoft.com/office/drawing/2014/main" id="{C16F8053-B979-404C-90D0-A73B5FB935A6}"/>
+              </a:ext>
+            </a:extLst>
+          </p:cNvPr>
+          <p:cNvGrpSpPr/>
+          <p:nvPr/>
+        </p:nvGrpSpPr>
+        <p:grpSpPr>
+          <a:xfrm>
+            <a:off x="1852678" y="4993740"/>
+            <a:ext cx="925005" cy="790102"/>
+            <a:chOff x="1852678" y="4993740"/>
+            <a:chExt cx="925005" cy="790102"/>
+          </a:xfrm>
+        </p:grpSpPr>
+        <p:pic>
+          <p:nvPicPr>
+            <p:cNvPr id="19" name="Picture 18">
+              <a:extLst>
+                <a:ext uri="{FF2B5EF4-FFF2-40B4-BE49-F238E27FC236}">
+                  <a16:creationId xmlns:a16="http://schemas.microsoft.com/office/drawing/2014/main" id="{1A8FC2DF-1492-405A-BCAB-82B4F14E665B}"/>
+                </a:ext>
+              </a:extLst>
+            </p:cNvPr>
+            <p:cNvPicPr>
+              <a:picLocks noChangeAspect="1"/>
+            </p:cNvPicPr>
+            <p:nvPr/>
+          </p:nvPicPr>
+          <p:blipFill>
+            <a:blip r:embed="rId5"/>
+            <a:stretch>
+              <a:fillRect/>
+            </a:stretch>
+          </p:blipFill>
+          <p:spPr>
+            <a:xfrm>
+              <a:off x="2585853" y="4993740"/>
+              <a:ext cx="161893" cy="147638"/>
+            </a:xfrm>
+            <a:prstGeom prst="rect">
+              <a:avLst/>
+            </a:prstGeom>
+          </p:spPr>
+        </p:pic>
+        <p:pic>
+          <p:nvPicPr>
+            <p:cNvPr id="20" name="Picture 19">
+              <a:extLst>
+                <a:ext uri="{FF2B5EF4-FFF2-40B4-BE49-F238E27FC236}">
+                  <a16:creationId xmlns:a16="http://schemas.microsoft.com/office/drawing/2014/main" id="{9095908D-CB35-4C64-B1BD-8C57529AFAAD}"/>
+                </a:ext>
+              </a:extLst>
+            </p:cNvPr>
+            <p:cNvPicPr>
+              <a:picLocks noChangeAspect="1"/>
+            </p:cNvPicPr>
+            <p:nvPr/>
+          </p:nvPicPr>
+          <p:blipFill>
+            <a:blip r:embed="rId6"/>
+            <a:stretch>
+              <a:fillRect/>
+            </a:stretch>
+          </p:blipFill>
+          <p:spPr>
+            <a:xfrm>
+              <a:off x="2133780" y="4997780"/>
+              <a:ext cx="149674" cy="147638"/>
+            </a:xfrm>
+            <a:prstGeom prst="rect">
+              <a:avLst/>
+            </a:prstGeom>
+          </p:spPr>
+        </p:pic>
+        <p:pic>
+          <p:nvPicPr>
+            <p:cNvPr id="21" name="Picture 20">
+              <a:extLst>
+                <a:ext uri="{FF2B5EF4-FFF2-40B4-BE49-F238E27FC236}">
+                  <a16:creationId xmlns:a16="http://schemas.microsoft.com/office/drawing/2014/main" id="{52081149-A749-4A3C-B750-DEB51DBC0A09}"/>
+                </a:ext>
+              </a:extLst>
+            </p:cNvPr>
+            <p:cNvPicPr>
+              <a:picLocks noChangeAspect="1"/>
+            </p:cNvPicPr>
+            <p:nvPr/>
+          </p:nvPicPr>
+          <p:blipFill>
+            <a:blip r:embed="rId5"/>
+            <a:stretch>
+              <a:fillRect/>
+            </a:stretch>
+          </p:blipFill>
+          <p:spPr>
+            <a:xfrm>
+              <a:off x="2615790" y="5148973"/>
+              <a:ext cx="161893" cy="147638"/>
+            </a:xfrm>
+            <a:prstGeom prst="rect">
+              <a:avLst/>
+            </a:prstGeom>
+          </p:spPr>
+        </p:pic>
+        <p:pic>
+          <p:nvPicPr>
+            <p:cNvPr id="22" name="Picture 21">
+              <a:extLst>
+                <a:ext uri="{FF2B5EF4-FFF2-40B4-BE49-F238E27FC236}">
+                  <a16:creationId xmlns:a16="http://schemas.microsoft.com/office/drawing/2014/main" id="{C30298B4-8F37-4C6D-8A1B-09C4BFE30EA2}"/>
+                </a:ext>
+              </a:extLst>
+            </p:cNvPr>
+            <p:cNvPicPr>
+              <a:picLocks noChangeAspect="1"/>
+            </p:cNvPicPr>
+            <p:nvPr/>
+          </p:nvPicPr>
+          <p:blipFill>
+            <a:blip r:embed="rId6"/>
+            <a:stretch>
+              <a:fillRect/>
+            </a:stretch>
+          </p:blipFill>
+          <p:spPr>
+            <a:xfrm>
+              <a:off x="2163717" y="5153013"/>
+              <a:ext cx="149674" cy="147638"/>
+            </a:xfrm>
+            <a:prstGeom prst="rect">
+              <a:avLst/>
+            </a:prstGeom>
+          </p:spPr>
+        </p:pic>
+        <p:pic>
+          <p:nvPicPr>
+            <p:cNvPr id="23" name="Picture 22">
+              <a:extLst>
+                <a:ext uri="{FF2B5EF4-FFF2-40B4-BE49-F238E27FC236}">
+                  <a16:creationId xmlns:a16="http://schemas.microsoft.com/office/drawing/2014/main" id="{237B4EF9-A03C-40E2-9771-2F96AA34A333}"/>
+                </a:ext>
+              </a:extLst>
+            </p:cNvPr>
+            <p:cNvPicPr>
+              <a:picLocks noChangeAspect="1"/>
+            </p:cNvPicPr>
+            <p:nvPr/>
+          </p:nvPicPr>
+          <p:blipFill>
+            <a:blip r:embed="rId5"/>
+            <a:stretch>
+              <a:fillRect/>
+            </a:stretch>
+          </p:blipFill>
+          <p:spPr>
+            <a:xfrm>
+              <a:off x="2577496" y="5308516"/>
+              <a:ext cx="161893" cy="147638"/>
+            </a:xfrm>
+            <a:prstGeom prst="rect">
+              <a:avLst/>
+            </a:prstGeom>
+          </p:spPr>
+        </p:pic>
+        <p:pic>
+          <p:nvPicPr>
+            <p:cNvPr id="24" name="Picture 23">
+              <a:extLst>
+                <a:ext uri="{FF2B5EF4-FFF2-40B4-BE49-F238E27FC236}">
+                  <a16:creationId xmlns:a16="http://schemas.microsoft.com/office/drawing/2014/main" id="{961DE9B0-6F68-4648-8974-EB57B3A6A624}"/>
+                </a:ext>
+              </a:extLst>
+            </p:cNvPr>
+            <p:cNvPicPr>
+              <a:picLocks noChangeAspect="1"/>
+            </p:cNvPicPr>
+            <p:nvPr/>
+          </p:nvPicPr>
+          <p:blipFill>
+            <a:blip r:embed="rId6"/>
+            <a:stretch>
+              <a:fillRect/>
+            </a:stretch>
+          </p:blipFill>
+          <p:spPr>
+            <a:xfrm>
+              <a:off x="2227667" y="5312556"/>
+              <a:ext cx="149674" cy="147638"/>
+            </a:xfrm>
+            <a:prstGeom prst="rect">
+              <a:avLst/>
+            </a:prstGeom>
+          </p:spPr>
+        </p:pic>
+        <p:pic>
+          <p:nvPicPr>
+            <p:cNvPr id="25" name="Picture 24">
+              <a:extLst>
+                <a:ext uri="{FF2B5EF4-FFF2-40B4-BE49-F238E27FC236}">
+                  <a16:creationId xmlns:a16="http://schemas.microsoft.com/office/drawing/2014/main" id="{8AC1F569-18AF-4161-9243-4BC4EF44A06C}"/>
+                </a:ext>
+              </a:extLst>
+            </p:cNvPr>
+            <p:cNvPicPr>
+              <a:picLocks noChangeAspect="1"/>
+            </p:cNvPicPr>
+            <p:nvPr/>
+          </p:nvPicPr>
+          <p:blipFill>
+            <a:blip r:embed="rId5"/>
+            <a:stretch>
+              <a:fillRect/>
+            </a:stretch>
+          </p:blipFill>
+          <p:spPr>
+            <a:xfrm>
+              <a:off x="2577496" y="5463749"/>
+              <a:ext cx="161893" cy="147638"/>
+            </a:xfrm>
+            <a:prstGeom prst="rect">
+              <a:avLst/>
+            </a:prstGeom>
+          </p:spPr>
+        </p:pic>
+        <p:pic>
+          <p:nvPicPr>
+            <p:cNvPr id="26" name="Picture 25">
+              <a:extLst>
+                <a:ext uri="{FF2B5EF4-FFF2-40B4-BE49-F238E27FC236}">
+                  <a16:creationId xmlns:a16="http://schemas.microsoft.com/office/drawing/2014/main" id="{774ED6B5-1EC3-424C-B3A0-2CE944762D77}"/>
+                </a:ext>
+              </a:extLst>
+            </p:cNvPr>
+            <p:cNvPicPr>
+              <a:picLocks noChangeAspect="1"/>
+            </p:cNvPicPr>
+            <p:nvPr/>
+          </p:nvPicPr>
+          <p:blipFill>
+            <a:blip r:embed="rId6"/>
+            <a:stretch>
+              <a:fillRect/>
+            </a:stretch>
+          </p:blipFill>
+          <p:spPr>
+            <a:xfrm>
+              <a:off x="2227667" y="5467789"/>
+              <a:ext cx="149674" cy="147638"/>
+            </a:xfrm>
+            <a:prstGeom prst="rect">
+              <a:avLst/>
+            </a:prstGeom>
+          </p:spPr>
+        </p:pic>
+        <p:pic>
+          <p:nvPicPr>
+            <p:cNvPr id="27" name="Picture 26">
+              <a:extLst>
+                <a:ext uri="{FF2B5EF4-FFF2-40B4-BE49-F238E27FC236}">
+                  <a16:creationId xmlns:a16="http://schemas.microsoft.com/office/drawing/2014/main" id="{970F794C-0ABA-456E-9E6B-39622FC9DDEA}"/>
+                </a:ext>
+              </a:extLst>
+            </p:cNvPr>
+            <p:cNvPicPr>
+              <a:picLocks noChangeAspect="1"/>
+            </p:cNvPicPr>
+            <p:nvPr/>
+          </p:nvPicPr>
+          <p:blipFill>
+            <a:blip r:embed="rId5"/>
+            <a:stretch>
+              <a:fillRect/>
+            </a:stretch>
+          </p:blipFill>
+          <p:spPr>
+            <a:xfrm>
+              <a:off x="2202507" y="5632164"/>
+              <a:ext cx="161893" cy="147638"/>
+            </a:xfrm>
+            <a:prstGeom prst="rect">
+              <a:avLst/>
+            </a:prstGeom>
+          </p:spPr>
+        </p:pic>
+        <p:pic>
+          <p:nvPicPr>
+            <p:cNvPr id="28" name="Picture 27">
+              <a:extLst>
+                <a:ext uri="{FF2B5EF4-FFF2-40B4-BE49-F238E27FC236}">
+                  <a16:creationId xmlns:a16="http://schemas.microsoft.com/office/drawing/2014/main" id="{F95A1C7F-8CCC-4EDD-92FA-E5E84CD0E027}"/>
+                </a:ext>
+              </a:extLst>
+            </p:cNvPr>
+            <p:cNvPicPr>
+              <a:picLocks noChangeAspect="1"/>
+            </p:cNvPicPr>
+            <p:nvPr/>
+          </p:nvPicPr>
+          <p:blipFill>
+            <a:blip r:embed="rId6"/>
+            <a:stretch>
+              <a:fillRect/>
+            </a:stretch>
+          </p:blipFill>
+          <p:spPr>
+            <a:xfrm>
+              <a:off x="1852678" y="5636204"/>
+              <a:ext cx="149674" cy="147638"/>
+            </a:xfrm>
+            <a:prstGeom prst="rect">
+              <a:avLst/>
+            </a:prstGeom>
+          </p:spPr>
+        </p:pic>
+      </p:grpSp>
+      <p:sp>
+        <p:nvSpPr>
+          <p:cNvPr id="29" name="TextBox 28">
+            <a:extLst>
+              <a:ext uri="{FF2B5EF4-FFF2-40B4-BE49-F238E27FC236}">
+                <a16:creationId xmlns:a16="http://schemas.microsoft.com/office/drawing/2014/main" id="{4A391B46-B4C1-4F42-BCAD-F590C5A1B901}"/>
+              </a:ext>
+            </a:extLst>
+          </p:cNvPr>
+          <p:cNvSpPr txBox="1"/>
+          <p:nvPr/>
+        </p:nvSpPr>
+        <p:spPr>
+          <a:xfrm>
+            <a:off x="1262062" y="4666267"/>
+            <a:ext cx="980140" cy="307777"/>
+          </a:xfrm>
+          <a:prstGeom prst="rect">
+            <a:avLst/>
+          </a:prstGeom>
+          <a:noFill/>
+        </p:spPr>
+        <p:txBody>
+          <a:bodyPr wrap="none" rtlCol="0">
+            <a:spAutoFit/>
+          </a:bodyPr>
+          <a:lstStyle/>
+          <a:p>
+            <a:r>
+              <a:rPr lang="en-US" sz="1400" b="1"/>
+              <a:t>Frame info</a:t>
+            </a:r>
+          </a:p>
+        </p:txBody>
+      </p:sp>
+      <p:pic>
+        <p:nvPicPr>
+          <p:cNvPr id="30" name="Picture 29">
+            <a:extLst>
+              <a:ext uri="{FF2B5EF4-FFF2-40B4-BE49-F238E27FC236}">
+                <a16:creationId xmlns:a16="http://schemas.microsoft.com/office/drawing/2014/main" id="{9EED2309-3506-4888-9190-A4FA1C3E6DA3}"/>
+              </a:ext>
+            </a:extLst>
+          </p:cNvPr>
+          <p:cNvPicPr>
+            <a:picLocks noChangeAspect="1"/>
+          </p:cNvPicPr>
+          <p:nvPr/>
+        </p:nvPicPr>
+        <p:blipFill>
+          <a:blip r:embed="rId5"/>
+          <a:stretch>
+            <a:fillRect/>
+          </a:stretch>
+        </p:blipFill>
+        <p:spPr>
+          <a:xfrm>
+            <a:off x="2690764" y="3702043"/>
+            <a:ext cx="161893" cy="147638"/>
+          </a:xfrm>
+          <a:prstGeom prst="rect">
+            <a:avLst/>
+          </a:prstGeom>
+        </p:spPr>
+      </p:pic>
+      <p:pic>
+        <p:nvPicPr>
+          <p:cNvPr id="31" name="Picture 30">
+            <a:extLst>
+              <a:ext uri="{FF2B5EF4-FFF2-40B4-BE49-F238E27FC236}">
+                <a16:creationId xmlns:a16="http://schemas.microsoft.com/office/drawing/2014/main" id="{568AFC7B-0776-4B41-A08F-D023C2A781CB}"/>
+              </a:ext>
+            </a:extLst>
+          </p:cNvPr>
+          <p:cNvPicPr>
+            <a:picLocks noChangeAspect="1"/>
+          </p:cNvPicPr>
+          <p:nvPr/>
+        </p:nvPicPr>
+        <p:blipFill>
+          <a:blip r:embed="rId6"/>
+          <a:stretch>
+            <a:fillRect/>
+          </a:stretch>
+        </p:blipFill>
+        <p:spPr>
+          <a:xfrm>
+            <a:off x="2244272" y="3706083"/>
+            <a:ext cx="149674" cy="147638"/>
+          </a:xfrm>
+          <a:prstGeom prst="rect">
+            <a:avLst/>
+          </a:prstGeom>
+        </p:spPr>
+      </p:pic>
+      <p:pic>
+        <p:nvPicPr>
+          <p:cNvPr id="32" name="Picture 31">
+            <a:extLst>
+              <a:ext uri="{FF2B5EF4-FFF2-40B4-BE49-F238E27FC236}">
+                <a16:creationId xmlns:a16="http://schemas.microsoft.com/office/drawing/2014/main" id="{2CEDAF7C-3B01-418B-8D61-03BE3E86EE43}"/>
+              </a:ext>
+            </a:extLst>
+          </p:cNvPr>
+          <p:cNvPicPr>
+            <a:picLocks noChangeAspect="1"/>
+          </p:cNvPicPr>
+          <p:nvPr/>
+        </p:nvPicPr>
+        <p:blipFill>
+          <a:blip r:embed="rId5"/>
+          <a:stretch>
+            <a:fillRect/>
+          </a:stretch>
+        </p:blipFill>
+        <p:spPr>
+          <a:xfrm>
+            <a:off x="2640985" y="3863928"/>
+            <a:ext cx="161893" cy="147638"/>
+          </a:xfrm>
+          <a:prstGeom prst="rect">
+            <a:avLst/>
+          </a:prstGeom>
+        </p:spPr>
+      </p:pic>
+      <p:pic>
+        <p:nvPicPr>
+          <p:cNvPr id="33" name="Picture 32">
+            <a:extLst>
+              <a:ext uri="{FF2B5EF4-FFF2-40B4-BE49-F238E27FC236}">
+                <a16:creationId xmlns:a16="http://schemas.microsoft.com/office/drawing/2014/main" id="{761DC41A-8383-4203-814F-F78A2C1BCA5A}"/>
+              </a:ext>
+            </a:extLst>
+          </p:cNvPr>
+          <p:cNvPicPr>
+            <a:picLocks noChangeAspect="1"/>
+          </p:cNvPicPr>
+          <p:nvPr/>
+        </p:nvPicPr>
+        <p:blipFill>
+          <a:blip r:embed="rId6"/>
+          <a:stretch>
+            <a:fillRect/>
+          </a:stretch>
+        </p:blipFill>
+        <p:spPr>
+          <a:xfrm>
+            <a:off x="2246884" y="3867968"/>
+            <a:ext cx="149674" cy="147638"/>
           </a:xfrm>
           <a:prstGeom prst="rect">
             <a:avLst/>
@@ -4059,10 +7815,10 @@
       </p:pic>
       <p:sp>
         <p:nvSpPr>
-          <p:cNvPr id="20" name="Rectangle 19">
-            <a:extLst>
-              <a:ext uri="{FF2B5EF4-FFF2-40B4-BE49-F238E27FC236}">
-                <a16:creationId xmlns:a16="http://schemas.microsoft.com/office/drawing/2014/main" id="{35F0C06A-456E-42D5-B853-E88A85140E70}"/>
+          <p:cNvPr id="37" name="Rectangle 36">
+            <a:extLst>
+              <a:ext uri="{FF2B5EF4-FFF2-40B4-BE49-F238E27FC236}">
+                <a16:creationId xmlns:a16="http://schemas.microsoft.com/office/drawing/2014/main" id="{1951CA0C-CAC0-431B-93F8-A5907531278E}"/>
               </a:ext>
             </a:extLst>
           </p:cNvPr>
@@ -4073,32 +7829,33 @@
         </p:nvSpPr>
         <p:spPr>
           <a:xfrm>
-            <a:off x="147638" y="195264"/>
-            <a:ext cx="5872162" cy="138112"/>
+            <a:off x="1222375" y="307181"/>
+            <a:ext cx="4165599" cy="2361483"/>
           </a:xfrm>
           <a:prstGeom prst="rect">
             <a:avLst/>
           </a:prstGeom>
           <a:solidFill>
-            <a:srgbClr val="A1A1A1"/>
+            <a:schemeClr val="tx1">
+              <a:lumMod val="95000"/>
+              <a:lumOff val="5000"/>
+            </a:schemeClr>
           </a:solidFill>
           <a:ln>
-            <a:solidFill>
-              <a:srgbClr val="A1A1A1"/>
-            </a:solidFill>
+            <a:noFill/>
           </a:ln>
         </p:spPr>
         <p:style>
           <a:lnRef idx="2">
-            <a:schemeClr val="accent3">
+            <a:schemeClr val="dk1">
               <a:shade val="50000"/>
             </a:schemeClr>
           </a:lnRef>
           <a:fillRef idx="1">
-            <a:schemeClr val="accent3"/>
+            <a:schemeClr val="dk1"/>
           </a:fillRef>
           <a:effectRef idx="0">
-            <a:schemeClr val="accent3"/>
+            <a:schemeClr val="dk1"/>
           </a:effectRef>
           <a:fontRef idx="minor">
             <a:schemeClr val="lt1"/>
@@ -4113,65 +7870,127 @@
           </a:p>
         </p:txBody>
       </p:sp>
-      <p:pic>
-        <p:nvPicPr>
-          <p:cNvPr id="3" name="Picture 2">
-            <a:extLst>
-              <a:ext uri="{FF2B5EF4-FFF2-40B4-BE49-F238E27FC236}">
-                <a16:creationId xmlns:a16="http://schemas.microsoft.com/office/drawing/2014/main" id="{C96BF2C5-6C4C-46D6-814D-6B4C08B91EAA}"/>
-              </a:ext>
-            </a:extLst>
-          </p:cNvPr>
-          <p:cNvPicPr>
-            <a:picLocks noGrp="1" noSelect="1" noRot="1" noChangeAspect="1" noMove="1" noResize="1" noEditPoints="1" noAdjustHandles="1" noChangeArrowheads="1" noChangeShapeType="1" noCrop="1"/>
-          </p:cNvPicPr>
-          <p:nvPr/>
-        </p:nvPicPr>
-        <p:blipFill>
-          <a:blip r:embed="rId5"/>
-          <a:stretch>
-            <a:fillRect/>
-          </a:stretch>
-        </p:blipFill>
-        <p:spPr>
-          <a:xfrm>
-            <a:off x="1360170" y="2778442"/>
-            <a:ext cx="4057650" cy="2457450"/>
-          </a:xfrm>
-          <a:prstGeom prst="rect">
-            <a:avLst/>
-          </a:prstGeom>
-        </p:spPr>
-      </p:pic>
+      <p:cxnSp>
+        <p:nvCxnSpPr>
+          <p:cNvPr id="8" name="Straight Connector 7">
+            <a:extLst>
+              <a:ext uri="{FF2B5EF4-FFF2-40B4-BE49-F238E27FC236}">
+                <a16:creationId xmlns:a16="http://schemas.microsoft.com/office/drawing/2014/main" id="{C5B52519-1946-43FB-B227-FEF6274492A2}"/>
+              </a:ext>
+            </a:extLst>
+          </p:cNvPr>
+          <p:cNvCxnSpPr>
+            <a:cxnSpLocks/>
+          </p:cNvCxnSpPr>
+          <p:nvPr/>
+        </p:nvCxnSpPr>
+        <p:spPr>
+          <a:xfrm>
+            <a:off x="1212850" y="300831"/>
+            <a:ext cx="0" cy="4042569"/>
+          </a:xfrm>
+          <a:prstGeom prst="line">
+            <a:avLst/>
+          </a:prstGeom>
+          <a:ln w="19050">
+            <a:solidFill>
+              <a:srgbClr val="FF0000"/>
+            </a:solidFill>
+          </a:ln>
+        </p:spPr>
+        <p:style>
+          <a:lnRef idx="1">
+            <a:schemeClr val="accent1"/>
+          </a:lnRef>
+          <a:fillRef idx="0">
+            <a:schemeClr val="accent1"/>
+          </a:fillRef>
+          <a:effectRef idx="0">
+            <a:schemeClr val="accent1"/>
+          </a:effectRef>
+          <a:fontRef idx="minor">
+            <a:schemeClr val="tx1"/>
+          </a:fontRef>
+        </p:style>
+      </p:cxnSp>
+      <p:cxnSp>
+        <p:nvCxnSpPr>
+          <p:cNvPr id="13" name="Straight Connector 12">
+            <a:extLst>
+              <a:ext uri="{FF2B5EF4-FFF2-40B4-BE49-F238E27FC236}">
+                <a16:creationId xmlns:a16="http://schemas.microsoft.com/office/drawing/2014/main" id="{39C12A3F-F7DF-434A-A879-8F55A4090905}"/>
+              </a:ext>
+            </a:extLst>
+          </p:cNvPr>
+          <p:cNvCxnSpPr>
+            <a:cxnSpLocks/>
+          </p:cNvCxnSpPr>
+          <p:nvPr/>
+        </p:nvCxnSpPr>
+        <p:spPr>
+          <a:xfrm flipH="1">
+            <a:off x="349250" y="2686050"/>
+            <a:ext cx="5029200" cy="0"/>
+          </a:xfrm>
+          <a:prstGeom prst="line">
+            <a:avLst/>
+          </a:prstGeom>
+          <a:ln w="19050">
+            <a:solidFill>
+              <a:srgbClr val="FF0000"/>
+            </a:solidFill>
+          </a:ln>
+        </p:spPr>
+        <p:style>
+          <a:lnRef idx="1">
+            <a:schemeClr val="accent1"/>
+          </a:lnRef>
+          <a:fillRef idx="0">
+            <a:schemeClr val="accent1"/>
+          </a:fillRef>
+          <a:effectRef idx="0">
+            <a:schemeClr val="accent1"/>
+          </a:effectRef>
+          <a:fontRef idx="minor">
+            <a:schemeClr val="tx1"/>
+          </a:fontRef>
+        </p:style>
+      </p:cxnSp>
       <p:sp>
         <p:nvSpPr>
           <p:cNvPr id="5" name="Rectangle 4">
             <a:extLst>
               <a:ext uri="{FF2B5EF4-FFF2-40B4-BE49-F238E27FC236}">
-                <a16:creationId xmlns:a16="http://schemas.microsoft.com/office/drawing/2014/main" id="{A471DF53-EC5D-41B6-ABA4-FAA0B1095B89}"/>
-              </a:ext>
-            </a:extLst>
-          </p:cNvPr>
-          <p:cNvSpPr>
-            <a:spLocks noGrp="1" noSelect="1" noRot="1" noChangeAspect="1" noMove="1" noResize="1" noEditPoints="1" noAdjustHandles="1" noChangeArrowheads="1" noChangeShapeType="1" noTextEdit="1"/>
-          </p:cNvSpPr>
+                <a16:creationId xmlns:a16="http://schemas.microsoft.com/office/drawing/2014/main" id="{542BD260-6B85-446C-BEBE-56260863697A}"/>
+              </a:ext>
+            </a:extLst>
+          </p:cNvPr>
+          <p:cNvSpPr/>
           <p:nvPr/>
         </p:nvSpPr>
         <p:spPr>
           <a:xfrm>
-            <a:off x="2164556" y="3088481"/>
-            <a:ext cx="233363" cy="119063"/>
-          </a:xfrm>
-          <a:prstGeom prst="rect">
-            <a:avLst/>
-          </a:prstGeom>
-          <a:solidFill>
-            <a:srgbClr val="A1A1A1"/>
-          </a:solidFill>
+            <a:off x="1458915" y="314324"/>
+            <a:ext cx="4159247" cy="2356719"/>
+          </a:xfrm>
+          <a:prstGeom prst="rect">
+            <a:avLst/>
+          </a:prstGeom>
+          <a:blipFill dpi="0" rotWithShape="1">
+            <a:blip r:embed="rId7">
+              <a:extLst>
+                <a:ext uri="{28A0092B-C50C-407E-A947-70E740481C1C}">
+                  <a14:useLocalDpi xmlns:a14="http://schemas.microsoft.com/office/drawing/2010/main" val="0"/>
+                </a:ext>
+              </a:extLst>
+            </a:blip>
+            <a:srcRect/>
+            <a:stretch>
+              <a:fillRect/>
+            </a:stretch>
+          </a:blipFill>
           <a:ln>
-            <a:solidFill>
-              <a:srgbClr val="A1A1A1"/>
-            </a:solidFill>
+            <a:noFill/>
           </a:ln>
         </p:spPr>
         <p:style>
@@ -4201,59 +8020,20 @@
       </p:sp>
       <p:sp>
         <p:nvSpPr>
-          <p:cNvPr id="4" name="TextBox 3">
-            <a:extLst>
-              <a:ext uri="{FF2B5EF4-FFF2-40B4-BE49-F238E27FC236}">
-                <a16:creationId xmlns:a16="http://schemas.microsoft.com/office/drawing/2014/main" id="{F18D2465-E06D-4211-BC1C-C34C37A0E40D}"/>
-              </a:ext>
-            </a:extLst>
-          </p:cNvPr>
-          <p:cNvSpPr txBox="1">
-            <a:spLocks noGrp="1" noSelect="1" noRot="1" noChangeAspect="1" noMove="1" noResize="1" noEditPoints="1" noAdjustHandles="1" noChangeArrowheads="1" noChangeShapeType="1" noTextEdit="1"/>
-          </p:cNvSpPr>
+          <p:cNvPr id="3" name="Rectangle 2">
+            <a:extLst>
+              <a:ext uri="{FF2B5EF4-FFF2-40B4-BE49-F238E27FC236}">
+                <a16:creationId xmlns:a16="http://schemas.microsoft.com/office/drawing/2014/main" id="{EFD6BCB9-3A31-476F-97CF-A36183E51351}"/>
+              </a:ext>
+            </a:extLst>
+          </p:cNvPr>
+          <p:cNvSpPr/>
           <p:nvPr/>
         </p:nvSpPr>
         <p:spPr>
           <a:xfrm>
-            <a:off x="2084784" y="3040818"/>
-            <a:ext cx="392905" cy="234355"/>
-          </a:xfrm>
-          <a:prstGeom prst="rect">
-            <a:avLst/>
-          </a:prstGeom>
-          <a:noFill/>
-        </p:spPr>
-        <p:txBody>
-          <a:bodyPr wrap="square" rtlCol="0">
-            <a:noAutofit/>
-          </a:bodyPr>
-          <a:lstStyle/>
-          <a:p>
-            <a:r>
-              <a:rPr lang="en-US" sz="1000" b="1"/>
-              <a:t>640</a:t>
-            </a:r>
-          </a:p>
-        </p:txBody>
-      </p:sp>
-      <p:sp>
-        <p:nvSpPr>
-          <p:cNvPr id="9" name="Rectangle 8">
-            <a:extLst>
-              <a:ext uri="{FF2B5EF4-FFF2-40B4-BE49-F238E27FC236}">
-                <a16:creationId xmlns:a16="http://schemas.microsoft.com/office/drawing/2014/main" id="{DE8D8051-EF71-42AB-BA07-86D160702B67}"/>
-              </a:ext>
-            </a:extLst>
-          </p:cNvPr>
-          <p:cNvSpPr>
-            <a:spLocks noGrp="1" noSelect="1" noRot="1" noChangeAspect="1" noMove="1" noResize="1" noEditPoints="1" noAdjustHandles="1" noChangeArrowheads="1" noChangeShapeType="1" noTextEdit="1"/>
-          </p:cNvSpPr>
-          <p:nvPr/>
-        </p:nvSpPr>
-        <p:spPr>
-          <a:xfrm>
-            <a:off x="2200275" y="3255469"/>
-            <a:ext cx="300316" cy="119063"/>
+            <a:off x="5378451" y="194349"/>
+            <a:ext cx="965197" cy="2900362"/>
           </a:xfrm>
           <a:prstGeom prst="rect">
             <a:avLst/>
@@ -4262,102 +8042,7 @@
             <a:srgbClr val="A1A1A1"/>
           </a:solidFill>
           <a:ln>
-            <a:solidFill>
-              <a:srgbClr val="A1A1A1"/>
-            </a:solidFill>
-          </a:ln>
-        </p:spPr>
-        <p:style>
-          <a:lnRef idx="2">
-            <a:schemeClr val="accent3">
-              <a:shade val="50000"/>
-            </a:schemeClr>
-          </a:lnRef>
-          <a:fillRef idx="1">
-            <a:schemeClr val="accent3"/>
-          </a:fillRef>
-          <a:effectRef idx="0">
-            <a:schemeClr val="accent3"/>
-          </a:effectRef>
-          <a:fontRef idx="minor">
-            <a:schemeClr val="lt1"/>
-          </a:fontRef>
-        </p:style>
-        <p:txBody>
-          <a:bodyPr rtlCol="0" anchor="ctr"/>
-          <a:lstStyle/>
-          <a:p>
-            <a:pPr algn="ctr"/>
-            <a:endParaRPr lang="en-US"/>
-          </a:p>
-        </p:txBody>
-      </p:sp>
-      <p:sp>
-        <p:nvSpPr>
-          <p:cNvPr id="16" name="TextBox 15">
-            <a:extLst>
-              <a:ext uri="{FF2B5EF4-FFF2-40B4-BE49-F238E27FC236}">
-                <a16:creationId xmlns:a16="http://schemas.microsoft.com/office/drawing/2014/main" id="{82FF6D4B-98BA-4149-B64C-6BC7B4D45899}"/>
-              </a:ext>
-            </a:extLst>
-          </p:cNvPr>
-          <p:cNvSpPr txBox="1">
-            <a:spLocks noGrp="1" noSelect="1" noRot="1" noChangeAspect="1" noMove="1" noResize="1" noEditPoints="1" noAdjustHandles="1" noChangeArrowheads="1" noChangeShapeType="1" noTextEdit="1"/>
-          </p:cNvSpPr>
-          <p:nvPr/>
-        </p:nvSpPr>
-        <p:spPr>
-          <a:xfrm>
-            <a:off x="2119154" y="3194647"/>
-            <a:ext cx="392905" cy="234355"/>
-          </a:xfrm>
-          <a:prstGeom prst="rect">
-            <a:avLst/>
-          </a:prstGeom>
-          <a:noFill/>
-        </p:spPr>
-        <p:txBody>
-          <a:bodyPr wrap="square" rtlCol="0">
-            <a:noAutofit/>
-          </a:bodyPr>
-          <a:lstStyle/>
-          <a:p>
-            <a:r>
-              <a:rPr lang="en-US" sz="1000" b="1"/>
-              <a:t>360</a:t>
-            </a:r>
-          </a:p>
-        </p:txBody>
-      </p:sp>
-      <p:sp>
-        <p:nvSpPr>
-          <p:cNvPr id="24" name="Rectangle 23">
-            <a:extLst>
-              <a:ext uri="{FF2B5EF4-FFF2-40B4-BE49-F238E27FC236}">
-                <a16:creationId xmlns:a16="http://schemas.microsoft.com/office/drawing/2014/main" id="{863D3C7E-C578-4880-B7FE-356A8E3816A0}"/>
-              </a:ext>
-            </a:extLst>
-          </p:cNvPr>
-          <p:cNvSpPr>
-            <a:spLocks noGrp="1" noSelect="1" noRot="1" noChangeAspect="1" noMove="1" noResize="1" noEditPoints="1" noAdjustHandles="1" noChangeArrowheads="1" noChangeShapeType="1" noTextEdit="1"/>
-          </p:cNvSpPr>
-          <p:nvPr/>
-        </p:nvSpPr>
-        <p:spPr>
-          <a:xfrm>
-            <a:off x="2415221" y="4309826"/>
-            <a:ext cx="311944" cy="137000"/>
-          </a:xfrm>
-          <a:prstGeom prst="rect">
-            <a:avLst/>
-          </a:prstGeom>
-          <a:solidFill>
-            <a:srgbClr val="A1A1A1"/>
-          </a:solidFill>
-          <a:ln>
-            <a:solidFill>
-              <a:srgbClr val="A1A1A1"/>
-            </a:solidFill>
+            <a:noFill/>
           </a:ln>
         </p:spPr>
         <p:style>
@@ -4387,22 +8072,20 @@
       </p:sp>
       <p:sp>
         <p:nvSpPr>
-          <p:cNvPr id="22" name="TextBox 21">
-            <a:extLst>
-              <a:ext uri="{FF2B5EF4-FFF2-40B4-BE49-F238E27FC236}">
-                <a16:creationId xmlns:a16="http://schemas.microsoft.com/office/drawing/2014/main" id="{F21B8861-3741-4BC7-B916-79C50A6CAC99}"/>
-              </a:ext>
-            </a:extLst>
-          </p:cNvPr>
-          <p:cNvSpPr txBox="1">
-            <a:spLocks noGrp="1" noSelect="1" noRot="1" noChangeAspect="1" noMove="1" noResize="1" noEditPoints="1" noAdjustHandles="1" noChangeArrowheads="1" noChangeShapeType="1" noTextEdit="1"/>
-          </p:cNvSpPr>
+          <p:cNvPr id="34" name="TextBox 33">
+            <a:extLst>
+              <a:ext uri="{FF2B5EF4-FFF2-40B4-BE49-F238E27FC236}">
+                <a16:creationId xmlns:a16="http://schemas.microsoft.com/office/drawing/2014/main" id="{7073C401-8344-4854-A239-59D22D12A28D}"/>
+              </a:ext>
+            </a:extLst>
+          </p:cNvPr>
+          <p:cNvSpPr txBox="1"/>
           <p:nvPr/>
         </p:nvSpPr>
         <p:spPr>
           <a:xfrm>
-            <a:off x="2397919" y="4264282"/>
-            <a:ext cx="392905" cy="234355"/>
+            <a:off x="5837457" y="3312512"/>
+            <a:ext cx="1999265" cy="261610"/>
           </a:xfrm>
           <a:prstGeom prst="rect">
             <a:avLst/>
@@ -4410,45 +8093,1214 @@
           <a:noFill/>
         </p:spPr>
         <p:txBody>
-          <a:bodyPr wrap="square" rtlCol="0">
-            <a:noAutofit/>
+          <a:bodyPr wrap="none" rtlCol="0">
+            <a:spAutoFit/>
           </a:bodyPr>
           <a:lstStyle/>
           <a:p>
             <a:r>
-              <a:rPr lang="en-US" sz="1000" b="1"/>
-              <a:t>640</a:t>
+              <a:rPr lang="en-US" sz="1100">
+                <a:latin typeface="Arial" panose="020B0604020202020204" pitchFamily="34" charset="0"/>
+                <a:cs typeface="Arial" panose="020B0604020202020204" pitchFamily="34" charset="0"/>
+              </a:rPr>
+              <a:t>Global offset tăng từ 0 lên 50</a:t>
+            </a:r>
+          </a:p>
+        </p:txBody>
+      </p:sp>
+      <p:cxnSp>
+        <p:nvCxnSpPr>
+          <p:cNvPr id="35" name="Straight Connector 34">
+            <a:extLst>
+              <a:ext uri="{FF2B5EF4-FFF2-40B4-BE49-F238E27FC236}">
+                <a16:creationId xmlns:a16="http://schemas.microsoft.com/office/drawing/2014/main" id="{B14861B8-95CD-4479-8329-65B1008BA630}"/>
+              </a:ext>
+            </a:extLst>
+          </p:cNvPr>
+          <p:cNvCxnSpPr>
+            <a:endCxn id="34" idx="1"/>
+          </p:cNvCxnSpPr>
+          <p:nvPr/>
+        </p:nvCxnSpPr>
+        <p:spPr>
+          <a:xfrm flipV="1">
+            <a:off x="2915728" y="3443317"/>
+            <a:ext cx="2921729" cy="319973"/>
+          </a:xfrm>
+          <a:prstGeom prst="line">
+            <a:avLst/>
+          </a:prstGeom>
+          <a:ln>
+            <a:solidFill>
+              <a:srgbClr val="FF0000"/>
+            </a:solidFill>
+          </a:ln>
+        </p:spPr>
+        <p:style>
+          <a:lnRef idx="1">
+            <a:schemeClr val="accent1"/>
+          </a:lnRef>
+          <a:fillRef idx="0">
+            <a:schemeClr val="accent1"/>
+          </a:fillRef>
+          <a:effectRef idx="0">
+            <a:schemeClr val="accent1"/>
+          </a:effectRef>
+          <a:fontRef idx="minor">
+            <a:schemeClr val="tx1"/>
+          </a:fontRef>
+        </p:style>
+      </p:cxnSp>
+      <p:cxnSp>
+        <p:nvCxnSpPr>
+          <p:cNvPr id="38" name="Straight Connector 37">
+            <a:extLst>
+              <a:ext uri="{FF2B5EF4-FFF2-40B4-BE49-F238E27FC236}">
+                <a16:creationId xmlns:a16="http://schemas.microsoft.com/office/drawing/2014/main" id="{C281E8D8-A24A-48E9-AC76-CF06C34C6886}"/>
+              </a:ext>
+            </a:extLst>
+          </p:cNvPr>
+          <p:cNvCxnSpPr>
+            <a:endCxn id="34" idx="1"/>
+          </p:cNvCxnSpPr>
+          <p:nvPr/>
+        </p:nvCxnSpPr>
+        <p:spPr>
+          <a:xfrm>
+            <a:off x="1262062" y="1716657"/>
+            <a:ext cx="4575395" cy="1726660"/>
+          </a:xfrm>
+          <a:prstGeom prst="line">
+            <a:avLst/>
+          </a:prstGeom>
+          <a:ln>
+            <a:solidFill>
+              <a:srgbClr val="FF0000"/>
+            </a:solidFill>
+          </a:ln>
+        </p:spPr>
+        <p:style>
+          <a:lnRef idx="1">
+            <a:schemeClr val="accent1"/>
+          </a:lnRef>
+          <a:fillRef idx="0">
+            <a:schemeClr val="accent1"/>
+          </a:fillRef>
+          <a:effectRef idx="0">
+            <a:schemeClr val="accent1"/>
+          </a:effectRef>
+          <a:fontRef idx="minor">
+            <a:schemeClr val="tx1"/>
+          </a:fontRef>
+        </p:style>
+      </p:cxnSp>
+    </p:spTree>
+    <p:custDataLst>
+      <p:tags r:id="rId1"/>
+    </p:custDataLst>
+    <p:extLst>
+      <p:ext uri="{BB962C8B-B14F-4D97-AF65-F5344CB8AC3E}">
+        <p14:creationId xmlns:p14="http://schemas.microsoft.com/office/powerpoint/2010/main" val="1713389123"/>
+      </p:ext>
+    </p:extLst>
+  </p:cSld>
+  <p:clrMapOvr>
+    <a:masterClrMapping/>
+  </p:clrMapOvr>
+</p:sld>
+</file>
+
+<file path=ppt/slides/slide7.xml><?xml version="1.0" encoding="utf-8"?>
+<p:sld xmlns:a="http://schemas.openxmlformats.org/drawingml/2006/main" xmlns:r="http://schemas.openxmlformats.org/officeDocument/2006/relationships" xmlns:p="http://schemas.openxmlformats.org/presentationml/2006/main">
+  <p:cSld>
+    <p:spTree>
+      <p:nvGrpSpPr>
+        <p:cNvPr id="1" name=""/>
+        <p:cNvGrpSpPr/>
+        <p:nvPr/>
+      </p:nvGrpSpPr>
+      <p:grpSpPr>
+        <a:xfrm>
+          <a:off x="0" y="0"/>
+          <a:ext cx="0" cy="0"/>
+          <a:chOff x="0" y="0"/>
+          <a:chExt cx="0" cy="0"/>
+        </a:xfrm>
+      </p:grpSpPr>
+      <p:pic>
+        <p:nvPicPr>
+          <p:cNvPr id="4" name="Picture 3">
+            <a:extLst>
+              <a:ext uri="{FF2B5EF4-FFF2-40B4-BE49-F238E27FC236}">
+                <a16:creationId xmlns:a16="http://schemas.microsoft.com/office/drawing/2014/main" id="{CBDBA5CF-04CF-4507-8F9C-8D113E051701}"/>
+              </a:ext>
+            </a:extLst>
+          </p:cNvPr>
+          <p:cNvPicPr>
+            <a:picLocks noChangeAspect="1"/>
+          </p:cNvPicPr>
+          <p:nvPr/>
+        </p:nvPicPr>
+        <p:blipFill>
+          <a:blip r:embed="rId3"/>
+          <a:stretch>
+            <a:fillRect/>
+          </a:stretch>
+        </p:blipFill>
+        <p:spPr>
+          <a:xfrm>
+            <a:off x="114300" y="142875"/>
+            <a:ext cx="5734050" cy="4133850"/>
+          </a:xfrm>
+          <a:prstGeom prst="rect">
+            <a:avLst/>
+          </a:prstGeom>
+        </p:spPr>
+      </p:pic>
+      <p:sp>
+        <p:nvSpPr>
+          <p:cNvPr id="2" name="TextBox 1">
+            <a:extLst>
+              <a:ext uri="{FF2B5EF4-FFF2-40B4-BE49-F238E27FC236}">
+                <a16:creationId xmlns:a16="http://schemas.microsoft.com/office/drawing/2014/main" id="{78AC5B42-12EB-41C8-A740-3F0874E943DE}"/>
+              </a:ext>
+            </a:extLst>
+          </p:cNvPr>
+          <p:cNvSpPr txBox="1"/>
+          <p:nvPr/>
+        </p:nvSpPr>
+        <p:spPr>
+          <a:xfrm>
+            <a:off x="1262062" y="2834758"/>
+            <a:ext cx="1423788" cy="338554"/>
+          </a:xfrm>
+          <a:prstGeom prst="rect">
+            <a:avLst/>
+          </a:prstGeom>
+          <a:noFill/>
+        </p:spPr>
+        <p:txBody>
+          <a:bodyPr wrap="none" rtlCol="0">
+            <a:spAutoFit/>
+          </a:bodyPr>
+          <a:lstStyle/>
+          <a:p>
+            <a:r>
+              <a:rPr lang="en-US" sz="1600" b="1"/>
+              <a:t>SPR edit mode</a:t>
             </a:r>
           </a:p>
         </p:txBody>
       </p:sp>
       <p:sp>
         <p:nvSpPr>
-          <p:cNvPr id="2" name="Rectangle 1">
-            <a:extLst>
-              <a:ext uri="{FF2B5EF4-FFF2-40B4-BE49-F238E27FC236}">
-                <a16:creationId xmlns:a16="http://schemas.microsoft.com/office/drawing/2014/main" id="{273D1797-FE15-41D5-A306-85A8C3116CE4}"/>
-              </a:ext>
-            </a:extLst>
-          </p:cNvPr>
-          <p:cNvSpPr/>
+          <p:cNvPr id="6" name="TextBox 5">
+            <a:extLst>
+              <a:ext uri="{FF2B5EF4-FFF2-40B4-BE49-F238E27FC236}">
+                <a16:creationId xmlns:a16="http://schemas.microsoft.com/office/drawing/2014/main" id="{BA56F98D-08F1-4587-9544-B705A2EA8875}"/>
+              </a:ext>
+            </a:extLst>
+          </p:cNvPr>
+          <p:cNvSpPr txBox="1"/>
           <p:nvPr/>
         </p:nvSpPr>
         <p:spPr>
           <a:xfrm>
-            <a:off x="2466302" y="4471945"/>
-            <a:ext cx="311944" cy="137001"/>
+            <a:off x="1262062" y="3087171"/>
+            <a:ext cx="1186094" cy="307777"/>
+          </a:xfrm>
+          <a:prstGeom prst="rect">
+            <a:avLst/>
+          </a:prstGeom>
+          <a:noFill/>
+        </p:spPr>
+        <p:txBody>
+          <a:bodyPr wrap="none" rtlCol="0">
+            <a:spAutoFit/>
+          </a:bodyPr>
+          <a:lstStyle/>
+          <a:p>
+            <a:r>
+              <a:rPr lang="en-US" sz="1400" b="1"/>
+              <a:t>File head info</a:t>
+            </a:r>
+          </a:p>
+        </p:txBody>
+      </p:sp>
+      <p:sp>
+        <p:nvSpPr>
+          <p:cNvPr id="7" name="TextBox 6">
+            <a:extLst>
+              <a:ext uri="{FF2B5EF4-FFF2-40B4-BE49-F238E27FC236}">
+                <a16:creationId xmlns:a16="http://schemas.microsoft.com/office/drawing/2014/main" id="{91767275-EC5B-440C-A5A2-C21314285E2B}"/>
+              </a:ext>
+            </a:extLst>
+          </p:cNvPr>
+          <p:cNvSpPr txBox="1"/>
+          <p:nvPr/>
+        </p:nvSpPr>
+        <p:spPr>
+          <a:xfrm>
+            <a:off x="1262062" y="3334137"/>
+            <a:ext cx="2954655" cy="2516073"/>
+          </a:xfrm>
+          <a:prstGeom prst="rect">
+            <a:avLst/>
+          </a:prstGeom>
+          <a:noFill/>
+        </p:spPr>
+        <p:txBody>
+          <a:bodyPr wrap="none" rtlCol="0">
+            <a:spAutoFit/>
+          </a:bodyPr>
+          <a:lstStyle/>
+          <a:p>
+            <a:r>
+              <a:rPr lang="en-US" sz="1050" b="1"/>
+              <a:t>Global width:        640</a:t>
+            </a:r>
+          </a:p>
+          <a:p>
+            <a:r>
+              <a:rPr lang="en-US" sz="1050" b="1"/>
+              <a:t>Global height:        360</a:t>
+            </a:r>
+          </a:p>
+          <a:p>
+            <a:r>
+              <a:rPr lang="en-US" sz="1050" b="1"/>
+              <a:t>Global offset X:         -50 </a:t>
+            </a:r>
+          </a:p>
+          <a:p>
+            <a:r>
+              <a:rPr lang="en-US" sz="1050" b="1"/>
+              <a:t>Global offset Y:         0</a:t>
+            </a:r>
+          </a:p>
+          <a:p>
+            <a:r>
+              <a:rPr lang="en-US" sz="1050" b="1"/>
+              <a:t>Colors count: 256</a:t>
+            </a:r>
+          </a:p>
+          <a:p>
+            <a:r>
+              <a:rPr lang="en-US" sz="1050" b="1"/>
+              <a:t>Directions count: 1</a:t>
+            </a:r>
+          </a:p>
+          <a:p>
+            <a:r>
+              <a:rPr lang="en-US" sz="1050" b="1"/>
+              <a:t>Frames count: 1		Frame:            0	</a:t>
+            </a:r>
+          </a:p>
+          <a:p>
+            <a:endParaRPr lang="en-US" sz="1050" b="1"/>
+          </a:p>
+          <a:p>
+            <a:endParaRPr lang="en-US" sz="1050" b="1"/>
+          </a:p>
+          <a:p>
+            <a:endParaRPr lang="en-US" sz="1050" b="1"/>
+          </a:p>
+          <a:p>
+            <a:r>
+              <a:rPr lang="en-US" sz="1050" b="1"/>
+              <a:t>Frame width:        640</a:t>
+            </a:r>
+          </a:p>
+          <a:p>
+            <a:r>
+              <a:rPr lang="en-US" sz="1050" b="1"/>
+              <a:t>Frame height:        360</a:t>
+            </a:r>
+          </a:p>
+          <a:p>
+            <a:r>
+              <a:rPr lang="en-US" sz="1050" b="1"/>
+              <a:t>Frame offset X:        0</a:t>
+            </a:r>
+          </a:p>
+          <a:p>
+            <a:r>
+              <a:rPr lang="en-US" sz="1050" b="1"/>
+              <a:t>Frame offset Y:        0 </a:t>
+            </a:r>
+          </a:p>
+          <a:p>
+            <a:r>
+              <a:rPr lang="en-US" sz="1050" b="1"/>
+              <a:t>Interval:        1 	                      (27in=36fps)</a:t>
+            </a:r>
+          </a:p>
+        </p:txBody>
+      </p:sp>
+      <p:pic>
+        <p:nvPicPr>
+          <p:cNvPr id="10" name="Picture 9">
+            <a:extLst>
+              <a:ext uri="{FF2B5EF4-FFF2-40B4-BE49-F238E27FC236}">
+                <a16:creationId xmlns:a16="http://schemas.microsoft.com/office/drawing/2014/main" id="{2FA78A65-17B6-4DF4-A33E-79221F178514}"/>
+              </a:ext>
+            </a:extLst>
+          </p:cNvPr>
+          <p:cNvPicPr>
+            <a:picLocks noChangeAspect="1"/>
+          </p:cNvPicPr>
+          <p:nvPr/>
+        </p:nvPicPr>
+        <p:blipFill>
+          <a:blip r:embed="rId4"/>
+          <a:stretch>
+            <a:fillRect/>
+          </a:stretch>
+        </p:blipFill>
+        <p:spPr>
+          <a:xfrm>
+            <a:off x="2981325" y="4354206"/>
+            <a:ext cx="143900" cy="147638"/>
+          </a:xfrm>
+          <a:prstGeom prst="rect">
+            <a:avLst/>
+          </a:prstGeom>
+        </p:spPr>
+      </p:pic>
+      <p:pic>
+        <p:nvPicPr>
+          <p:cNvPr id="11" name="Picture 10">
+            <a:extLst>
+              <a:ext uri="{FF2B5EF4-FFF2-40B4-BE49-F238E27FC236}">
+                <a16:creationId xmlns:a16="http://schemas.microsoft.com/office/drawing/2014/main" id="{51163AD7-3C76-4BD9-887C-8B5957476943}"/>
+              </a:ext>
+            </a:extLst>
+          </p:cNvPr>
+          <p:cNvPicPr>
+            <a:picLocks noChangeAspect="1"/>
+          </p:cNvPicPr>
+          <p:nvPr/>
+        </p:nvPicPr>
+        <p:blipFill>
+          <a:blip r:embed="rId5"/>
+          <a:stretch>
+            <a:fillRect/>
+          </a:stretch>
+        </p:blipFill>
+        <p:spPr>
+          <a:xfrm>
+            <a:off x="4113664" y="4340225"/>
+            <a:ext cx="161893" cy="147638"/>
+          </a:xfrm>
+          <a:prstGeom prst="rect">
+            <a:avLst/>
+          </a:prstGeom>
+        </p:spPr>
+      </p:pic>
+      <p:pic>
+        <p:nvPicPr>
+          <p:cNvPr id="12" name="Picture 11">
+            <a:extLst>
+              <a:ext uri="{FF2B5EF4-FFF2-40B4-BE49-F238E27FC236}">
+                <a16:creationId xmlns:a16="http://schemas.microsoft.com/office/drawing/2014/main" id="{4C541B28-96E2-4056-A331-F213F6B365D9}"/>
+              </a:ext>
+            </a:extLst>
+          </p:cNvPr>
+          <p:cNvPicPr>
+            <a:picLocks noChangeAspect="1"/>
+          </p:cNvPicPr>
+          <p:nvPr/>
+        </p:nvPicPr>
+        <p:blipFill>
+          <a:blip r:embed="rId6"/>
+          <a:stretch>
+            <a:fillRect/>
+          </a:stretch>
+        </p:blipFill>
+        <p:spPr>
+          <a:xfrm>
+            <a:off x="3661591" y="4344265"/>
+            <a:ext cx="149674" cy="147638"/>
+          </a:xfrm>
+          <a:prstGeom prst="rect">
+            <a:avLst/>
+          </a:prstGeom>
+        </p:spPr>
+      </p:pic>
+      <p:pic>
+        <p:nvPicPr>
+          <p:cNvPr id="15" name="Picture 14">
+            <a:extLst>
+              <a:ext uri="{FF2B5EF4-FFF2-40B4-BE49-F238E27FC236}">
+                <a16:creationId xmlns:a16="http://schemas.microsoft.com/office/drawing/2014/main" id="{A25B3327-0021-4332-A47E-CFFA8C3A5D44}"/>
+              </a:ext>
+            </a:extLst>
+          </p:cNvPr>
+          <p:cNvPicPr>
+            <a:picLocks noChangeAspect="1"/>
+          </p:cNvPicPr>
+          <p:nvPr/>
+        </p:nvPicPr>
+        <p:blipFill>
+          <a:blip r:embed="rId5"/>
+          <a:stretch>
+            <a:fillRect/>
+          </a:stretch>
+        </p:blipFill>
+        <p:spPr>
+          <a:xfrm>
+            <a:off x="2604903" y="3385702"/>
+            <a:ext cx="161893" cy="147638"/>
+          </a:xfrm>
+          <a:prstGeom prst="rect">
+            <a:avLst/>
+          </a:prstGeom>
+        </p:spPr>
+      </p:pic>
+      <p:pic>
+        <p:nvPicPr>
+          <p:cNvPr id="16" name="Picture 15">
+            <a:extLst>
+              <a:ext uri="{FF2B5EF4-FFF2-40B4-BE49-F238E27FC236}">
+                <a16:creationId xmlns:a16="http://schemas.microsoft.com/office/drawing/2014/main" id="{7F72DE22-44AC-4620-9C46-DD40BACD9E03}"/>
+              </a:ext>
+            </a:extLst>
+          </p:cNvPr>
+          <p:cNvPicPr>
+            <a:picLocks noChangeAspect="1"/>
+          </p:cNvPicPr>
+          <p:nvPr/>
+        </p:nvPicPr>
+        <p:blipFill>
+          <a:blip r:embed="rId6"/>
+          <a:stretch>
+            <a:fillRect/>
+          </a:stretch>
+        </p:blipFill>
+        <p:spPr>
+          <a:xfrm>
+            <a:off x="2152830" y="3389742"/>
+            <a:ext cx="149674" cy="147638"/>
+          </a:xfrm>
+          <a:prstGeom prst="rect">
+            <a:avLst/>
+          </a:prstGeom>
+        </p:spPr>
+      </p:pic>
+      <p:pic>
+        <p:nvPicPr>
+          <p:cNvPr id="17" name="Picture 16">
+            <a:extLst>
+              <a:ext uri="{FF2B5EF4-FFF2-40B4-BE49-F238E27FC236}">
+                <a16:creationId xmlns:a16="http://schemas.microsoft.com/office/drawing/2014/main" id="{B9EEC9DA-4CB8-4A7D-A3F0-87F82C9CB3FC}"/>
+              </a:ext>
+            </a:extLst>
+          </p:cNvPr>
+          <p:cNvPicPr>
+            <a:picLocks noChangeAspect="1"/>
+          </p:cNvPicPr>
+          <p:nvPr/>
+        </p:nvPicPr>
+        <p:blipFill>
+          <a:blip r:embed="rId5"/>
+          <a:stretch>
+            <a:fillRect/>
+          </a:stretch>
+        </p:blipFill>
+        <p:spPr>
+          <a:xfrm>
+            <a:off x="2619192" y="3548360"/>
+            <a:ext cx="161893" cy="147638"/>
+          </a:xfrm>
+          <a:prstGeom prst="rect">
+            <a:avLst/>
+          </a:prstGeom>
+        </p:spPr>
+      </p:pic>
+      <p:pic>
+        <p:nvPicPr>
+          <p:cNvPr id="18" name="Picture 17">
+            <a:extLst>
+              <a:ext uri="{FF2B5EF4-FFF2-40B4-BE49-F238E27FC236}">
+                <a16:creationId xmlns:a16="http://schemas.microsoft.com/office/drawing/2014/main" id="{70F35F2A-5E32-4B3F-93A5-2F3AD3323F8C}"/>
+              </a:ext>
+            </a:extLst>
+          </p:cNvPr>
+          <p:cNvPicPr>
+            <a:picLocks noChangeAspect="1"/>
+          </p:cNvPicPr>
+          <p:nvPr/>
+        </p:nvPicPr>
+        <p:blipFill>
+          <a:blip r:embed="rId6"/>
+          <a:stretch>
+            <a:fillRect/>
+          </a:stretch>
+        </p:blipFill>
+        <p:spPr>
+          <a:xfrm>
+            <a:off x="2167119" y="3552400"/>
+            <a:ext cx="149674" cy="147638"/>
+          </a:xfrm>
+          <a:prstGeom prst="rect">
+            <a:avLst/>
+          </a:prstGeom>
+        </p:spPr>
+      </p:pic>
+      <p:grpSp>
+        <p:nvGrpSpPr>
+          <p:cNvPr id="14" name="Group 13">
+            <a:extLst>
+              <a:ext uri="{FF2B5EF4-FFF2-40B4-BE49-F238E27FC236}">
+                <a16:creationId xmlns:a16="http://schemas.microsoft.com/office/drawing/2014/main" id="{C16F8053-B979-404C-90D0-A73B5FB935A6}"/>
+              </a:ext>
+            </a:extLst>
+          </p:cNvPr>
+          <p:cNvGrpSpPr/>
+          <p:nvPr/>
+        </p:nvGrpSpPr>
+        <p:grpSpPr>
+          <a:xfrm>
+            <a:off x="1852678" y="4993740"/>
+            <a:ext cx="925005" cy="790102"/>
+            <a:chOff x="1852678" y="4993740"/>
+            <a:chExt cx="925005" cy="790102"/>
+          </a:xfrm>
+        </p:grpSpPr>
+        <p:pic>
+          <p:nvPicPr>
+            <p:cNvPr id="19" name="Picture 18">
+              <a:extLst>
+                <a:ext uri="{FF2B5EF4-FFF2-40B4-BE49-F238E27FC236}">
+                  <a16:creationId xmlns:a16="http://schemas.microsoft.com/office/drawing/2014/main" id="{1A8FC2DF-1492-405A-BCAB-82B4F14E665B}"/>
+                </a:ext>
+              </a:extLst>
+            </p:cNvPr>
+            <p:cNvPicPr>
+              <a:picLocks noChangeAspect="1"/>
+            </p:cNvPicPr>
+            <p:nvPr/>
+          </p:nvPicPr>
+          <p:blipFill>
+            <a:blip r:embed="rId5"/>
+            <a:stretch>
+              <a:fillRect/>
+            </a:stretch>
+          </p:blipFill>
+          <p:spPr>
+            <a:xfrm>
+              <a:off x="2585853" y="4993740"/>
+              <a:ext cx="161893" cy="147638"/>
+            </a:xfrm>
+            <a:prstGeom prst="rect">
+              <a:avLst/>
+            </a:prstGeom>
+          </p:spPr>
+        </p:pic>
+        <p:pic>
+          <p:nvPicPr>
+            <p:cNvPr id="20" name="Picture 19">
+              <a:extLst>
+                <a:ext uri="{FF2B5EF4-FFF2-40B4-BE49-F238E27FC236}">
+                  <a16:creationId xmlns:a16="http://schemas.microsoft.com/office/drawing/2014/main" id="{9095908D-CB35-4C64-B1BD-8C57529AFAAD}"/>
+                </a:ext>
+              </a:extLst>
+            </p:cNvPr>
+            <p:cNvPicPr>
+              <a:picLocks noChangeAspect="1"/>
+            </p:cNvPicPr>
+            <p:nvPr/>
+          </p:nvPicPr>
+          <p:blipFill>
+            <a:blip r:embed="rId6"/>
+            <a:stretch>
+              <a:fillRect/>
+            </a:stretch>
+          </p:blipFill>
+          <p:spPr>
+            <a:xfrm>
+              <a:off x="2133780" y="4997780"/>
+              <a:ext cx="149674" cy="147638"/>
+            </a:xfrm>
+            <a:prstGeom prst="rect">
+              <a:avLst/>
+            </a:prstGeom>
+          </p:spPr>
+        </p:pic>
+        <p:pic>
+          <p:nvPicPr>
+            <p:cNvPr id="21" name="Picture 20">
+              <a:extLst>
+                <a:ext uri="{FF2B5EF4-FFF2-40B4-BE49-F238E27FC236}">
+                  <a16:creationId xmlns:a16="http://schemas.microsoft.com/office/drawing/2014/main" id="{52081149-A749-4A3C-B750-DEB51DBC0A09}"/>
+                </a:ext>
+              </a:extLst>
+            </p:cNvPr>
+            <p:cNvPicPr>
+              <a:picLocks noChangeAspect="1"/>
+            </p:cNvPicPr>
+            <p:nvPr/>
+          </p:nvPicPr>
+          <p:blipFill>
+            <a:blip r:embed="rId5"/>
+            <a:stretch>
+              <a:fillRect/>
+            </a:stretch>
+          </p:blipFill>
+          <p:spPr>
+            <a:xfrm>
+              <a:off x="2615790" y="5148973"/>
+              <a:ext cx="161893" cy="147638"/>
+            </a:xfrm>
+            <a:prstGeom prst="rect">
+              <a:avLst/>
+            </a:prstGeom>
+          </p:spPr>
+        </p:pic>
+        <p:pic>
+          <p:nvPicPr>
+            <p:cNvPr id="22" name="Picture 21">
+              <a:extLst>
+                <a:ext uri="{FF2B5EF4-FFF2-40B4-BE49-F238E27FC236}">
+                  <a16:creationId xmlns:a16="http://schemas.microsoft.com/office/drawing/2014/main" id="{C30298B4-8F37-4C6D-8A1B-09C4BFE30EA2}"/>
+                </a:ext>
+              </a:extLst>
+            </p:cNvPr>
+            <p:cNvPicPr>
+              <a:picLocks noChangeAspect="1"/>
+            </p:cNvPicPr>
+            <p:nvPr/>
+          </p:nvPicPr>
+          <p:blipFill>
+            <a:blip r:embed="rId6"/>
+            <a:stretch>
+              <a:fillRect/>
+            </a:stretch>
+          </p:blipFill>
+          <p:spPr>
+            <a:xfrm>
+              <a:off x="2163717" y="5153013"/>
+              <a:ext cx="149674" cy="147638"/>
+            </a:xfrm>
+            <a:prstGeom prst="rect">
+              <a:avLst/>
+            </a:prstGeom>
+          </p:spPr>
+        </p:pic>
+        <p:pic>
+          <p:nvPicPr>
+            <p:cNvPr id="23" name="Picture 22">
+              <a:extLst>
+                <a:ext uri="{FF2B5EF4-FFF2-40B4-BE49-F238E27FC236}">
+                  <a16:creationId xmlns:a16="http://schemas.microsoft.com/office/drawing/2014/main" id="{237B4EF9-A03C-40E2-9771-2F96AA34A333}"/>
+                </a:ext>
+              </a:extLst>
+            </p:cNvPr>
+            <p:cNvPicPr>
+              <a:picLocks noChangeAspect="1"/>
+            </p:cNvPicPr>
+            <p:nvPr/>
+          </p:nvPicPr>
+          <p:blipFill>
+            <a:blip r:embed="rId5"/>
+            <a:stretch>
+              <a:fillRect/>
+            </a:stretch>
+          </p:blipFill>
+          <p:spPr>
+            <a:xfrm>
+              <a:off x="2577496" y="5308516"/>
+              <a:ext cx="161893" cy="147638"/>
+            </a:xfrm>
+            <a:prstGeom prst="rect">
+              <a:avLst/>
+            </a:prstGeom>
+          </p:spPr>
+        </p:pic>
+        <p:pic>
+          <p:nvPicPr>
+            <p:cNvPr id="24" name="Picture 23">
+              <a:extLst>
+                <a:ext uri="{FF2B5EF4-FFF2-40B4-BE49-F238E27FC236}">
+                  <a16:creationId xmlns:a16="http://schemas.microsoft.com/office/drawing/2014/main" id="{961DE9B0-6F68-4648-8974-EB57B3A6A624}"/>
+                </a:ext>
+              </a:extLst>
+            </p:cNvPr>
+            <p:cNvPicPr>
+              <a:picLocks noChangeAspect="1"/>
+            </p:cNvPicPr>
+            <p:nvPr/>
+          </p:nvPicPr>
+          <p:blipFill>
+            <a:blip r:embed="rId6"/>
+            <a:stretch>
+              <a:fillRect/>
+            </a:stretch>
+          </p:blipFill>
+          <p:spPr>
+            <a:xfrm>
+              <a:off x="2227667" y="5312556"/>
+              <a:ext cx="149674" cy="147638"/>
+            </a:xfrm>
+            <a:prstGeom prst="rect">
+              <a:avLst/>
+            </a:prstGeom>
+          </p:spPr>
+        </p:pic>
+        <p:pic>
+          <p:nvPicPr>
+            <p:cNvPr id="25" name="Picture 24">
+              <a:extLst>
+                <a:ext uri="{FF2B5EF4-FFF2-40B4-BE49-F238E27FC236}">
+                  <a16:creationId xmlns:a16="http://schemas.microsoft.com/office/drawing/2014/main" id="{8AC1F569-18AF-4161-9243-4BC4EF44A06C}"/>
+                </a:ext>
+              </a:extLst>
+            </p:cNvPr>
+            <p:cNvPicPr>
+              <a:picLocks noChangeAspect="1"/>
+            </p:cNvPicPr>
+            <p:nvPr/>
+          </p:nvPicPr>
+          <p:blipFill>
+            <a:blip r:embed="rId5"/>
+            <a:stretch>
+              <a:fillRect/>
+            </a:stretch>
+          </p:blipFill>
+          <p:spPr>
+            <a:xfrm>
+              <a:off x="2577496" y="5463749"/>
+              <a:ext cx="161893" cy="147638"/>
+            </a:xfrm>
+            <a:prstGeom prst="rect">
+              <a:avLst/>
+            </a:prstGeom>
+          </p:spPr>
+        </p:pic>
+        <p:pic>
+          <p:nvPicPr>
+            <p:cNvPr id="26" name="Picture 25">
+              <a:extLst>
+                <a:ext uri="{FF2B5EF4-FFF2-40B4-BE49-F238E27FC236}">
+                  <a16:creationId xmlns:a16="http://schemas.microsoft.com/office/drawing/2014/main" id="{774ED6B5-1EC3-424C-B3A0-2CE944762D77}"/>
+                </a:ext>
+              </a:extLst>
+            </p:cNvPr>
+            <p:cNvPicPr>
+              <a:picLocks noChangeAspect="1"/>
+            </p:cNvPicPr>
+            <p:nvPr/>
+          </p:nvPicPr>
+          <p:blipFill>
+            <a:blip r:embed="rId6"/>
+            <a:stretch>
+              <a:fillRect/>
+            </a:stretch>
+          </p:blipFill>
+          <p:spPr>
+            <a:xfrm>
+              <a:off x="2227667" y="5467789"/>
+              <a:ext cx="149674" cy="147638"/>
+            </a:xfrm>
+            <a:prstGeom prst="rect">
+              <a:avLst/>
+            </a:prstGeom>
+          </p:spPr>
+        </p:pic>
+        <p:pic>
+          <p:nvPicPr>
+            <p:cNvPr id="27" name="Picture 26">
+              <a:extLst>
+                <a:ext uri="{FF2B5EF4-FFF2-40B4-BE49-F238E27FC236}">
+                  <a16:creationId xmlns:a16="http://schemas.microsoft.com/office/drawing/2014/main" id="{970F794C-0ABA-456E-9E6B-39622FC9DDEA}"/>
+                </a:ext>
+              </a:extLst>
+            </p:cNvPr>
+            <p:cNvPicPr>
+              <a:picLocks noChangeAspect="1"/>
+            </p:cNvPicPr>
+            <p:nvPr/>
+          </p:nvPicPr>
+          <p:blipFill>
+            <a:blip r:embed="rId5"/>
+            <a:stretch>
+              <a:fillRect/>
+            </a:stretch>
+          </p:blipFill>
+          <p:spPr>
+            <a:xfrm>
+              <a:off x="2202507" y="5632164"/>
+              <a:ext cx="161893" cy="147638"/>
+            </a:xfrm>
+            <a:prstGeom prst="rect">
+              <a:avLst/>
+            </a:prstGeom>
+          </p:spPr>
+        </p:pic>
+        <p:pic>
+          <p:nvPicPr>
+            <p:cNvPr id="28" name="Picture 27">
+              <a:extLst>
+                <a:ext uri="{FF2B5EF4-FFF2-40B4-BE49-F238E27FC236}">
+                  <a16:creationId xmlns:a16="http://schemas.microsoft.com/office/drawing/2014/main" id="{F95A1C7F-8CCC-4EDD-92FA-E5E84CD0E027}"/>
+                </a:ext>
+              </a:extLst>
+            </p:cNvPr>
+            <p:cNvPicPr>
+              <a:picLocks noChangeAspect="1"/>
+            </p:cNvPicPr>
+            <p:nvPr/>
+          </p:nvPicPr>
+          <p:blipFill>
+            <a:blip r:embed="rId6"/>
+            <a:stretch>
+              <a:fillRect/>
+            </a:stretch>
+          </p:blipFill>
+          <p:spPr>
+            <a:xfrm>
+              <a:off x="1852678" y="5636204"/>
+              <a:ext cx="149674" cy="147638"/>
+            </a:xfrm>
+            <a:prstGeom prst="rect">
+              <a:avLst/>
+            </a:prstGeom>
+          </p:spPr>
+        </p:pic>
+      </p:grpSp>
+      <p:sp>
+        <p:nvSpPr>
+          <p:cNvPr id="29" name="TextBox 28">
+            <a:extLst>
+              <a:ext uri="{FF2B5EF4-FFF2-40B4-BE49-F238E27FC236}">
+                <a16:creationId xmlns:a16="http://schemas.microsoft.com/office/drawing/2014/main" id="{4A391B46-B4C1-4F42-BCAD-F590C5A1B901}"/>
+              </a:ext>
+            </a:extLst>
+          </p:cNvPr>
+          <p:cNvSpPr txBox="1"/>
+          <p:nvPr/>
+        </p:nvSpPr>
+        <p:spPr>
+          <a:xfrm>
+            <a:off x="1262062" y="4666267"/>
+            <a:ext cx="980140" cy="307777"/>
+          </a:xfrm>
+          <a:prstGeom prst="rect">
+            <a:avLst/>
+          </a:prstGeom>
+          <a:noFill/>
+        </p:spPr>
+        <p:txBody>
+          <a:bodyPr wrap="none" rtlCol="0">
+            <a:spAutoFit/>
+          </a:bodyPr>
+          <a:lstStyle/>
+          <a:p>
+            <a:r>
+              <a:rPr lang="en-US" sz="1400" b="1"/>
+              <a:t>Frame info</a:t>
+            </a:r>
+          </a:p>
+        </p:txBody>
+      </p:sp>
+      <p:pic>
+        <p:nvPicPr>
+          <p:cNvPr id="30" name="Picture 29">
+            <a:extLst>
+              <a:ext uri="{FF2B5EF4-FFF2-40B4-BE49-F238E27FC236}">
+                <a16:creationId xmlns:a16="http://schemas.microsoft.com/office/drawing/2014/main" id="{9EED2309-3506-4888-9190-A4FA1C3E6DA3}"/>
+              </a:ext>
+            </a:extLst>
+          </p:cNvPr>
+          <p:cNvPicPr>
+            <a:picLocks noChangeAspect="1"/>
+          </p:cNvPicPr>
+          <p:nvPr/>
+        </p:nvPicPr>
+        <p:blipFill>
+          <a:blip r:embed="rId5"/>
+          <a:stretch>
+            <a:fillRect/>
+          </a:stretch>
+        </p:blipFill>
+        <p:spPr>
+          <a:xfrm>
+            <a:off x="2749498" y="3702043"/>
+            <a:ext cx="161893" cy="147638"/>
+          </a:xfrm>
+          <a:prstGeom prst="rect">
+            <a:avLst/>
+          </a:prstGeom>
+        </p:spPr>
+      </p:pic>
+      <p:pic>
+        <p:nvPicPr>
+          <p:cNvPr id="31" name="Picture 30">
+            <a:extLst>
+              <a:ext uri="{FF2B5EF4-FFF2-40B4-BE49-F238E27FC236}">
+                <a16:creationId xmlns:a16="http://schemas.microsoft.com/office/drawing/2014/main" id="{568AFC7B-0776-4B41-A08F-D023C2A781CB}"/>
+              </a:ext>
+            </a:extLst>
+          </p:cNvPr>
+          <p:cNvPicPr>
+            <a:picLocks noChangeAspect="1"/>
+          </p:cNvPicPr>
+          <p:nvPr/>
+        </p:nvPicPr>
+        <p:blipFill>
+          <a:blip r:embed="rId6"/>
+          <a:stretch>
+            <a:fillRect/>
+          </a:stretch>
+        </p:blipFill>
+        <p:spPr>
+          <a:xfrm>
+            <a:off x="2244272" y="3706083"/>
+            <a:ext cx="149674" cy="147638"/>
+          </a:xfrm>
+          <a:prstGeom prst="rect">
+            <a:avLst/>
+          </a:prstGeom>
+        </p:spPr>
+      </p:pic>
+      <p:pic>
+        <p:nvPicPr>
+          <p:cNvPr id="32" name="Picture 31">
+            <a:extLst>
+              <a:ext uri="{FF2B5EF4-FFF2-40B4-BE49-F238E27FC236}">
+                <a16:creationId xmlns:a16="http://schemas.microsoft.com/office/drawing/2014/main" id="{2CEDAF7C-3B01-418B-8D61-03BE3E86EE43}"/>
+              </a:ext>
+            </a:extLst>
+          </p:cNvPr>
+          <p:cNvPicPr>
+            <a:picLocks noChangeAspect="1"/>
+          </p:cNvPicPr>
+          <p:nvPr/>
+        </p:nvPicPr>
+        <p:blipFill>
+          <a:blip r:embed="rId5"/>
+          <a:stretch>
+            <a:fillRect/>
+          </a:stretch>
+        </p:blipFill>
+        <p:spPr>
+          <a:xfrm>
+            <a:off x="2640985" y="3863928"/>
+            <a:ext cx="161893" cy="147638"/>
+          </a:xfrm>
+          <a:prstGeom prst="rect">
+            <a:avLst/>
+          </a:prstGeom>
+        </p:spPr>
+      </p:pic>
+      <p:pic>
+        <p:nvPicPr>
+          <p:cNvPr id="33" name="Picture 32">
+            <a:extLst>
+              <a:ext uri="{FF2B5EF4-FFF2-40B4-BE49-F238E27FC236}">
+                <a16:creationId xmlns:a16="http://schemas.microsoft.com/office/drawing/2014/main" id="{761DC41A-8383-4203-814F-F78A2C1BCA5A}"/>
+              </a:ext>
+            </a:extLst>
+          </p:cNvPr>
+          <p:cNvPicPr>
+            <a:picLocks noChangeAspect="1"/>
+          </p:cNvPicPr>
+          <p:nvPr/>
+        </p:nvPicPr>
+        <p:blipFill>
+          <a:blip r:embed="rId6"/>
+          <a:stretch>
+            <a:fillRect/>
+          </a:stretch>
+        </p:blipFill>
+        <p:spPr>
+          <a:xfrm>
+            <a:off x="2246884" y="3867968"/>
+            <a:ext cx="149674" cy="147638"/>
+          </a:xfrm>
+          <a:prstGeom prst="rect">
+            <a:avLst/>
+          </a:prstGeom>
+        </p:spPr>
+      </p:pic>
+      <p:sp>
+        <p:nvSpPr>
+          <p:cNvPr id="37" name="Rectangle 36">
+            <a:extLst>
+              <a:ext uri="{FF2B5EF4-FFF2-40B4-BE49-F238E27FC236}">
+                <a16:creationId xmlns:a16="http://schemas.microsoft.com/office/drawing/2014/main" id="{1951CA0C-CAC0-431B-93F8-A5907531278E}"/>
+              </a:ext>
+            </a:extLst>
+          </p:cNvPr>
+          <p:cNvSpPr>
+            <a:spLocks noGrp="1" noSelect="1" noRot="1" noChangeAspect="1" noMove="1" noResize="1" noEditPoints="1" noAdjustHandles="1" noChangeArrowheads="1" noChangeShapeType="1" noTextEdit="1"/>
+          </p:cNvSpPr>
+          <p:nvPr/>
+        </p:nvSpPr>
+        <p:spPr>
+          <a:xfrm>
+            <a:off x="1222375" y="307181"/>
+            <a:ext cx="4165599" cy="2361483"/>
           </a:xfrm>
           <a:prstGeom prst="rect">
             <a:avLst/>
           </a:prstGeom>
           <a:solidFill>
-            <a:srgbClr val="A1A1A1"/>
+            <a:schemeClr val="tx1">
+              <a:lumMod val="95000"/>
+              <a:lumOff val="5000"/>
+            </a:schemeClr>
           </a:solidFill>
           <a:ln>
+            <a:noFill/>
+          </a:ln>
+        </p:spPr>
+        <p:style>
+          <a:lnRef idx="2">
+            <a:schemeClr val="dk1">
+              <a:shade val="50000"/>
+            </a:schemeClr>
+          </a:lnRef>
+          <a:fillRef idx="1">
+            <a:schemeClr val="dk1"/>
+          </a:fillRef>
+          <a:effectRef idx="0">
+            <a:schemeClr val="dk1"/>
+          </a:effectRef>
+          <a:fontRef idx="minor">
+            <a:schemeClr val="lt1"/>
+          </a:fontRef>
+        </p:style>
+        <p:txBody>
+          <a:bodyPr rtlCol="0" anchor="ctr"/>
+          <a:lstStyle/>
+          <a:p>
+            <a:pPr algn="ctr"/>
+            <a:endParaRPr lang="en-US"/>
+          </a:p>
+        </p:txBody>
+      </p:sp>
+      <p:cxnSp>
+        <p:nvCxnSpPr>
+          <p:cNvPr id="8" name="Straight Connector 7">
+            <a:extLst>
+              <a:ext uri="{FF2B5EF4-FFF2-40B4-BE49-F238E27FC236}">
+                <a16:creationId xmlns:a16="http://schemas.microsoft.com/office/drawing/2014/main" id="{C5B52519-1946-43FB-B227-FEF6274492A2}"/>
+              </a:ext>
+            </a:extLst>
+          </p:cNvPr>
+          <p:cNvCxnSpPr>
+            <a:cxnSpLocks/>
+          </p:cNvCxnSpPr>
+          <p:nvPr/>
+        </p:nvCxnSpPr>
+        <p:spPr>
+          <a:xfrm>
+            <a:off x="1212850" y="300831"/>
+            <a:ext cx="0" cy="4042569"/>
+          </a:xfrm>
+          <a:prstGeom prst="line">
+            <a:avLst/>
+          </a:prstGeom>
+          <a:ln w="19050">
             <a:solidFill>
-              <a:srgbClr val="A1A1A1"/>
+              <a:srgbClr val="FF0000"/>
             </a:solidFill>
+          </a:ln>
+        </p:spPr>
+        <p:style>
+          <a:lnRef idx="1">
+            <a:schemeClr val="accent1"/>
+          </a:lnRef>
+          <a:fillRef idx="0">
+            <a:schemeClr val="accent1"/>
+          </a:fillRef>
+          <a:effectRef idx="0">
+            <a:schemeClr val="accent1"/>
+          </a:effectRef>
+          <a:fontRef idx="minor">
+            <a:schemeClr val="tx1"/>
+          </a:fontRef>
+        </p:style>
+      </p:cxnSp>
+      <p:cxnSp>
+        <p:nvCxnSpPr>
+          <p:cNvPr id="13" name="Straight Connector 12">
+            <a:extLst>
+              <a:ext uri="{FF2B5EF4-FFF2-40B4-BE49-F238E27FC236}">
+                <a16:creationId xmlns:a16="http://schemas.microsoft.com/office/drawing/2014/main" id="{39C12A3F-F7DF-434A-A879-8F55A4090905}"/>
+              </a:ext>
+            </a:extLst>
+          </p:cNvPr>
+          <p:cNvCxnSpPr>
+            <a:cxnSpLocks/>
+          </p:cNvCxnSpPr>
+          <p:nvPr/>
+        </p:nvCxnSpPr>
+        <p:spPr>
+          <a:xfrm flipH="1">
+            <a:off x="349250" y="2686050"/>
+            <a:ext cx="5029200" cy="0"/>
+          </a:xfrm>
+          <a:prstGeom prst="line">
+            <a:avLst/>
+          </a:prstGeom>
+          <a:ln w="19050">
+            <a:solidFill>
+              <a:srgbClr val="FF0000"/>
+            </a:solidFill>
+          </a:ln>
+        </p:spPr>
+        <p:style>
+          <a:lnRef idx="1">
+            <a:schemeClr val="accent1"/>
+          </a:lnRef>
+          <a:fillRef idx="0">
+            <a:schemeClr val="accent1"/>
+          </a:fillRef>
+          <a:effectRef idx="0">
+            <a:schemeClr val="accent1"/>
+          </a:effectRef>
+          <a:fontRef idx="minor">
+            <a:schemeClr val="tx1"/>
+          </a:fontRef>
+        </p:style>
+      </p:cxnSp>
+      <p:sp>
+        <p:nvSpPr>
+          <p:cNvPr id="5" name="Rectangle 4">
+            <a:extLst>
+              <a:ext uri="{FF2B5EF4-FFF2-40B4-BE49-F238E27FC236}">
+                <a16:creationId xmlns:a16="http://schemas.microsoft.com/office/drawing/2014/main" id="{542BD260-6B85-446C-BEBE-56260863697A}"/>
+              </a:ext>
+            </a:extLst>
+          </p:cNvPr>
+          <p:cNvSpPr/>
+          <p:nvPr/>
+        </p:nvSpPr>
+        <p:spPr>
+          <a:xfrm>
+            <a:off x="923926" y="311511"/>
+            <a:ext cx="4159247" cy="2356719"/>
+          </a:xfrm>
+          <a:prstGeom prst="rect">
+            <a:avLst/>
+          </a:prstGeom>
+          <a:blipFill dpi="0" rotWithShape="1">
+            <a:blip r:embed="rId7">
+              <a:extLst>
+                <a:ext uri="{28A0092B-C50C-407E-A947-70E740481C1C}">
+                  <a14:useLocalDpi xmlns:a14="http://schemas.microsoft.com/office/drawing/2010/main" val="0"/>
+                </a:ext>
+              </a:extLst>
+            </a:blip>
+            <a:srcRect/>
+            <a:stretch>
+              <a:fillRect/>
+            </a:stretch>
+          </a:blipFill>
+          <a:ln>
+            <a:noFill/>
           </a:ln>
         </p:spPr>
         <p:style>
@@ -4478,10 +9330,92 @@
       </p:sp>
       <p:sp>
         <p:nvSpPr>
-          <p:cNvPr id="10" name="TextBox 9">
-            <a:extLst>
-              <a:ext uri="{FF2B5EF4-FFF2-40B4-BE49-F238E27FC236}">
-                <a16:creationId xmlns:a16="http://schemas.microsoft.com/office/drawing/2014/main" id="{36FE9D09-DF25-41C5-B059-CC6E8D2C2992}"/>
+          <p:cNvPr id="3" name="Rectangle 2">
+            <a:extLst>
+              <a:ext uri="{FF2B5EF4-FFF2-40B4-BE49-F238E27FC236}">
+                <a16:creationId xmlns:a16="http://schemas.microsoft.com/office/drawing/2014/main" id="{EFD6BCB9-3A31-476F-97CF-A36183E51351}"/>
+              </a:ext>
+            </a:extLst>
+          </p:cNvPr>
+          <p:cNvSpPr/>
+          <p:nvPr/>
+        </p:nvSpPr>
+        <p:spPr>
+          <a:xfrm>
+            <a:off x="5378451" y="194349"/>
+            <a:ext cx="965197" cy="2900362"/>
+          </a:xfrm>
+          <a:prstGeom prst="rect">
+            <a:avLst/>
+          </a:prstGeom>
+          <a:solidFill>
+            <a:srgbClr val="A1A1A1"/>
+          </a:solidFill>
+          <a:ln>
+            <a:noFill/>
+          </a:ln>
+        </p:spPr>
+        <p:style>
+          <a:lnRef idx="2">
+            <a:schemeClr val="accent1">
+              <a:shade val="50000"/>
+            </a:schemeClr>
+          </a:lnRef>
+          <a:fillRef idx="1">
+            <a:schemeClr val="accent1"/>
+          </a:fillRef>
+          <a:effectRef idx="0">
+            <a:schemeClr val="accent1"/>
+          </a:effectRef>
+          <a:fontRef idx="minor">
+            <a:schemeClr val="lt1"/>
+          </a:fontRef>
+        </p:style>
+        <p:txBody>
+          <a:bodyPr rtlCol="0" anchor="ctr"/>
+          <a:lstStyle/>
+          <a:p>
+            <a:pPr algn="ctr"/>
+            <a:endParaRPr lang="en-US"/>
+          </a:p>
+        </p:txBody>
+      </p:sp>
+      <p:pic>
+        <p:nvPicPr>
+          <p:cNvPr id="34" name="Picture 33">
+            <a:extLst>
+              <a:ext uri="{FF2B5EF4-FFF2-40B4-BE49-F238E27FC236}">
+                <a16:creationId xmlns:a16="http://schemas.microsoft.com/office/drawing/2014/main" id="{C4D5EABC-4A5D-4B82-A7C3-592553F9CB06}"/>
+              </a:ext>
+            </a:extLst>
+          </p:cNvPr>
+          <p:cNvPicPr>
+            <a:picLocks noChangeAspect="1"/>
+          </p:cNvPicPr>
+          <p:nvPr/>
+        </p:nvPicPr>
+        <p:blipFill>
+          <a:blip r:embed="rId8"/>
+          <a:stretch>
+            <a:fillRect/>
+          </a:stretch>
+        </p:blipFill>
+        <p:spPr>
+          <a:xfrm>
+            <a:off x="93663" y="192647"/>
+            <a:ext cx="1123950" cy="2676525"/>
+          </a:xfrm>
+          <a:prstGeom prst="rect">
+            <a:avLst/>
+          </a:prstGeom>
+        </p:spPr>
+      </p:pic>
+      <p:sp>
+        <p:nvSpPr>
+          <p:cNvPr id="36" name="TextBox 35">
+            <a:extLst>
+              <a:ext uri="{FF2B5EF4-FFF2-40B4-BE49-F238E27FC236}">
+                <a16:creationId xmlns:a16="http://schemas.microsoft.com/office/drawing/2014/main" id="{8349F55A-938B-4948-B813-7DE8130E7412}"/>
               </a:ext>
             </a:extLst>
           </p:cNvPr>
@@ -4490,8 +9424,8 @@
         </p:nvSpPr>
         <p:spPr>
           <a:xfrm>
-            <a:off x="2425821" y="4418864"/>
-            <a:ext cx="392905" cy="184666"/>
+            <a:off x="5837457" y="3312512"/>
+            <a:ext cx="2273379" cy="261610"/>
           </a:xfrm>
           <a:prstGeom prst="rect">
             <a:avLst/>
@@ -4499,22 +9433,115 @@
           <a:noFill/>
         </p:spPr>
         <p:txBody>
-          <a:bodyPr wrap="square" rtlCol="0">
-            <a:noAutofit/>
+          <a:bodyPr wrap="none" rtlCol="0">
+            <a:spAutoFit/>
           </a:bodyPr>
           <a:lstStyle/>
           <a:p>
             <a:r>
-              <a:rPr lang="en-US" sz="1050" b="1"/>
-              <a:t>360</a:t>
+              <a:rPr lang="en-US" sz="1100">
+                <a:latin typeface="Arial" panose="020B0604020202020204" pitchFamily="34" charset="0"/>
+                <a:cs typeface="Arial" panose="020B0604020202020204" pitchFamily="34" charset="0"/>
+              </a:rPr>
+              <a:t>Global offset giảm từ 0 xuống -50</a:t>
             </a:r>
           </a:p>
         </p:txBody>
       </p:sp>
+      <p:cxnSp>
+        <p:nvCxnSpPr>
+          <p:cNvPr id="38" name="Straight Connector 37">
+            <a:extLst>
+              <a:ext uri="{FF2B5EF4-FFF2-40B4-BE49-F238E27FC236}">
+                <a16:creationId xmlns:a16="http://schemas.microsoft.com/office/drawing/2014/main" id="{BDC881E7-1247-48A8-B0A7-FDA9A1577602}"/>
+              </a:ext>
+            </a:extLst>
+          </p:cNvPr>
+          <p:cNvCxnSpPr>
+            <a:endCxn id="36" idx="1"/>
+          </p:cNvCxnSpPr>
+          <p:nvPr/>
+        </p:nvCxnSpPr>
+        <p:spPr>
+          <a:xfrm flipV="1">
+            <a:off x="2915728" y="3443317"/>
+            <a:ext cx="2921729" cy="319974"/>
+          </a:xfrm>
+          <a:prstGeom prst="line">
+            <a:avLst/>
+          </a:prstGeom>
+          <a:ln>
+            <a:solidFill>
+              <a:srgbClr val="FF0000"/>
+            </a:solidFill>
+          </a:ln>
+        </p:spPr>
+        <p:style>
+          <a:lnRef idx="1">
+            <a:schemeClr val="accent1"/>
+          </a:lnRef>
+          <a:fillRef idx="0">
+            <a:schemeClr val="accent1"/>
+          </a:fillRef>
+          <a:effectRef idx="0">
+            <a:schemeClr val="accent1"/>
+          </a:effectRef>
+          <a:fontRef idx="minor">
+            <a:schemeClr val="tx1"/>
+          </a:fontRef>
+        </p:style>
+      </p:cxnSp>
+      <p:cxnSp>
+        <p:nvCxnSpPr>
+          <p:cNvPr id="39" name="Straight Connector 38">
+            <a:extLst>
+              <a:ext uri="{FF2B5EF4-FFF2-40B4-BE49-F238E27FC236}">
+                <a16:creationId xmlns:a16="http://schemas.microsoft.com/office/drawing/2014/main" id="{EDA6F636-54C0-4096-984C-BE2B03C8147D}"/>
+              </a:ext>
+            </a:extLst>
+          </p:cNvPr>
+          <p:cNvCxnSpPr>
+            <a:cxnSpLocks/>
+            <a:endCxn id="36" idx="1"/>
+          </p:cNvCxnSpPr>
+          <p:nvPr/>
+        </p:nvCxnSpPr>
+        <p:spPr>
+          <a:xfrm>
+            <a:off x="5184475" y="1712582"/>
+            <a:ext cx="652982" cy="1730735"/>
+          </a:xfrm>
+          <a:prstGeom prst="line">
+            <a:avLst/>
+          </a:prstGeom>
+          <a:ln>
+            <a:solidFill>
+              <a:srgbClr val="FF0000"/>
+            </a:solidFill>
+          </a:ln>
+        </p:spPr>
+        <p:style>
+          <a:lnRef idx="1">
+            <a:schemeClr val="accent1"/>
+          </a:lnRef>
+          <a:fillRef idx="0">
+            <a:schemeClr val="accent1"/>
+          </a:fillRef>
+          <a:effectRef idx="0">
+            <a:schemeClr val="accent1"/>
+          </a:effectRef>
+          <a:fontRef idx="minor">
+            <a:schemeClr val="tx1"/>
+          </a:fontRef>
+        </p:style>
+      </p:cxnSp>
     </p:spTree>
+    <p:custDataLst>
+      <p:tags r:id="rId1"/>
+    </p:custDataLst>
     <p:extLst>
       <p:ext uri="{BB962C8B-B14F-4D97-AF65-F5344CB8AC3E}">
-        <p14:creationId xmlns:p14="http://schemas.microsoft.com/office/powerpoint/2010/main" val="1371496137"/>
+        <p14:creationId xmlns:p14="http://schemas.microsoft.com/office/powerpoint/2010/main" val="113487918"/>
       </p:ext>
     </p:extLst>
   </p:cSld>
@@ -4522,6 +9549,36 @@
     <a:masterClrMapping/>
   </p:clrMapOvr>
 </p:sld>
+</file>
+
+<file path=ppt/tags/tag1.xml><?xml version="1.0" encoding="utf-8"?>
+<p:tagLst xmlns:a="http://schemas.openxmlformats.org/drawingml/2006/main" xmlns:r="http://schemas.openxmlformats.org/officeDocument/2006/relationships" xmlns:p="http://schemas.openxmlformats.org/presentationml/2006/main">
+  <p:tag name="PPT-PRODUCTIVITY-UNLOCK-SHAPE" val="1"/>
+</p:tagLst>
+</file>
+
+<file path=ppt/tags/tag2.xml><?xml version="1.0" encoding="utf-8"?>
+<p:tagLst xmlns:a="http://schemas.openxmlformats.org/drawingml/2006/main" xmlns:r="http://schemas.openxmlformats.org/officeDocument/2006/relationships" xmlns:p="http://schemas.openxmlformats.org/presentationml/2006/main">
+  <p:tag name="PPT-PRODUCTIVITY-UNLOCK-SHAPE" val="1"/>
+</p:tagLst>
+</file>
+
+<file path=ppt/tags/tag3.xml><?xml version="1.0" encoding="utf-8"?>
+<p:tagLst xmlns:a="http://schemas.openxmlformats.org/drawingml/2006/main" xmlns:r="http://schemas.openxmlformats.org/officeDocument/2006/relationships" xmlns:p="http://schemas.openxmlformats.org/presentationml/2006/main">
+  <p:tag name="PPT-PRODUCTIVITY-UNLOCK-SHAPE" val="1"/>
+</p:tagLst>
+</file>
+
+<file path=ppt/tags/tag4.xml><?xml version="1.0" encoding="utf-8"?>
+<p:tagLst xmlns:a="http://schemas.openxmlformats.org/drawingml/2006/main" xmlns:r="http://schemas.openxmlformats.org/officeDocument/2006/relationships" xmlns:p="http://schemas.openxmlformats.org/presentationml/2006/main">
+  <p:tag name="PPT-PRODUCTIVITY-UNLOCK-SHAPE" val="1"/>
+</p:tagLst>
+</file>
+
+<file path=ppt/tags/tag5.xml><?xml version="1.0" encoding="utf-8"?>
+<p:tagLst xmlns:a="http://schemas.openxmlformats.org/drawingml/2006/main" xmlns:r="http://schemas.openxmlformats.org/officeDocument/2006/relationships" xmlns:p="http://schemas.openxmlformats.org/presentationml/2006/main">
+  <p:tag name="PPT-PRODUCTIVITY-UNLOCK-SHAPE" val="1"/>
+</p:tagLst>
 </file>
 
 <file path=ppt/theme/theme1.xml><?xml version="1.0" encoding="utf-8"?>

--- a/UIUX/[feature]_png_to_spr.pptx
+++ b/UIUX/[feature]_png_to_spr.pptx
@@ -123,7 +123,7 @@
             <p14:sldId id="258"/>
           </p14:sldIdLst>
         </p14:section>
-        <p14:section name="edit global size" id="{DF241E84-06FD-4E32-BDF9-81719BC9011F}">
+        <p14:section name="Edit global size" id="{DF241E84-06FD-4E32-BDF9-81719BC9011F}">
           <p14:sldIdLst>
             <p14:sldId id="261"/>
             <p14:sldId id="262"/>
@@ -292,7 +292,7 @@
           <a:p>
             <a:fld id="{F8D16698-19B9-4DD0-AC84-4B4460A3B13B}" type="datetimeFigureOut">
               <a:rPr lang="en-US" smtClean="0"/>
-              <a:t>10/1/2023</a:t>
+              <a:t>10/3/2023</a:t>
             </a:fld>
             <a:endParaRPr lang="en-US"/>
           </a:p>
@@ -490,7 +490,7 @@
           <a:p>
             <a:fld id="{F8D16698-19B9-4DD0-AC84-4B4460A3B13B}" type="datetimeFigureOut">
               <a:rPr lang="en-US" smtClean="0"/>
-              <a:t>10/1/2023</a:t>
+              <a:t>10/3/2023</a:t>
             </a:fld>
             <a:endParaRPr lang="en-US"/>
           </a:p>
@@ -765,7 +765,7 @@
           <a:p>
             <a:fld id="{F8D16698-19B9-4DD0-AC84-4B4460A3B13B}" type="datetimeFigureOut">
               <a:rPr lang="en-US" smtClean="0"/>
-              <a:t>10/1/2023</a:t>
+              <a:t>10/3/2023</a:t>
             </a:fld>
             <a:endParaRPr lang="en-US"/>
           </a:p>
@@ -1030,7 +1030,7 @@
           <a:p>
             <a:fld id="{F8D16698-19B9-4DD0-AC84-4B4460A3B13B}" type="datetimeFigureOut">
               <a:rPr lang="en-US" smtClean="0"/>
-              <a:t>10/1/2023</a:t>
+              <a:t>10/3/2023</a:t>
             </a:fld>
             <a:endParaRPr lang="en-US"/>
           </a:p>
@@ -1350,7 +1350,7 @@
           <a:p>
             <a:fld id="{F8D16698-19B9-4DD0-AC84-4B4460A3B13B}" type="datetimeFigureOut">
               <a:rPr lang="en-US" smtClean="0"/>
-              <a:t>10/1/2023</a:t>
+              <a:t>10/3/2023</a:t>
             </a:fld>
             <a:endParaRPr lang="en-US"/>
           </a:p>

--- a/UIUX/[feature]_png_to_spr.pptx
+++ b/UIUX/[feature]_png_to_spr.pptx
@@ -12,6 +12,7 @@
     <p:sldId id="263" r:id="rId6"/>
     <p:sldId id="264" r:id="rId7"/>
     <p:sldId id="265" r:id="rId8"/>
+    <p:sldId id="267" r:id="rId9"/>
   </p:sldIdLst>
   <p:sldSz cx="12192000" cy="6858000"/>
   <p:notesSz cx="6858000" cy="9144000"/>
@@ -136,6 +137,11 @@
             <p14:sldId id="265"/>
           </p14:sldIdLst>
         </p14:section>
+        <p14:section name="Frame editor" id="{94F989C0-9FF8-4B68-850E-2EAD26AB9347}">
+          <p14:sldIdLst>
+            <p14:sldId id="267"/>
+          </p14:sldIdLst>
+        </p14:section>
       </p14:sectionLst>
     </p:ext>
     <p:ext uri="{EFAFB233-063F-42B5-8137-9DF3F51BA10A}">
@@ -292,7 +298,7 @@
           <a:p>
             <a:fld id="{F8D16698-19B9-4DD0-AC84-4B4460A3B13B}" type="datetimeFigureOut">
               <a:rPr lang="en-US" smtClean="0"/>
-              <a:t>10/3/2023</a:t>
+              <a:t>10/14/2023</a:t>
             </a:fld>
             <a:endParaRPr lang="en-US"/>
           </a:p>
@@ -490,7 +496,7 @@
           <a:p>
             <a:fld id="{F8D16698-19B9-4DD0-AC84-4B4460A3B13B}" type="datetimeFigureOut">
               <a:rPr lang="en-US" smtClean="0"/>
-              <a:t>10/3/2023</a:t>
+              <a:t>10/14/2023</a:t>
             </a:fld>
             <a:endParaRPr lang="en-US"/>
           </a:p>
@@ -765,7 +771,7 @@
           <a:p>
             <a:fld id="{F8D16698-19B9-4DD0-AC84-4B4460A3B13B}" type="datetimeFigureOut">
               <a:rPr lang="en-US" smtClean="0"/>
-              <a:t>10/3/2023</a:t>
+              <a:t>10/14/2023</a:t>
             </a:fld>
             <a:endParaRPr lang="en-US"/>
           </a:p>
@@ -1030,7 +1036,7 @@
           <a:p>
             <a:fld id="{F8D16698-19B9-4DD0-AC84-4B4460A3B13B}" type="datetimeFigureOut">
               <a:rPr lang="en-US" smtClean="0"/>
-              <a:t>10/3/2023</a:t>
+              <a:t>10/14/2023</a:t>
             </a:fld>
             <a:endParaRPr lang="en-US"/>
           </a:p>
@@ -1350,7 +1356,7 @@
           <a:p>
             <a:fld id="{F8D16698-19B9-4DD0-AC84-4B4460A3B13B}" type="datetimeFigureOut">
               <a:rPr lang="en-US" smtClean="0"/>
-              <a:t>10/3/2023</a:t>
+              <a:t>10/14/2023</a:t>
             </a:fld>
             <a:endParaRPr lang="en-US"/>
           </a:p>
@@ -9542,6 +9548,1171 @@
     <p:extLst>
       <p:ext uri="{BB962C8B-B14F-4D97-AF65-F5344CB8AC3E}">
         <p14:creationId xmlns:p14="http://schemas.microsoft.com/office/powerpoint/2010/main" val="113487918"/>
+      </p:ext>
+    </p:extLst>
+  </p:cSld>
+  <p:clrMapOvr>
+    <a:masterClrMapping/>
+  </p:clrMapOvr>
+</p:sld>
+</file>
+
+<file path=ppt/slides/slide8.xml><?xml version="1.0" encoding="utf-8"?>
+<p:sld xmlns:a="http://schemas.openxmlformats.org/drawingml/2006/main" xmlns:r="http://schemas.openxmlformats.org/officeDocument/2006/relationships" xmlns:p="http://schemas.openxmlformats.org/presentationml/2006/main">
+  <p:cSld>
+    <p:spTree>
+      <p:nvGrpSpPr>
+        <p:cNvPr id="1" name=""/>
+        <p:cNvGrpSpPr/>
+        <p:nvPr/>
+      </p:nvGrpSpPr>
+      <p:grpSpPr>
+        <a:xfrm>
+          <a:off x="0" y="0"/>
+          <a:ext cx="0" cy="0"/>
+          <a:chOff x="0" y="0"/>
+          <a:chExt cx="0" cy="0"/>
+        </a:xfrm>
+      </p:grpSpPr>
+      <p:pic>
+        <p:nvPicPr>
+          <p:cNvPr id="4" name="Picture 3">
+            <a:extLst>
+              <a:ext uri="{FF2B5EF4-FFF2-40B4-BE49-F238E27FC236}">
+                <a16:creationId xmlns:a16="http://schemas.microsoft.com/office/drawing/2014/main" id="{CBDBA5CF-04CF-4507-8F9C-8D113E051701}"/>
+              </a:ext>
+            </a:extLst>
+          </p:cNvPr>
+          <p:cNvPicPr>
+            <a:picLocks noGrp="1" noSelect="1" noRot="1" noChangeAspect="1" noMove="1" noResize="1" noEditPoints="1" noAdjustHandles="1" noChangeArrowheads="1" noChangeShapeType="1" noCrop="1"/>
+          </p:cNvPicPr>
+          <p:nvPr/>
+        </p:nvPicPr>
+        <p:blipFill>
+          <a:blip r:embed="rId2"/>
+          <a:stretch>
+            <a:fillRect/>
+          </a:stretch>
+        </p:blipFill>
+        <p:spPr>
+          <a:xfrm>
+            <a:off x="114300" y="142875"/>
+            <a:ext cx="5734050" cy="4133850"/>
+          </a:xfrm>
+          <a:prstGeom prst="rect">
+            <a:avLst/>
+          </a:prstGeom>
+        </p:spPr>
+      </p:pic>
+      <p:sp>
+        <p:nvSpPr>
+          <p:cNvPr id="2" name="TextBox 1">
+            <a:extLst>
+              <a:ext uri="{FF2B5EF4-FFF2-40B4-BE49-F238E27FC236}">
+                <a16:creationId xmlns:a16="http://schemas.microsoft.com/office/drawing/2014/main" id="{78AC5B42-12EB-41C8-A740-3F0874E943DE}"/>
+              </a:ext>
+            </a:extLst>
+          </p:cNvPr>
+          <p:cNvSpPr txBox="1"/>
+          <p:nvPr/>
+        </p:nvSpPr>
+        <p:spPr>
+          <a:xfrm>
+            <a:off x="1262062" y="2834758"/>
+            <a:ext cx="1423788" cy="338554"/>
+          </a:xfrm>
+          <a:prstGeom prst="rect">
+            <a:avLst/>
+          </a:prstGeom>
+          <a:noFill/>
+        </p:spPr>
+        <p:txBody>
+          <a:bodyPr wrap="none" rtlCol="0">
+            <a:spAutoFit/>
+          </a:bodyPr>
+          <a:lstStyle/>
+          <a:p>
+            <a:r>
+              <a:rPr lang="en-US" sz="1600" b="1"/>
+              <a:t>SPR edit mode</a:t>
+            </a:r>
+          </a:p>
+        </p:txBody>
+      </p:sp>
+      <p:sp>
+        <p:nvSpPr>
+          <p:cNvPr id="6" name="TextBox 5">
+            <a:extLst>
+              <a:ext uri="{FF2B5EF4-FFF2-40B4-BE49-F238E27FC236}">
+                <a16:creationId xmlns:a16="http://schemas.microsoft.com/office/drawing/2014/main" id="{BA56F98D-08F1-4587-9544-B705A2EA8875}"/>
+              </a:ext>
+            </a:extLst>
+          </p:cNvPr>
+          <p:cNvSpPr txBox="1"/>
+          <p:nvPr/>
+        </p:nvSpPr>
+        <p:spPr>
+          <a:xfrm>
+            <a:off x="1262062" y="3087171"/>
+            <a:ext cx="1186094" cy="307777"/>
+          </a:xfrm>
+          <a:prstGeom prst="rect">
+            <a:avLst/>
+          </a:prstGeom>
+          <a:noFill/>
+        </p:spPr>
+        <p:txBody>
+          <a:bodyPr wrap="none" rtlCol="0">
+            <a:spAutoFit/>
+          </a:bodyPr>
+          <a:lstStyle/>
+          <a:p>
+            <a:r>
+              <a:rPr lang="en-US" sz="1400" b="1"/>
+              <a:t>File head info</a:t>
+            </a:r>
+          </a:p>
+        </p:txBody>
+      </p:sp>
+      <p:sp>
+        <p:nvSpPr>
+          <p:cNvPr id="7" name="TextBox 6">
+            <a:extLst>
+              <a:ext uri="{FF2B5EF4-FFF2-40B4-BE49-F238E27FC236}">
+                <a16:creationId xmlns:a16="http://schemas.microsoft.com/office/drawing/2014/main" id="{91767275-EC5B-440C-A5A2-C21314285E2B}"/>
+              </a:ext>
+            </a:extLst>
+          </p:cNvPr>
+          <p:cNvSpPr txBox="1"/>
+          <p:nvPr/>
+        </p:nvSpPr>
+        <p:spPr>
+          <a:xfrm>
+            <a:off x="1262062" y="3334137"/>
+            <a:ext cx="2954655" cy="2516073"/>
+          </a:xfrm>
+          <a:prstGeom prst="rect">
+            <a:avLst/>
+          </a:prstGeom>
+          <a:noFill/>
+        </p:spPr>
+        <p:txBody>
+          <a:bodyPr wrap="none" rtlCol="0">
+            <a:spAutoFit/>
+          </a:bodyPr>
+          <a:lstStyle/>
+          <a:p>
+            <a:r>
+              <a:rPr lang="en-US" sz="1050" b="1"/>
+              <a:t>Global width:        640</a:t>
+            </a:r>
+          </a:p>
+          <a:p>
+            <a:r>
+              <a:rPr lang="en-US" sz="1050" b="1"/>
+              <a:t>Global height:        360</a:t>
+            </a:r>
+          </a:p>
+          <a:p>
+            <a:r>
+              <a:rPr lang="en-US" sz="1050" b="1"/>
+              <a:t>Global offset X:         0</a:t>
+            </a:r>
+          </a:p>
+          <a:p>
+            <a:r>
+              <a:rPr lang="en-US" sz="1050" b="1"/>
+              <a:t>Global offset Y:         0</a:t>
+            </a:r>
+          </a:p>
+          <a:p>
+            <a:r>
+              <a:rPr lang="en-US" sz="1050" b="1"/>
+              <a:t>Colors count: 256</a:t>
+            </a:r>
+          </a:p>
+          <a:p>
+            <a:r>
+              <a:rPr lang="en-US" sz="1050" b="1"/>
+              <a:t>Directions count: 1</a:t>
+            </a:r>
+          </a:p>
+          <a:p>
+            <a:r>
+              <a:rPr lang="en-US" sz="1050" b="1"/>
+              <a:t>Frames count: 1		Frame:            0	</a:t>
+            </a:r>
+          </a:p>
+          <a:p>
+            <a:endParaRPr lang="en-US" sz="1050" b="1"/>
+          </a:p>
+          <a:p>
+            <a:endParaRPr lang="en-US" sz="1050" b="1"/>
+          </a:p>
+          <a:p>
+            <a:endParaRPr lang="en-US" sz="1050" b="1"/>
+          </a:p>
+          <a:p>
+            <a:r>
+              <a:rPr lang="en-US" sz="1050" b="1"/>
+              <a:t>Frame width:        640</a:t>
+            </a:r>
+          </a:p>
+          <a:p>
+            <a:r>
+              <a:rPr lang="en-US" sz="1050" b="1"/>
+              <a:t>Frame height:        360</a:t>
+            </a:r>
+          </a:p>
+          <a:p>
+            <a:r>
+              <a:rPr lang="en-US" sz="1050" b="1"/>
+              <a:t>Frame offset X:        0</a:t>
+            </a:r>
+          </a:p>
+          <a:p>
+            <a:r>
+              <a:rPr lang="en-US" sz="1050" b="1"/>
+              <a:t>Frame offset Y:        0 </a:t>
+            </a:r>
+          </a:p>
+          <a:p>
+            <a:r>
+              <a:rPr lang="en-US" sz="1050" b="1"/>
+              <a:t>Interval:        1 	                      (27in=36fps)</a:t>
+            </a:r>
+          </a:p>
+        </p:txBody>
+      </p:sp>
+      <p:pic>
+        <p:nvPicPr>
+          <p:cNvPr id="10" name="Picture 9">
+            <a:extLst>
+              <a:ext uri="{FF2B5EF4-FFF2-40B4-BE49-F238E27FC236}">
+                <a16:creationId xmlns:a16="http://schemas.microsoft.com/office/drawing/2014/main" id="{2FA78A65-17B6-4DF4-A33E-79221F178514}"/>
+              </a:ext>
+            </a:extLst>
+          </p:cNvPr>
+          <p:cNvPicPr>
+            <a:picLocks noChangeAspect="1"/>
+          </p:cNvPicPr>
+          <p:nvPr/>
+        </p:nvPicPr>
+        <p:blipFill>
+          <a:blip r:embed="rId3"/>
+          <a:stretch>
+            <a:fillRect/>
+          </a:stretch>
+        </p:blipFill>
+        <p:spPr>
+          <a:xfrm>
+            <a:off x="2981325" y="4354206"/>
+            <a:ext cx="143900" cy="147638"/>
+          </a:xfrm>
+          <a:prstGeom prst="rect">
+            <a:avLst/>
+          </a:prstGeom>
+        </p:spPr>
+      </p:pic>
+      <p:pic>
+        <p:nvPicPr>
+          <p:cNvPr id="11" name="Picture 10">
+            <a:extLst>
+              <a:ext uri="{FF2B5EF4-FFF2-40B4-BE49-F238E27FC236}">
+                <a16:creationId xmlns:a16="http://schemas.microsoft.com/office/drawing/2014/main" id="{51163AD7-3C76-4BD9-887C-8B5957476943}"/>
+              </a:ext>
+            </a:extLst>
+          </p:cNvPr>
+          <p:cNvPicPr>
+            <a:picLocks noChangeAspect="1"/>
+          </p:cNvPicPr>
+          <p:nvPr/>
+        </p:nvPicPr>
+        <p:blipFill>
+          <a:blip r:embed="rId4"/>
+          <a:stretch>
+            <a:fillRect/>
+          </a:stretch>
+        </p:blipFill>
+        <p:spPr>
+          <a:xfrm>
+            <a:off x="4113664" y="4340225"/>
+            <a:ext cx="161893" cy="147638"/>
+          </a:xfrm>
+          <a:prstGeom prst="rect">
+            <a:avLst/>
+          </a:prstGeom>
+        </p:spPr>
+      </p:pic>
+      <p:pic>
+        <p:nvPicPr>
+          <p:cNvPr id="12" name="Picture 11">
+            <a:extLst>
+              <a:ext uri="{FF2B5EF4-FFF2-40B4-BE49-F238E27FC236}">
+                <a16:creationId xmlns:a16="http://schemas.microsoft.com/office/drawing/2014/main" id="{4C541B28-96E2-4056-A331-F213F6B365D9}"/>
+              </a:ext>
+            </a:extLst>
+          </p:cNvPr>
+          <p:cNvPicPr>
+            <a:picLocks noChangeAspect="1"/>
+          </p:cNvPicPr>
+          <p:nvPr/>
+        </p:nvPicPr>
+        <p:blipFill>
+          <a:blip r:embed="rId5"/>
+          <a:stretch>
+            <a:fillRect/>
+          </a:stretch>
+        </p:blipFill>
+        <p:spPr>
+          <a:xfrm>
+            <a:off x="3661591" y="4344265"/>
+            <a:ext cx="149674" cy="147638"/>
+          </a:xfrm>
+          <a:prstGeom prst="rect">
+            <a:avLst/>
+          </a:prstGeom>
+        </p:spPr>
+      </p:pic>
+      <p:pic>
+        <p:nvPicPr>
+          <p:cNvPr id="15" name="Picture 14">
+            <a:extLst>
+              <a:ext uri="{FF2B5EF4-FFF2-40B4-BE49-F238E27FC236}">
+                <a16:creationId xmlns:a16="http://schemas.microsoft.com/office/drawing/2014/main" id="{A25B3327-0021-4332-A47E-CFFA8C3A5D44}"/>
+              </a:ext>
+            </a:extLst>
+          </p:cNvPr>
+          <p:cNvPicPr>
+            <a:picLocks noChangeAspect="1"/>
+          </p:cNvPicPr>
+          <p:nvPr/>
+        </p:nvPicPr>
+        <p:blipFill>
+          <a:blip r:embed="rId4"/>
+          <a:stretch>
+            <a:fillRect/>
+          </a:stretch>
+        </p:blipFill>
+        <p:spPr>
+          <a:xfrm>
+            <a:off x="2604903" y="3385702"/>
+            <a:ext cx="161893" cy="147638"/>
+          </a:xfrm>
+          <a:prstGeom prst="rect">
+            <a:avLst/>
+          </a:prstGeom>
+        </p:spPr>
+      </p:pic>
+      <p:pic>
+        <p:nvPicPr>
+          <p:cNvPr id="16" name="Picture 15">
+            <a:extLst>
+              <a:ext uri="{FF2B5EF4-FFF2-40B4-BE49-F238E27FC236}">
+                <a16:creationId xmlns:a16="http://schemas.microsoft.com/office/drawing/2014/main" id="{7F72DE22-44AC-4620-9C46-DD40BACD9E03}"/>
+              </a:ext>
+            </a:extLst>
+          </p:cNvPr>
+          <p:cNvPicPr>
+            <a:picLocks noChangeAspect="1"/>
+          </p:cNvPicPr>
+          <p:nvPr/>
+        </p:nvPicPr>
+        <p:blipFill>
+          <a:blip r:embed="rId5"/>
+          <a:stretch>
+            <a:fillRect/>
+          </a:stretch>
+        </p:blipFill>
+        <p:spPr>
+          <a:xfrm>
+            <a:off x="2152830" y="3389742"/>
+            <a:ext cx="149674" cy="147638"/>
+          </a:xfrm>
+          <a:prstGeom prst="rect">
+            <a:avLst/>
+          </a:prstGeom>
+        </p:spPr>
+      </p:pic>
+      <p:pic>
+        <p:nvPicPr>
+          <p:cNvPr id="17" name="Picture 16">
+            <a:extLst>
+              <a:ext uri="{FF2B5EF4-FFF2-40B4-BE49-F238E27FC236}">
+                <a16:creationId xmlns:a16="http://schemas.microsoft.com/office/drawing/2014/main" id="{B9EEC9DA-4CB8-4A7D-A3F0-87F82C9CB3FC}"/>
+              </a:ext>
+            </a:extLst>
+          </p:cNvPr>
+          <p:cNvPicPr>
+            <a:picLocks noChangeAspect="1"/>
+          </p:cNvPicPr>
+          <p:nvPr/>
+        </p:nvPicPr>
+        <p:blipFill>
+          <a:blip r:embed="rId4"/>
+          <a:stretch>
+            <a:fillRect/>
+          </a:stretch>
+        </p:blipFill>
+        <p:spPr>
+          <a:xfrm>
+            <a:off x="2619192" y="3548360"/>
+            <a:ext cx="161893" cy="147638"/>
+          </a:xfrm>
+          <a:prstGeom prst="rect">
+            <a:avLst/>
+          </a:prstGeom>
+        </p:spPr>
+      </p:pic>
+      <p:pic>
+        <p:nvPicPr>
+          <p:cNvPr id="18" name="Picture 17">
+            <a:extLst>
+              <a:ext uri="{FF2B5EF4-FFF2-40B4-BE49-F238E27FC236}">
+                <a16:creationId xmlns:a16="http://schemas.microsoft.com/office/drawing/2014/main" id="{70F35F2A-5E32-4B3F-93A5-2F3AD3323F8C}"/>
+              </a:ext>
+            </a:extLst>
+          </p:cNvPr>
+          <p:cNvPicPr>
+            <a:picLocks noChangeAspect="1"/>
+          </p:cNvPicPr>
+          <p:nvPr/>
+        </p:nvPicPr>
+        <p:blipFill>
+          <a:blip r:embed="rId5"/>
+          <a:stretch>
+            <a:fillRect/>
+          </a:stretch>
+        </p:blipFill>
+        <p:spPr>
+          <a:xfrm>
+            <a:off x="2167119" y="3552400"/>
+            <a:ext cx="149674" cy="147638"/>
+          </a:xfrm>
+          <a:prstGeom prst="rect">
+            <a:avLst/>
+          </a:prstGeom>
+        </p:spPr>
+      </p:pic>
+      <p:grpSp>
+        <p:nvGrpSpPr>
+          <p:cNvPr id="14" name="Group 13">
+            <a:extLst>
+              <a:ext uri="{FF2B5EF4-FFF2-40B4-BE49-F238E27FC236}">
+                <a16:creationId xmlns:a16="http://schemas.microsoft.com/office/drawing/2014/main" id="{C16F8053-B979-404C-90D0-A73B5FB935A6}"/>
+              </a:ext>
+            </a:extLst>
+          </p:cNvPr>
+          <p:cNvGrpSpPr/>
+          <p:nvPr/>
+        </p:nvGrpSpPr>
+        <p:grpSpPr>
+          <a:xfrm>
+            <a:off x="1852678" y="4993740"/>
+            <a:ext cx="934461" cy="790102"/>
+            <a:chOff x="1852678" y="4993740"/>
+            <a:chExt cx="934461" cy="790102"/>
+          </a:xfrm>
+        </p:grpSpPr>
+        <p:pic>
+          <p:nvPicPr>
+            <p:cNvPr id="19" name="Picture 18">
+              <a:extLst>
+                <a:ext uri="{FF2B5EF4-FFF2-40B4-BE49-F238E27FC236}">
+                  <a16:creationId xmlns:a16="http://schemas.microsoft.com/office/drawing/2014/main" id="{1A8FC2DF-1492-405A-BCAB-82B4F14E665B}"/>
+                </a:ext>
+              </a:extLst>
+            </p:cNvPr>
+            <p:cNvPicPr>
+              <a:picLocks noChangeAspect="1"/>
+            </p:cNvPicPr>
+            <p:nvPr/>
+          </p:nvPicPr>
+          <p:blipFill>
+            <a:blip r:embed="rId4"/>
+            <a:stretch>
+              <a:fillRect/>
+            </a:stretch>
+          </p:blipFill>
+          <p:spPr>
+            <a:xfrm>
+              <a:off x="2625246" y="4993740"/>
+              <a:ext cx="161893" cy="147638"/>
+            </a:xfrm>
+            <a:prstGeom prst="rect">
+              <a:avLst/>
+            </a:prstGeom>
+          </p:spPr>
+        </p:pic>
+        <p:pic>
+          <p:nvPicPr>
+            <p:cNvPr id="20" name="Picture 19">
+              <a:extLst>
+                <a:ext uri="{FF2B5EF4-FFF2-40B4-BE49-F238E27FC236}">
+                  <a16:creationId xmlns:a16="http://schemas.microsoft.com/office/drawing/2014/main" id="{9095908D-CB35-4C64-B1BD-8C57529AFAAD}"/>
+                </a:ext>
+              </a:extLst>
+            </p:cNvPr>
+            <p:cNvPicPr>
+              <a:picLocks noChangeAspect="1"/>
+            </p:cNvPicPr>
+            <p:nvPr/>
+          </p:nvPicPr>
+          <p:blipFill>
+            <a:blip r:embed="rId5"/>
+            <a:stretch>
+              <a:fillRect/>
+            </a:stretch>
+          </p:blipFill>
+          <p:spPr>
+            <a:xfrm>
+              <a:off x="2133780" y="4997780"/>
+              <a:ext cx="149674" cy="147638"/>
+            </a:xfrm>
+            <a:prstGeom prst="rect">
+              <a:avLst/>
+            </a:prstGeom>
+          </p:spPr>
+        </p:pic>
+        <p:pic>
+          <p:nvPicPr>
+            <p:cNvPr id="21" name="Picture 20">
+              <a:extLst>
+                <a:ext uri="{FF2B5EF4-FFF2-40B4-BE49-F238E27FC236}">
+                  <a16:creationId xmlns:a16="http://schemas.microsoft.com/office/drawing/2014/main" id="{52081149-A749-4A3C-B750-DEB51DBC0A09}"/>
+                </a:ext>
+              </a:extLst>
+            </p:cNvPr>
+            <p:cNvPicPr>
+              <a:picLocks noChangeAspect="1"/>
+            </p:cNvPicPr>
+            <p:nvPr/>
+          </p:nvPicPr>
+          <p:blipFill>
+            <a:blip r:embed="rId4"/>
+            <a:stretch>
+              <a:fillRect/>
+            </a:stretch>
+          </p:blipFill>
+          <p:spPr>
+            <a:xfrm>
+              <a:off x="2615790" y="5148973"/>
+              <a:ext cx="161893" cy="147638"/>
+            </a:xfrm>
+            <a:prstGeom prst="rect">
+              <a:avLst/>
+            </a:prstGeom>
+          </p:spPr>
+        </p:pic>
+        <p:pic>
+          <p:nvPicPr>
+            <p:cNvPr id="22" name="Picture 21">
+              <a:extLst>
+                <a:ext uri="{FF2B5EF4-FFF2-40B4-BE49-F238E27FC236}">
+                  <a16:creationId xmlns:a16="http://schemas.microsoft.com/office/drawing/2014/main" id="{C30298B4-8F37-4C6D-8A1B-09C4BFE30EA2}"/>
+                </a:ext>
+              </a:extLst>
+            </p:cNvPr>
+            <p:cNvPicPr>
+              <a:picLocks noChangeAspect="1"/>
+            </p:cNvPicPr>
+            <p:nvPr/>
+          </p:nvPicPr>
+          <p:blipFill>
+            <a:blip r:embed="rId5"/>
+            <a:stretch>
+              <a:fillRect/>
+            </a:stretch>
+          </p:blipFill>
+          <p:spPr>
+            <a:xfrm>
+              <a:off x="2163717" y="5153013"/>
+              <a:ext cx="149674" cy="147638"/>
+            </a:xfrm>
+            <a:prstGeom prst="rect">
+              <a:avLst/>
+            </a:prstGeom>
+          </p:spPr>
+        </p:pic>
+        <p:pic>
+          <p:nvPicPr>
+            <p:cNvPr id="23" name="Picture 22">
+              <a:extLst>
+                <a:ext uri="{FF2B5EF4-FFF2-40B4-BE49-F238E27FC236}">
+                  <a16:creationId xmlns:a16="http://schemas.microsoft.com/office/drawing/2014/main" id="{237B4EF9-A03C-40E2-9771-2F96AA34A333}"/>
+                </a:ext>
+              </a:extLst>
+            </p:cNvPr>
+            <p:cNvPicPr>
+              <a:picLocks noChangeAspect="1"/>
+            </p:cNvPicPr>
+            <p:nvPr/>
+          </p:nvPicPr>
+          <p:blipFill>
+            <a:blip r:embed="rId4"/>
+            <a:stretch>
+              <a:fillRect/>
+            </a:stretch>
+          </p:blipFill>
+          <p:spPr>
+            <a:xfrm>
+              <a:off x="2577496" y="5308516"/>
+              <a:ext cx="161893" cy="147638"/>
+            </a:xfrm>
+            <a:prstGeom prst="rect">
+              <a:avLst/>
+            </a:prstGeom>
+          </p:spPr>
+        </p:pic>
+        <p:pic>
+          <p:nvPicPr>
+            <p:cNvPr id="24" name="Picture 23">
+              <a:extLst>
+                <a:ext uri="{FF2B5EF4-FFF2-40B4-BE49-F238E27FC236}">
+                  <a16:creationId xmlns:a16="http://schemas.microsoft.com/office/drawing/2014/main" id="{961DE9B0-6F68-4648-8974-EB57B3A6A624}"/>
+                </a:ext>
+              </a:extLst>
+            </p:cNvPr>
+            <p:cNvPicPr>
+              <a:picLocks noChangeAspect="1"/>
+            </p:cNvPicPr>
+            <p:nvPr/>
+          </p:nvPicPr>
+          <p:blipFill>
+            <a:blip r:embed="rId5"/>
+            <a:stretch>
+              <a:fillRect/>
+            </a:stretch>
+          </p:blipFill>
+          <p:spPr>
+            <a:xfrm>
+              <a:off x="2227667" y="5312556"/>
+              <a:ext cx="149674" cy="147638"/>
+            </a:xfrm>
+            <a:prstGeom prst="rect">
+              <a:avLst/>
+            </a:prstGeom>
+          </p:spPr>
+        </p:pic>
+        <p:pic>
+          <p:nvPicPr>
+            <p:cNvPr id="25" name="Picture 24">
+              <a:extLst>
+                <a:ext uri="{FF2B5EF4-FFF2-40B4-BE49-F238E27FC236}">
+                  <a16:creationId xmlns:a16="http://schemas.microsoft.com/office/drawing/2014/main" id="{8AC1F569-18AF-4161-9243-4BC4EF44A06C}"/>
+                </a:ext>
+              </a:extLst>
+            </p:cNvPr>
+            <p:cNvPicPr>
+              <a:picLocks noChangeAspect="1"/>
+            </p:cNvPicPr>
+            <p:nvPr/>
+          </p:nvPicPr>
+          <p:blipFill>
+            <a:blip r:embed="rId4"/>
+            <a:stretch>
+              <a:fillRect/>
+            </a:stretch>
+          </p:blipFill>
+          <p:spPr>
+            <a:xfrm>
+              <a:off x="2577496" y="5463749"/>
+              <a:ext cx="161893" cy="147638"/>
+            </a:xfrm>
+            <a:prstGeom prst="rect">
+              <a:avLst/>
+            </a:prstGeom>
+          </p:spPr>
+        </p:pic>
+        <p:pic>
+          <p:nvPicPr>
+            <p:cNvPr id="26" name="Picture 25">
+              <a:extLst>
+                <a:ext uri="{FF2B5EF4-FFF2-40B4-BE49-F238E27FC236}">
+                  <a16:creationId xmlns:a16="http://schemas.microsoft.com/office/drawing/2014/main" id="{774ED6B5-1EC3-424C-B3A0-2CE944762D77}"/>
+                </a:ext>
+              </a:extLst>
+            </p:cNvPr>
+            <p:cNvPicPr>
+              <a:picLocks noChangeAspect="1"/>
+            </p:cNvPicPr>
+            <p:nvPr/>
+          </p:nvPicPr>
+          <p:blipFill>
+            <a:blip r:embed="rId5"/>
+            <a:stretch>
+              <a:fillRect/>
+            </a:stretch>
+          </p:blipFill>
+          <p:spPr>
+            <a:xfrm>
+              <a:off x="2227667" y="5467789"/>
+              <a:ext cx="149674" cy="147638"/>
+            </a:xfrm>
+            <a:prstGeom prst="rect">
+              <a:avLst/>
+            </a:prstGeom>
+          </p:spPr>
+        </p:pic>
+        <p:pic>
+          <p:nvPicPr>
+            <p:cNvPr id="27" name="Picture 26">
+              <a:extLst>
+                <a:ext uri="{FF2B5EF4-FFF2-40B4-BE49-F238E27FC236}">
+                  <a16:creationId xmlns:a16="http://schemas.microsoft.com/office/drawing/2014/main" id="{970F794C-0ABA-456E-9E6B-39622FC9DDEA}"/>
+                </a:ext>
+              </a:extLst>
+            </p:cNvPr>
+            <p:cNvPicPr>
+              <a:picLocks noChangeAspect="1"/>
+            </p:cNvPicPr>
+            <p:nvPr/>
+          </p:nvPicPr>
+          <p:blipFill>
+            <a:blip r:embed="rId4"/>
+            <a:stretch>
+              <a:fillRect/>
+            </a:stretch>
+          </p:blipFill>
+          <p:spPr>
+            <a:xfrm>
+              <a:off x="2202507" y="5632164"/>
+              <a:ext cx="161893" cy="147638"/>
+            </a:xfrm>
+            <a:prstGeom prst="rect">
+              <a:avLst/>
+            </a:prstGeom>
+          </p:spPr>
+        </p:pic>
+        <p:pic>
+          <p:nvPicPr>
+            <p:cNvPr id="28" name="Picture 27">
+              <a:extLst>
+                <a:ext uri="{FF2B5EF4-FFF2-40B4-BE49-F238E27FC236}">
+                  <a16:creationId xmlns:a16="http://schemas.microsoft.com/office/drawing/2014/main" id="{F95A1C7F-8CCC-4EDD-92FA-E5E84CD0E027}"/>
+                </a:ext>
+              </a:extLst>
+            </p:cNvPr>
+            <p:cNvPicPr>
+              <a:picLocks noChangeAspect="1"/>
+            </p:cNvPicPr>
+            <p:nvPr/>
+          </p:nvPicPr>
+          <p:blipFill>
+            <a:blip r:embed="rId5"/>
+            <a:stretch>
+              <a:fillRect/>
+            </a:stretch>
+          </p:blipFill>
+          <p:spPr>
+            <a:xfrm>
+              <a:off x="1852678" y="5636204"/>
+              <a:ext cx="149674" cy="147638"/>
+            </a:xfrm>
+            <a:prstGeom prst="rect">
+              <a:avLst/>
+            </a:prstGeom>
+          </p:spPr>
+        </p:pic>
+      </p:grpSp>
+      <p:sp>
+        <p:nvSpPr>
+          <p:cNvPr id="29" name="TextBox 28">
+            <a:extLst>
+              <a:ext uri="{FF2B5EF4-FFF2-40B4-BE49-F238E27FC236}">
+                <a16:creationId xmlns:a16="http://schemas.microsoft.com/office/drawing/2014/main" id="{4A391B46-B4C1-4F42-BCAD-F590C5A1B901}"/>
+              </a:ext>
+            </a:extLst>
+          </p:cNvPr>
+          <p:cNvSpPr txBox="1"/>
+          <p:nvPr/>
+        </p:nvSpPr>
+        <p:spPr>
+          <a:xfrm>
+            <a:off x="1262062" y="4666267"/>
+            <a:ext cx="980140" cy="307777"/>
+          </a:xfrm>
+          <a:prstGeom prst="rect">
+            <a:avLst/>
+          </a:prstGeom>
+          <a:noFill/>
+        </p:spPr>
+        <p:txBody>
+          <a:bodyPr wrap="none" rtlCol="0">
+            <a:spAutoFit/>
+          </a:bodyPr>
+          <a:lstStyle/>
+          <a:p>
+            <a:r>
+              <a:rPr lang="en-US" sz="1400" b="1"/>
+              <a:t>Frame info</a:t>
+            </a:r>
+          </a:p>
+        </p:txBody>
+      </p:sp>
+      <p:pic>
+        <p:nvPicPr>
+          <p:cNvPr id="30" name="Picture 29">
+            <a:extLst>
+              <a:ext uri="{FF2B5EF4-FFF2-40B4-BE49-F238E27FC236}">
+                <a16:creationId xmlns:a16="http://schemas.microsoft.com/office/drawing/2014/main" id="{9EED2309-3506-4888-9190-A4FA1C3E6DA3}"/>
+              </a:ext>
+            </a:extLst>
+          </p:cNvPr>
+          <p:cNvPicPr>
+            <a:picLocks noChangeAspect="1"/>
+          </p:cNvPicPr>
+          <p:nvPr/>
+        </p:nvPicPr>
+        <p:blipFill>
+          <a:blip r:embed="rId4"/>
+          <a:stretch>
+            <a:fillRect/>
+          </a:stretch>
+        </p:blipFill>
+        <p:spPr>
+          <a:xfrm>
+            <a:off x="2638373" y="3702043"/>
+            <a:ext cx="161893" cy="147638"/>
+          </a:xfrm>
+          <a:prstGeom prst="rect">
+            <a:avLst/>
+          </a:prstGeom>
+        </p:spPr>
+      </p:pic>
+      <p:pic>
+        <p:nvPicPr>
+          <p:cNvPr id="31" name="Picture 30">
+            <a:extLst>
+              <a:ext uri="{FF2B5EF4-FFF2-40B4-BE49-F238E27FC236}">
+                <a16:creationId xmlns:a16="http://schemas.microsoft.com/office/drawing/2014/main" id="{568AFC7B-0776-4B41-A08F-D023C2A781CB}"/>
+              </a:ext>
+            </a:extLst>
+          </p:cNvPr>
+          <p:cNvPicPr>
+            <a:picLocks noChangeAspect="1"/>
+          </p:cNvPicPr>
+          <p:nvPr/>
+        </p:nvPicPr>
+        <p:blipFill>
+          <a:blip r:embed="rId5"/>
+          <a:stretch>
+            <a:fillRect/>
+          </a:stretch>
+        </p:blipFill>
+        <p:spPr>
+          <a:xfrm>
+            <a:off x="2244272" y="3706083"/>
+            <a:ext cx="149674" cy="147638"/>
+          </a:xfrm>
+          <a:prstGeom prst="rect">
+            <a:avLst/>
+          </a:prstGeom>
+        </p:spPr>
+      </p:pic>
+      <p:pic>
+        <p:nvPicPr>
+          <p:cNvPr id="32" name="Picture 31">
+            <a:extLst>
+              <a:ext uri="{FF2B5EF4-FFF2-40B4-BE49-F238E27FC236}">
+                <a16:creationId xmlns:a16="http://schemas.microsoft.com/office/drawing/2014/main" id="{2CEDAF7C-3B01-418B-8D61-03BE3E86EE43}"/>
+              </a:ext>
+            </a:extLst>
+          </p:cNvPr>
+          <p:cNvPicPr>
+            <a:picLocks noChangeAspect="1"/>
+          </p:cNvPicPr>
+          <p:nvPr/>
+        </p:nvPicPr>
+        <p:blipFill>
+          <a:blip r:embed="rId4"/>
+          <a:stretch>
+            <a:fillRect/>
+          </a:stretch>
+        </p:blipFill>
+        <p:spPr>
+          <a:xfrm>
+            <a:off x="2640985" y="3863928"/>
+            <a:ext cx="161893" cy="147638"/>
+          </a:xfrm>
+          <a:prstGeom prst="rect">
+            <a:avLst/>
+          </a:prstGeom>
+        </p:spPr>
+      </p:pic>
+      <p:pic>
+        <p:nvPicPr>
+          <p:cNvPr id="33" name="Picture 32">
+            <a:extLst>
+              <a:ext uri="{FF2B5EF4-FFF2-40B4-BE49-F238E27FC236}">
+                <a16:creationId xmlns:a16="http://schemas.microsoft.com/office/drawing/2014/main" id="{761DC41A-8383-4203-814F-F78A2C1BCA5A}"/>
+              </a:ext>
+            </a:extLst>
+          </p:cNvPr>
+          <p:cNvPicPr>
+            <a:picLocks noChangeAspect="1"/>
+          </p:cNvPicPr>
+          <p:nvPr/>
+        </p:nvPicPr>
+        <p:blipFill>
+          <a:blip r:embed="rId5"/>
+          <a:stretch>
+            <a:fillRect/>
+          </a:stretch>
+        </p:blipFill>
+        <p:spPr>
+          <a:xfrm>
+            <a:off x="2246884" y="3867968"/>
+            <a:ext cx="149674" cy="147638"/>
+          </a:xfrm>
+          <a:prstGeom prst="rect">
+            <a:avLst/>
+          </a:prstGeom>
+        </p:spPr>
+      </p:pic>
+      <p:cxnSp>
+        <p:nvCxnSpPr>
+          <p:cNvPr id="34" name="Straight Connector 33">
+            <a:extLst>
+              <a:ext uri="{FF2B5EF4-FFF2-40B4-BE49-F238E27FC236}">
+                <a16:creationId xmlns:a16="http://schemas.microsoft.com/office/drawing/2014/main" id="{5F183EAF-DBA9-4232-BB7F-26FF01FC398C}"/>
+              </a:ext>
+            </a:extLst>
+          </p:cNvPr>
+          <p:cNvCxnSpPr>
+            <a:cxnSpLocks/>
+          </p:cNvCxnSpPr>
+          <p:nvPr/>
+        </p:nvCxnSpPr>
+        <p:spPr>
+          <a:xfrm flipV="1">
+            <a:off x="2453343" y="4236577"/>
+            <a:ext cx="2750632" cy="793002"/>
+          </a:xfrm>
+          <a:prstGeom prst="line">
+            <a:avLst/>
+          </a:prstGeom>
+          <a:ln>
+            <a:solidFill>
+              <a:srgbClr val="FF0000"/>
+            </a:solidFill>
+          </a:ln>
+        </p:spPr>
+        <p:style>
+          <a:lnRef idx="1">
+            <a:schemeClr val="accent2"/>
+          </a:lnRef>
+          <a:fillRef idx="0">
+            <a:schemeClr val="accent2"/>
+          </a:fillRef>
+          <a:effectRef idx="0">
+            <a:schemeClr val="accent2"/>
+          </a:effectRef>
+          <a:fontRef idx="minor">
+            <a:schemeClr val="tx1"/>
+          </a:fontRef>
+        </p:style>
+      </p:cxnSp>
+      <p:grpSp>
+        <p:nvGrpSpPr>
+          <p:cNvPr id="13" name="Group 12">
+            <a:extLst>
+              <a:ext uri="{FF2B5EF4-FFF2-40B4-BE49-F238E27FC236}">
+                <a16:creationId xmlns:a16="http://schemas.microsoft.com/office/drawing/2014/main" id="{25C0E863-6C17-43C3-9D56-1078A81AF6E2}"/>
+              </a:ext>
+            </a:extLst>
+          </p:cNvPr>
+          <p:cNvGrpSpPr/>
+          <p:nvPr/>
+        </p:nvGrpSpPr>
+        <p:grpSpPr>
+          <a:xfrm>
+            <a:off x="2250391" y="4936488"/>
+            <a:ext cx="391454" cy="253916"/>
+            <a:chOff x="4364021" y="4958521"/>
+            <a:chExt cx="391454" cy="253916"/>
+          </a:xfrm>
+        </p:grpSpPr>
+        <p:sp>
+          <p:nvSpPr>
+            <p:cNvPr id="9" name="Rectangle 8">
+              <a:extLst>
+                <a:ext uri="{FF2B5EF4-FFF2-40B4-BE49-F238E27FC236}">
+                  <a16:creationId xmlns:a16="http://schemas.microsoft.com/office/drawing/2014/main" id="{78606B28-4B12-41BE-94D0-CA5FEC8AC24B}"/>
+                </a:ext>
+              </a:extLst>
+            </p:cNvPr>
+            <p:cNvSpPr/>
+            <p:nvPr/>
+          </p:nvSpPr>
+          <p:spPr>
+            <a:xfrm>
+              <a:off x="4416252" y="4979686"/>
+              <a:ext cx="290512" cy="199479"/>
+            </a:xfrm>
+            <a:prstGeom prst="rect">
+              <a:avLst/>
+            </a:prstGeom>
+            <a:solidFill>
+              <a:srgbClr val="FFFFFF"/>
+            </a:solidFill>
+            <a:ln>
+              <a:solidFill>
+                <a:schemeClr val="tx1"/>
+              </a:solidFill>
+            </a:ln>
+          </p:spPr>
+          <p:style>
+            <a:lnRef idx="2">
+              <a:schemeClr val="accent1">
+                <a:shade val="50000"/>
+              </a:schemeClr>
+            </a:lnRef>
+            <a:fillRef idx="1">
+              <a:schemeClr val="accent1"/>
+            </a:fillRef>
+            <a:effectRef idx="0">
+              <a:schemeClr val="accent1"/>
+            </a:effectRef>
+            <a:fontRef idx="minor">
+              <a:schemeClr val="lt1"/>
+            </a:fontRef>
+          </p:style>
+          <p:txBody>
+            <a:bodyPr rtlCol="0" anchor="ctr"/>
+            <a:lstStyle/>
+            <a:p>
+              <a:pPr algn="ctr"/>
+              <a:endParaRPr lang="en-US"/>
+            </a:p>
+          </p:txBody>
+        </p:sp>
+        <p:sp>
+          <p:nvSpPr>
+            <p:cNvPr id="8" name="TextBox 7">
+              <a:extLst>
+                <a:ext uri="{FF2B5EF4-FFF2-40B4-BE49-F238E27FC236}">
+                  <a16:creationId xmlns:a16="http://schemas.microsoft.com/office/drawing/2014/main" id="{2310A27A-4716-4E70-B84E-AF621FEF912A}"/>
+                </a:ext>
+              </a:extLst>
+            </p:cNvPr>
+            <p:cNvSpPr txBox="1"/>
+            <p:nvPr/>
+          </p:nvSpPr>
+          <p:spPr>
+            <a:xfrm>
+              <a:off x="4364021" y="4958521"/>
+              <a:ext cx="391454" cy="253916"/>
+            </a:xfrm>
+            <a:prstGeom prst="rect">
+              <a:avLst/>
+            </a:prstGeom>
+            <a:noFill/>
+          </p:spPr>
+          <p:txBody>
+            <a:bodyPr wrap="none" rtlCol="0">
+              <a:spAutoFit/>
+            </a:bodyPr>
+            <a:lstStyle/>
+            <a:p>
+              <a:r>
+                <a:rPr lang="en-US" sz="1050"/>
+                <a:t>640</a:t>
+              </a:r>
+            </a:p>
+          </p:txBody>
+        </p:sp>
+      </p:grpSp>
+      <p:sp>
+        <p:nvSpPr>
+          <p:cNvPr id="35" name="TextBox 34">
+            <a:extLst>
+              <a:ext uri="{FF2B5EF4-FFF2-40B4-BE49-F238E27FC236}">
+                <a16:creationId xmlns:a16="http://schemas.microsoft.com/office/drawing/2014/main" id="{FBEAFCA6-EE72-4C75-BD0B-9FCF58141708}"/>
+              </a:ext>
+            </a:extLst>
+          </p:cNvPr>
+          <p:cNvSpPr txBox="1"/>
+          <p:nvPr/>
+        </p:nvSpPr>
+        <p:spPr>
+          <a:xfrm>
+            <a:off x="5368475" y="3775862"/>
+            <a:ext cx="3376245" cy="938719"/>
+          </a:xfrm>
+          <a:prstGeom prst="rect">
+            <a:avLst/>
+          </a:prstGeom>
+          <a:noFill/>
+        </p:spPr>
+        <p:txBody>
+          <a:bodyPr wrap="none" rtlCol="0">
+            <a:spAutoFit/>
+          </a:bodyPr>
+          <a:lstStyle/>
+          <a:p>
+            <a:r>
+              <a:rPr lang="en-US" sz="1100">
+                <a:latin typeface="Arial" panose="020B0604020202020204" pitchFamily="34" charset="0"/>
+                <a:cs typeface="Arial" panose="020B0604020202020204" pitchFamily="34" charset="0"/>
+              </a:rPr>
+              <a:t>Double click để hiển thị text box</a:t>
+            </a:r>
+            <a:br>
+              <a:rPr lang="en-US" sz="1100">
+                <a:latin typeface="Arial" panose="020B0604020202020204" pitchFamily="34" charset="0"/>
+                <a:cs typeface="Arial" panose="020B0604020202020204" pitchFamily="34" charset="0"/>
+              </a:rPr>
+            </a:br>
+            <a:r>
+              <a:rPr lang="en-US" sz="1100">
+                <a:latin typeface="Arial" panose="020B0604020202020204" pitchFamily="34" charset="0"/>
+                <a:cs typeface="Arial" panose="020B0604020202020204" pitchFamily="34" charset="0"/>
+              </a:rPr>
+              <a:t>Press Esc sẽ tắt text box và quay lại giá trị ban đầu</a:t>
+            </a:r>
+            <a:br>
+              <a:rPr lang="en-US" sz="1100">
+                <a:latin typeface="Arial" panose="020B0604020202020204" pitchFamily="34" charset="0"/>
+                <a:cs typeface="Arial" panose="020B0604020202020204" pitchFamily="34" charset="0"/>
+              </a:rPr>
+            </a:br>
+            <a:r>
+              <a:rPr lang="en-US" sz="1100">
+                <a:latin typeface="Arial" panose="020B0604020202020204" pitchFamily="34" charset="0"/>
+                <a:cs typeface="Arial" panose="020B0604020202020204" pitchFamily="34" charset="0"/>
+              </a:rPr>
+              <a:t>Lost focus sẽ tắt text box và hiển thị giá trị mới</a:t>
+            </a:r>
+          </a:p>
+          <a:p>
+            <a:r>
+              <a:rPr lang="en-US" sz="1100">
+                <a:latin typeface="Arial" panose="020B0604020202020204" pitchFamily="34" charset="0"/>
+                <a:cs typeface="Arial" panose="020B0604020202020204" pitchFamily="34" charset="0"/>
+              </a:rPr>
+              <a:t>Press Enter sẽ tắt text box và hiển thị giá trị mới</a:t>
+            </a:r>
+            <a:br>
+              <a:rPr lang="en-US" sz="1100">
+                <a:latin typeface="Arial" panose="020B0604020202020204" pitchFamily="34" charset="0"/>
+                <a:cs typeface="Arial" panose="020B0604020202020204" pitchFamily="34" charset="0"/>
+              </a:rPr>
+            </a:br>
+            <a:r>
+              <a:rPr lang="en-US" sz="1100">
+                <a:latin typeface="Arial" panose="020B0604020202020204" pitchFamily="34" charset="0"/>
+                <a:cs typeface="Arial" panose="020B0604020202020204" pitchFamily="34" charset="0"/>
+              </a:rPr>
+              <a:t>Text box nhận giá trị từ 0 đến 65535 (ushort.Max)</a:t>
+            </a:r>
+          </a:p>
+        </p:txBody>
+      </p:sp>
+    </p:spTree>
+    <p:extLst>
+      <p:ext uri="{BB962C8B-B14F-4D97-AF65-F5344CB8AC3E}">
+        <p14:creationId xmlns:p14="http://schemas.microsoft.com/office/powerpoint/2010/main" val="3633184273"/>
       </p:ext>
     </p:extLst>
   </p:cSld>
